--- a/effective-java.pptx
+++ b/effective-java.pptx
@@ -5,14 +5,15 @@
     <p:sldMasterId id="2147483648" r:id="rId1"/>
   </p:sldMasterIdLst>
   <p:sldIdLst>
-    <p:sldId id="256" r:id="rId2"/>
-    <p:sldId id="257" r:id="rId3"/>
-    <p:sldId id="258" r:id="rId4"/>
-    <p:sldId id="259" r:id="rId5"/>
-    <p:sldId id="260" r:id="rId6"/>
-    <p:sldId id="261" r:id="rId7"/>
-    <p:sldId id="262" r:id="rId8"/>
-    <p:sldId id="263" r:id="rId9"/>
+    <p:sldId id="264" r:id="rId2"/>
+    <p:sldId id="256" r:id="rId3"/>
+    <p:sldId id="257" r:id="rId4"/>
+    <p:sldId id="258" r:id="rId5"/>
+    <p:sldId id="259" r:id="rId6"/>
+    <p:sldId id="260" r:id="rId7"/>
+    <p:sldId id="261" r:id="rId8"/>
+    <p:sldId id="262" r:id="rId9"/>
+    <p:sldId id="263" r:id="rId10"/>
   </p:sldIdLst>
   <p:sldSz cx="12192000" cy="6858000"/>
   <p:notesSz cx="6858000" cy="9144000"/>
@@ -161,10 +162,9 @@
           </a:lstStyle>
           <a:p>
             <a:r>
-              <a:rPr lang="fr-FR" smtClean="0"/>
+              <a:rPr lang="fr-FR"/>
               <a:t>Modifiez le style du titre</a:t>
             </a:r>
-            <a:endParaRPr lang="fr-FR"/>
           </a:p>
         </p:txBody>
       </p:sp>
@@ -226,10 +226,9 @@
           </a:lstStyle>
           <a:p>
             <a:r>
-              <a:rPr lang="fr-FR" smtClean="0"/>
+              <a:rPr lang="fr-FR"/>
               <a:t>Modifiez le style des sous-titres du masque</a:t>
             </a:r>
-            <a:endParaRPr lang="fr-FR"/>
           </a:p>
         </p:txBody>
       </p:sp>
@@ -250,7 +249,7 @@
           <a:p>
             <a:fld id="{755BA608-1639-41EA-B572-74EA19863A33}" type="datetimeFigureOut">
               <a:rPr lang="fr-FR" smtClean="0"/>
-              <a:t>08/02/2018</a:t>
+              <a:t>28/04/2019</a:t>
             </a:fld>
             <a:endParaRPr lang="fr-FR"/>
           </a:p>
@@ -344,10 +343,9 @@
           <a:lstStyle/>
           <a:p>
             <a:r>
-              <a:rPr lang="fr-FR" smtClean="0"/>
+              <a:rPr lang="fr-FR"/>
               <a:t>Modifiez le style du titre</a:t>
             </a:r>
-            <a:endParaRPr lang="fr-FR"/>
           </a:p>
         </p:txBody>
       </p:sp>
@@ -368,38 +366,37 @@
           <a:p>
             <a:pPr lvl="0"/>
             <a:r>
-              <a:rPr lang="fr-FR" smtClean="0"/>
+              <a:rPr lang="fr-FR"/>
               <a:t>Modifiez les styles du texte du masque</a:t>
             </a:r>
           </a:p>
           <a:p>
             <a:pPr lvl="1"/>
             <a:r>
-              <a:rPr lang="fr-FR" smtClean="0"/>
+              <a:rPr lang="fr-FR"/>
               <a:t>Deuxième niveau</a:t>
             </a:r>
           </a:p>
           <a:p>
             <a:pPr lvl="2"/>
             <a:r>
-              <a:rPr lang="fr-FR" smtClean="0"/>
+              <a:rPr lang="fr-FR"/>
               <a:t>Troisième niveau</a:t>
             </a:r>
           </a:p>
           <a:p>
             <a:pPr lvl="3"/>
             <a:r>
-              <a:rPr lang="fr-FR" smtClean="0"/>
+              <a:rPr lang="fr-FR"/>
               <a:t>Quatrième niveau</a:t>
             </a:r>
           </a:p>
           <a:p>
             <a:pPr lvl="4"/>
             <a:r>
-              <a:rPr lang="fr-FR" smtClean="0"/>
+              <a:rPr lang="fr-FR"/>
               <a:t>Cinquième niveau</a:t>
             </a:r>
-            <a:endParaRPr lang="fr-FR"/>
           </a:p>
         </p:txBody>
       </p:sp>
@@ -420,7 +417,7 @@
           <a:p>
             <a:fld id="{755BA608-1639-41EA-B572-74EA19863A33}" type="datetimeFigureOut">
               <a:rPr lang="fr-FR" smtClean="0"/>
-              <a:t>08/02/2018</a:t>
+              <a:t>28/04/2019</a:t>
             </a:fld>
             <a:endParaRPr lang="fr-FR"/>
           </a:p>
@@ -519,10 +516,9 @@
           <a:lstStyle/>
           <a:p>
             <a:r>
-              <a:rPr lang="fr-FR" smtClean="0"/>
+              <a:rPr lang="fr-FR"/>
               <a:t>Modifiez le style du titre</a:t>
             </a:r>
-            <a:endParaRPr lang="fr-FR"/>
           </a:p>
         </p:txBody>
       </p:sp>
@@ -548,38 +544,37 @@
           <a:p>
             <a:pPr lvl="0"/>
             <a:r>
-              <a:rPr lang="fr-FR" smtClean="0"/>
+              <a:rPr lang="fr-FR"/>
               <a:t>Modifiez les styles du texte du masque</a:t>
             </a:r>
           </a:p>
           <a:p>
             <a:pPr lvl="1"/>
             <a:r>
-              <a:rPr lang="fr-FR" smtClean="0"/>
+              <a:rPr lang="fr-FR"/>
               <a:t>Deuxième niveau</a:t>
             </a:r>
           </a:p>
           <a:p>
             <a:pPr lvl="2"/>
             <a:r>
-              <a:rPr lang="fr-FR" smtClean="0"/>
+              <a:rPr lang="fr-FR"/>
               <a:t>Troisième niveau</a:t>
             </a:r>
           </a:p>
           <a:p>
             <a:pPr lvl="3"/>
             <a:r>
-              <a:rPr lang="fr-FR" smtClean="0"/>
+              <a:rPr lang="fr-FR"/>
               <a:t>Quatrième niveau</a:t>
             </a:r>
           </a:p>
           <a:p>
             <a:pPr lvl="4"/>
             <a:r>
-              <a:rPr lang="fr-FR" smtClean="0"/>
+              <a:rPr lang="fr-FR"/>
               <a:t>Cinquième niveau</a:t>
             </a:r>
-            <a:endParaRPr lang="fr-FR"/>
           </a:p>
         </p:txBody>
       </p:sp>
@@ -600,7 +595,7 @@
           <a:p>
             <a:fld id="{755BA608-1639-41EA-B572-74EA19863A33}" type="datetimeFigureOut">
               <a:rPr lang="fr-FR" smtClean="0"/>
-              <a:t>08/02/2018</a:t>
+              <a:t>28/04/2019</a:t>
             </a:fld>
             <a:endParaRPr lang="fr-FR"/>
           </a:p>
@@ -694,10 +689,9 @@
           <a:lstStyle/>
           <a:p>
             <a:r>
-              <a:rPr lang="fr-FR" smtClean="0"/>
+              <a:rPr lang="fr-FR"/>
               <a:t>Modifiez le style du titre</a:t>
             </a:r>
-            <a:endParaRPr lang="fr-FR"/>
           </a:p>
         </p:txBody>
       </p:sp>
@@ -718,38 +712,37 @@
           <a:p>
             <a:pPr lvl="0"/>
             <a:r>
-              <a:rPr lang="fr-FR" smtClean="0"/>
+              <a:rPr lang="fr-FR"/>
               <a:t>Modifiez les styles du texte du masque</a:t>
             </a:r>
           </a:p>
           <a:p>
             <a:pPr lvl="1"/>
             <a:r>
-              <a:rPr lang="fr-FR" smtClean="0"/>
+              <a:rPr lang="fr-FR"/>
               <a:t>Deuxième niveau</a:t>
             </a:r>
           </a:p>
           <a:p>
             <a:pPr lvl="2"/>
             <a:r>
-              <a:rPr lang="fr-FR" smtClean="0"/>
+              <a:rPr lang="fr-FR"/>
               <a:t>Troisième niveau</a:t>
             </a:r>
           </a:p>
           <a:p>
             <a:pPr lvl="3"/>
             <a:r>
-              <a:rPr lang="fr-FR" smtClean="0"/>
+              <a:rPr lang="fr-FR"/>
               <a:t>Quatrième niveau</a:t>
             </a:r>
           </a:p>
           <a:p>
             <a:pPr lvl="4"/>
             <a:r>
-              <a:rPr lang="fr-FR" smtClean="0"/>
+              <a:rPr lang="fr-FR"/>
               <a:t>Cinquième niveau</a:t>
             </a:r>
-            <a:endParaRPr lang="fr-FR"/>
           </a:p>
         </p:txBody>
       </p:sp>
@@ -770,7 +763,7 @@
           <a:p>
             <a:fld id="{755BA608-1639-41EA-B572-74EA19863A33}" type="datetimeFigureOut">
               <a:rPr lang="fr-FR" smtClean="0"/>
-              <a:t>08/02/2018</a:t>
+              <a:t>28/04/2019</a:t>
             </a:fld>
             <a:endParaRPr lang="fr-FR"/>
           </a:p>
@@ -873,10 +866,9 @@
           </a:lstStyle>
           <a:p>
             <a:r>
-              <a:rPr lang="fr-FR" smtClean="0"/>
+              <a:rPr lang="fr-FR"/>
               <a:t>Modifiez le style du titre</a:t>
             </a:r>
-            <a:endParaRPr lang="fr-FR"/>
           </a:p>
         </p:txBody>
       </p:sp>
@@ -993,7 +985,7 @@
           <a:p>
             <a:pPr lvl="0"/>
             <a:r>
-              <a:rPr lang="fr-FR" smtClean="0"/>
+              <a:rPr lang="fr-FR"/>
               <a:t>Modifiez les styles du texte du masque</a:t>
             </a:r>
           </a:p>
@@ -1016,7 +1008,7 @@
           <a:p>
             <a:fld id="{755BA608-1639-41EA-B572-74EA19863A33}" type="datetimeFigureOut">
               <a:rPr lang="fr-FR" smtClean="0"/>
-              <a:t>08/02/2018</a:t>
+              <a:t>28/04/2019</a:t>
             </a:fld>
             <a:endParaRPr lang="fr-FR"/>
           </a:p>
@@ -1110,10 +1102,9 @@
           <a:lstStyle/>
           <a:p>
             <a:r>
-              <a:rPr lang="fr-FR" smtClean="0"/>
+              <a:rPr lang="fr-FR"/>
               <a:t>Modifiez le style du titre</a:t>
             </a:r>
-            <a:endParaRPr lang="fr-FR"/>
           </a:p>
         </p:txBody>
       </p:sp>
@@ -1139,38 +1130,37 @@
           <a:p>
             <a:pPr lvl="0"/>
             <a:r>
-              <a:rPr lang="fr-FR" smtClean="0"/>
+              <a:rPr lang="fr-FR"/>
               <a:t>Modifiez les styles du texte du masque</a:t>
             </a:r>
           </a:p>
           <a:p>
             <a:pPr lvl="1"/>
             <a:r>
-              <a:rPr lang="fr-FR" smtClean="0"/>
+              <a:rPr lang="fr-FR"/>
               <a:t>Deuxième niveau</a:t>
             </a:r>
           </a:p>
           <a:p>
             <a:pPr lvl="2"/>
             <a:r>
-              <a:rPr lang="fr-FR" smtClean="0"/>
+              <a:rPr lang="fr-FR"/>
               <a:t>Troisième niveau</a:t>
             </a:r>
           </a:p>
           <a:p>
             <a:pPr lvl="3"/>
             <a:r>
-              <a:rPr lang="fr-FR" smtClean="0"/>
+              <a:rPr lang="fr-FR"/>
               <a:t>Quatrième niveau</a:t>
             </a:r>
           </a:p>
           <a:p>
             <a:pPr lvl="4"/>
             <a:r>
-              <a:rPr lang="fr-FR" smtClean="0"/>
+              <a:rPr lang="fr-FR"/>
               <a:t>Cinquième niveau</a:t>
             </a:r>
-            <a:endParaRPr lang="fr-FR"/>
           </a:p>
         </p:txBody>
       </p:sp>
@@ -1196,38 +1186,37 @@
           <a:p>
             <a:pPr lvl="0"/>
             <a:r>
-              <a:rPr lang="fr-FR" smtClean="0"/>
+              <a:rPr lang="fr-FR"/>
               <a:t>Modifiez les styles du texte du masque</a:t>
             </a:r>
           </a:p>
           <a:p>
             <a:pPr lvl="1"/>
             <a:r>
-              <a:rPr lang="fr-FR" smtClean="0"/>
+              <a:rPr lang="fr-FR"/>
               <a:t>Deuxième niveau</a:t>
             </a:r>
           </a:p>
           <a:p>
             <a:pPr lvl="2"/>
             <a:r>
-              <a:rPr lang="fr-FR" smtClean="0"/>
+              <a:rPr lang="fr-FR"/>
               <a:t>Troisième niveau</a:t>
             </a:r>
           </a:p>
           <a:p>
             <a:pPr lvl="3"/>
             <a:r>
-              <a:rPr lang="fr-FR" smtClean="0"/>
+              <a:rPr lang="fr-FR"/>
               <a:t>Quatrième niveau</a:t>
             </a:r>
           </a:p>
           <a:p>
             <a:pPr lvl="4"/>
             <a:r>
-              <a:rPr lang="fr-FR" smtClean="0"/>
+              <a:rPr lang="fr-FR"/>
               <a:t>Cinquième niveau</a:t>
             </a:r>
-            <a:endParaRPr lang="fr-FR"/>
           </a:p>
         </p:txBody>
       </p:sp>
@@ -1248,7 +1237,7 @@
           <a:p>
             <a:fld id="{755BA608-1639-41EA-B572-74EA19863A33}" type="datetimeFigureOut">
               <a:rPr lang="fr-FR" smtClean="0"/>
-              <a:t>08/02/2018</a:t>
+              <a:t>28/04/2019</a:t>
             </a:fld>
             <a:endParaRPr lang="fr-FR"/>
           </a:p>
@@ -1347,10 +1336,9 @@
           <a:lstStyle/>
           <a:p>
             <a:r>
-              <a:rPr lang="fr-FR" smtClean="0"/>
+              <a:rPr lang="fr-FR"/>
               <a:t>Modifiez le style du titre</a:t>
             </a:r>
-            <a:endParaRPr lang="fr-FR"/>
           </a:p>
         </p:txBody>
       </p:sp>
@@ -1413,7 +1401,7 @@
           <a:p>
             <a:pPr lvl="0"/>
             <a:r>
-              <a:rPr lang="fr-FR" smtClean="0"/>
+              <a:rPr lang="fr-FR"/>
               <a:t>Modifiez les styles du texte du masque</a:t>
             </a:r>
           </a:p>
@@ -1441,38 +1429,37 @@
           <a:p>
             <a:pPr lvl="0"/>
             <a:r>
-              <a:rPr lang="fr-FR" smtClean="0"/>
+              <a:rPr lang="fr-FR"/>
               <a:t>Modifiez les styles du texte du masque</a:t>
             </a:r>
           </a:p>
           <a:p>
             <a:pPr lvl="1"/>
             <a:r>
-              <a:rPr lang="fr-FR" smtClean="0"/>
+              <a:rPr lang="fr-FR"/>
               <a:t>Deuxième niveau</a:t>
             </a:r>
           </a:p>
           <a:p>
             <a:pPr lvl="2"/>
             <a:r>
-              <a:rPr lang="fr-FR" smtClean="0"/>
+              <a:rPr lang="fr-FR"/>
               <a:t>Troisième niveau</a:t>
             </a:r>
           </a:p>
           <a:p>
             <a:pPr lvl="3"/>
             <a:r>
-              <a:rPr lang="fr-FR" smtClean="0"/>
+              <a:rPr lang="fr-FR"/>
               <a:t>Quatrième niveau</a:t>
             </a:r>
           </a:p>
           <a:p>
             <a:pPr lvl="4"/>
             <a:r>
-              <a:rPr lang="fr-FR" smtClean="0"/>
+              <a:rPr lang="fr-FR"/>
               <a:t>Cinquième niveau</a:t>
             </a:r>
-            <a:endParaRPr lang="fr-FR"/>
           </a:p>
         </p:txBody>
       </p:sp>
@@ -1535,7 +1522,7 @@
           <a:p>
             <a:pPr lvl="0"/>
             <a:r>
-              <a:rPr lang="fr-FR" smtClean="0"/>
+              <a:rPr lang="fr-FR"/>
               <a:t>Modifiez les styles du texte du masque</a:t>
             </a:r>
           </a:p>
@@ -1563,38 +1550,37 @@
           <a:p>
             <a:pPr lvl="0"/>
             <a:r>
-              <a:rPr lang="fr-FR" smtClean="0"/>
+              <a:rPr lang="fr-FR"/>
               <a:t>Modifiez les styles du texte du masque</a:t>
             </a:r>
           </a:p>
           <a:p>
             <a:pPr lvl="1"/>
             <a:r>
-              <a:rPr lang="fr-FR" smtClean="0"/>
+              <a:rPr lang="fr-FR"/>
               <a:t>Deuxième niveau</a:t>
             </a:r>
           </a:p>
           <a:p>
             <a:pPr lvl="2"/>
             <a:r>
-              <a:rPr lang="fr-FR" smtClean="0"/>
+              <a:rPr lang="fr-FR"/>
               <a:t>Troisième niveau</a:t>
             </a:r>
           </a:p>
           <a:p>
             <a:pPr lvl="3"/>
             <a:r>
-              <a:rPr lang="fr-FR" smtClean="0"/>
+              <a:rPr lang="fr-FR"/>
               <a:t>Quatrième niveau</a:t>
             </a:r>
           </a:p>
           <a:p>
             <a:pPr lvl="4"/>
             <a:r>
-              <a:rPr lang="fr-FR" smtClean="0"/>
+              <a:rPr lang="fr-FR"/>
               <a:t>Cinquième niveau</a:t>
             </a:r>
-            <a:endParaRPr lang="fr-FR"/>
           </a:p>
         </p:txBody>
       </p:sp>
@@ -1615,7 +1601,7 @@
           <a:p>
             <a:fld id="{755BA608-1639-41EA-B572-74EA19863A33}" type="datetimeFigureOut">
               <a:rPr lang="fr-FR" smtClean="0"/>
-              <a:t>08/02/2018</a:t>
+              <a:t>28/04/2019</a:t>
             </a:fld>
             <a:endParaRPr lang="fr-FR"/>
           </a:p>
@@ -1709,10 +1695,9 @@
           <a:lstStyle/>
           <a:p>
             <a:r>
-              <a:rPr lang="fr-FR" smtClean="0"/>
+              <a:rPr lang="fr-FR"/>
               <a:t>Modifiez le style du titre</a:t>
             </a:r>
-            <a:endParaRPr lang="fr-FR"/>
           </a:p>
         </p:txBody>
       </p:sp>
@@ -1733,7 +1718,7 @@
           <a:p>
             <a:fld id="{755BA608-1639-41EA-B572-74EA19863A33}" type="datetimeFigureOut">
               <a:rPr lang="fr-FR" smtClean="0"/>
-              <a:t>08/02/2018</a:t>
+              <a:t>28/04/2019</a:t>
             </a:fld>
             <a:endParaRPr lang="fr-FR"/>
           </a:p>
@@ -1828,7 +1813,7 @@
           <a:p>
             <a:fld id="{755BA608-1639-41EA-B572-74EA19863A33}" type="datetimeFigureOut">
               <a:rPr lang="fr-FR" smtClean="0"/>
-              <a:t>08/02/2018</a:t>
+              <a:t>28/04/2019</a:t>
             </a:fld>
             <a:endParaRPr lang="fr-FR"/>
           </a:p>
@@ -1931,10 +1916,9 @@
           </a:lstStyle>
           <a:p>
             <a:r>
-              <a:rPr lang="fr-FR" smtClean="0"/>
+              <a:rPr lang="fr-FR"/>
               <a:t>Modifiez le style du titre</a:t>
             </a:r>
-            <a:endParaRPr lang="fr-FR"/>
           </a:p>
         </p:txBody>
       </p:sp>
@@ -1988,38 +1972,37 @@
           <a:p>
             <a:pPr lvl="0"/>
             <a:r>
-              <a:rPr lang="fr-FR" smtClean="0"/>
+              <a:rPr lang="fr-FR"/>
               <a:t>Modifiez les styles du texte du masque</a:t>
             </a:r>
           </a:p>
           <a:p>
             <a:pPr lvl="1"/>
             <a:r>
-              <a:rPr lang="fr-FR" smtClean="0"/>
+              <a:rPr lang="fr-FR"/>
               <a:t>Deuxième niveau</a:t>
             </a:r>
           </a:p>
           <a:p>
             <a:pPr lvl="2"/>
             <a:r>
-              <a:rPr lang="fr-FR" smtClean="0"/>
+              <a:rPr lang="fr-FR"/>
               <a:t>Troisième niveau</a:t>
             </a:r>
           </a:p>
           <a:p>
             <a:pPr lvl="3"/>
             <a:r>
-              <a:rPr lang="fr-FR" smtClean="0"/>
+              <a:rPr lang="fr-FR"/>
               <a:t>Quatrième niveau</a:t>
             </a:r>
           </a:p>
           <a:p>
             <a:pPr lvl="4"/>
             <a:r>
-              <a:rPr lang="fr-FR" smtClean="0"/>
+              <a:rPr lang="fr-FR"/>
               <a:t>Cinquième niveau</a:t>
             </a:r>
-            <a:endParaRPr lang="fr-FR"/>
           </a:p>
         </p:txBody>
       </p:sp>
@@ -2082,7 +2065,7 @@
           <a:p>
             <a:pPr lvl="0"/>
             <a:r>
-              <a:rPr lang="fr-FR" smtClean="0"/>
+              <a:rPr lang="fr-FR"/>
               <a:t>Modifiez les styles du texte du masque</a:t>
             </a:r>
           </a:p>
@@ -2105,7 +2088,7 @@
           <a:p>
             <a:fld id="{755BA608-1639-41EA-B572-74EA19863A33}" type="datetimeFigureOut">
               <a:rPr lang="fr-FR" smtClean="0"/>
-              <a:t>08/02/2018</a:t>
+              <a:t>28/04/2019</a:t>
             </a:fld>
             <a:endParaRPr lang="fr-FR"/>
           </a:p>
@@ -2208,10 +2191,9 @@
           </a:lstStyle>
           <a:p>
             <a:r>
-              <a:rPr lang="fr-FR" smtClean="0"/>
+              <a:rPr lang="fr-FR"/>
               <a:t>Modifiez le style du titre</a:t>
             </a:r>
-            <a:endParaRPr lang="fr-FR"/>
           </a:p>
         </p:txBody>
       </p:sp>
@@ -2335,7 +2317,7 @@
           <a:p>
             <a:pPr lvl="0"/>
             <a:r>
-              <a:rPr lang="fr-FR" smtClean="0"/>
+              <a:rPr lang="fr-FR"/>
               <a:t>Modifiez les styles du texte du masque</a:t>
             </a:r>
           </a:p>
@@ -2358,7 +2340,7 @@
           <a:p>
             <a:fld id="{755BA608-1639-41EA-B572-74EA19863A33}" type="datetimeFigureOut">
               <a:rPr lang="fr-FR" smtClean="0"/>
-              <a:t>08/02/2018</a:t>
+              <a:t>28/04/2019</a:t>
             </a:fld>
             <a:endParaRPr lang="fr-FR"/>
           </a:p>
@@ -2467,10 +2449,9 @@
           <a:lstStyle/>
           <a:p>
             <a:r>
-              <a:rPr lang="fr-FR" smtClean="0"/>
+              <a:rPr lang="fr-FR"/>
               <a:t>Modifiez le style du titre</a:t>
             </a:r>
-            <a:endParaRPr lang="fr-FR"/>
           </a:p>
         </p:txBody>
       </p:sp>
@@ -2501,38 +2482,37 @@
           <a:p>
             <a:pPr lvl="0"/>
             <a:r>
-              <a:rPr lang="fr-FR" smtClean="0"/>
+              <a:rPr lang="fr-FR"/>
               <a:t>Modifiez les styles du texte du masque</a:t>
             </a:r>
           </a:p>
           <a:p>
             <a:pPr lvl="1"/>
             <a:r>
-              <a:rPr lang="fr-FR" smtClean="0"/>
+              <a:rPr lang="fr-FR"/>
               <a:t>Deuxième niveau</a:t>
             </a:r>
           </a:p>
           <a:p>
             <a:pPr lvl="2"/>
             <a:r>
-              <a:rPr lang="fr-FR" smtClean="0"/>
+              <a:rPr lang="fr-FR"/>
               <a:t>Troisième niveau</a:t>
             </a:r>
           </a:p>
           <a:p>
             <a:pPr lvl="3"/>
             <a:r>
-              <a:rPr lang="fr-FR" smtClean="0"/>
+              <a:rPr lang="fr-FR"/>
               <a:t>Quatrième niveau</a:t>
             </a:r>
           </a:p>
           <a:p>
             <a:pPr lvl="4"/>
             <a:r>
-              <a:rPr lang="fr-FR" smtClean="0"/>
+              <a:rPr lang="fr-FR"/>
               <a:t>Cinquième niveau</a:t>
             </a:r>
-            <a:endParaRPr lang="fr-FR"/>
           </a:p>
         </p:txBody>
       </p:sp>
@@ -2571,7 +2551,7 @@
           <a:p>
             <a:fld id="{755BA608-1639-41EA-B572-74EA19863A33}" type="datetimeFigureOut">
               <a:rPr lang="fr-FR" smtClean="0"/>
-              <a:t>08/02/2018</a:t>
+              <a:t>28/04/2019</a:t>
             </a:fld>
             <a:endParaRPr lang="fr-FR"/>
           </a:p>
@@ -2962,6 +2942,14 @@
 <file path=ppt/slides/slide1.xml><?xml version="1.0" encoding="utf-8"?>
 <p:sld xmlns:a="http://schemas.openxmlformats.org/drawingml/2006/main" xmlns:r="http://schemas.openxmlformats.org/officeDocument/2006/relationships" xmlns:p="http://schemas.openxmlformats.org/presentationml/2006/main">
   <p:cSld>
+    <p:bg>
+      <p:bgPr>
+        <a:solidFill>
+          <a:schemeClr val="bg1"/>
+        </a:solidFill>
+        <a:effectLst/>
+      </p:bgPr>
+    </p:bg>
     <p:spTree>
       <p:nvGrpSpPr>
         <p:cNvPr id="1" name=""/>
@@ -2978,149 +2966,232 @@
       </p:grpSpPr>
       <p:sp>
         <p:nvSpPr>
-          <p:cNvPr id="2" name="Titre 1"/>
+          <p:cNvPr id="14" name="Rectangle 9">
+            <a:extLst>
+              <a:ext uri="{FF2B5EF4-FFF2-40B4-BE49-F238E27FC236}">
+                <a16:creationId xmlns:a16="http://schemas.microsoft.com/office/drawing/2014/main" id="{6753252F-4873-4F63-801D-CC719279A7D5}"/>
+              </a:ext>
+              <a:ext uri="{C183D7F6-B498-43B3-948B-1728B52AA6E4}">
+                <adec:decorative xmlns:adec="http://schemas.microsoft.com/office/drawing/2017/decorative" val="1"/>
+              </a:ext>
+            </a:extLst>
+          </p:cNvPr>
+          <p:cNvSpPr>
+            <a:spLocks noGrp="1" noRot="1" noChangeAspect="1" noMove="1" noResize="1" noEditPoints="1" noAdjustHandles="1" noChangeArrowheads="1" noChangeShapeType="1" noTextEdit="1"/>
+          </p:cNvSpPr>
+          <p:nvPr>
+            <p:extLst>
+              <p:ext uri="{386F3935-93C4-4BCD-93E2-E3B085C9AB24}">
+                <p16:designElem xmlns:p16="http://schemas.microsoft.com/office/powerpoint/2015/main" val="1"/>
+              </p:ext>
+            </p:extLst>
+          </p:nvPr>
+        </p:nvSpPr>
+        <p:spPr>
+          <a:xfrm>
+            <a:off x="0" y="0"/>
+            <a:ext cx="12192000" cy="6858000"/>
+          </a:xfrm>
+          <a:prstGeom prst="rect">
+            <a:avLst/>
+          </a:prstGeom>
+          <a:solidFill>
+            <a:srgbClr val="FFFFFF"/>
+          </a:solidFill>
+          <a:ln>
+            <a:noFill/>
+          </a:ln>
+        </p:spPr>
+        <p:style>
+          <a:lnRef idx="2">
+            <a:schemeClr val="accent1">
+              <a:shade val="50000"/>
+            </a:schemeClr>
+          </a:lnRef>
+          <a:fillRef idx="1">
+            <a:schemeClr val="accent1"/>
+          </a:fillRef>
+          <a:effectRef idx="0">
+            <a:schemeClr val="accent1"/>
+          </a:effectRef>
+          <a:fontRef idx="minor">
+            <a:schemeClr val="lt1"/>
+          </a:fontRef>
+        </p:style>
+        <p:txBody>
+          <a:bodyPr rtlCol="0" anchor="ctr"/>
+          <a:lstStyle/>
+          <a:p>
+            <a:pPr algn="ctr"/>
+            <a:endParaRPr lang="en-US"/>
+          </a:p>
+        </p:txBody>
+      </p:sp>
+      <p:sp>
+        <p:nvSpPr>
+          <p:cNvPr id="15" name="Rectangle 11">
+            <a:extLst>
+              <a:ext uri="{FF2B5EF4-FFF2-40B4-BE49-F238E27FC236}">
+                <a16:creationId xmlns:a16="http://schemas.microsoft.com/office/drawing/2014/main" id="{047C8CCB-F95D-4249-92DD-651249D3535A}"/>
+              </a:ext>
+              <a:ext uri="{C183D7F6-B498-43B3-948B-1728B52AA6E4}">
+                <adec:decorative xmlns:adec="http://schemas.microsoft.com/office/drawing/2017/decorative" val="1"/>
+              </a:ext>
+            </a:extLst>
+          </p:cNvPr>
+          <p:cNvSpPr>
+            <a:spLocks noGrp="1" noRot="1" noChangeAspect="1" noMove="1" noResize="1" noEditPoints="1" noAdjustHandles="1" noChangeArrowheads="1" noChangeShapeType="1" noTextEdit="1"/>
+          </p:cNvSpPr>
+          <p:nvPr>
+            <p:extLst>
+              <p:ext uri="{386F3935-93C4-4BCD-93E2-E3B085C9AB24}">
+                <p16:designElem xmlns:p16="http://schemas.microsoft.com/office/powerpoint/2015/main" val="1"/>
+              </p:ext>
+            </p:extLst>
+          </p:nvPr>
+        </p:nvSpPr>
+        <p:spPr>
+          <a:xfrm>
+            <a:off x="0" y="0"/>
+            <a:ext cx="2013557" cy="6858000"/>
+          </a:xfrm>
+          <a:prstGeom prst="rect">
+            <a:avLst/>
+          </a:prstGeom>
+          <a:solidFill>
+            <a:srgbClr val="7F7F7F"/>
+          </a:solidFill>
+          <a:ln>
+            <a:noFill/>
+          </a:ln>
+        </p:spPr>
+        <p:style>
+          <a:lnRef idx="2">
+            <a:schemeClr val="accent1">
+              <a:shade val="50000"/>
+            </a:schemeClr>
+          </a:lnRef>
+          <a:fillRef idx="1">
+            <a:schemeClr val="accent1"/>
+          </a:fillRef>
+          <a:effectRef idx="0">
+            <a:schemeClr val="accent1"/>
+          </a:effectRef>
+          <a:fontRef idx="minor">
+            <a:schemeClr val="lt1"/>
+          </a:fontRef>
+        </p:style>
+        <p:txBody>
+          <a:bodyPr rtlCol="0" anchor="ctr"/>
+          <a:lstStyle/>
+          <a:p>
+            <a:pPr algn="ctr"/>
+            <a:endParaRPr lang="en-US"/>
+          </a:p>
+        </p:txBody>
+      </p:sp>
+      <p:sp>
+        <p:nvSpPr>
+          <p:cNvPr id="2" name="Titre 1">
+            <a:extLst>
+              <a:ext uri="{FF2B5EF4-FFF2-40B4-BE49-F238E27FC236}">
+                <a16:creationId xmlns:a16="http://schemas.microsoft.com/office/drawing/2014/main" id="{53F90C8A-31E8-4366-86EB-7FC84BC6A121}"/>
+              </a:ext>
+            </a:extLst>
+          </p:cNvPr>
           <p:cNvSpPr>
             <a:spLocks noGrp="1"/>
           </p:cNvSpPr>
           <p:nvPr>
-            <p:ph type="ctrTitle"/>
+            <p:ph type="title"/>
           </p:nvPr>
         </p:nvSpPr>
         <p:spPr>
           <a:xfrm>
-            <a:off x="1030224" y="384048"/>
-            <a:ext cx="9144000" cy="1287970"/>
+            <a:off x="640080" y="2074363"/>
+            <a:ext cx="2752354" cy="2709275"/>
           </a:xfrm>
+          <a:prstGeom prst="ellipse">
+            <a:avLst/>
+          </a:prstGeom>
+          <a:solidFill>
+            <a:srgbClr val="262626"/>
+          </a:solidFill>
+          <a:ln w="174625" cmpd="thinThick">
+            <a:solidFill>
+              <a:srgbClr val="262626"/>
+            </a:solidFill>
+          </a:ln>
         </p:spPr>
         <p:txBody>
-          <a:bodyPr/>
+          <a:bodyPr vert="horz" lIns="91440" tIns="45720" rIns="91440" bIns="45720" rtlCol="0" anchor="ctr">
+            <a:normAutofit/>
+          </a:bodyPr>
           <a:lstStyle/>
           <a:p>
-            <a:r>
-              <a:rPr lang="fr-FR" dirty="0" smtClean="0"/>
-              <a:t>Motivation</a:t>
-            </a:r>
-            <a:endParaRPr lang="fr-FR" dirty="0"/>
+            <a:pPr algn="ctr"/>
+            <a:r>
+              <a:rPr lang="en-US" sz="2600" kern="1200">
+                <a:solidFill>
+                  <a:srgbClr val="FFFFFF"/>
+                </a:solidFill>
+                <a:latin typeface="+mj-lt"/>
+                <a:ea typeface="+mj-ea"/>
+                <a:cs typeface="+mj-cs"/>
+              </a:rPr>
+              <a:t>Effective Coding</a:t>
+            </a:r>
           </a:p>
         </p:txBody>
       </p:sp>
-      <p:sp>
-        <p:nvSpPr>
-          <p:cNvPr id="3" name="Sous-titre 2"/>
-          <p:cNvSpPr>
-            <a:spLocks noGrp="1"/>
-          </p:cNvSpPr>
+      <p:pic>
+        <p:nvPicPr>
+          <p:cNvPr id="5" name="Espace réservé du contenu 4">
+            <a:extLst>
+              <a:ext uri="{FF2B5EF4-FFF2-40B4-BE49-F238E27FC236}">
+                <a16:creationId xmlns:a16="http://schemas.microsoft.com/office/drawing/2014/main" id="{0772E62E-BB73-47DC-9A66-CAC231FDAF9A}"/>
+              </a:ext>
+            </a:extLst>
+          </p:cNvPr>
+          <p:cNvPicPr>
+            <a:picLocks noGrp="1" noChangeAspect="1"/>
+          </p:cNvPicPr>
           <p:nvPr>
-            <p:ph type="subTitle" idx="1"/>
+            <p:ph idx="1"/>
           </p:nvPr>
-        </p:nvSpPr>
+        </p:nvPicPr>
+        <p:blipFill>
+          <a:blip r:embed="rId2">
+            <a:extLst>
+              <a:ext uri="{28A0092B-C50C-407E-A947-70E740481C1C}">
+                <a14:useLocalDpi xmlns:a14="http://schemas.microsoft.com/office/drawing/2010/main" val="0"/>
+              </a:ext>
+            </a:extLst>
+          </a:blip>
+          <a:stretch>
+            <a:fillRect/>
+          </a:stretch>
+        </p:blipFill>
         <p:spPr>
           <a:xfrm>
-            <a:off x="1304544" y="2129854"/>
-            <a:ext cx="9144000" cy="3694874"/>
+            <a:off x="4110565" y="961812"/>
+            <a:ext cx="7044268" cy="4930987"/>
           </a:xfrm>
+          <a:prstGeom prst="rect">
+            <a:avLst/>
+          </a:prstGeom>
         </p:spPr>
-        <p:txBody>
-          <a:bodyPr>
-            <a:noAutofit/>
-          </a:bodyPr>
-          <a:lstStyle/>
-          <a:p>
-            <a:pPr algn="l"/>
-            <a:r>
-              <a:rPr lang="en-US" dirty="0" smtClean="0"/>
-              <a:t> </a:t>
-            </a:r>
-            <a:r>
-              <a:rPr lang="en-US" sz="2000" dirty="0" smtClean="0"/>
-              <a:t>How to structure your code:</a:t>
-            </a:r>
-          </a:p>
-          <a:p>
-            <a:pPr algn="l"/>
-            <a:endParaRPr lang="en-US" sz="2000" dirty="0" smtClean="0"/>
-          </a:p>
-          <a:p>
-            <a:pPr marL="342900" indent="-342900" algn="l">
-              <a:buFont typeface="Wingdings" panose="05000000000000000000" pitchFamily="2" charset="2"/>
-              <a:buChar char="q"/>
-            </a:pPr>
-            <a:r>
-              <a:rPr lang="en-US" sz="2000" dirty="0" smtClean="0"/>
-              <a:t>So that it works well?</a:t>
-            </a:r>
-          </a:p>
-          <a:p>
-            <a:pPr marL="342900" indent="-342900" algn="l">
-              <a:buFont typeface="Wingdings" panose="05000000000000000000" pitchFamily="2" charset="2"/>
-              <a:buChar char="q"/>
-            </a:pPr>
-            <a:endParaRPr lang="en-US" sz="2000" dirty="0"/>
-          </a:p>
-          <a:p>
-            <a:pPr marL="342900" indent="-342900" algn="l">
-              <a:buFont typeface="Wingdings" panose="05000000000000000000" pitchFamily="2" charset="2"/>
-              <a:buChar char="q"/>
-            </a:pPr>
-            <a:r>
-              <a:rPr lang="en-US" sz="2000" dirty="0" smtClean="0"/>
-              <a:t>So that other people can understand it?</a:t>
-            </a:r>
-          </a:p>
-          <a:p>
-            <a:pPr marL="342900" indent="-342900" algn="l">
-              <a:buFont typeface="Wingdings" panose="05000000000000000000" pitchFamily="2" charset="2"/>
-              <a:buChar char="q"/>
-            </a:pPr>
-            <a:endParaRPr lang="en-US" sz="2000" dirty="0"/>
-          </a:p>
-          <a:p>
-            <a:pPr marL="342900" indent="-342900" algn="l">
-              <a:buFont typeface="Wingdings" panose="05000000000000000000" pitchFamily="2" charset="2"/>
-              <a:buChar char="q"/>
-            </a:pPr>
-            <a:r>
-              <a:rPr lang="en-US" sz="2000" dirty="0" smtClean="0"/>
-              <a:t>So that future modifications and improvements are less likely to cause headaches?</a:t>
-            </a:r>
-          </a:p>
-          <a:p>
-            <a:pPr marL="342900" indent="-342900" algn="l">
-              <a:buFont typeface="Wingdings" panose="05000000000000000000" pitchFamily="2" charset="2"/>
-              <a:buChar char="q"/>
-            </a:pPr>
-            <a:endParaRPr lang="en-US" sz="2000" dirty="0"/>
-          </a:p>
-          <a:p>
-            <a:pPr marL="342900" indent="-342900" algn="l">
-              <a:buFont typeface="Wingdings" panose="05000000000000000000" pitchFamily="2" charset="2"/>
-              <a:buChar char="q"/>
-            </a:pPr>
-            <a:r>
-              <a:rPr lang="en-US" sz="2000" dirty="0" smtClean="0"/>
-              <a:t>So that your programs will be pleasant, elegant, and graceful?</a:t>
-            </a:r>
-            <a:endParaRPr lang="fr-FR" sz="2000" dirty="0"/>
-          </a:p>
-        </p:txBody>
-      </p:sp>
+      </p:pic>
     </p:spTree>
     <p:extLst>
       <p:ext uri="{BB962C8B-B14F-4D97-AF65-F5344CB8AC3E}">
-        <p14:creationId xmlns:p14="http://schemas.microsoft.com/office/powerpoint/2010/main" val="3787928467"/>
+        <p14:creationId xmlns:p14="http://schemas.microsoft.com/office/powerpoint/2010/main" val="2036240239"/>
       </p:ext>
     </p:extLst>
   </p:cSld>
   <p:clrMapOvr>
     <a:masterClrMapping/>
   </p:clrMapOvr>
-  <p:timing>
-    <p:tnLst>
-      <p:par>
-        <p:cTn id="1" dur="indefinite" restart="never" nodeType="tmRoot"/>
-      </p:par>
-    </p:tnLst>
-  </p:timing>
 </p:sld>
 </file>
 
@@ -3162,10 +3233,166 @@
           <a:lstStyle/>
           <a:p>
             <a:r>
-              <a:rPr lang="fr-FR" dirty="0" smtClean="0"/>
+              <a:rPr lang="fr-FR" dirty="0"/>
+              <a:t>Motivation</a:t>
+            </a:r>
+          </a:p>
+        </p:txBody>
+      </p:sp>
+      <p:sp>
+        <p:nvSpPr>
+          <p:cNvPr id="3" name="Sous-titre 2"/>
+          <p:cNvSpPr>
+            <a:spLocks noGrp="1"/>
+          </p:cNvSpPr>
+          <p:nvPr>
+            <p:ph type="subTitle" idx="1"/>
+          </p:nvPr>
+        </p:nvSpPr>
+        <p:spPr>
+          <a:xfrm>
+            <a:off x="1304544" y="2129854"/>
+            <a:ext cx="9144000" cy="3694874"/>
+          </a:xfrm>
+        </p:spPr>
+        <p:txBody>
+          <a:bodyPr>
+            <a:noAutofit/>
+          </a:bodyPr>
+          <a:lstStyle/>
+          <a:p>
+            <a:pPr algn="l"/>
+            <a:r>
+              <a:rPr lang="en-US" dirty="0"/>
+              <a:t> </a:t>
+            </a:r>
+            <a:r>
+              <a:rPr lang="en-US" sz="2000" dirty="0"/>
+              <a:t>How to structure your code:</a:t>
+            </a:r>
+          </a:p>
+          <a:p>
+            <a:pPr algn="l"/>
+            <a:endParaRPr lang="en-US" sz="2000" dirty="0"/>
+          </a:p>
+          <a:p>
+            <a:pPr marL="342900" indent="-342900" algn="l">
+              <a:buFont typeface="Wingdings" panose="05000000000000000000" pitchFamily="2" charset="2"/>
+              <a:buChar char="q"/>
+            </a:pPr>
+            <a:r>
+              <a:rPr lang="en-US" sz="2000" dirty="0"/>
+              <a:t>So that it works well?</a:t>
+            </a:r>
+          </a:p>
+          <a:p>
+            <a:pPr marL="342900" indent="-342900" algn="l">
+              <a:buFont typeface="Wingdings" panose="05000000000000000000" pitchFamily="2" charset="2"/>
+              <a:buChar char="q"/>
+            </a:pPr>
+            <a:endParaRPr lang="en-US" sz="2000" dirty="0"/>
+          </a:p>
+          <a:p>
+            <a:pPr marL="342900" indent="-342900" algn="l">
+              <a:buFont typeface="Wingdings" panose="05000000000000000000" pitchFamily="2" charset="2"/>
+              <a:buChar char="q"/>
+            </a:pPr>
+            <a:r>
+              <a:rPr lang="en-US" sz="2000" dirty="0"/>
+              <a:t>So that other people can understand it?</a:t>
+            </a:r>
+          </a:p>
+          <a:p>
+            <a:pPr marL="342900" indent="-342900" algn="l">
+              <a:buFont typeface="Wingdings" panose="05000000000000000000" pitchFamily="2" charset="2"/>
+              <a:buChar char="q"/>
+            </a:pPr>
+            <a:endParaRPr lang="en-US" sz="2000" dirty="0"/>
+          </a:p>
+          <a:p>
+            <a:pPr marL="342900" indent="-342900" algn="l">
+              <a:buFont typeface="Wingdings" panose="05000000000000000000" pitchFamily="2" charset="2"/>
+              <a:buChar char="q"/>
+            </a:pPr>
+            <a:r>
+              <a:rPr lang="en-US" sz="2000" dirty="0"/>
+              <a:t>So that future modifications and improvements are less likely to cause headaches?</a:t>
+            </a:r>
+          </a:p>
+          <a:p>
+            <a:pPr marL="342900" indent="-342900" algn="l">
+              <a:buFont typeface="Wingdings" panose="05000000000000000000" pitchFamily="2" charset="2"/>
+              <a:buChar char="q"/>
+            </a:pPr>
+            <a:endParaRPr lang="en-US" sz="2000" dirty="0"/>
+          </a:p>
+          <a:p>
+            <a:pPr marL="342900" indent="-342900" algn="l">
+              <a:buFont typeface="Wingdings" panose="05000000000000000000" pitchFamily="2" charset="2"/>
+              <a:buChar char="q"/>
+            </a:pPr>
+            <a:r>
+              <a:rPr lang="en-US" sz="2000" dirty="0"/>
+              <a:t>So that your programs will be pleasant, elegant, and graceful?</a:t>
+            </a:r>
+            <a:endParaRPr lang="fr-FR" sz="2000" dirty="0"/>
+          </a:p>
+        </p:txBody>
+      </p:sp>
+    </p:spTree>
+    <p:extLst>
+      <p:ext uri="{BB962C8B-B14F-4D97-AF65-F5344CB8AC3E}">
+        <p14:creationId xmlns:p14="http://schemas.microsoft.com/office/powerpoint/2010/main" val="3787928467"/>
+      </p:ext>
+    </p:extLst>
+  </p:cSld>
+  <p:clrMapOvr>
+    <a:masterClrMapping/>
+  </p:clrMapOvr>
+</p:sld>
+</file>
+
+<file path=ppt/slides/slide3.xml><?xml version="1.0" encoding="utf-8"?>
+<p:sld xmlns:a="http://schemas.openxmlformats.org/drawingml/2006/main" xmlns:r="http://schemas.openxmlformats.org/officeDocument/2006/relationships" xmlns:p="http://schemas.openxmlformats.org/presentationml/2006/main">
+  <p:cSld>
+    <p:spTree>
+      <p:nvGrpSpPr>
+        <p:cNvPr id="1" name=""/>
+        <p:cNvGrpSpPr/>
+        <p:nvPr/>
+      </p:nvGrpSpPr>
+      <p:grpSpPr>
+        <a:xfrm>
+          <a:off x="0" y="0"/>
+          <a:ext cx="0" cy="0"/>
+          <a:chOff x="0" y="0"/>
+          <a:chExt cx="0" cy="0"/>
+        </a:xfrm>
+      </p:grpSpPr>
+      <p:sp>
+        <p:nvSpPr>
+          <p:cNvPr id="2" name="Titre 1"/>
+          <p:cNvSpPr>
+            <a:spLocks noGrp="1"/>
+          </p:cNvSpPr>
+          <p:nvPr>
+            <p:ph type="ctrTitle"/>
+          </p:nvPr>
+        </p:nvSpPr>
+        <p:spPr>
+          <a:xfrm>
+            <a:off x="1030224" y="384048"/>
+            <a:ext cx="9144000" cy="1287970"/>
+          </a:xfrm>
+        </p:spPr>
+        <p:txBody>
+          <a:bodyPr/>
+          <a:lstStyle/>
+          <a:p>
+            <a:r>
+              <a:rPr lang="fr-FR" dirty="0"/>
               <a:t>Item 1</a:t>
             </a:r>
-            <a:endParaRPr lang="fr-FR" dirty="0"/>
           </a:p>
         </p:txBody>
       </p:sp>
@@ -3193,15 +3420,14 @@
           <a:p>
             <a:pPr algn="l"/>
             <a:r>
-              <a:rPr lang="en-US" sz="2000" dirty="0" smtClean="0"/>
+              <a:rPr lang="en-US" sz="2000" dirty="0"/>
               <a:t>What is the natural way to create an instance of a class?</a:t>
             </a:r>
-            <a:endParaRPr lang="en-US" sz="2000" dirty="0"/>
           </a:p>
           <a:p>
             <a:pPr algn="l"/>
             <a:r>
-              <a:rPr lang="en-US" sz="2000" b="1" dirty="0" smtClean="0">
+              <a:rPr lang="en-US" sz="2000" b="1" dirty="0">
                 <a:solidFill>
                   <a:srgbClr val="0070C0"/>
                 </a:solidFill>
@@ -3209,7 +3435,7 @@
               </a:rPr>
               <a:t>            Object Constructor</a:t>
             </a:r>
-            <a:endParaRPr lang="en-US" sz="2000" b="1" dirty="0" smtClean="0">
+            <a:endParaRPr lang="en-US" sz="2000" b="1" dirty="0">
               <a:solidFill>
                 <a:srgbClr val="0070C0"/>
               </a:solidFill>
@@ -3217,12 +3443,12 @@
           </a:p>
           <a:p>
             <a:pPr algn="l"/>
-            <a:endParaRPr lang="en-US" sz="2000" dirty="0" smtClean="0"/>
+            <a:endParaRPr lang="en-US" sz="2000" dirty="0"/>
           </a:p>
           <a:p>
             <a:pPr algn="l"/>
             <a:r>
-              <a:rPr lang="en-US" sz="2000" dirty="0" smtClean="0"/>
+              <a:rPr lang="en-US" sz="2000" dirty="0"/>
               <a:t>But what if:</a:t>
             </a:r>
           </a:p>
@@ -3232,10 +3458,9 @@
               <a:buChar char="q"/>
             </a:pPr>
             <a:r>
-              <a:rPr lang="en-US" sz="2000" dirty="0" smtClean="0"/>
+              <a:rPr lang="en-US" sz="2000" dirty="0"/>
               <a:t>You need to use a meaningful name for constructors?</a:t>
             </a:r>
-            <a:endParaRPr lang="en-US" sz="2000" dirty="0"/>
           </a:p>
           <a:p>
             <a:pPr marL="342900" indent="-342900" algn="l">
@@ -3243,10 +3468,9 @@
               <a:buChar char="q"/>
             </a:pPr>
             <a:r>
-              <a:rPr lang="en-US" sz="2000" dirty="0" smtClean="0"/>
+              <a:rPr lang="en-US" sz="2000" dirty="0"/>
               <a:t>You have multiple overloaded constructors and you need to keep readability?</a:t>
             </a:r>
-            <a:endParaRPr lang="en-US" sz="2000" dirty="0"/>
           </a:p>
           <a:p>
             <a:pPr marL="342900" indent="-342900" algn="l">
@@ -3255,11 +3479,7 @@
             </a:pPr>
             <a:r>
               <a:rPr lang="en-US" sz="2000" dirty="0"/>
-              <a:t>Y</a:t>
-            </a:r>
-            <a:r>
-              <a:rPr lang="en-US" sz="2000" dirty="0" smtClean="0"/>
-              <a:t>ou need to control number on instance to be created?</a:t>
+              <a:t>You need to control number on instance to be created?</a:t>
             </a:r>
           </a:p>
           <a:p>
@@ -3268,7 +3488,7 @@
               <a:buChar char="q"/>
             </a:pPr>
             <a:r>
-              <a:rPr lang="en-US" sz="2000" dirty="0" smtClean="0"/>
+              <a:rPr lang="en-US" sz="2000" dirty="0"/>
               <a:t>You need to hide subtypes, and return only the parent type (reduce conceptual weight OR hide internals that can change cross releases OR Wishful thinking)?</a:t>
             </a:r>
           </a:p>
@@ -3503,830 +3723,6 @@
                               </p:par>
                               <p:par>
                                 <p:cTn id="13" presetID="2" presetClass="entr" presetSubtype="4" fill="hold" nodeType="withEffect">
-                                  <p:stCondLst>
-                                    <p:cond delay="0"/>
-                                  </p:stCondLst>
-                                  <p:childTnLst>
-                                    <p:set>
-                                      <p:cBhvr>
-                                        <p:cTn id="14" dur="1" fill="hold">
-                                          <p:stCondLst>
-                                            <p:cond delay="0"/>
-                                          </p:stCondLst>
-                                        </p:cTn>
-                                        <p:tgtEl>
-                                          <p:spTgt spid="3">
-                                            <p:txEl>
-                                              <p:pRg st="4" end="4"/>
-                                            </p:txEl>
-                                          </p:spTgt>
-                                        </p:tgtEl>
-                                        <p:attrNameLst>
-                                          <p:attrName>style.visibility</p:attrName>
-                                        </p:attrNameLst>
-                                      </p:cBhvr>
-                                      <p:to>
-                                        <p:strVal val="visible"/>
-                                      </p:to>
-                                    </p:set>
-                                    <p:anim calcmode="lin" valueType="num">
-                                      <p:cBhvr additive="base">
-                                        <p:cTn id="15" dur="500" fill="hold"/>
-                                        <p:tgtEl>
-                                          <p:spTgt spid="3">
-                                            <p:txEl>
-                                              <p:pRg st="4" end="4"/>
-                                            </p:txEl>
-                                          </p:spTgt>
-                                        </p:tgtEl>
-                                        <p:attrNameLst>
-                                          <p:attrName>ppt_x</p:attrName>
-                                        </p:attrNameLst>
-                                      </p:cBhvr>
-                                      <p:tavLst>
-                                        <p:tav tm="0">
-                                          <p:val>
-                                            <p:strVal val="#ppt_x"/>
-                                          </p:val>
-                                        </p:tav>
-                                        <p:tav tm="100000">
-                                          <p:val>
-                                            <p:strVal val="#ppt_x"/>
-                                          </p:val>
-                                        </p:tav>
-                                      </p:tavLst>
-                                    </p:anim>
-                                    <p:anim calcmode="lin" valueType="num">
-                                      <p:cBhvr additive="base">
-                                        <p:cTn id="16" dur="500" fill="hold"/>
-                                        <p:tgtEl>
-                                          <p:spTgt spid="3">
-                                            <p:txEl>
-                                              <p:pRg st="4" end="4"/>
-                                            </p:txEl>
-                                          </p:spTgt>
-                                        </p:tgtEl>
-                                        <p:attrNameLst>
-                                          <p:attrName>ppt_y</p:attrName>
-                                        </p:attrNameLst>
-                                      </p:cBhvr>
-                                      <p:tavLst>
-                                        <p:tav tm="0">
-                                          <p:val>
-                                            <p:strVal val="1+#ppt_h/2"/>
-                                          </p:val>
-                                        </p:tav>
-                                        <p:tav tm="100000">
-                                          <p:val>
-                                            <p:strVal val="#ppt_y"/>
-                                          </p:val>
-                                        </p:tav>
-                                      </p:tavLst>
-                                    </p:anim>
-                                  </p:childTnLst>
-                                </p:cTn>
-                              </p:par>
-                              <p:par>
-                                <p:cTn id="17" presetID="2" presetClass="entr" presetSubtype="4" fill="hold" nodeType="withEffect">
-                                  <p:stCondLst>
-                                    <p:cond delay="0"/>
-                                  </p:stCondLst>
-                                  <p:childTnLst>
-                                    <p:set>
-                                      <p:cBhvr>
-                                        <p:cTn id="18" dur="1" fill="hold">
-                                          <p:stCondLst>
-                                            <p:cond delay="0"/>
-                                          </p:stCondLst>
-                                        </p:cTn>
-                                        <p:tgtEl>
-                                          <p:spTgt spid="3">
-                                            <p:txEl>
-                                              <p:pRg st="5" end="5"/>
-                                            </p:txEl>
-                                          </p:spTgt>
-                                        </p:tgtEl>
-                                        <p:attrNameLst>
-                                          <p:attrName>style.visibility</p:attrName>
-                                        </p:attrNameLst>
-                                      </p:cBhvr>
-                                      <p:to>
-                                        <p:strVal val="visible"/>
-                                      </p:to>
-                                    </p:set>
-                                    <p:anim calcmode="lin" valueType="num">
-                                      <p:cBhvr additive="base">
-                                        <p:cTn id="19" dur="500" fill="hold"/>
-                                        <p:tgtEl>
-                                          <p:spTgt spid="3">
-                                            <p:txEl>
-                                              <p:pRg st="5" end="5"/>
-                                            </p:txEl>
-                                          </p:spTgt>
-                                        </p:tgtEl>
-                                        <p:attrNameLst>
-                                          <p:attrName>ppt_x</p:attrName>
-                                        </p:attrNameLst>
-                                      </p:cBhvr>
-                                      <p:tavLst>
-                                        <p:tav tm="0">
-                                          <p:val>
-                                            <p:strVal val="#ppt_x"/>
-                                          </p:val>
-                                        </p:tav>
-                                        <p:tav tm="100000">
-                                          <p:val>
-                                            <p:strVal val="#ppt_x"/>
-                                          </p:val>
-                                        </p:tav>
-                                      </p:tavLst>
-                                    </p:anim>
-                                    <p:anim calcmode="lin" valueType="num">
-                                      <p:cBhvr additive="base">
-                                        <p:cTn id="20" dur="500" fill="hold"/>
-                                        <p:tgtEl>
-                                          <p:spTgt spid="3">
-                                            <p:txEl>
-                                              <p:pRg st="5" end="5"/>
-                                            </p:txEl>
-                                          </p:spTgt>
-                                        </p:tgtEl>
-                                        <p:attrNameLst>
-                                          <p:attrName>ppt_y</p:attrName>
-                                        </p:attrNameLst>
-                                      </p:cBhvr>
-                                      <p:tavLst>
-                                        <p:tav tm="0">
-                                          <p:val>
-                                            <p:strVal val="1+#ppt_h/2"/>
-                                          </p:val>
-                                        </p:tav>
-                                        <p:tav tm="100000">
-                                          <p:val>
-                                            <p:strVal val="#ppt_y"/>
-                                          </p:val>
-                                        </p:tav>
-                                      </p:tavLst>
-                                    </p:anim>
-                                  </p:childTnLst>
-                                </p:cTn>
-                              </p:par>
-                              <p:par>
-                                <p:cTn id="21" presetID="2" presetClass="entr" presetSubtype="4" fill="hold" nodeType="withEffect">
-                                  <p:stCondLst>
-                                    <p:cond delay="0"/>
-                                  </p:stCondLst>
-                                  <p:childTnLst>
-                                    <p:set>
-                                      <p:cBhvr>
-                                        <p:cTn id="22" dur="1" fill="hold">
-                                          <p:stCondLst>
-                                            <p:cond delay="0"/>
-                                          </p:stCondLst>
-                                        </p:cTn>
-                                        <p:tgtEl>
-                                          <p:spTgt spid="3">
-                                            <p:txEl>
-                                              <p:pRg st="6" end="6"/>
-                                            </p:txEl>
-                                          </p:spTgt>
-                                        </p:tgtEl>
-                                        <p:attrNameLst>
-                                          <p:attrName>style.visibility</p:attrName>
-                                        </p:attrNameLst>
-                                      </p:cBhvr>
-                                      <p:to>
-                                        <p:strVal val="visible"/>
-                                      </p:to>
-                                    </p:set>
-                                    <p:anim calcmode="lin" valueType="num">
-                                      <p:cBhvr additive="base">
-                                        <p:cTn id="23" dur="500" fill="hold"/>
-                                        <p:tgtEl>
-                                          <p:spTgt spid="3">
-                                            <p:txEl>
-                                              <p:pRg st="6" end="6"/>
-                                            </p:txEl>
-                                          </p:spTgt>
-                                        </p:tgtEl>
-                                        <p:attrNameLst>
-                                          <p:attrName>ppt_x</p:attrName>
-                                        </p:attrNameLst>
-                                      </p:cBhvr>
-                                      <p:tavLst>
-                                        <p:tav tm="0">
-                                          <p:val>
-                                            <p:strVal val="#ppt_x"/>
-                                          </p:val>
-                                        </p:tav>
-                                        <p:tav tm="100000">
-                                          <p:val>
-                                            <p:strVal val="#ppt_x"/>
-                                          </p:val>
-                                        </p:tav>
-                                      </p:tavLst>
-                                    </p:anim>
-                                    <p:anim calcmode="lin" valueType="num">
-                                      <p:cBhvr additive="base">
-                                        <p:cTn id="24" dur="500" fill="hold"/>
-                                        <p:tgtEl>
-                                          <p:spTgt spid="3">
-                                            <p:txEl>
-                                              <p:pRg st="6" end="6"/>
-                                            </p:txEl>
-                                          </p:spTgt>
-                                        </p:tgtEl>
-                                        <p:attrNameLst>
-                                          <p:attrName>ppt_y</p:attrName>
-                                        </p:attrNameLst>
-                                      </p:cBhvr>
-                                      <p:tavLst>
-                                        <p:tav tm="0">
-                                          <p:val>
-                                            <p:strVal val="1+#ppt_h/2"/>
-                                          </p:val>
-                                        </p:tav>
-                                        <p:tav tm="100000">
-                                          <p:val>
-                                            <p:strVal val="#ppt_y"/>
-                                          </p:val>
-                                        </p:tav>
-                                      </p:tavLst>
-                                    </p:anim>
-                                  </p:childTnLst>
-                                </p:cTn>
-                              </p:par>
-                              <p:par>
-                                <p:cTn id="25" presetID="2" presetClass="entr" presetSubtype="4" fill="hold" nodeType="withEffect">
-                                  <p:stCondLst>
-                                    <p:cond delay="0"/>
-                                  </p:stCondLst>
-                                  <p:childTnLst>
-                                    <p:set>
-                                      <p:cBhvr>
-                                        <p:cTn id="26" dur="1" fill="hold">
-                                          <p:stCondLst>
-                                            <p:cond delay="0"/>
-                                          </p:stCondLst>
-                                        </p:cTn>
-                                        <p:tgtEl>
-                                          <p:spTgt spid="3">
-                                            <p:txEl>
-                                              <p:pRg st="7" end="7"/>
-                                            </p:txEl>
-                                          </p:spTgt>
-                                        </p:tgtEl>
-                                        <p:attrNameLst>
-                                          <p:attrName>style.visibility</p:attrName>
-                                        </p:attrNameLst>
-                                      </p:cBhvr>
-                                      <p:to>
-                                        <p:strVal val="visible"/>
-                                      </p:to>
-                                    </p:set>
-                                    <p:anim calcmode="lin" valueType="num">
-                                      <p:cBhvr additive="base">
-                                        <p:cTn id="27" dur="500" fill="hold"/>
-                                        <p:tgtEl>
-                                          <p:spTgt spid="3">
-                                            <p:txEl>
-                                              <p:pRg st="7" end="7"/>
-                                            </p:txEl>
-                                          </p:spTgt>
-                                        </p:tgtEl>
-                                        <p:attrNameLst>
-                                          <p:attrName>ppt_x</p:attrName>
-                                        </p:attrNameLst>
-                                      </p:cBhvr>
-                                      <p:tavLst>
-                                        <p:tav tm="0">
-                                          <p:val>
-                                            <p:strVal val="#ppt_x"/>
-                                          </p:val>
-                                        </p:tav>
-                                        <p:tav tm="100000">
-                                          <p:val>
-                                            <p:strVal val="#ppt_x"/>
-                                          </p:val>
-                                        </p:tav>
-                                      </p:tavLst>
-                                    </p:anim>
-                                    <p:anim calcmode="lin" valueType="num">
-                                      <p:cBhvr additive="base">
-                                        <p:cTn id="28" dur="500" fill="hold"/>
-                                        <p:tgtEl>
-                                          <p:spTgt spid="3">
-                                            <p:txEl>
-                                              <p:pRg st="7" end="7"/>
-                                            </p:txEl>
-                                          </p:spTgt>
-                                        </p:tgtEl>
-                                        <p:attrNameLst>
-                                          <p:attrName>ppt_y</p:attrName>
-                                        </p:attrNameLst>
-                                      </p:cBhvr>
-                                      <p:tavLst>
-                                        <p:tav tm="0">
-                                          <p:val>
-                                            <p:strVal val="1+#ppt_h/2"/>
-                                          </p:val>
-                                        </p:tav>
-                                        <p:tav tm="100000">
-                                          <p:val>
-                                            <p:strVal val="#ppt_y"/>
-                                          </p:val>
-                                        </p:tav>
-                                      </p:tavLst>
-                                    </p:anim>
-                                  </p:childTnLst>
-                                </p:cTn>
-                              </p:par>
-                            </p:childTnLst>
-                          </p:cTn>
-                        </p:par>
-                      </p:childTnLst>
-                    </p:cTn>
-                  </p:par>
-                  <p:par>
-                    <p:cTn id="29" fill="hold">
-                      <p:stCondLst>
-                        <p:cond delay="indefinite"/>
-                      </p:stCondLst>
-                      <p:childTnLst>
-                        <p:par>
-                          <p:cTn id="30" fill="hold">
-                            <p:stCondLst>
-                              <p:cond delay="0"/>
-                            </p:stCondLst>
-                            <p:childTnLst>
-                              <p:par>
-                                <p:cTn id="31" presetID="53" presetClass="entr" presetSubtype="16" fill="hold" grpId="0" nodeType="clickEffect">
-                                  <p:stCondLst>
-                                    <p:cond delay="0"/>
-                                  </p:stCondLst>
-                                  <p:childTnLst>
-                                    <p:set>
-                                      <p:cBhvr>
-                                        <p:cTn id="32" dur="1" fill="hold">
-                                          <p:stCondLst>
-                                            <p:cond delay="0"/>
-                                          </p:stCondLst>
-                                        </p:cTn>
-                                        <p:tgtEl>
-                                          <p:spTgt spid="4"/>
-                                        </p:tgtEl>
-                                        <p:attrNameLst>
-                                          <p:attrName>style.visibility</p:attrName>
-                                        </p:attrNameLst>
-                                      </p:cBhvr>
-                                      <p:to>
-                                        <p:strVal val="visible"/>
-                                      </p:to>
-                                    </p:set>
-                                    <p:anim calcmode="lin" valueType="num">
-                                      <p:cBhvr>
-                                        <p:cTn id="33" dur="500" fill="hold"/>
-                                        <p:tgtEl>
-                                          <p:spTgt spid="4"/>
-                                        </p:tgtEl>
-                                        <p:attrNameLst>
-                                          <p:attrName>ppt_w</p:attrName>
-                                        </p:attrNameLst>
-                                      </p:cBhvr>
-                                      <p:tavLst>
-                                        <p:tav tm="0">
-                                          <p:val>
-                                            <p:fltVal val="0"/>
-                                          </p:val>
-                                        </p:tav>
-                                        <p:tav tm="100000">
-                                          <p:val>
-                                            <p:strVal val="#ppt_w"/>
-                                          </p:val>
-                                        </p:tav>
-                                      </p:tavLst>
-                                    </p:anim>
-                                    <p:anim calcmode="lin" valueType="num">
-                                      <p:cBhvr>
-                                        <p:cTn id="34" dur="500" fill="hold"/>
-                                        <p:tgtEl>
-                                          <p:spTgt spid="4"/>
-                                        </p:tgtEl>
-                                        <p:attrNameLst>
-                                          <p:attrName>ppt_h</p:attrName>
-                                        </p:attrNameLst>
-                                      </p:cBhvr>
-                                      <p:tavLst>
-                                        <p:tav tm="0">
-                                          <p:val>
-                                            <p:fltVal val="0"/>
-                                          </p:val>
-                                        </p:tav>
-                                        <p:tav tm="100000">
-                                          <p:val>
-                                            <p:strVal val="#ppt_h"/>
-                                          </p:val>
-                                        </p:tav>
-                                      </p:tavLst>
-                                    </p:anim>
-                                    <p:animEffect transition="in" filter="fade">
-                                      <p:cBhvr>
-                                        <p:cTn id="35" dur="500"/>
-                                        <p:tgtEl>
-                                          <p:spTgt spid="4"/>
-                                        </p:tgtEl>
-                                      </p:cBhvr>
-                                    </p:animEffect>
-                                  </p:childTnLst>
-                                </p:cTn>
-                              </p:par>
-                            </p:childTnLst>
-                          </p:cTn>
-                        </p:par>
-                      </p:childTnLst>
-                    </p:cTn>
-                  </p:par>
-                </p:childTnLst>
-              </p:cTn>
-              <p:prevCondLst>
-                <p:cond evt="onPrev" delay="0">
-                  <p:tgtEl>
-                    <p:sldTgt/>
-                  </p:tgtEl>
-                </p:cond>
-              </p:prevCondLst>
-              <p:nextCondLst>
-                <p:cond evt="onNext" delay="0">
-                  <p:tgtEl>
-                    <p:sldTgt/>
-                  </p:tgtEl>
-                </p:cond>
-              </p:nextCondLst>
-            </p:seq>
-          </p:childTnLst>
-        </p:cTn>
-      </p:par>
-    </p:tnLst>
-    <p:bldLst>
-      <p:bldP spid="4" grpId="0"/>
-    </p:bldLst>
-  </p:timing>
-</p:sld>
-</file>
-
-<file path=ppt/slides/slide3.xml><?xml version="1.0" encoding="utf-8"?>
-<p:sld xmlns:a="http://schemas.openxmlformats.org/drawingml/2006/main" xmlns:r="http://schemas.openxmlformats.org/officeDocument/2006/relationships" xmlns:p="http://schemas.openxmlformats.org/presentationml/2006/main">
-  <p:cSld>
-    <p:spTree>
-      <p:nvGrpSpPr>
-        <p:cNvPr id="1" name=""/>
-        <p:cNvGrpSpPr/>
-        <p:nvPr/>
-      </p:nvGrpSpPr>
-      <p:grpSpPr>
-        <a:xfrm>
-          <a:off x="0" y="0"/>
-          <a:ext cx="0" cy="0"/>
-          <a:chOff x="0" y="0"/>
-          <a:chExt cx="0" cy="0"/>
-        </a:xfrm>
-      </p:grpSpPr>
-      <p:sp>
-        <p:nvSpPr>
-          <p:cNvPr id="2" name="Titre 1"/>
-          <p:cNvSpPr>
-            <a:spLocks noGrp="1"/>
-          </p:cNvSpPr>
-          <p:nvPr>
-            <p:ph type="ctrTitle"/>
-          </p:nvPr>
-        </p:nvSpPr>
-        <p:spPr>
-          <a:xfrm>
-            <a:off x="1030224" y="384048"/>
-            <a:ext cx="9144000" cy="1287970"/>
-          </a:xfrm>
-        </p:spPr>
-        <p:txBody>
-          <a:bodyPr/>
-          <a:lstStyle/>
-          <a:p>
-            <a:r>
-              <a:rPr lang="fr-FR" dirty="0" smtClean="0"/>
-              <a:t>Item 2</a:t>
-            </a:r>
-            <a:endParaRPr lang="fr-FR" dirty="0"/>
-          </a:p>
-        </p:txBody>
-      </p:sp>
-      <p:sp>
-        <p:nvSpPr>
-          <p:cNvPr id="3" name="Sous-titre 2"/>
-          <p:cNvSpPr>
-            <a:spLocks noGrp="1"/>
-          </p:cNvSpPr>
-          <p:nvPr>
-            <p:ph type="subTitle" idx="1"/>
-          </p:nvPr>
-        </p:nvSpPr>
-        <p:spPr>
-          <a:xfrm>
-            <a:off x="1304544" y="1928686"/>
-            <a:ext cx="9144000" cy="4408106"/>
-          </a:xfrm>
-        </p:spPr>
-        <p:txBody>
-          <a:bodyPr>
-            <a:noAutofit/>
-          </a:bodyPr>
-          <a:lstStyle/>
-          <a:p>
-            <a:pPr algn="l"/>
-            <a:r>
-              <a:rPr lang="en-US" sz="2000" dirty="0" smtClean="0"/>
-              <a:t>What is the natural way to create an instance of a class having optional parameters?</a:t>
-            </a:r>
-            <a:endParaRPr lang="en-US" sz="2000" dirty="0"/>
-          </a:p>
-          <a:p>
-            <a:pPr algn="l"/>
-            <a:r>
-              <a:rPr lang="en-US" sz="2000" b="1" dirty="0" smtClean="0">
-                <a:solidFill>
-                  <a:srgbClr val="0070C0"/>
-                </a:solidFill>
-                <a:sym typeface="Wingdings" panose="05000000000000000000" pitchFamily="2" charset="2"/>
-              </a:rPr>
-              <a:t>            Telescoping Constructors</a:t>
-            </a:r>
-          </a:p>
-          <a:p>
-            <a:pPr algn="l"/>
-            <a:r>
-              <a:rPr lang="en-US" sz="2000" b="1" dirty="0">
-                <a:solidFill>
-                  <a:srgbClr val="0070C0"/>
-                </a:solidFill>
-                <a:sym typeface="Wingdings" panose="05000000000000000000" pitchFamily="2" charset="2"/>
-              </a:rPr>
-              <a:t> </a:t>
-            </a:r>
-            <a:r>
-              <a:rPr lang="en-US" sz="2000" b="1" dirty="0" smtClean="0">
-                <a:solidFill>
-                  <a:srgbClr val="0070C0"/>
-                </a:solidFill>
-                <a:sym typeface="Wingdings" panose="05000000000000000000" pitchFamily="2" charset="2"/>
-              </a:rPr>
-              <a:t>           JavaBeans</a:t>
-            </a:r>
-          </a:p>
-          <a:p>
-            <a:pPr algn="l"/>
-            <a:endParaRPr lang="en-US" sz="2000" dirty="0" smtClean="0"/>
-          </a:p>
-          <a:p>
-            <a:pPr algn="l"/>
-            <a:r>
-              <a:rPr lang="en-US" sz="2000" dirty="0" smtClean="0"/>
-              <a:t>But what if:</a:t>
-            </a:r>
-          </a:p>
-          <a:p>
-            <a:pPr marL="342900" indent="-342900" algn="l">
-              <a:buFont typeface="Wingdings" panose="05000000000000000000" pitchFamily="2" charset="2"/>
-              <a:buChar char="q"/>
-            </a:pPr>
-            <a:r>
-              <a:rPr lang="en-US" sz="2000" dirty="0" smtClean="0"/>
-              <a:t>You need to avoid complicated telescoping when many optional parameters (having identical types)?</a:t>
-            </a:r>
-            <a:endParaRPr lang="en-US" sz="2000" dirty="0"/>
-          </a:p>
-          <a:p>
-            <a:pPr marL="342900" indent="-342900" algn="l">
-              <a:buFont typeface="Wingdings" panose="05000000000000000000" pitchFamily="2" charset="2"/>
-              <a:buChar char="q"/>
-            </a:pPr>
-            <a:r>
-              <a:rPr lang="en-US" sz="2000" dirty="0" smtClean="0"/>
-              <a:t>You need to enforce state consistency?</a:t>
-            </a:r>
-            <a:endParaRPr lang="en-US" sz="2000" dirty="0"/>
-          </a:p>
-          <a:p>
-            <a:pPr marL="342900" indent="-342900" algn="l">
-              <a:buFont typeface="Wingdings" panose="05000000000000000000" pitchFamily="2" charset="2"/>
-              <a:buChar char="q"/>
-            </a:pPr>
-            <a:r>
-              <a:rPr lang="en-US" sz="2000" dirty="0"/>
-              <a:t>Y</a:t>
-            </a:r>
-            <a:r>
-              <a:rPr lang="en-US" sz="2000" dirty="0" smtClean="0"/>
-              <a:t>ou need to ensure immutability</a:t>
-            </a:r>
-            <a:r>
-              <a:rPr lang="en-US" sz="2000" dirty="0"/>
-              <a:t>?</a:t>
-            </a:r>
-            <a:endParaRPr lang="en-US" sz="2000" dirty="0" smtClean="0"/>
-          </a:p>
-          <a:p>
-            <a:pPr algn="l"/>
-            <a:endParaRPr lang="en-US" sz="2000" dirty="0"/>
-          </a:p>
-        </p:txBody>
-      </p:sp>
-      <p:sp>
-        <p:nvSpPr>
-          <p:cNvPr id="4" name="Rectangle 3"/>
-          <p:cNvSpPr/>
-          <p:nvPr/>
-        </p:nvSpPr>
-        <p:spPr>
-          <a:xfrm>
-            <a:off x="911666" y="5591663"/>
-            <a:ext cx="9948044" cy="523220"/>
-          </a:xfrm>
-          <a:prstGeom prst="rect">
-            <a:avLst/>
-          </a:prstGeom>
-          <a:noFill/>
-        </p:spPr>
-        <p:txBody>
-          <a:bodyPr wrap="none" lIns="91440" tIns="45720" rIns="91440" bIns="45720">
-            <a:spAutoFit/>
-          </a:bodyPr>
-          <a:lstStyle/>
-          <a:p>
-            <a:pPr algn="ctr"/>
-            <a:r>
-              <a:rPr lang="en-US" sz="2800" b="1" dirty="0">
-                <a:ln w="22225">
-                  <a:solidFill>
-                    <a:schemeClr val="accent2"/>
-                  </a:solidFill>
-                  <a:prstDash val="solid"/>
-                </a:ln>
-                <a:solidFill>
-                  <a:schemeClr val="accent2">
-                    <a:lumMod val="40000"/>
-                    <a:lumOff val="60000"/>
-                  </a:schemeClr>
-                </a:solidFill>
-              </a:rPr>
-              <a:t>Consider a builder when faced with many constructor parameters</a:t>
-            </a:r>
-            <a:endParaRPr lang="fr-FR" sz="2800" b="1" cap="none" spc="0" dirty="0">
-              <a:ln w="22225">
-                <a:solidFill>
-                  <a:schemeClr val="accent2"/>
-                </a:solidFill>
-                <a:prstDash val="solid"/>
-              </a:ln>
-              <a:solidFill>
-                <a:schemeClr val="accent2">
-                  <a:lumMod val="40000"/>
-                  <a:lumOff val="60000"/>
-                </a:schemeClr>
-              </a:solidFill>
-              <a:effectLst/>
-            </a:endParaRPr>
-          </a:p>
-        </p:txBody>
-      </p:sp>
-    </p:spTree>
-    <p:extLst>
-      <p:ext uri="{BB962C8B-B14F-4D97-AF65-F5344CB8AC3E}">
-        <p14:creationId xmlns:p14="http://schemas.microsoft.com/office/powerpoint/2010/main" val="124761964"/>
-      </p:ext>
-    </p:extLst>
-  </p:cSld>
-  <p:clrMapOvr>
-    <a:masterClrMapping/>
-  </p:clrMapOvr>
-  <p:timing>
-    <p:tnLst>
-      <p:par>
-        <p:cTn id="1" dur="indefinite" restart="never" nodeType="tmRoot">
-          <p:childTnLst>
-            <p:seq concurrent="1" nextAc="seek">
-              <p:cTn id="2" dur="indefinite" nodeType="mainSeq">
-                <p:childTnLst>
-                  <p:par>
-                    <p:cTn id="3" fill="hold">
-                      <p:stCondLst>
-                        <p:cond delay="indefinite"/>
-                      </p:stCondLst>
-                      <p:childTnLst>
-                        <p:par>
-                          <p:cTn id="4" fill="hold">
-                            <p:stCondLst>
-                              <p:cond delay="0"/>
-                            </p:stCondLst>
-                            <p:childTnLst>
-                              <p:par>
-                                <p:cTn id="5" presetID="1" presetClass="entr" presetSubtype="0" fill="hold" nodeType="clickEffect">
-                                  <p:stCondLst>
-                                    <p:cond delay="0"/>
-                                  </p:stCondLst>
-                                  <p:childTnLst>
-                                    <p:set>
-                                      <p:cBhvr>
-                                        <p:cTn id="6" dur="1" fill="hold">
-                                          <p:stCondLst>
-                                            <p:cond delay="0"/>
-                                          </p:stCondLst>
-                                        </p:cTn>
-                                        <p:tgtEl>
-                                          <p:spTgt spid="3">
-                                            <p:txEl>
-                                              <p:pRg st="1" end="1"/>
-                                            </p:txEl>
-                                          </p:spTgt>
-                                        </p:tgtEl>
-                                        <p:attrNameLst>
-                                          <p:attrName>style.visibility</p:attrName>
-                                        </p:attrNameLst>
-                                      </p:cBhvr>
-                                      <p:to>
-                                        <p:strVal val="visible"/>
-                                      </p:to>
-                                    </p:set>
-                                  </p:childTnLst>
-                                </p:cTn>
-                              </p:par>
-                            </p:childTnLst>
-                          </p:cTn>
-                        </p:par>
-                      </p:childTnLst>
-                    </p:cTn>
-                  </p:par>
-                  <p:par>
-                    <p:cTn id="7" fill="hold">
-                      <p:stCondLst>
-                        <p:cond delay="indefinite"/>
-                      </p:stCondLst>
-                      <p:childTnLst>
-                        <p:par>
-                          <p:cTn id="8" fill="hold">
-                            <p:stCondLst>
-                              <p:cond delay="0"/>
-                            </p:stCondLst>
-                            <p:childTnLst>
-                              <p:par>
-                                <p:cTn id="9" presetID="1" presetClass="entr" presetSubtype="0" fill="hold" nodeType="clickEffect">
-                                  <p:stCondLst>
-                                    <p:cond delay="0"/>
-                                  </p:stCondLst>
-                                  <p:childTnLst>
-                                    <p:set>
-                                      <p:cBhvr>
-                                        <p:cTn id="10" dur="1" fill="hold">
-                                          <p:stCondLst>
-                                            <p:cond delay="0"/>
-                                          </p:stCondLst>
-                                        </p:cTn>
-                                        <p:tgtEl>
-                                          <p:spTgt spid="3">
-                                            <p:txEl>
-                                              <p:pRg st="2" end="2"/>
-                                            </p:txEl>
-                                          </p:spTgt>
-                                        </p:tgtEl>
-                                        <p:attrNameLst>
-                                          <p:attrName>style.visibility</p:attrName>
-                                        </p:attrNameLst>
-                                      </p:cBhvr>
-                                      <p:to>
-                                        <p:strVal val="visible"/>
-                                      </p:to>
-                                    </p:set>
-                                  </p:childTnLst>
-                                </p:cTn>
-                              </p:par>
-                            </p:childTnLst>
-                          </p:cTn>
-                        </p:par>
-                      </p:childTnLst>
-                    </p:cTn>
-                  </p:par>
-                  <p:par>
-                    <p:cTn id="11" fill="hold">
-                      <p:stCondLst>
-                        <p:cond delay="indefinite"/>
-                      </p:stCondLst>
-                      <p:childTnLst>
-                        <p:par>
-                          <p:cTn id="12" fill="hold">
-                            <p:stCondLst>
-                              <p:cond delay="0"/>
-                            </p:stCondLst>
-                            <p:childTnLst>
-                              <p:par>
-                                <p:cTn id="13" presetID="2" presetClass="entr" presetSubtype="4" fill="hold" nodeType="clickEffect">
                                   <p:stCondLst>
                                     <p:cond delay="0"/>
                                   </p:stCondLst>
@@ -4836,12 +4232,8 @@
           <a:lstStyle/>
           <a:p>
             <a:r>
-              <a:rPr lang="fr-FR" dirty="0" smtClean="0"/>
-              <a:t>Item </a:t>
-            </a:r>
-            <a:r>
               <a:rPr lang="fr-FR" dirty="0"/>
-              <a:t>3</a:t>
+              <a:t>Item 2</a:t>
             </a:r>
           </a:p>
         </p:txBody>
@@ -4870,31 +4262,42 @@
           <a:p>
             <a:pPr algn="l"/>
             <a:r>
-              <a:rPr lang="en-US" sz="2000" dirty="0" smtClean="0"/>
-              <a:t>What is the simpler way to enforce singleton property?</a:t>
-            </a:r>
-            <a:endParaRPr lang="en-US" sz="2000" dirty="0"/>
+              <a:rPr lang="en-US" sz="2000" dirty="0"/>
+              <a:t>What is the natural way to create an instance of a class having optional parameters?</a:t>
+            </a:r>
           </a:p>
           <a:p>
             <a:pPr algn="l"/>
             <a:r>
-              <a:rPr lang="en-US" sz="2000" b="1" dirty="0" smtClean="0">
+              <a:rPr lang="en-US" sz="2000" b="1" dirty="0">
                 <a:solidFill>
                   <a:srgbClr val="0070C0"/>
                 </a:solidFill>
                 <a:sym typeface="Wingdings" panose="05000000000000000000" pitchFamily="2" charset="2"/>
               </a:rPr>
-              <a:t>            Private constructor + Public static INSTANCE</a:t>
+              <a:t>            Telescoping Constructors</a:t>
             </a:r>
           </a:p>
           <a:p>
             <a:pPr algn="l"/>
-            <a:endParaRPr lang="en-US" sz="2000" dirty="0" smtClean="0"/>
+            <a:r>
+              <a:rPr lang="en-US" sz="2000" b="1" dirty="0">
+                <a:solidFill>
+                  <a:srgbClr val="0070C0"/>
+                </a:solidFill>
+                <a:sym typeface="Wingdings" panose="05000000000000000000" pitchFamily="2" charset="2"/>
+              </a:rPr>
+              <a:t>            JavaBeans</a:t>
+            </a:r>
           </a:p>
           <a:p>
             <a:pPr algn="l"/>
-            <a:r>
-              <a:rPr lang="en-US" sz="2000" dirty="0" smtClean="0"/>
+            <a:endParaRPr lang="en-US" sz="2000" dirty="0"/>
+          </a:p>
+          <a:p>
+            <a:pPr algn="l"/>
+            <a:r>
+              <a:rPr lang="en-US" sz="2000" dirty="0"/>
               <a:t>But what if:</a:t>
             </a:r>
           </a:p>
@@ -4904,8 +4307,8 @@
               <a:buChar char="q"/>
             </a:pPr>
             <a:r>
-              <a:rPr lang="en-US" sz="2000" dirty="0" smtClean="0"/>
-              <a:t>You need to hide singleton property to API clients?</a:t>
+              <a:rPr lang="en-US" sz="2000" dirty="0"/>
+              <a:t>You need to avoid complicated telescoping when many optional parameters (having identical types)?</a:t>
             </a:r>
           </a:p>
           <a:p>
@@ -4915,13 +4318,8 @@
             </a:pPr>
             <a:r>
               <a:rPr lang="en-US" sz="2000" dirty="0"/>
-              <a:t>T</a:t>
-            </a:r>
-            <a:r>
-              <a:rPr lang="en-US" sz="2000" dirty="0" smtClean="0"/>
-              <a:t>o avoid reflection attacks?</a:t>
-            </a:r>
-            <a:endParaRPr lang="en-US" sz="2000" dirty="0"/>
+              <a:t>You need to enforce state consistency?</a:t>
+            </a:r>
           </a:p>
           <a:p>
             <a:pPr marL="342900" indent="-342900" algn="l">
@@ -4929,23 +4327,8 @@
               <a:buChar char="q"/>
             </a:pPr>
             <a:r>
-              <a:rPr lang="en-US" sz="2000" dirty="0" smtClean="0"/>
-              <a:t>You need to create a generic singleton factory?</a:t>
-            </a:r>
-            <a:endParaRPr lang="en-US" sz="2000" dirty="0"/>
-          </a:p>
-          <a:p>
-            <a:pPr marL="342900" indent="-342900" algn="l">
-              <a:buFont typeface="Wingdings" panose="05000000000000000000" pitchFamily="2" charset="2"/>
-              <a:buChar char="q"/>
-            </a:pPr>
-            <a:r>
               <a:rPr lang="en-US" sz="2000" dirty="0"/>
-              <a:t>Y</a:t>
-            </a:r>
-            <a:r>
-              <a:rPr lang="en-US" sz="2000" dirty="0" smtClean="0"/>
-              <a:t>ou need to serialize singleton?</a:t>
+              <a:t>You need to ensure immutability?</a:t>
             </a:r>
           </a:p>
           <a:p>
@@ -4962,8 +4345,8 @@
         </p:nvSpPr>
         <p:spPr>
           <a:xfrm>
-            <a:off x="594794" y="5591663"/>
-            <a:ext cx="11203580" cy="523220"/>
+            <a:off x="911666" y="5591663"/>
+            <a:ext cx="9948044" cy="523220"/>
           </a:xfrm>
           <a:prstGeom prst="rect">
             <a:avLst/>
@@ -4992,41 +4375,7 @@
                   </a:schemeClr>
                 </a:solidFill>
               </a:rPr>
-              <a:t>Enforce the singleton property with a private constructor or an </a:t>
-            </a:r>
-            <a:r>
-              <a:rPr lang="en-US" sz="2800" b="1" dirty="0" err="1">
-                <a:ln w="22225">
-                  <a:solidFill>
-                    <a:schemeClr val="accent2"/>
-                  </a:solidFill>
-                  <a:prstDash val="solid"/>
-                </a:ln>
-                <a:solidFill>
-                  <a:schemeClr val="accent2">
-                    <a:lumMod val="40000"/>
-                    <a:lumOff val="60000"/>
-                  </a:schemeClr>
-                </a:solidFill>
-              </a:rPr>
-              <a:t>enum</a:t>
-            </a:r>
-            <a:r>
-              <a:rPr lang="en-US" sz="2800" b="1" dirty="0">
-                <a:ln w="22225">
-                  <a:solidFill>
-                    <a:schemeClr val="accent2"/>
-                  </a:solidFill>
-                  <a:prstDash val="solid"/>
-                </a:ln>
-                <a:solidFill>
-                  <a:schemeClr val="accent2">
-                    <a:lumMod val="40000"/>
-                    <a:lumOff val="60000"/>
-                  </a:schemeClr>
-                </a:solidFill>
-              </a:rPr>
-              <a:t> type</a:t>
+              <a:t>Consider a builder when faced with many constructor parameters</a:t>
             </a:r>
             <a:endParaRPr lang="fr-FR" sz="2800" b="1" cap="none" spc="0" dirty="0">
               <a:ln w="22225">
@@ -5049,7 +4398,7 @@
     </p:spTree>
     <p:extLst>
       <p:ext uri="{BB962C8B-B14F-4D97-AF65-F5344CB8AC3E}">
-        <p14:creationId xmlns:p14="http://schemas.microsoft.com/office/powerpoint/2010/main" val="2838498877"/>
+        <p14:creationId xmlns:p14="http://schemas.microsoft.com/office/powerpoint/2010/main" val="124761964"/>
       </p:ext>
     </p:extLst>
   </p:cSld>
@@ -5126,7 +4475,7 @@
                             </p:stCondLst>
                             <p:childTnLst>
                               <p:par>
-                                <p:cTn id="9" presetID="2" presetClass="entr" presetSubtype="4" fill="hold" nodeType="clickEffect">
+                                <p:cTn id="9" presetID="1" presetClass="entr" presetSubtype="0" fill="hold" nodeType="clickEffect">
                                   <p:stCondLst>
                                     <p:cond delay="0"/>
                                   </p:stCondLst>
@@ -5141,7 +4490,7 @@
                                         <p:tgtEl>
                                           <p:spTgt spid="3">
                                             <p:txEl>
-                                              <p:pRg st="3" end="3"/>
+                                              <p:pRg st="2" end="2"/>
                                             </p:txEl>
                                           </p:spTgt>
                                         </p:tgtEl>
@@ -5153,65 +4502,29 @@
                                         <p:strVal val="visible"/>
                                       </p:to>
                                     </p:set>
-                                    <p:anim calcmode="lin" valueType="num">
-                                      <p:cBhvr additive="base">
-                                        <p:cTn id="11" dur="500" fill="hold"/>
-                                        <p:tgtEl>
-                                          <p:spTgt spid="3">
-                                            <p:txEl>
-                                              <p:pRg st="3" end="3"/>
-                                            </p:txEl>
-                                          </p:spTgt>
-                                        </p:tgtEl>
-                                        <p:attrNameLst>
-                                          <p:attrName>ppt_x</p:attrName>
-                                        </p:attrNameLst>
-                                      </p:cBhvr>
-                                      <p:tavLst>
-                                        <p:tav tm="0">
-                                          <p:val>
-                                            <p:strVal val="#ppt_x"/>
-                                          </p:val>
-                                        </p:tav>
-                                        <p:tav tm="100000">
-                                          <p:val>
-                                            <p:strVal val="#ppt_x"/>
-                                          </p:val>
-                                        </p:tav>
-                                      </p:tavLst>
-                                    </p:anim>
-                                    <p:anim calcmode="lin" valueType="num">
-                                      <p:cBhvr additive="base">
-                                        <p:cTn id="12" dur="500" fill="hold"/>
-                                        <p:tgtEl>
-                                          <p:spTgt spid="3">
-                                            <p:txEl>
-                                              <p:pRg st="3" end="3"/>
-                                            </p:txEl>
-                                          </p:spTgt>
-                                        </p:tgtEl>
-                                        <p:attrNameLst>
-                                          <p:attrName>ppt_y</p:attrName>
-                                        </p:attrNameLst>
-                                      </p:cBhvr>
-                                      <p:tavLst>
-                                        <p:tav tm="0">
-                                          <p:val>
-                                            <p:strVal val="1+#ppt_h/2"/>
-                                          </p:val>
-                                        </p:tav>
-                                        <p:tav tm="100000">
-                                          <p:val>
-                                            <p:strVal val="#ppt_y"/>
-                                          </p:val>
-                                        </p:tav>
-                                      </p:tavLst>
-                                    </p:anim>
                                   </p:childTnLst>
                                 </p:cTn>
                               </p:par>
+                            </p:childTnLst>
+                          </p:cTn>
+                        </p:par>
+                      </p:childTnLst>
+                    </p:cTn>
+                  </p:par>
+                  <p:par>
+                    <p:cTn id="11" fill="hold">
+                      <p:stCondLst>
+                        <p:cond delay="indefinite"/>
+                      </p:stCondLst>
+                      <p:childTnLst>
+                        <p:par>
+                          <p:cTn id="12" fill="hold">
+                            <p:stCondLst>
+                              <p:cond delay="0"/>
+                            </p:stCondLst>
+                            <p:childTnLst>
                               <p:par>
-                                <p:cTn id="13" presetID="2" presetClass="entr" presetSubtype="4" fill="hold" nodeType="withEffect">
+                                <p:cTn id="13" presetID="2" presetClass="entr" presetSubtype="4" fill="hold" nodeType="clickEffect">
                                   <p:stCondLst>
                                     <p:cond delay="0"/>
                                   </p:stCondLst>
@@ -5721,12 +5034,8 @@
           <a:lstStyle/>
           <a:p>
             <a:r>
-              <a:rPr lang="fr-FR" dirty="0" smtClean="0"/>
-              <a:t>Item </a:t>
-            </a:r>
-            <a:r>
               <a:rPr lang="fr-FR" dirty="0"/>
-              <a:t>5</a:t>
+              <a:t>Item 3</a:t>
             </a:r>
           </a:p>
         </p:txBody>
@@ -5755,31 +5064,30 @@
           <a:p>
             <a:pPr algn="l"/>
             <a:r>
-              <a:rPr lang="en-US" sz="2000" dirty="0" smtClean="0"/>
-              <a:t>How to implement a dependency relationship between two Objects?</a:t>
-            </a:r>
-            <a:endParaRPr lang="en-US" sz="2000" dirty="0"/>
+              <a:rPr lang="en-US" sz="2000" dirty="0"/>
+              <a:t>What is the simpler way to enforce singleton property?</a:t>
+            </a:r>
           </a:p>
           <a:p>
             <a:pPr algn="l"/>
             <a:r>
-              <a:rPr lang="en-US" sz="2000" b="1" dirty="0" smtClean="0">
+              <a:rPr lang="en-US" sz="2000" b="1" dirty="0">
                 <a:solidFill>
                   <a:srgbClr val="0070C0"/>
                 </a:solidFill>
                 <a:sym typeface="Wingdings" panose="05000000000000000000" pitchFamily="2" charset="2"/>
               </a:rPr>
-              <a:t>            One way: Hardwiring resource </a:t>
+              <a:t>            Private constructor + Public static INSTANCE</a:t>
             </a:r>
           </a:p>
           <a:p>
             <a:pPr algn="l"/>
-            <a:endParaRPr lang="en-US" sz="2000" dirty="0" smtClean="0"/>
+            <a:endParaRPr lang="en-US" sz="2000" dirty="0"/>
           </a:p>
           <a:p>
             <a:pPr algn="l"/>
             <a:r>
-              <a:rPr lang="en-US" sz="2000" dirty="0" smtClean="0"/>
+              <a:rPr lang="en-US" sz="2000" dirty="0"/>
               <a:t>But what if:</a:t>
             </a:r>
           </a:p>
@@ -5789,8 +5097,8 @@
               <a:buChar char="q"/>
             </a:pPr>
             <a:r>
-              <a:rPr lang="en-US" sz="2000" dirty="0" smtClean="0"/>
-              <a:t>You need to decouple Objects from each other?</a:t>
+              <a:rPr lang="en-US" sz="2000" dirty="0"/>
+              <a:t>You need to hide singleton property to API clients?</a:t>
             </a:r>
           </a:p>
           <a:p>
@@ -5799,8 +5107,8 @@
               <a:buChar char="q"/>
             </a:pPr>
             <a:r>
-              <a:rPr lang="en-US" sz="2000" dirty="0" smtClean="0"/>
-              <a:t>You deal with arbitrary number of subtypes?</a:t>
+              <a:rPr lang="en-US" sz="2000" dirty="0"/>
+              <a:t>To avoid reflection attacks?</a:t>
             </a:r>
           </a:p>
           <a:p>
@@ -5809,8 +5117,18 @@
               <a:buChar char="q"/>
             </a:pPr>
             <a:r>
-              <a:rPr lang="en-US" sz="2000" dirty="0" smtClean="0"/>
-              <a:t>You start to write unit tests?</a:t>
+              <a:rPr lang="en-US" sz="2000" dirty="0"/>
+              <a:t>You need to create a generic singleton factory?</a:t>
+            </a:r>
+          </a:p>
+          <a:p>
+            <a:pPr marL="342900" indent="-342900" algn="l">
+              <a:buFont typeface="Wingdings" panose="05000000000000000000" pitchFamily="2" charset="2"/>
+              <a:buChar char="q"/>
+            </a:pPr>
+            <a:r>
+              <a:rPr lang="en-US" sz="2000" dirty="0"/>
+              <a:t>You need to serialize singleton?</a:t>
             </a:r>
           </a:p>
           <a:p>
@@ -5827,8 +5145,8 @@
         </p:nvSpPr>
         <p:spPr>
           <a:xfrm>
-            <a:off x="2125125" y="5097887"/>
-            <a:ext cx="7996613" cy="523220"/>
+            <a:off x="594794" y="5591663"/>
+            <a:ext cx="11203580" cy="523220"/>
           </a:xfrm>
           <a:prstGeom prst="rect">
             <a:avLst/>
@@ -5857,7 +5175,41 @@
                   </a:schemeClr>
                 </a:solidFill>
               </a:rPr>
-              <a:t>Prefer dependency injection to hardwiring resources</a:t>
+              <a:t>Enforce the singleton property with a private constructor or an </a:t>
+            </a:r>
+            <a:r>
+              <a:rPr lang="en-US" sz="2800" b="1" dirty="0" err="1">
+                <a:ln w="22225">
+                  <a:solidFill>
+                    <a:schemeClr val="accent2"/>
+                  </a:solidFill>
+                  <a:prstDash val="solid"/>
+                </a:ln>
+                <a:solidFill>
+                  <a:schemeClr val="accent2">
+                    <a:lumMod val="40000"/>
+                    <a:lumOff val="60000"/>
+                  </a:schemeClr>
+                </a:solidFill>
+              </a:rPr>
+              <a:t>enum</a:t>
+            </a:r>
+            <a:r>
+              <a:rPr lang="en-US" sz="2800" b="1" dirty="0">
+                <a:ln w="22225">
+                  <a:solidFill>
+                    <a:schemeClr val="accent2"/>
+                  </a:solidFill>
+                  <a:prstDash val="solid"/>
+                </a:ln>
+                <a:solidFill>
+                  <a:schemeClr val="accent2">
+                    <a:lumMod val="40000"/>
+                    <a:lumOff val="60000"/>
+                  </a:schemeClr>
+                </a:solidFill>
+              </a:rPr>
+              <a:t> type</a:t>
             </a:r>
             <a:endParaRPr lang="fr-FR" sz="2800" b="1" cap="none" spc="0" dirty="0">
               <a:ln w="22225">
@@ -5880,7 +5232,7 @@
     </p:spTree>
     <p:extLst>
       <p:ext uri="{BB962C8B-B14F-4D97-AF65-F5344CB8AC3E}">
-        <p14:creationId xmlns:p14="http://schemas.microsoft.com/office/powerpoint/2010/main" val="1474878711"/>
+        <p14:creationId xmlns:p14="http://schemas.microsoft.com/office/powerpoint/2010/main" val="2838498877"/>
       </p:ext>
     </p:extLst>
   </p:cSld>
@@ -6296,6 +5648,91 @@
                                   </p:childTnLst>
                                 </p:cTn>
                               </p:par>
+                              <p:par>
+                                <p:cTn id="25" presetID="2" presetClass="entr" presetSubtype="4" fill="hold" nodeType="withEffect">
+                                  <p:stCondLst>
+                                    <p:cond delay="0"/>
+                                  </p:stCondLst>
+                                  <p:childTnLst>
+                                    <p:set>
+                                      <p:cBhvr>
+                                        <p:cTn id="26" dur="1" fill="hold">
+                                          <p:stCondLst>
+                                            <p:cond delay="0"/>
+                                          </p:stCondLst>
+                                        </p:cTn>
+                                        <p:tgtEl>
+                                          <p:spTgt spid="3">
+                                            <p:txEl>
+                                              <p:pRg st="7" end="7"/>
+                                            </p:txEl>
+                                          </p:spTgt>
+                                        </p:tgtEl>
+                                        <p:attrNameLst>
+                                          <p:attrName>style.visibility</p:attrName>
+                                        </p:attrNameLst>
+                                      </p:cBhvr>
+                                      <p:to>
+                                        <p:strVal val="visible"/>
+                                      </p:to>
+                                    </p:set>
+                                    <p:anim calcmode="lin" valueType="num">
+                                      <p:cBhvr additive="base">
+                                        <p:cTn id="27" dur="500" fill="hold"/>
+                                        <p:tgtEl>
+                                          <p:spTgt spid="3">
+                                            <p:txEl>
+                                              <p:pRg st="7" end="7"/>
+                                            </p:txEl>
+                                          </p:spTgt>
+                                        </p:tgtEl>
+                                        <p:attrNameLst>
+                                          <p:attrName>ppt_x</p:attrName>
+                                        </p:attrNameLst>
+                                      </p:cBhvr>
+                                      <p:tavLst>
+                                        <p:tav tm="0">
+                                          <p:val>
+                                            <p:strVal val="#ppt_x"/>
+                                          </p:val>
+                                        </p:tav>
+                                        <p:tav tm="100000">
+                                          <p:val>
+                                            <p:strVal val="#ppt_x"/>
+                                          </p:val>
+                                        </p:tav>
+                                      </p:tavLst>
+                                    </p:anim>
+                                    <p:anim calcmode="lin" valueType="num">
+                                      <p:cBhvr additive="base">
+                                        <p:cTn id="28" dur="500" fill="hold"/>
+                                        <p:tgtEl>
+                                          <p:spTgt spid="3">
+                                            <p:txEl>
+                                              <p:pRg st="7" end="7"/>
+                                            </p:txEl>
+                                          </p:spTgt>
+                                        </p:tgtEl>
+                                        <p:attrNameLst>
+                                          <p:attrName>ppt_y</p:attrName>
+                                        </p:attrNameLst>
+                                      </p:cBhvr>
+                                      <p:tavLst>
+                                        <p:tav tm="0">
+                                          <p:val>
+                                            <p:strVal val="1+#ppt_h/2"/>
+                                          </p:val>
+                                        </p:tav>
+                                        <p:tav tm="100000">
+                                          <p:val>
+                                            <p:strVal val="#ppt_y"/>
+                                          </p:val>
+                                        </p:tav>
+                                      </p:tavLst>
+                                    </p:anim>
+                                  </p:childTnLst>
+                                </p:cTn>
+                              </p:par>
                             </p:childTnLst>
                           </p:cTn>
                         </p:par>
@@ -6303,26 +5740,26 @@
                     </p:cTn>
                   </p:par>
                   <p:par>
-                    <p:cTn id="25" fill="hold">
+                    <p:cTn id="29" fill="hold">
                       <p:stCondLst>
                         <p:cond delay="indefinite"/>
                       </p:stCondLst>
                       <p:childTnLst>
                         <p:par>
-                          <p:cTn id="26" fill="hold">
+                          <p:cTn id="30" fill="hold">
                             <p:stCondLst>
                               <p:cond delay="0"/>
                             </p:stCondLst>
                             <p:childTnLst>
                               <p:par>
-                                <p:cTn id="27" presetID="53" presetClass="entr" presetSubtype="16" fill="hold" grpId="0" nodeType="clickEffect">
+                                <p:cTn id="31" presetID="53" presetClass="entr" presetSubtype="16" fill="hold" grpId="0" nodeType="clickEffect">
                                   <p:stCondLst>
                                     <p:cond delay="0"/>
                                   </p:stCondLst>
                                   <p:childTnLst>
                                     <p:set>
                                       <p:cBhvr>
-                                        <p:cTn id="28" dur="1" fill="hold">
+                                        <p:cTn id="32" dur="1" fill="hold">
                                           <p:stCondLst>
                                             <p:cond delay="0"/>
                                           </p:stCondLst>
@@ -6340,7 +5777,7 @@
                                     </p:set>
                                     <p:anim calcmode="lin" valueType="num">
                                       <p:cBhvr>
-                                        <p:cTn id="29" dur="500" fill="hold"/>
+                                        <p:cTn id="33" dur="500" fill="hold"/>
                                         <p:tgtEl>
                                           <p:spTgt spid="4"/>
                                         </p:tgtEl>
@@ -6363,7 +5800,7 @@
                                     </p:anim>
                                     <p:anim calcmode="lin" valueType="num">
                                       <p:cBhvr>
-                                        <p:cTn id="30" dur="500" fill="hold"/>
+                                        <p:cTn id="34" dur="500" fill="hold"/>
                                         <p:tgtEl>
                                           <p:spTgt spid="4"/>
                                         </p:tgtEl>
@@ -6386,7 +5823,7 @@
                                     </p:anim>
                                     <p:animEffect transition="in" filter="fade">
                                       <p:cBhvr>
-                                        <p:cTn id="31" dur="500"/>
+                                        <p:cTn id="35" dur="500"/>
                                         <p:tgtEl>
                                           <p:spTgt spid="4"/>
                                         </p:tgtEl>
@@ -6467,12 +5904,8 @@
           <a:lstStyle/>
           <a:p>
             <a:r>
-              <a:rPr lang="fr-FR" dirty="0" smtClean="0"/>
-              <a:t>Item </a:t>
-            </a:r>
-            <a:r>
               <a:rPr lang="fr-FR" dirty="0"/>
-              <a:t>6</a:t>
+              <a:t>Item 5</a:t>
             </a:r>
           </a:p>
         </p:txBody>
@@ -6501,22 +5934,12 @@
           <a:p>
             <a:pPr algn="l"/>
             <a:r>
-              <a:rPr lang="en-US" sz="2000" dirty="0" smtClean="0"/>
-              <a:t>How to avoid unnecessary object instantiations?</a:t>
-            </a:r>
-            <a:endParaRPr lang="en-US" sz="2000" dirty="0"/>
+              <a:rPr lang="en-US" sz="2000" dirty="0"/>
+              <a:t>How to implement a dependency relationship between two Objects?</a:t>
+            </a:r>
           </a:p>
           <a:p>
             <a:pPr algn="l"/>
-            <a:r>
-              <a:rPr lang="en-US" sz="2000" b="1" dirty="0" smtClean="0">
-                <a:solidFill>
-                  <a:srgbClr val="0070C0"/>
-                </a:solidFill>
-                <a:sym typeface="Wingdings" panose="05000000000000000000" pitchFamily="2" charset="2"/>
-              </a:rPr>
-              <a:t>            </a:t>
-            </a:r>
             <a:r>
               <a:rPr lang="en-US" sz="2000" b="1" dirty="0">
                 <a:solidFill>
@@ -6524,38 +5947,17 @@
                 </a:solidFill>
                 <a:sym typeface="Wingdings" panose="05000000000000000000" pitchFamily="2" charset="2"/>
               </a:rPr>
-              <a:t>F</a:t>
-            </a:r>
-            <a:r>
-              <a:rPr lang="en-US" sz="2000" b="1" dirty="0" smtClean="0">
-                <a:solidFill>
-                  <a:srgbClr val="0070C0"/>
-                </a:solidFill>
-                <a:sym typeface="Wingdings" panose="05000000000000000000" pitchFamily="2" charset="2"/>
-              </a:rPr>
-              <a:t>actory methods</a:t>
+              <a:t>            One way: Hardwiring resource </a:t>
             </a:r>
           </a:p>
           <a:p>
             <a:pPr algn="l"/>
-            <a:r>
-              <a:rPr lang="en-US" sz="2000" b="1" dirty="0" smtClean="0">
-                <a:solidFill>
-                  <a:srgbClr val="0070C0"/>
-                </a:solidFill>
-                <a:sym typeface="Wingdings" panose="05000000000000000000" pitchFamily="2" charset="2"/>
-              </a:rPr>
-              <a:t>            Singleton</a:t>
-            </a:r>
+            <a:endParaRPr lang="en-US" sz="2000" dirty="0"/>
           </a:p>
           <a:p>
             <a:pPr algn="l"/>
-            <a:endParaRPr lang="en-US" sz="2000" dirty="0" smtClean="0"/>
-          </a:p>
-          <a:p>
-            <a:pPr algn="l"/>
-            <a:r>
-              <a:rPr lang="en-US" sz="2000" dirty="0" smtClean="0"/>
+            <a:r>
+              <a:rPr lang="en-US" sz="2000" dirty="0"/>
               <a:t>But what if:</a:t>
             </a:r>
           </a:p>
@@ -6565,8 +5967,8 @@
               <a:buChar char="q"/>
             </a:pPr>
             <a:r>
-              <a:rPr lang="en-US" sz="2000" dirty="0" smtClean="0"/>
-              <a:t>You need to reuse functionally equivalent objects ?</a:t>
+              <a:rPr lang="en-US" sz="2000" dirty="0"/>
+              <a:t>You need to decouple Objects from each other?</a:t>
             </a:r>
           </a:p>
           <a:p>
@@ -6575,8 +5977,18 @@
               <a:buChar char="q"/>
             </a:pPr>
             <a:r>
-              <a:rPr lang="en-US" sz="2000" dirty="0" smtClean="0"/>
-              <a:t>You need to avoid recreation  of expensive objects &amp; cache them?</a:t>
+              <a:rPr lang="en-US" sz="2000" dirty="0"/>
+              <a:t>You deal with arbitrary number of subtypes?</a:t>
+            </a:r>
+          </a:p>
+          <a:p>
+            <a:pPr marL="342900" indent="-342900" algn="l">
+              <a:buFont typeface="Wingdings" panose="05000000000000000000" pitchFamily="2" charset="2"/>
+              <a:buChar char="q"/>
+            </a:pPr>
+            <a:r>
+              <a:rPr lang="en-US" sz="2000" dirty="0"/>
+              <a:t>You start to write unit tests?</a:t>
             </a:r>
           </a:p>
           <a:p>
@@ -6593,8 +6005,8 @@
         </p:nvSpPr>
         <p:spPr>
           <a:xfrm>
-            <a:off x="3416729" y="5097887"/>
-            <a:ext cx="5413405" cy="523220"/>
+            <a:off x="2125125" y="5097887"/>
+            <a:ext cx="7996613" cy="523220"/>
           </a:xfrm>
           <a:prstGeom prst="rect">
             <a:avLst/>
@@ -6623,7 +6035,7 @@
                   </a:schemeClr>
                 </a:solidFill>
               </a:rPr>
-              <a:t>Avoid creating unnecessary objects</a:t>
+              <a:t>Prefer dependency injection to hardwiring resources</a:t>
             </a:r>
             <a:endParaRPr lang="fr-FR" sz="2800" b="1" cap="none" spc="0" dirty="0">
               <a:ln w="22225">
@@ -6646,7 +6058,7 @@
     </p:spTree>
     <p:extLst>
       <p:ext uri="{BB962C8B-B14F-4D97-AF65-F5344CB8AC3E}">
-        <p14:creationId xmlns:p14="http://schemas.microsoft.com/office/powerpoint/2010/main" val="2890998159"/>
+        <p14:creationId xmlns:p14="http://schemas.microsoft.com/office/powerpoint/2010/main" val="1474878711"/>
       </p:ext>
     </p:extLst>
   </p:cSld>
@@ -6723,7 +6135,7 @@
                             </p:stCondLst>
                             <p:childTnLst>
                               <p:par>
-                                <p:cTn id="9" presetID="1" presetClass="entr" presetSubtype="0" fill="hold" nodeType="clickEffect">
+                                <p:cTn id="9" presetID="2" presetClass="entr" presetSubtype="4" fill="hold" nodeType="clickEffect">
                                   <p:stCondLst>
                                     <p:cond delay="0"/>
                                   </p:stCondLst>
@@ -6738,7 +6150,7 @@
                                         <p:tgtEl>
                                           <p:spTgt spid="3">
                                             <p:txEl>
-                                              <p:pRg st="2" end="2"/>
+                                              <p:pRg st="3" end="3"/>
                                             </p:txEl>
                                           </p:spTgt>
                                         </p:tgtEl>
@@ -6750,29 +6162,65 @@
                                         <p:strVal val="visible"/>
                                       </p:to>
                                     </p:set>
+                                    <p:anim calcmode="lin" valueType="num">
+                                      <p:cBhvr additive="base">
+                                        <p:cTn id="11" dur="500" fill="hold"/>
+                                        <p:tgtEl>
+                                          <p:spTgt spid="3">
+                                            <p:txEl>
+                                              <p:pRg st="3" end="3"/>
+                                            </p:txEl>
+                                          </p:spTgt>
+                                        </p:tgtEl>
+                                        <p:attrNameLst>
+                                          <p:attrName>ppt_x</p:attrName>
+                                        </p:attrNameLst>
+                                      </p:cBhvr>
+                                      <p:tavLst>
+                                        <p:tav tm="0">
+                                          <p:val>
+                                            <p:strVal val="#ppt_x"/>
+                                          </p:val>
+                                        </p:tav>
+                                        <p:tav tm="100000">
+                                          <p:val>
+                                            <p:strVal val="#ppt_x"/>
+                                          </p:val>
+                                        </p:tav>
+                                      </p:tavLst>
+                                    </p:anim>
+                                    <p:anim calcmode="lin" valueType="num">
+                                      <p:cBhvr additive="base">
+                                        <p:cTn id="12" dur="500" fill="hold"/>
+                                        <p:tgtEl>
+                                          <p:spTgt spid="3">
+                                            <p:txEl>
+                                              <p:pRg st="3" end="3"/>
+                                            </p:txEl>
+                                          </p:spTgt>
+                                        </p:tgtEl>
+                                        <p:attrNameLst>
+                                          <p:attrName>ppt_y</p:attrName>
+                                        </p:attrNameLst>
+                                      </p:cBhvr>
+                                      <p:tavLst>
+                                        <p:tav tm="0">
+                                          <p:val>
+                                            <p:strVal val="1+#ppt_h/2"/>
+                                          </p:val>
+                                        </p:tav>
+                                        <p:tav tm="100000">
+                                          <p:val>
+                                            <p:strVal val="#ppt_y"/>
+                                          </p:val>
+                                        </p:tav>
+                                      </p:tavLst>
+                                    </p:anim>
                                   </p:childTnLst>
                                 </p:cTn>
                               </p:par>
-                            </p:childTnLst>
-                          </p:cTn>
-                        </p:par>
-                      </p:childTnLst>
-                    </p:cTn>
-                  </p:par>
-                  <p:par>
-                    <p:cTn id="11" fill="hold">
-                      <p:stCondLst>
-                        <p:cond delay="indefinite"/>
-                      </p:stCondLst>
-                      <p:childTnLst>
-                        <p:par>
-                          <p:cTn id="12" fill="hold">
-                            <p:stCondLst>
-                              <p:cond delay="0"/>
-                            </p:stCondLst>
-                            <p:childTnLst>
                               <p:par>
-                                <p:cTn id="13" presetID="2" presetClass="entr" presetSubtype="4" fill="hold" nodeType="clickEffect">
+                                <p:cTn id="13" presetID="2" presetClass="entr" presetSubtype="4" fill="hold" nodeType="withEffect">
                                   <p:stCondLst>
                                     <p:cond delay="0"/>
                                   </p:stCondLst>
@@ -7197,12 +6645,8 @@
           <a:lstStyle/>
           <a:p>
             <a:r>
-              <a:rPr lang="fr-FR" dirty="0" smtClean="0"/>
-              <a:t>Item </a:t>
-            </a:r>
-            <a:r>
               <a:rPr lang="fr-FR" dirty="0"/>
-              <a:t>9</a:t>
+              <a:t>Item 6</a:t>
             </a:r>
           </a:p>
         </p:txBody>
@@ -7231,47 +6675,42 @@
           <a:p>
             <a:pPr algn="l"/>
             <a:r>
-              <a:rPr lang="en-US" sz="2000" dirty="0" smtClean="0"/>
-              <a:t>How to </a:t>
-            </a:r>
-            <a:r>
               <a:rPr lang="en-US" sz="2000" dirty="0"/>
-              <a:t>guarantee that a resource would be </a:t>
-            </a:r>
-            <a:r>
-              <a:rPr lang="en-US" sz="2000" dirty="0" smtClean="0"/>
-              <a:t>closed once </a:t>
-            </a:r>
-            <a:r>
-              <a:rPr lang="en-US" sz="2000" dirty="0"/>
-              <a:t>the </a:t>
-            </a:r>
-            <a:r>
-              <a:rPr lang="en-US" sz="2000" dirty="0" smtClean="0"/>
-              <a:t>program is terminated?</a:t>
-            </a:r>
-            <a:endParaRPr lang="en-US" sz="2000" dirty="0"/>
+              <a:t>How to avoid unnecessary object instantiations?</a:t>
+            </a:r>
           </a:p>
           <a:p>
             <a:pPr algn="l"/>
             <a:r>
-              <a:rPr lang="en-US" sz="2000" b="1" dirty="0" smtClean="0">
+              <a:rPr lang="en-US" sz="2000" b="1" dirty="0">
                 <a:solidFill>
                   <a:srgbClr val="0070C0"/>
                 </a:solidFill>
                 <a:sym typeface="Wingdings" panose="05000000000000000000" pitchFamily="2" charset="2"/>
               </a:rPr>
-              <a:t>            try - finally</a:t>
+              <a:t>            Factory methods</a:t>
             </a:r>
           </a:p>
           <a:p>
             <a:pPr algn="l"/>
-            <a:endParaRPr lang="en-US" sz="2000" dirty="0" smtClean="0"/>
+            <a:r>
+              <a:rPr lang="en-US" sz="2000" b="1" dirty="0">
+                <a:solidFill>
+                  <a:srgbClr val="0070C0"/>
+                </a:solidFill>
+                <a:sym typeface="Wingdings" panose="05000000000000000000" pitchFamily="2" charset="2"/>
+              </a:rPr>
+              <a:t>            Singleton</a:t>
+            </a:r>
           </a:p>
           <a:p>
             <a:pPr algn="l"/>
-            <a:r>
-              <a:rPr lang="en-US" sz="2000" dirty="0" smtClean="0"/>
+            <a:endParaRPr lang="en-US" sz="2000" dirty="0"/>
+          </a:p>
+          <a:p>
+            <a:pPr algn="l"/>
+            <a:r>
+              <a:rPr lang="en-US" sz="2000" dirty="0"/>
               <a:t>But what if:</a:t>
             </a:r>
           </a:p>
@@ -7281,16 +6720,8 @@
               <a:buChar char="q"/>
             </a:pPr>
             <a:r>
-              <a:rPr lang="en-US" sz="2000" dirty="0" smtClean="0"/>
-              <a:t>Many resources are involved on the same computation</a:t>
-            </a:r>
-            <a:r>
               <a:rPr lang="en-US" sz="2000" dirty="0"/>
-              <a:t> </a:t>
-            </a:r>
-            <a:r>
-              <a:rPr lang="en-US" sz="2000" dirty="0" smtClean="0"/>
-              <a:t>(readability)?</a:t>
+              <a:t>You need to reuse functionally equivalent objects ?</a:t>
             </a:r>
           </a:p>
           <a:p>
@@ -7299,8 +6730,8 @@
               <a:buChar char="q"/>
             </a:pPr>
             <a:r>
-              <a:rPr lang="en-US" sz="2000" dirty="0" smtClean="0"/>
-              <a:t>An exception occurs on the finally bloc itself?</a:t>
+              <a:rPr lang="en-US" sz="2000" dirty="0"/>
+              <a:t>You need to avoid recreation  of expensive objects &amp; cache them?</a:t>
             </a:r>
           </a:p>
           <a:p>
@@ -7317,8 +6748,8 @@
         </p:nvSpPr>
         <p:spPr>
           <a:xfrm>
-            <a:off x="3194553" y="5097887"/>
-            <a:ext cx="5857758" cy="523220"/>
+            <a:off x="3416729" y="5097887"/>
+            <a:ext cx="5413405" cy="523220"/>
           </a:xfrm>
           <a:prstGeom prst="rect">
             <a:avLst/>
@@ -7347,7 +6778,7 @@
                   </a:schemeClr>
                 </a:solidFill>
               </a:rPr>
-              <a:t>Prefer try-with-resources to try-finally</a:t>
+              <a:t>Avoid creating unnecessary objects</a:t>
             </a:r>
             <a:endParaRPr lang="fr-FR" sz="2800" b="1" cap="none" spc="0" dirty="0">
               <a:ln w="22225">
@@ -7370,7 +6801,7 @@
     </p:spTree>
     <p:extLst>
       <p:ext uri="{BB962C8B-B14F-4D97-AF65-F5344CB8AC3E}">
-        <p14:creationId xmlns:p14="http://schemas.microsoft.com/office/powerpoint/2010/main" val="767920250"/>
+        <p14:creationId xmlns:p14="http://schemas.microsoft.com/office/powerpoint/2010/main" val="2890998159"/>
       </p:ext>
     </p:extLst>
   </p:cSld>
@@ -7447,7 +6878,7 @@
                             </p:stCondLst>
                             <p:childTnLst>
                               <p:par>
-                                <p:cTn id="9" presetID="2" presetClass="entr" presetSubtype="4" fill="hold" nodeType="clickEffect">
+                                <p:cTn id="9" presetID="1" presetClass="entr" presetSubtype="0" fill="hold" nodeType="clickEffect">
                                   <p:stCondLst>
                                     <p:cond delay="0"/>
                                   </p:stCondLst>
@@ -7462,7 +6893,7 @@
                                         <p:tgtEl>
                                           <p:spTgt spid="3">
                                             <p:txEl>
-                                              <p:pRg st="3" end="3"/>
+                                              <p:pRg st="2" end="2"/>
                                             </p:txEl>
                                           </p:spTgt>
                                         </p:tgtEl>
@@ -7474,65 +6905,29 @@
                                         <p:strVal val="visible"/>
                                       </p:to>
                                     </p:set>
-                                    <p:anim calcmode="lin" valueType="num">
-                                      <p:cBhvr additive="base">
-                                        <p:cTn id="11" dur="500" fill="hold"/>
-                                        <p:tgtEl>
-                                          <p:spTgt spid="3">
-                                            <p:txEl>
-                                              <p:pRg st="3" end="3"/>
-                                            </p:txEl>
-                                          </p:spTgt>
-                                        </p:tgtEl>
-                                        <p:attrNameLst>
-                                          <p:attrName>ppt_x</p:attrName>
-                                        </p:attrNameLst>
-                                      </p:cBhvr>
-                                      <p:tavLst>
-                                        <p:tav tm="0">
-                                          <p:val>
-                                            <p:strVal val="#ppt_x"/>
-                                          </p:val>
-                                        </p:tav>
-                                        <p:tav tm="100000">
-                                          <p:val>
-                                            <p:strVal val="#ppt_x"/>
-                                          </p:val>
-                                        </p:tav>
-                                      </p:tavLst>
-                                    </p:anim>
-                                    <p:anim calcmode="lin" valueType="num">
-                                      <p:cBhvr additive="base">
-                                        <p:cTn id="12" dur="500" fill="hold"/>
-                                        <p:tgtEl>
-                                          <p:spTgt spid="3">
-                                            <p:txEl>
-                                              <p:pRg st="3" end="3"/>
-                                            </p:txEl>
-                                          </p:spTgt>
-                                        </p:tgtEl>
-                                        <p:attrNameLst>
-                                          <p:attrName>ppt_y</p:attrName>
-                                        </p:attrNameLst>
-                                      </p:cBhvr>
-                                      <p:tavLst>
-                                        <p:tav tm="0">
-                                          <p:val>
-                                            <p:strVal val="1+#ppt_h/2"/>
-                                          </p:val>
-                                        </p:tav>
-                                        <p:tav tm="100000">
-                                          <p:val>
-                                            <p:strVal val="#ppt_y"/>
-                                          </p:val>
-                                        </p:tav>
-                                      </p:tavLst>
-                                    </p:anim>
                                   </p:childTnLst>
                                 </p:cTn>
                               </p:par>
+                            </p:childTnLst>
+                          </p:cTn>
+                        </p:par>
+                      </p:childTnLst>
+                    </p:cTn>
+                  </p:par>
+                  <p:par>
+                    <p:cTn id="11" fill="hold">
+                      <p:stCondLst>
+                        <p:cond delay="indefinite"/>
+                      </p:stCondLst>
+                      <p:childTnLst>
+                        <p:par>
+                          <p:cTn id="12" fill="hold">
+                            <p:stCondLst>
+                              <p:cond delay="0"/>
+                            </p:stCondLst>
+                            <p:childTnLst>
                               <p:par>
-                                <p:cTn id="13" presetID="2" presetClass="entr" presetSubtype="4" fill="hold" nodeType="withEffect">
+                                <p:cTn id="13" presetID="2" presetClass="entr" presetSubtype="4" fill="hold" nodeType="clickEffect">
                                   <p:stCondLst>
                                     <p:cond delay="0"/>
                                   </p:stCondLst>
@@ -7701,6 +7096,91 @@
                                   </p:childTnLst>
                                 </p:cTn>
                               </p:par>
+                              <p:par>
+                                <p:cTn id="21" presetID="2" presetClass="entr" presetSubtype="4" fill="hold" nodeType="withEffect">
+                                  <p:stCondLst>
+                                    <p:cond delay="0"/>
+                                  </p:stCondLst>
+                                  <p:childTnLst>
+                                    <p:set>
+                                      <p:cBhvr>
+                                        <p:cTn id="22" dur="1" fill="hold">
+                                          <p:stCondLst>
+                                            <p:cond delay="0"/>
+                                          </p:stCondLst>
+                                        </p:cTn>
+                                        <p:tgtEl>
+                                          <p:spTgt spid="3">
+                                            <p:txEl>
+                                              <p:pRg st="6" end="6"/>
+                                            </p:txEl>
+                                          </p:spTgt>
+                                        </p:tgtEl>
+                                        <p:attrNameLst>
+                                          <p:attrName>style.visibility</p:attrName>
+                                        </p:attrNameLst>
+                                      </p:cBhvr>
+                                      <p:to>
+                                        <p:strVal val="visible"/>
+                                      </p:to>
+                                    </p:set>
+                                    <p:anim calcmode="lin" valueType="num">
+                                      <p:cBhvr additive="base">
+                                        <p:cTn id="23" dur="500" fill="hold"/>
+                                        <p:tgtEl>
+                                          <p:spTgt spid="3">
+                                            <p:txEl>
+                                              <p:pRg st="6" end="6"/>
+                                            </p:txEl>
+                                          </p:spTgt>
+                                        </p:tgtEl>
+                                        <p:attrNameLst>
+                                          <p:attrName>ppt_x</p:attrName>
+                                        </p:attrNameLst>
+                                      </p:cBhvr>
+                                      <p:tavLst>
+                                        <p:tav tm="0">
+                                          <p:val>
+                                            <p:strVal val="#ppt_x"/>
+                                          </p:val>
+                                        </p:tav>
+                                        <p:tav tm="100000">
+                                          <p:val>
+                                            <p:strVal val="#ppt_x"/>
+                                          </p:val>
+                                        </p:tav>
+                                      </p:tavLst>
+                                    </p:anim>
+                                    <p:anim calcmode="lin" valueType="num">
+                                      <p:cBhvr additive="base">
+                                        <p:cTn id="24" dur="500" fill="hold"/>
+                                        <p:tgtEl>
+                                          <p:spTgt spid="3">
+                                            <p:txEl>
+                                              <p:pRg st="6" end="6"/>
+                                            </p:txEl>
+                                          </p:spTgt>
+                                        </p:tgtEl>
+                                        <p:attrNameLst>
+                                          <p:attrName>ppt_y</p:attrName>
+                                        </p:attrNameLst>
+                                      </p:cBhvr>
+                                      <p:tavLst>
+                                        <p:tav tm="0">
+                                          <p:val>
+                                            <p:strVal val="1+#ppt_h/2"/>
+                                          </p:val>
+                                        </p:tav>
+                                        <p:tav tm="100000">
+                                          <p:val>
+                                            <p:strVal val="#ppt_y"/>
+                                          </p:val>
+                                        </p:tav>
+                                      </p:tavLst>
+                                    </p:anim>
+                                  </p:childTnLst>
+                                </p:cTn>
+                              </p:par>
                             </p:childTnLst>
                           </p:cTn>
                         </p:par>
@@ -7708,26 +7188,26 @@
                     </p:cTn>
                   </p:par>
                   <p:par>
-                    <p:cTn id="21" fill="hold">
+                    <p:cTn id="25" fill="hold">
                       <p:stCondLst>
                         <p:cond delay="indefinite"/>
                       </p:stCondLst>
                       <p:childTnLst>
                         <p:par>
-                          <p:cTn id="22" fill="hold">
+                          <p:cTn id="26" fill="hold">
                             <p:stCondLst>
                               <p:cond delay="0"/>
                             </p:stCondLst>
                             <p:childTnLst>
                               <p:par>
-                                <p:cTn id="23" presetID="53" presetClass="entr" presetSubtype="16" fill="hold" grpId="0" nodeType="clickEffect">
+                                <p:cTn id="27" presetID="53" presetClass="entr" presetSubtype="16" fill="hold" grpId="0" nodeType="clickEffect">
                                   <p:stCondLst>
                                     <p:cond delay="0"/>
                                   </p:stCondLst>
                                   <p:childTnLst>
                                     <p:set>
                                       <p:cBhvr>
-                                        <p:cTn id="24" dur="1" fill="hold">
+                                        <p:cTn id="28" dur="1" fill="hold">
                                           <p:stCondLst>
                                             <p:cond delay="0"/>
                                           </p:stCondLst>
@@ -7745,7 +7225,7 @@
                                     </p:set>
                                     <p:anim calcmode="lin" valueType="num">
                                       <p:cBhvr>
-                                        <p:cTn id="25" dur="500" fill="hold"/>
+                                        <p:cTn id="29" dur="500" fill="hold"/>
                                         <p:tgtEl>
                                           <p:spTgt spid="4"/>
                                         </p:tgtEl>
@@ -7768,7 +7248,7 @@
                                     </p:anim>
                                     <p:anim calcmode="lin" valueType="num">
                                       <p:cBhvr>
-                                        <p:cTn id="26" dur="500" fill="hold"/>
+                                        <p:cTn id="30" dur="500" fill="hold"/>
                                         <p:tgtEl>
                                           <p:spTgt spid="4"/>
                                         </p:tgtEl>
@@ -7791,7 +7271,7 @@
                                     </p:anim>
                                     <p:animEffect transition="in" filter="fade">
                                       <p:cBhvr>
-                                        <p:cTn id="27" dur="500"/>
+                                        <p:cTn id="31" dur="500"/>
                                         <p:tgtEl>
                                           <p:spTgt spid="4"/>
                                         </p:tgtEl>
@@ -7872,10 +7352,9 @@
           <a:lstStyle/>
           <a:p>
             <a:r>
-              <a:rPr lang="fr-FR" dirty="0" smtClean="0"/>
-              <a:t>Item 10</a:t>
-            </a:r>
-            <a:endParaRPr lang="fr-FR" dirty="0"/>
+              <a:rPr lang="fr-FR" dirty="0"/>
+              <a:t>Item 9</a:t>
+            </a:r>
           </a:p>
         </p:txBody>
       </p:sp>
@@ -7903,15 +7382,660 @@
           <a:p>
             <a:pPr algn="l"/>
             <a:r>
-              <a:rPr lang="en-US" sz="2000" dirty="0" smtClean="0"/>
+              <a:rPr lang="en-US" sz="2000" dirty="0"/>
+              <a:t>How to guarantee that a resource would be closed once the program is terminated?</a:t>
+            </a:r>
+          </a:p>
+          <a:p>
+            <a:pPr algn="l"/>
+            <a:r>
+              <a:rPr lang="en-US" sz="2000" b="1" dirty="0">
+                <a:solidFill>
+                  <a:srgbClr val="0070C0"/>
+                </a:solidFill>
+                <a:sym typeface="Wingdings" panose="05000000000000000000" pitchFamily="2" charset="2"/>
+              </a:rPr>
+              <a:t>            try - finally</a:t>
+            </a:r>
+          </a:p>
+          <a:p>
+            <a:pPr algn="l"/>
+            <a:endParaRPr lang="en-US" sz="2000" dirty="0"/>
+          </a:p>
+          <a:p>
+            <a:pPr algn="l"/>
+            <a:r>
+              <a:rPr lang="en-US" sz="2000" dirty="0"/>
+              <a:t>But what if:</a:t>
+            </a:r>
+          </a:p>
+          <a:p>
+            <a:pPr marL="342900" indent="-342900" algn="l">
+              <a:buFont typeface="Wingdings" panose="05000000000000000000" pitchFamily="2" charset="2"/>
+              <a:buChar char="q"/>
+            </a:pPr>
+            <a:r>
+              <a:rPr lang="en-US" sz="2000" dirty="0"/>
+              <a:t>Many resources are involved on the same computation (readability)?</a:t>
+            </a:r>
+          </a:p>
+          <a:p>
+            <a:pPr marL="342900" indent="-342900" algn="l">
+              <a:buFont typeface="Wingdings" panose="05000000000000000000" pitchFamily="2" charset="2"/>
+              <a:buChar char="q"/>
+            </a:pPr>
+            <a:r>
+              <a:rPr lang="en-US" sz="2000" dirty="0"/>
+              <a:t>An exception occurs on the finally bloc itself?</a:t>
+            </a:r>
+          </a:p>
+          <a:p>
+            <a:pPr algn="l"/>
+            <a:endParaRPr lang="en-US" sz="2000" dirty="0"/>
+          </a:p>
+        </p:txBody>
+      </p:sp>
+      <p:sp>
+        <p:nvSpPr>
+          <p:cNvPr id="4" name="Rectangle 3"/>
+          <p:cNvSpPr/>
+          <p:nvPr/>
+        </p:nvSpPr>
+        <p:spPr>
+          <a:xfrm>
+            <a:off x="3194553" y="5097887"/>
+            <a:ext cx="5857758" cy="523220"/>
+          </a:xfrm>
+          <a:prstGeom prst="rect">
+            <a:avLst/>
+          </a:prstGeom>
+          <a:noFill/>
+        </p:spPr>
+        <p:txBody>
+          <a:bodyPr wrap="none" lIns="91440" tIns="45720" rIns="91440" bIns="45720">
+            <a:spAutoFit/>
+          </a:bodyPr>
+          <a:lstStyle/>
+          <a:p>
+            <a:pPr algn="ctr"/>
+            <a:r>
+              <a:rPr lang="en-US" sz="2800" b="1" dirty="0">
+                <a:ln w="22225">
+                  <a:solidFill>
+                    <a:schemeClr val="accent2"/>
+                  </a:solidFill>
+                  <a:prstDash val="solid"/>
+                </a:ln>
+                <a:solidFill>
+                  <a:schemeClr val="accent2">
+                    <a:lumMod val="40000"/>
+                    <a:lumOff val="60000"/>
+                  </a:schemeClr>
+                </a:solidFill>
+              </a:rPr>
+              <a:t>Prefer try-with-resources to try-finally</a:t>
+            </a:r>
+            <a:endParaRPr lang="fr-FR" sz="2800" b="1" cap="none" spc="0" dirty="0">
+              <a:ln w="22225">
+                <a:solidFill>
+                  <a:schemeClr val="accent2"/>
+                </a:solidFill>
+                <a:prstDash val="solid"/>
+              </a:ln>
+              <a:solidFill>
+                <a:schemeClr val="accent2">
+                  <a:lumMod val="40000"/>
+                  <a:lumOff val="60000"/>
+                </a:schemeClr>
+              </a:solidFill>
+              <a:effectLst/>
+            </a:endParaRPr>
+          </a:p>
+        </p:txBody>
+      </p:sp>
+    </p:spTree>
+    <p:extLst>
+      <p:ext uri="{BB962C8B-B14F-4D97-AF65-F5344CB8AC3E}">
+        <p14:creationId xmlns:p14="http://schemas.microsoft.com/office/powerpoint/2010/main" val="767920250"/>
+      </p:ext>
+    </p:extLst>
+  </p:cSld>
+  <p:clrMapOvr>
+    <a:masterClrMapping/>
+  </p:clrMapOvr>
+  <p:timing>
+    <p:tnLst>
+      <p:par>
+        <p:cTn id="1" dur="indefinite" restart="never" nodeType="tmRoot">
+          <p:childTnLst>
+            <p:seq concurrent="1" nextAc="seek">
+              <p:cTn id="2" dur="indefinite" nodeType="mainSeq">
+                <p:childTnLst>
+                  <p:par>
+                    <p:cTn id="3" fill="hold">
+                      <p:stCondLst>
+                        <p:cond delay="indefinite"/>
+                      </p:stCondLst>
+                      <p:childTnLst>
+                        <p:par>
+                          <p:cTn id="4" fill="hold">
+                            <p:stCondLst>
+                              <p:cond delay="0"/>
+                            </p:stCondLst>
+                            <p:childTnLst>
+                              <p:par>
+                                <p:cTn id="5" presetID="1" presetClass="entr" presetSubtype="0" fill="hold" nodeType="clickEffect">
+                                  <p:stCondLst>
+                                    <p:cond delay="0"/>
+                                  </p:stCondLst>
+                                  <p:childTnLst>
+                                    <p:set>
+                                      <p:cBhvr>
+                                        <p:cTn id="6" dur="1" fill="hold">
+                                          <p:stCondLst>
+                                            <p:cond delay="0"/>
+                                          </p:stCondLst>
+                                        </p:cTn>
+                                        <p:tgtEl>
+                                          <p:spTgt spid="3">
+                                            <p:txEl>
+                                              <p:pRg st="1" end="1"/>
+                                            </p:txEl>
+                                          </p:spTgt>
+                                        </p:tgtEl>
+                                        <p:attrNameLst>
+                                          <p:attrName>style.visibility</p:attrName>
+                                        </p:attrNameLst>
+                                      </p:cBhvr>
+                                      <p:to>
+                                        <p:strVal val="visible"/>
+                                      </p:to>
+                                    </p:set>
+                                  </p:childTnLst>
+                                </p:cTn>
+                              </p:par>
+                            </p:childTnLst>
+                          </p:cTn>
+                        </p:par>
+                      </p:childTnLst>
+                    </p:cTn>
+                  </p:par>
+                  <p:par>
+                    <p:cTn id="7" fill="hold">
+                      <p:stCondLst>
+                        <p:cond delay="indefinite"/>
+                      </p:stCondLst>
+                      <p:childTnLst>
+                        <p:par>
+                          <p:cTn id="8" fill="hold">
+                            <p:stCondLst>
+                              <p:cond delay="0"/>
+                            </p:stCondLst>
+                            <p:childTnLst>
+                              <p:par>
+                                <p:cTn id="9" presetID="2" presetClass="entr" presetSubtype="4" fill="hold" nodeType="clickEffect">
+                                  <p:stCondLst>
+                                    <p:cond delay="0"/>
+                                  </p:stCondLst>
+                                  <p:childTnLst>
+                                    <p:set>
+                                      <p:cBhvr>
+                                        <p:cTn id="10" dur="1" fill="hold">
+                                          <p:stCondLst>
+                                            <p:cond delay="0"/>
+                                          </p:stCondLst>
+                                        </p:cTn>
+                                        <p:tgtEl>
+                                          <p:spTgt spid="3">
+                                            <p:txEl>
+                                              <p:pRg st="3" end="3"/>
+                                            </p:txEl>
+                                          </p:spTgt>
+                                        </p:tgtEl>
+                                        <p:attrNameLst>
+                                          <p:attrName>style.visibility</p:attrName>
+                                        </p:attrNameLst>
+                                      </p:cBhvr>
+                                      <p:to>
+                                        <p:strVal val="visible"/>
+                                      </p:to>
+                                    </p:set>
+                                    <p:anim calcmode="lin" valueType="num">
+                                      <p:cBhvr additive="base">
+                                        <p:cTn id="11" dur="500" fill="hold"/>
+                                        <p:tgtEl>
+                                          <p:spTgt spid="3">
+                                            <p:txEl>
+                                              <p:pRg st="3" end="3"/>
+                                            </p:txEl>
+                                          </p:spTgt>
+                                        </p:tgtEl>
+                                        <p:attrNameLst>
+                                          <p:attrName>ppt_x</p:attrName>
+                                        </p:attrNameLst>
+                                      </p:cBhvr>
+                                      <p:tavLst>
+                                        <p:tav tm="0">
+                                          <p:val>
+                                            <p:strVal val="#ppt_x"/>
+                                          </p:val>
+                                        </p:tav>
+                                        <p:tav tm="100000">
+                                          <p:val>
+                                            <p:strVal val="#ppt_x"/>
+                                          </p:val>
+                                        </p:tav>
+                                      </p:tavLst>
+                                    </p:anim>
+                                    <p:anim calcmode="lin" valueType="num">
+                                      <p:cBhvr additive="base">
+                                        <p:cTn id="12" dur="500" fill="hold"/>
+                                        <p:tgtEl>
+                                          <p:spTgt spid="3">
+                                            <p:txEl>
+                                              <p:pRg st="3" end="3"/>
+                                            </p:txEl>
+                                          </p:spTgt>
+                                        </p:tgtEl>
+                                        <p:attrNameLst>
+                                          <p:attrName>ppt_y</p:attrName>
+                                        </p:attrNameLst>
+                                      </p:cBhvr>
+                                      <p:tavLst>
+                                        <p:tav tm="0">
+                                          <p:val>
+                                            <p:strVal val="1+#ppt_h/2"/>
+                                          </p:val>
+                                        </p:tav>
+                                        <p:tav tm="100000">
+                                          <p:val>
+                                            <p:strVal val="#ppt_y"/>
+                                          </p:val>
+                                        </p:tav>
+                                      </p:tavLst>
+                                    </p:anim>
+                                  </p:childTnLst>
+                                </p:cTn>
+                              </p:par>
+                              <p:par>
+                                <p:cTn id="13" presetID="2" presetClass="entr" presetSubtype="4" fill="hold" nodeType="withEffect">
+                                  <p:stCondLst>
+                                    <p:cond delay="0"/>
+                                  </p:stCondLst>
+                                  <p:childTnLst>
+                                    <p:set>
+                                      <p:cBhvr>
+                                        <p:cTn id="14" dur="1" fill="hold">
+                                          <p:stCondLst>
+                                            <p:cond delay="0"/>
+                                          </p:stCondLst>
+                                        </p:cTn>
+                                        <p:tgtEl>
+                                          <p:spTgt spid="3">
+                                            <p:txEl>
+                                              <p:pRg st="4" end="4"/>
+                                            </p:txEl>
+                                          </p:spTgt>
+                                        </p:tgtEl>
+                                        <p:attrNameLst>
+                                          <p:attrName>style.visibility</p:attrName>
+                                        </p:attrNameLst>
+                                      </p:cBhvr>
+                                      <p:to>
+                                        <p:strVal val="visible"/>
+                                      </p:to>
+                                    </p:set>
+                                    <p:anim calcmode="lin" valueType="num">
+                                      <p:cBhvr additive="base">
+                                        <p:cTn id="15" dur="500" fill="hold"/>
+                                        <p:tgtEl>
+                                          <p:spTgt spid="3">
+                                            <p:txEl>
+                                              <p:pRg st="4" end="4"/>
+                                            </p:txEl>
+                                          </p:spTgt>
+                                        </p:tgtEl>
+                                        <p:attrNameLst>
+                                          <p:attrName>ppt_x</p:attrName>
+                                        </p:attrNameLst>
+                                      </p:cBhvr>
+                                      <p:tavLst>
+                                        <p:tav tm="0">
+                                          <p:val>
+                                            <p:strVal val="#ppt_x"/>
+                                          </p:val>
+                                        </p:tav>
+                                        <p:tav tm="100000">
+                                          <p:val>
+                                            <p:strVal val="#ppt_x"/>
+                                          </p:val>
+                                        </p:tav>
+                                      </p:tavLst>
+                                    </p:anim>
+                                    <p:anim calcmode="lin" valueType="num">
+                                      <p:cBhvr additive="base">
+                                        <p:cTn id="16" dur="500" fill="hold"/>
+                                        <p:tgtEl>
+                                          <p:spTgt spid="3">
+                                            <p:txEl>
+                                              <p:pRg st="4" end="4"/>
+                                            </p:txEl>
+                                          </p:spTgt>
+                                        </p:tgtEl>
+                                        <p:attrNameLst>
+                                          <p:attrName>ppt_y</p:attrName>
+                                        </p:attrNameLst>
+                                      </p:cBhvr>
+                                      <p:tavLst>
+                                        <p:tav tm="0">
+                                          <p:val>
+                                            <p:strVal val="1+#ppt_h/2"/>
+                                          </p:val>
+                                        </p:tav>
+                                        <p:tav tm="100000">
+                                          <p:val>
+                                            <p:strVal val="#ppt_y"/>
+                                          </p:val>
+                                        </p:tav>
+                                      </p:tavLst>
+                                    </p:anim>
+                                  </p:childTnLst>
+                                </p:cTn>
+                              </p:par>
+                              <p:par>
+                                <p:cTn id="17" presetID="2" presetClass="entr" presetSubtype="4" fill="hold" nodeType="withEffect">
+                                  <p:stCondLst>
+                                    <p:cond delay="0"/>
+                                  </p:stCondLst>
+                                  <p:childTnLst>
+                                    <p:set>
+                                      <p:cBhvr>
+                                        <p:cTn id="18" dur="1" fill="hold">
+                                          <p:stCondLst>
+                                            <p:cond delay="0"/>
+                                          </p:stCondLst>
+                                        </p:cTn>
+                                        <p:tgtEl>
+                                          <p:spTgt spid="3">
+                                            <p:txEl>
+                                              <p:pRg st="5" end="5"/>
+                                            </p:txEl>
+                                          </p:spTgt>
+                                        </p:tgtEl>
+                                        <p:attrNameLst>
+                                          <p:attrName>style.visibility</p:attrName>
+                                        </p:attrNameLst>
+                                      </p:cBhvr>
+                                      <p:to>
+                                        <p:strVal val="visible"/>
+                                      </p:to>
+                                    </p:set>
+                                    <p:anim calcmode="lin" valueType="num">
+                                      <p:cBhvr additive="base">
+                                        <p:cTn id="19" dur="500" fill="hold"/>
+                                        <p:tgtEl>
+                                          <p:spTgt spid="3">
+                                            <p:txEl>
+                                              <p:pRg st="5" end="5"/>
+                                            </p:txEl>
+                                          </p:spTgt>
+                                        </p:tgtEl>
+                                        <p:attrNameLst>
+                                          <p:attrName>ppt_x</p:attrName>
+                                        </p:attrNameLst>
+                                      </p:cBhvr>
+                                      <p:tavLst>
+                                        <p:tav tm="0">
+                                          <p:val>
+                                            <p:strVal val="#ppt_x"/>
+                                          </p:val>
+                                        </p:tav>
+                                        <p:tav tm="100000">
+                                          <p:val>
+                                            <p:strVal val="#ppt_x"/>
+                                          </p:val>
+                                        </p:tav>
+                                      </p:tavLst>
+                                    </p:anim>
+                                    <p:anim calcmode="lin" valueType="num">
+                                      <p:cBhvr additive="base">
+                                        <p:cTn id="20" dur="500" fill="hold"/>
+                                        <p:tgtEl>
+                                          <p:spTgt spid="3">
+                                            <p:txEl>
+                                              <p:pRg st="5" end="5"/>
+                                            </p:txEl>
+                                          </p:spTgt>
+                                        </p:tgtEl>
+                                        <p:attrNameLst>
+                                          <p:attrName>ppt_y</p:attrName>
+                                        </p:attrNameLst>
+                                      </p:cBhvr>
+                                      <p:tavLst>
+                                        <p:tav tm="0">
+                                          <p:val>
+                                            <p:strVal val="1+#ppt_h/2"/>
+                                          </p:val>
+                                        </p:tav>
+                                        <p:tav tm="100000">
+                                          <p:val>
+                                            <p:strVal val="#ppt_y"/>
+                                          </p:val>
+                                        </p:tav>
+                                      </p:tavLst>
+                                    </p:anim>
+                                  </p:childTnLst>
+                                </p:cTn>
+                              </p:par>
+                            </p:childTnLst>
+                          </p:cTn>
+                        </p:par>
+                      </p:childTnLst>
+                    </p:cTn>
+                  </p:par>
+                  <p:par>
+                    <p:cTn id="21" fill="hold">
+                      <p:stCondLst>
+                        <p:cond delay="indefinite"/>
+                      </p:stCondLst>
+                      <p:childTnLst>
+                        <p:par>
+                          <p:cTn id="22" fill="hold">
+                            <p:stCondLst>
+                              <p:cond delay="0"/>
+                            </p:stCondLst>
+                            <p:childTnLst>
+                              <p:par>
+                                <p:cTn id="23" presetID="53" presetClass="entr" presetSubtype="16" fill="hold" grpId="0" nodeType="clickEffect">
+                                  <p:stCondLst>
+                                    <p:cond delay="0"/>
+                                  </p:stCondLst>
+                                  <p:childTnLst>
+                                    <p:set>
+                                      <p:cBhvr>
+                                        <p:cTn id="24" dur="1" fill="hold">
+                                          <p:stCondLst>
+                                            <p:cond delay="0"/>
+                                          </p:stCondLst>
+                                        </p:cTn>
+                                        <p:tgtEl>
+                                          <p:spTgt spid="4"/>
+                                        </p:tgtEl>
+                                        <p:attrNameLst>
+                                          <p:attrName>style.visibility</p:attrName>
+                                        </p:attrNameLst>
+                                      </p:cBhvr>
+                                      <p:to>
+                                        <p:strVal val="visible"/>
+                                      </p:to>
+                                    </p:set>
+                                    <p:anim calcmode="lin" valueType="num">
+                                      <p:cBhvr>
+                                        <p:cTn id="25" dur="500" fill="hold"/>
+                                        <p:tgtEl>
+                                          <p:spTgt spid="4"/>
+                                        </p:tgtEl>
+                                        <p:attrNameLst>
+                                          <p:attrName>ppt_w</p:attrName>
+                                        </p:attrNameLst>
+                                      </p:cBhvr>
+                                      <p:tavLst>
+                                        <p:tav tm="0">
+                                          <p:val>
+                                            <p:fltVal val="0"/>
+                                          </p:val>
+                                        </p:tav>
+                                        <p:tav tm="100000">
+                                          <p:val>
+                                            <p:strVal val="#ppt_w"/>
+                                          </p:val>
+                                        </p:tav>
+                                      </p:tavLst>
+                                    </p:anim>
+                                    <p:anim calcmode="lin" valueType="num">
+                                      <p:cBhvr>
+                                        <p:cTn id="26" dur="500" fill="hold"/>
+                                        <p:tgtEl>
+                                          <p:spTgt spid="4"/>
+                                        </p:tgtEl>
+                                        <p:attrNameLst>
+                                          <p:attrName>ppt_h</p:attrName>
+                                        </p:attrNameLst>
+                                      </p:cBhvr>
+                                      <p:tavLst>
+                                        <p:tav tm="0">
+                                          <p:val>
+                                            <p:fltVal val="0"/>
+                                          </p:val>
+                                        </p:tav>
+                                        <p:tav tm="100000">
+                                          <p:val>
+                                            <p:strVal val="#ppt_h"/>
+                                          </p:val>
+                                        </p:tav>
+                                      </p:tavLst>
+                                    </p:anim>
+                                    <p:animEffect transition="in" filter="fade">
+                                      <p:cBhvr>
+                                        <p:cTn id="27" dur="500"/>
+                                        <p:tgtEl>
+                                          <p:spTgt spid="4"/>
+                                        </p:tgtEl>
+                                      </p:cBhvr>
+                                    </p:animEffect>
+                                  </p:childTnLst>
+                                </p:cTn>
+                              </p:par>
+                            </p:childTnLst>
+                          </p:cTn>
+                        </p:par>
+                      </p:childTnLst>
+                    </p:cTn>
+                  </p:par>
+                </p:childTnLst>
+              </p:cTn>
+              <p:prevCondLst>
+                <p:cond evt="onPrev" delay="0">
+                  <p:tgtEl>
+                    <p:sldTgt/>
+                  </p:tgtEl>
+                </p:cond>
+              </p:prevCondLst>
+              <p:nextCondLst>
+                <p:cond evt="onNext" delay="0">
+                  <p:tgtEl>
+                    <p:sldTgt/>
+                  </p:tgtEl>
+                </p:cond>
+              </p:nextCondLst>
+            </p:seq>
+          </p:childTnLst>
+        </p:cTn>
+      </p:par>
+    </p:tnLst>
+    <p:bldLst>
+      <p:bldP spid="4" grpId="0"/>
+    </p:bldLst>
+  </p:timing>
+</p:sld>
+</file>
+
+<file path=ppt/slides/slide9.xml><?xml version="1.0" encoding="utf-8"?>
+<p:sld xmlns:a="http://schemas.openxmlformats.org/drawingml/2006/main" xmlns:r="http://schemas.openxmlformats.org/officeDocument/2006/relationships" xmlns:p="http://schemas.openxmlformats.org/presentationml/2006/main">
+  <p:cSld>
+    <p:spTree>
+      <p:nvGrpSpPr>
+        <p:cNvPr id="1" name=""/>
+        <p:cNvGrpSpPr/>
+        <p:nvPr/>
+      </p:nvGrpSpPr>
+      <p:grpSpPr>
+        <a:xfrm>
+          <a:off x="0" y="0"/>
+          <a:ext cx="0" cy="0"/>
+          <a:chOff x="0" y="0"/>
+          <a:chExt cx="0" cy="0"/>
+        </a:xfrm>
+      </p:grpSpPr>
+      <p:sp>
+        <p:nvSpPr>
+          <p:cNvPr id="2" name="Titre 1"/>
+          <p:cNvSpPr>
+            <a:spLocks noGrp="1"/>
+          </p:cNvSpPr>
+          <p:nvPr>
+            <p:ph type="ctrTitle"/>
+          </p:nvPr>
+        </p:nvSpPr>
+        <p:spPr>
+          <a:xfrm>
+            <a:off x="1030224" y="384048"/>
+            <a:ext cx="9144000" cy="1287970"/>
+          </a:xfrm>
+        </p:spPr>
+        <p:txBody>
+          <a:bodyPr/>
+          <a:lstStyle/>
+          <a:p>
+            <a:r>
+              <a:rPr lang="fr-FR" dirty="0"/>
+              <a:t>Item 10</a:t>
+            </a:r>
+          </a:p>
+        </p:txBody>
+      </p:sp>
+      <p:sp>
+        <p:nvSpPr>
+          <p:cNvPr id="3" name="Sous-titre 2"/>
+          <p:cNvSpPr>
+            <a:spLocks noGrp="1"/>
+          </p:cNvSpPr>
+          <p:nvPr>
+            <p:ph type="subTitle" idx="1"/>
+          </p:nvPr>
+        </p:nvSpPr>
+        <p:spPr>
+          <a:xfrm>
+            <a:off x="1304544" y="1928686"/>
+            <a:ext cx="9144000" cy="4408106"/>
+          </a:xfrm>
+        </p:spPr>
+        <p:txBody>
+          <a:bodyPr>
+            <a:noAutofit/>
+          </a:bodyPr>
+          <a:lstStyle/>
+          <a:p>
+            <a:pPr algn="l"/>
+            <a:r>
+              <a:rPr lang="en-US" sz="2000" dirty="0"/>
               <a:t>How to check that two objects are “the same”?</a:t>
             </a:r>
-            <a:endParaRPr lang="en-US" sz="2000" dirty="0"/>
           </a:p>
           <a:p>
             <a:pPr algn="l"/>
             <a:r>
-              <a:rPr lang="en-US" sz="2000" b="1" dirty="0" smtClean="0">
+              <a:rPr lang="en-US" sz="2000" b="1" dirty="0">
                 <a:solidFill>
                   <a:srgbClr val="0070C0"/>
                 </a:solidFill>
@@ -7920,7 +8044,7 @@
               <a:t>            </a:t>
             </a:r>
             <a:r>
-              <a:rPr lang="en-US" sz="2000" b="1" dirty="0" err="1" smtClean="0">
+              <a:rPr lang="en-US" sz="2000" b="1" dirty="0" err="1">
                 <a:solidFill>
                   <a:srgbClr val="0070C0"/>
                 </a:solidFill>
@@ -7929,7 +8053,7 @@
               <a:t>Object.equals</a:t>
             </a:r>
             <a:r>
-              <a:rPr lang="en-US" sz="2000" b="1" dirty="0" smtClean="0">
+              <a:rPr lang="en-US" sz="2000" b="1" dirty="0">
                 <a:solidFill>
                   <a:srgbClr val="0070C0"/>
                 </a:solidFill>
@@ -7940,12 +8064,12 @@
           </a:p>
           <a:p>
             <a:pPr algn="l"/>
-            <a:endParaRPr lang="en-US" sz="2000" dirty="0" smtClean="0"/>
+            <a:endParaRPr lang="en-US" sz="2000" dirty="0"/>
           </a:p>
           <a:p>
             <a:pPr algn="l"/>
             <a:r>
-              <a:rPr lang="en-US" sz="2000" dirty="0" smtClean="0"/>
+              <a:rPr lang="en-US" sz="2000" dirty="0"/>
               <a:t>But what if:</a:t>
             </a:r>
           </a:p>
@@ -7955,22 +8079,9 @@
               <a:buChar char="q"/>
             </a:pPr>
             <a:r>
-              <a:rPr lang="en-US" sz="2000" dirty="0" smtClean="0"/>
-              <a:t>You have </a:t>
-            </a:r>
-            <a:r>
               <a:rPr lang="en-US" sz="2000" dirty="0"/>
-              <a:t>a notion of logical equality that differs from </a:t>
-            </a:r>
-            <a:r>
-              <a:rPr lang="en-US" sz="2000" dirty="0" smtClean="0"/>
-              <a:t>object </a:t>
-            </a:r>
-            <a:r>
-              <a:rPr lang="en-US" sz="2000" dirty="0"/>
-              <a:t>identity ?</a:t>
-            </a:r>
-            <a:endParaRPr lang="en-US" sz="2000" dirty="0" smtClean="0"/>
+              <a:t>You have a notion of logical equality that differs from object identity ?</a:t>
+            </a:r>
           </a:p>
           <a:p>
             <a:pPr marL="342900" indent="-342900" algn="l">
@@ -7978,7 +8089,7 @@
               <a:buChar char="q"/>
             </a:pPr>
             <a:r>
-              <a:rPr lang="en-US" sz="2000" dirty="0" smtClean="0"/>
+              <a:rPr lang="en-US" sz="2000" dirty="0"/>
               <a:t>How to know if overridden equals adhere to its general contract?</a:t>
             </a:r>
           </a:p>
@@ -8012,7 +8123,7 @@
           <a:p>
             <a:pPr algn="ctr"/>
             <a:r>
-              <a:rPr lang="en-US" sz="2800" b="1" dirty="0" smtClean="0">
+              <a:rPr lang="en-US" sz="2800" b="1" dirty="0">
                 <a:ln w="22225">
                   <a:solidFill>
                     <a:schemeClr val="accent2"/>

--- a/effective-java.pptx
+++ b/effective-java.pptx
@@ -5,15 +5,18 @@
     <p:sldMasterId id="2147483648" r:id="rId1"/>
   </p:sldMasterIdLst>
   <p:sldIdLst>
-    <p:sldId id="264" r:id="rId2"/>
-    <p:sldId id="256" r:id="rId3"/>
-    <p:sldId id="257" r:id="rId4"/>
-    <p:sldId id="258" r:id="rId5"/>
-    <p:sldId id="259" r:id="rId6"/>
-    <p:sldId id="260" r:id="rId7"/>
-    <p:sldId id="261" r:id="rId8"/>
-    <p:sldId id="262" r:id="rId9"/>
-    <p:sldId id="263" r:id="rId10"/>
+    <p:sldId id="266" r:id="rId2"/>
+    <p:sldId id="264" r:id="rId3"/>
+    <p:sldId id="256" r:id="rId4"/>
+    <p:sldId id="265" r:id="rId5"/>
+    <p:sldId id="257" r:id="rId6"/>
+    <p:sldId id="258" r:id="rId7"/>
+    <p:sldId id="259" r:id="rId8"/>
+    <p:sldId id="260" r:id="rId9"/>
+    <p:sldId id="261" r:id="rId10"/>
+    <p:sldId id="262" r:id="rId11"/>
+    <p:sldId id="263" r:id="rId12"/>
+    <p:sldId id="267" r:id="rId13"/>
   </p:sldIdLst>
   <p:sldSz cx="12192000" cy="6858000"/>
   <p:notesSz cx="6858000" cy="9144000"/>
@@ -249,7 +252,7 @@
           <a:p>
             <a:fld id="{755BA608-1639-41EA-B572-74EA19863A33}" type="datetimeFigureOut">
               <a:rPr lang="fr-FR" smtClean="0"/>
-              <a:t>28/04/2019</a:t>
+              <a:t>09/07/2019</a:t>
             </a:fld>
             <a:endParaRPr lang="fr-FR"/>
           </a:p>
@@ -417,7 +420,7 @@
           <a:p>
             <a:fld id="{755BA608-1639-41EA-B572-74EA19863A33}" type="datetimeFigureOut">
               <a:rPr lang="fr-FR" smtClean="0"/>
-              <a:t>28/04/2019</a:t>
+              <a:t>09/07/2019</a:t>
             </a:fld>
             <a:endParaRPr lang="fr-FR"/>
           </a:p>
@@ -595,7 +598,7 @@
           <a:p>
             <a:fld id="{755BA608-1639-41EA-B572-74EA19863A33}" type="datetimeFigureOut">
               <a:rPr lang="fr-FR" smtClean="0"/>
-              <a:t>28/04/2019</a:t>
+              <a:t>09/07/2019</a:t>
             </a:fld>
             <a:endParaRPr lang="fr-FR"/>
           </a:p>
@@ -763,7 +766,7 @@
           <a:p>
             <a:fld id="{755BA608-1639-41EA-B572-74EA19863A33}" type="datetimeFigureOut">
               <a:rPr lang="fr-FR" smtClean="0"/>
-              <a:t>28/04/2019</a:t>
+              <a:t>09/07/2019</a:t>
             </a:fld>
             <a:endParaRPr lang="fr-FR"/>
           </a:p>
@@ -1008,7 +1011,7 @@
           <a:p>
             <a:fld id="{755BA608-1639-41EA-B572-74EA19863A33}" type="datetimeFigureOut">
               <a:rPr lang="fr-FR" smtClean="0"/>
-              <a:t>28/04/2019</a:t>
+              <a:t>09/07/2019</a:t>
             </a:fld>
             <a:endParaRPr lang="fr-FR"/>
           </a:p>
@@ -1237,7 +1240,7 @@
           <a:p>
             <a:fld id="{755BA608-1639-41EA-B572-74EA19863A33}" type="datetimeFigureOut">
               <a:rPr lang="fr-FR" smtClean="0"/>
-              <a:t>28/04/2019</a:t>
+              <a:t>09/07/2019</a:t>
             </a:fld>
             <a:endParaRPr lang="fr-FR"/>
           </a:p>
@@ -1601,7 +1604,7 @@
           <a:p>
             <a:fld id="{755BA608-1639-41EA-B572-74EA19863A33}" type="datetimeFigureOut">
               <a:rPr lang="fr-FR" smtClean="0"/>
-              <a:t>28/04/2019</a:t>
+              <a:t>09/07/2019</a:t>
             </a:fld>
             <a:endParaRPr lang="fr-FR"/>
           </a:p>
@@ -1718,7 +1721,7 @@
           <a:p>
             <a:fld id="{755BA608-1639-41EA-B572-74EA19863A33}" type="datetimeFigureOut">
               <a:rPr lang="fr-FR" smtClean="0"/>
-              <a:t>28/04/2019</a:t>
+              <a:t>09/07/2019</a:t>
             </a:fld>
             <a:endParaRPr lang="fr-FR"/>
           </a:p>
@@ -1813,7 +1816,7 @@
           <a:p>
             <a:fld id="{755BA608-1639-41EA-B572-74EA19863A33}" type="datetimeFigureOut">
               <a:rPr lang="fr-FR" smtClean="0"/>
-              <a:t>28/04/2019</a:t>
+              <a:t>09/07/2019</a:t>
             </a:fld>
             <a:endParaRPr lang="fr-FR"/>
           </a:p>
@@ -2088,7 +2091,7 @@
           <a:p>
             <a:fld id="{755BA608-1639-41EA-B572-74EA19863A33}" type="datetimeFigureOut">
               <a:rPr lang="fr-FR" smtClean="0"/>
-              <a:t>28/04/2019</a:t>
+              <a:t>09/07/2019</a:t>
             </a:fld>
             <a:endParaRPr lang="fr-FR"/>
           </a:p>
@@ -2340,7 +2343,7 @@
           <a:p>
             <a:fld id="{755BA608-1639-41EA-B572-74EA19863A33}" type="datetimeFigureOut">
               <a:rPr lang="fr-FR" smtClean="0"/>
-              <a:t>28/04/2019</a:t>
+              <a:t>09/07/2019</a:t>
             </a:fld>
             <a:endParaRPr lang="fr-FR"/>
           </a:p>
@@ -2551,7 +2554,7 @@
           <a:p>
             <a:fld id="{755BA608-1639-41EA-B572-74EA19863A33}" type="datetimeFigureOut">
               <a:rPr lang="fr-FR" smtClean="0"/>
-              <a:t>28/04/2019</a:t>
+              <a:t>09/07/2019</a:t>
             </a:fld>
             <a:endParaRPr lang="fr-FR"/>
           </a:p>
@@ -2942,6 +2945,2074 @@
 <file path=ppt/slides/slide1.xml><?xml version="1.0" encoding="utf-8"?>
 <p:sld xmlns:a="http://schemas.openxmlformats.org/drawingml/2006/main" xmlns:r="http://schemas.openxmlformats.org/officeDocument/2006/relationships" xmlns:p="http://schemas.openxmlformats.org/presentationml/2006/main">
   <p:cSld>
+    <p:spTree>
+      <p:nvGrpSpPr>
+        <p:cNvPr id="1" name=""/>
+        <p:cNvGrpSpPr/>
+        <p:nvPr/>
+      </p:nvGrpSpPr>
+      <p:grpSpPr>
+        <a:xfrm>
+          <a:off x="0" y="0"/>
+          <a:ext cx="0" cy="0"/>
+          <a:chOff x="0" y="0"/>
+          <a:chExt cx="0" cy="0"/>
+        </a:xfrm>
+      </p:grpSpPr>
+      <p:sp>
+        <p:nvSpPr>
+          <p:cNvPr id="3" name="Espace réservé du contenu 2">
+            <a:extLst>
+              <a:ext uri="{FF2B5EF4-FFF2-40B4-BE49-F238E27FC236}">
+                <a16:creationId xmlns:a16="http://schemas.microsoft.com/office/drawing/2014/main" id="{B2305B5D-C926-49DF-A46D-DA5AD0C2A06E}"/>
+              </a:ext>
+            </a:extLst>
+          </p:cNvPr>
+          <p:cNvSpPr>
+            <a:spLocks noGrp="1"/>
+          </p:cNvSpPr>
+          <p:nvPr>
+            <p:ph idx="1"/>
+          </p:nvPr>
+        </p:nvSpPr>
+        <p:spPr>
+          <a:xfrm>
+            <a:off x="838200" y="1805305"/>
+            <a:ext cx="10515600" cy="4351338"/>
+          </a:xfrm>
+        </p:spPr>
+        <p:txBody>
+          <a:bodyPr>
+            <a:normAutofit/>
+          </a:bodyPr>
+          <a:lstStyle/>
+          <a:p>
+            <a:pPr marL="0" indent="0" algn="ctr">
+              <a:buNone/>
+            </a:pPr>
+            <a:r>
+              <a:rPr lang="en-US" sz="6600" dirty="0"/>
+              <a:t>Effective coding</a:t>
+            </a:r>
+          </a:p>
+          <a:p>
+            <a:pPr marL="0" indent="0" algn="ctr">
+              <a:buNone/>
+            </a:pPr>
+            <a:r>
+              <a:rPr lang="en-US" sz="6600" dirty="0"/>
+              <a:t>(java hands-on)</a:t>
+            </a:r>
+          </a:p>
+        </p:txBody>
+      </p:sp>
+    </p:spTree>
+    <p:extLst>
+      <p:ext uri="{BB962C8B-B14F-4D97-AF65-F5344CB8AC3E}">
+        <p14:creationId xmlns:p14="http://schemas.microsoft.com/office/powerpoint/2010/main" val="3926978468"/>
+      </p:ext>
+    </p:extLst>
+  </p:cSld>
+  <p:clrMapOvr>
+    <a:masterClrMapping/>
+  </p:clrMapOvr>
+</p:sld>
+</file>
+
+<file path=ppt/slides/slide10.xml><?xml version="1.0" encoding="utf-8"?>
+<p:sld xmlns:a="http://schemas.openxmlformats.org/drawingml/2006/main" xmlns:r="http://schemas.openxmlformats.org/officeDocument/2006/relationships" xmlns:p="http://schemas.openxmlformats.org/presentationml/2006/main">
+  <p:cSld>
+    <p:spTree>
+      <p:nvGrpSpPr>
+        <p:cNvPr id="1" name=""/>
+        <p:cNvGrpSpPr/>
+        <p:nvPr/>
+      </p:nvGrpSpPr>
+      <p:grpSpPr>
+        <a:xfrm>
+          <a:off x="0" y="0"/>
+          <a:ext cx="0" cy="0"/>
+          <a:chOff x="0" y="0"/>
+          <a:chExt cx="0" cy="0"/>
+        </a:xfrm>
+      </p:grpSpPr>
+      <p:sp>
+        <p:nvSpPr>
+          <p:cNvPr id="2" name="Titre 1"/>
+          <p:cNvSpPr>
+            <a:spLocks noGrp="1"/>
+          </p:cNvSpPr>
+          <p:nvPr>
+            <p:ph type="ctrTitle"/>
+          </p:nvPr>
+        </p:nvSpPr>
+        <p:spPr>
+          <a:xfrm>
+            <a:off x="1030224" y="384048"/>
+            <a:ext cx="9144000" cy="1287970"/>
+          </a:xfrm>
+        </p:spPr>
+        <p:txBody>
+          <a:bodyPr/>
+          <a:lstStyle/>
+          <a:p>
+            <a:r>
+              <a:rPr lang="fr-FR" dirty="0"/>
+              <a:t>Item 9</a:t>
+            </a:r>
+          </a:p>
+        </p:txBody>
+      </p:sp>
+      <p:sp>
+        <p:nvSpPr>
+          <p:cNvPr id="3" name="Sous-titre 2"/>
+          <p:cNvSpPr>
+            <a:spLocks noGrp="1"/>
+          </p:cNvSpPr>
+          <p:nvPr>
+            <p:ph type="subTitle" idx="1"/>
+          </p:nvPr>
+        </p:nvSpPr>
+        <p:spPr>
+          <a:xfrm>
+            <a:off x="1304544" y="1928686"/>
+            <a:ext cx="9144000" cy="4408106"/>
+          </a:xfrm>
+        </p:spPr>
+        <p:txBody>
+          <a:bodyPr>
+            <a:noAutofit/>
+          </a:bodyPr>
+          <a:lstStyle/>
+          <a:p>
+            <a:pPr algn="l"/>
+            <a:r>
+              <a:rPr lang="en-US" sz="2000" dirty="0"/>
+              <a:t>How to guarantee that a resource would be closed once the program is terminated?</a:t>
+            </a:r>
+          </a:p>
+          <a:p>
+            <a:pPr algn="l"/>
+            <a:r>
+              <a:rPr lang="en-US" sz="2000" b="1" dirty="0">
+                <a:solidFill>
+                  <a:srgbClr val="0070C0"/>
+                </a:solidFill>
+                <a:sym typeface="Wingdings" panose="05000000000000000000" pitchFamily="2" charset="2"/>
+              </a:rPr>
+              <a:t>            try - finally</a:t>
+            </a:r>
+          </a:p>
+          <a:p>
+            <a:pPr algn="l"/>
+            <a:endParaRPr lang="en-US" sz="2000" dirty="0"/>
+          </a:p>
+          <a:p>
+            <a:pPr algn="l"/>
+            <a:r>
+              <a:rPr lang="en-US" sz="2000" dirty="0"/>
+              <a:t>But what if:</a:t>
+            </a:r>
+          </a:p>
+          <a:p>
+            <a:pPr marL="342900" indent="-342900" algn="l">
+              <a:buFont typeface="Wingdings" panose="05000000000000000000" pitchFamily="2" charset="2"/>
+              <a:buChar char="q"/>
+            </a:pPr>
+            <a:r>
+              <a:rPr lang="en-US" sz="2000" dirty="0"/>
+              <a:t>Many resources are involved on the same computation (readability)?</a:t>
+            </a:r>
+          </a:p>
+          <a:p>
+            <a:pPr marL="342900" indent="-342900" algn="l">
+              <a:buFont typeface="Wingdings" panose="05000000000000000000" pitchFamily="2" charset="2"/>
+              <a:buChar char="q"/>
+            </a:pPr>
+            <a:r>
+              <a:rPr lang="en-US" sz="2000" dirty="0"/>
+              <a:t>An exception occurs on the finally bloc itself?</a:t>
+            </a:r>
+          </a:p>
+          <a:p>
+            <a:pPr algn="l"/>
+            <a:endParaRPr lang="en-US" sz="2000" dirty="0"/>
+          </a:p>
+        </p:txBody>
+      </p:sp>
+      <p:sp>
+        <p:nvSpPr>
+          <p:cNvPr id="4" name="Rectangle 3"/>
+          <p:cNvSpPr/>
+          <p:nvPr/>
+        </p:nvSpPr>
+        <p:spPr>
+          <a:xfrm>
+            <a:off x="3194553" y="5097887"/>
+            <a:ext cx="5857758" cy="523220"/>
+          </a:xfrm>
+          <a:prstGeom prst="rect">
+            <a:avLst/>
+          </a:prstGeom>
+          <a:noFill/>
+        </p:spPr>
+        <p:txBody>
+          <a:bodyPr wrap="none" lIns="91440" tIns="45720" rIns="91440" bIns="45720">
+            <a:spAutoFit/>
+          </a:bodyPr>
+          <a:lstStyle/>
+          <a:p>
+            <a:pPr algn="ctr"/>
+            <a:r>
+              <a:rPr lang="en-US" sz="2800" b="1" dirty="0">
+                <a:ln w="22225">
+                  <a:solidFill>
+                    <a:schemeClr val="accent2"/>
+                  </a:solidFill>
+                  <a:prstDash val="solid"/>
+                </a:ln>
+                <a:solidFill>
+                  <a:schemeClr val="accent2">
+                    <a:lumMod val="40000"/>
+                    <a:lumOff val="60000"/>
+                  </a:schemeClr>
+                </a:solidFill>
+              </a:rPr>
+              <a:t>Prefer try-with-resources to try-finally</a:t>
+            </a:r>
+            <a:endParaRPr lang="fr-FR" sz="2800" b="1" cap="none" spc="0" dirty="0">
+              <a:ln w="22225">
+                <a:solidFill>
+                  <a:schemeClr val="accent2"/>
+                </a:solidFill>
+                <a:prstDash val="solid"/>
+              </a:ln>
+              <a:solidFill>
+                <a:schemeClr val="accent2">
+                  <a:lumMod val="40000"/>
+                  <a:lumOff val="60000"/>
+                </a:schemeClr>
+              </a:solidFill>
+              <a:effectLst/>
+            </a:endParaRPr>
+          </a:p>
+        </p:txBody>
+      </p:sp>
+    </p:spTree>
+    <p:extLst>
+      <p:ext uri="{BB962C8B-B14F-4D97-AF65-F5344CB8AC3E}">
+        <p14:creationId xmlns:p14="http://schemas.microsoft.com/office/powerpoint/2010/main" val="767920250"/>
+      </p:ext>
+    </p:extLst>
+  </p:cSld>
+  <p:clrMapOvr>
+    <a:masterClrMapping/>
+  </p:clrMapOvr>
+  <p:timing>
+    <p:tnLst>
+      <p:par>
+        <p:cTn id="1" dur="indefinite" restart="never" nodeType="tmRoot">
+          <p:childTnLst>
+            <p:seq concurrent="1" nextAc="seek">
+              <p:cTn id="2" dur="indefinite" nodeType="mainSeq">
+                <p:childTnLst>
+                  <p:par>
+                    <p:cTn id="3" fill="hold">
+                      <p:stCondLst>
+                        <p:cond delay="indefinite"/>
+                      </p:stCondLst>
+                      <p:childTnLst>
+                        <p:par>
+                          <p:cTn id="4" fill="hold">
+                            <p:stCondLst>
+                              <p:cond delay="0"/>
+                            </p:stCondLst>
+                            <p:childTnLst>
+                              <p:par>
+                                <p:cTn id="5" presetID="1" presetClass="entr" presetSubtype="0" fill="hold" nodeType="clickEffect">
+                                  <p:stCondLst>
+                                    <p:cond delay="0"/>
+                                  </p:stCondLst>
+                                  <p:childTnLst>
+                                    <p:set>
+                                      <p:cBhvr>
+                                        <p:cTn id="6" dur="1" fill="hold">
+                                          <p:stCondLst>
+                                            <p:cond delay="0"/>
+                                          </p:stCondLst>
+                                        </p:cTn>
+                                        <p:tgtEl>
+                                          <p:spTgt spid="3">
+                                            <p:txEl>
+                                              <p:pRg st="1" end="1"/>
+                                            </p:txEl>
+                                          </p:spTgt>
+                                        </p:tgtEl>
+                                        <p:attrNameLst>
+                                          <p:attrName>style.visibility</p:attrName>
+                                        </p:attrNameLst>
+                                      </p:cBhvr>
+                                      <p:to>
+                                        <p:strVal val="visible"/>
+                                      </p:to>
+                                    </p:set>
+                                  </p:childTnLst>
+                                </p:cTn>
+                              </p:par>
+                            </p:childTnLst>
+                          </p:cTn>
+                        </p:par>
+                      </p:childTnLst>
+                    </p:cTn>
+                  </p:par>
+                  <p:par>
+                    <p:cTn id="7" fill="hold">
+                      <p:stCondLst>
+                        <p:cond delay="indefinite"/>
+                      </p:stCondLst>
+                      <p:childTnLst>
+                        <p:par>
+                          <p:cTn id="8" fill="hold">
+                            <p:stCondLst>
+                              <p:cond delay="0"/>
+                            </p:stCondLst>
+                            <p:childTnLst>
+                              <p:par>
+                                <p:cTn id="9" presetID="2" presetClass="entr" presetSubtype="4" fill="hold" nodeType="clickEffect">
+                                  <p:stCondLst>
+                                    <p:cond delay="0"/>
+                                  </p:stCondLst>
+                                  <p:childTnLst>
+                                    <p:set>
+                                      <p:cBhvr>
+                                        <p:cTn id="10" dur="1" fill="hold">
+                                          <p:stCondLst>
+                                            <p:cond delay="0"/>
+                                          </p:stCondLst>
+                                        </p:cTn>
+                                        <p:tgtEl>
+                                          <p:spTgt spid="3">
+                                            <p:txEl>
+                                              <p:pRg st="3" end="3"/>
+                                            </p:txEl>
+                                          </p:spTgt>
+                                        </p:tgtEl>
+                                        <p:attrNameLst>
+                                          <p:attrName>style.visibility</p:attrName>
+                                        </p:attrNameLst>
+                                      </p:cBhvr>
+                                      <p:to>
+                                        <p:strVal val="visible"/>
+                                      </p:to>
+                                    </p:set>
+                                    <p:anim calcmode="lin" valueType="num">
+                                      <p:cBhvr additive="base">
+                                        <p:cTn id="11" dur="500" fill="hold"/>
+                                        <p:tgtEl>
+                                          <p:spTgt spid="3">
+                                            <p:txEl>
+                                              <p:pRg st="3" end="3"/>
+                                            </p:txEl>
+                                          </p:spTgt>
+                                        </p:tgtEl>
+                                        <p:attrNameLst>
+                                          <p:attrName>ppt_x</p:attrName>
+                                        </p:attrNameLst>
+                                      </p:cBhvr>
+                                      <p:tavLst>
+                                        <p:tav tm="0">
+                                          <p:val>
+                                            <p:strVal val="#ppt_x"/>
+                                          </p:val>
+                                        </p:tav>
+                                        <p:tav tm="100000">
+                                          <p:val>
+                                            <p:strVal val="#ppt_x"/>
+                                          </p:val>
+                                        </p:tav>
+                                      </p:tavLst>
+                                    </p:anim>
+                                    <p:anim calcmode="lin" valueType="num">
+                                      <p:cBhvr additive="base">
+                                        <p:cTn id="12" dur="500" fill="hold"/>
+                                        <p:tgtEl>
+                                          <p:spTgt spid="3">
+                                            <p:txEl>
+                                              <p:pRg st="3" end="3"/>
+                                            </p:txEl>
+                                          </p:spTgt>
+                                        </p:tgtEl>
+                                        <p:attrNameLst>
+                                          <p:attrName>ppt_y</p:attrName>
+                                        </p:attrNameLst>
+                                      </p:cBhvr>
+                                      <p:tavLst>
+                                        <p:tav tm="0">
+                                          <p:val>
+                                            <p:strVal val="1+#ppt_h/2"/>
+                                          </p:val>
+                                        </p:tav>
+                                        <p:tav tm="100000">
+                                          <p:val>
+                                            <p:strVal val="#ppt_y"/>
+                                          </p:val>
+                                        </p:tav>
+                                      </p:tavLst>
+                                    </p:anim>
+                                  </p:childTnLst>
+                                </p:cTn>
+                              </p:par>
+                              <p:par>
+                                <p:cTn id="13" presetID="2" presetClass="entr" presetSubtype="4" fill="hold" nodeType="withEffect">
+                                  <p:stCondLst>
+                                    <p:cond delay="0"/>
+                                  </p:stCondLst>
+                                  <p:childTnLst>
+                                    <p:set>
+                                      <p:cBhvr>
+                                        <p:cTn id="14" dur="1" fill="hold">
+                                          <p:stCondLst>
+                                            <p:cond delay="0"/>
+                                          </p:stCondLst>
+                                        </p:cTn>
+                                        <p:tgtEl>
+                                          <p:spTgt spid="3">
+                                            <p:txEl>
+                                              <p:pRg st="4" end="4"/>
+                                            </p:txEl>
+                                          </p:spTgt>
+                                        </p:tgtEl>
+                                        <p:attrNameLst>
+                                          <p:attrName>style.visibility</p:attrName>
+                                        </p:attrNameLst>
+                                      </p:cBhvr>
+                                      <p:to>
+                                        <p:strVal val="visible"/>
+                                      </p:to>
+                                    </p:set>
+                                    <p:anim calcmode="lin" valueType="num">
+                                      <p:cBhvr additive="base">
+                                        <p:cTn id="15" dur="500" fill="hold"/>
+                                        <p:tgtEl>
+                                          <p:spTgt spid="3">
+                                            <p:txEl>
+                                              <p:pRg st="4" end="4"/>
+                                            </p:txEl>
+                                          </p:spTgt>
+                                        </p:tgtEl>
+                                        <p:attrNameLst>
+                                          <p:attrName>ppt_x</p:attrName>
+                                        </p:attrNameLst>
+                                      </p:cBhvr>
+                                      <p:tavLst>
+                                        <p:tav tm="0">
+                                          <p:val>
+                                            <p:strVal val="#ppt_x"/>
+                                          </p:val>
+                                        </p:tav>
+                                        <p:tav tm="100000">
+                                          <p:val>
+                                            <p:strVal val="#ppt_x"/>
+                                          </p:val>
+                                        </p:tav>
+                                      </p:tavLst>
+                                    </p:anim>
+                                    <p:anim calcmode="lin" valueType="num">
+                                      <p:cBhvr additive="base">
+                                        <p:cTn id="16" dur="500" fill="hold"/>
+                                        <p:tgtEl>
+                                          <p:spTgt spid="3">
+                                            <p:txEl>
+                                              <p:pRg st="4" end="4"/>
+                                            </p:txEl>
+                                          </p:spTgt>
+                                        </p:tgtEl>
+                                        <p:attrNameLst>
+                                          <p:attrName>ppt_y</p:attrName>
+                                        </p:attrNameLst>
+                                      </p:cBhvr>
+                                      <p:tavLst>
+                                        <p:tav tm="0">
+                                          <p:val>
+                                            <p:strVal val="1+#ppt_h/2"/>
+                                          </p:val>
+                                        </p:tav>
+                                        <p:tav tm="100000">
+                                          <p:val>
+                                            <p:strVal val="#ppt_y"/>
+                                          </p:val>
+                                        </p:tav>
+                                      </p:tavLst>
+                                    </p:anim>
+                                  </p:childTnLst>
+                                </p:cTn>
+                              </p:par>
+                              <p:par>
+                                <p:cTn id="17" presetID="2" presetClass="entr" presetSubtype="4" fill="hold" nodeType="withEffect">
+                                  <p:stCondLst>
+                                    <p:cond delay="0"/>
+                                  </p:stCondLst>
+                                  <p:childTnLst>
+                                    <p:set>
+                                      <p:cBhvr>
+                                        <p:cTn id="18" dur="1" fill="hold">
+                                          <p:stCondLst>
+                                            <p:cond delay="0"/>
+                                          </p:stCondLst>
+                                        </p:cTn>
+                                        <p:tgtEl>
+                                          <p:spTgt spid="3">
+                                            <p:txEl>
+                                              <p:pRg st="5" end="5"/>
+                                            </p:txEl>
+                                          </p:spTgt>
+                                        </p:tgtEl>
+                                        <p:attrNameLst>
+                                          <p:attrName>style.visibility</p:attrName>
+                                        </p:attrNameLst>
+                                      </p:cBhvr>
+                                      <p:to>
+                                        <p:strVal val="visible"/>
+                                      </p:to>
+                                    </p:set>
+                                    <p:anim calcmode="lin" valueType="num">
+                                      <p:cBhvr additive="base">
+                                        <p:cTn id="19" dur="500" fill="hold"/>
+                                        <p:tgtEl>
+                                          <p:spTgt spid="3">
+                                            <p:txEl>
+                                              <p:pRg st="5" end="5"/>
+                                            </p:txEl>
+                                          </p:spTgt>
+                                        </p:tgtEl>
+                                        <p:attrNameLst>
+                                          <p:attrName>ppt_x</p:attrName>
+                                        </p:attrNameLst>
+                                      </p:cBhvr>
+                                      <p:tavLst>
+                                        <p:tav tm="0">
+                                          <p:val>
+                                            <p:strVal val="#ppt_x"/>
+                                          </p:val>
+                                        </p:tav>
+                                        <p:tav tm="100000">
+                                          <p:val>
+                                            <p:strVal val="#ppt_x"/>
+                                          </p:val>
+                                        </p:tav>
+                                      </p:tavLst>
+                                    </p:anim>
+                                    <p:anim calcmode="lin" valueType="num">
+                                      <p:cBhvr additive="base">
+                                        <p:cTn id="20" dur="500" fill="hold"/>
+                                        <p:tgtEl>
+                                          <p:spTgt spid="3">
+                                            <p:txEl>
+                                              <p:pRg st="5" end="5"/>
+                                            </p:txEl>
+                                          </p:spTgt>
+                                        </p:tgtEl>
+                                        <p:attrNameLst>
+                                          <p:attrName>ppt_y</p:attrName>
+                                        </p:attrNameLst>
+                                      </p:cBhvr>
+                                      <p:tavLst>
+                                        <p:tav tm="0">
+                                          <p:val>
+                                            <p:strVal val="1+#ppt_h/2"/>
+                                          </p:val>
+                                        </p:tav>
+                                        <p:tav tm="100000">
+                                          <p:val>
+                                            <p:strVal val="#ppt_y"/>
+                                          </p:val>
+                                        </p:tav>
+                                      </p:tavLst>
+                                    </p:anim>
+                                  </p:childTnLst>
+                                </p:cTn>
+                              </p:par>
+                            </p:childTnLst>
+                          </p:cTn>
+                        </p:par>
+                      </p:childTnLst>
+                    </p:cTn>
+                  </p:par>
+                  <p:par>
+                    <p:cTn id="21" fill="hold">
+                      <p:stCondLst>
+                        <p:cond delay="indefinite"/>
+                      </p:stCondLst>
+                      <p:childTnLst>
+                        <p:par>
+                          <p:cTn id="22" fill="hold">
+                            <p:stCondLst>
+                              <p:cond delay="0"/>
+                            </p:stCondLst>
+                            <p:childTnLst>
+                              <p:par>
+                                <p:cTn id="23" presetID="53" presetClass="entr" presetSubtype="16" fill="hold" grpId="0" nodeType="clickEffect">
+                                  <p:stCondLst>
+                                    <p:cond delay="0"/>
+                                  </p:stCondLst>
+                                  <p:childTnLst>
+                                    <p:set>
+                                      <p:cBhvr>
+                                        <p:cTn id="24" dur="1" fill="hold">
+                                          <p:stCondLst>
+                                            <p:cond delay="0"/>
+                                          </p:stCondLst>
+                                        </p:cTn>
+                                        <p:tgtEl>
+                                          <p:spTgt spid="4"/>
+                                        </p:tgtEl>
+                                        <p:attrNameLst>
+                                          <p:attrName>style.visibility</p:attrName>
+                                        </p:attrNameLst>
+                                      </p:cBhvr>
+                                      <p:to>
+                                        <p:strVal val="visible"/>
+                                      </p:to>
+                                    </p:set>
+                                    <p:anim calcmode="lin" valueType="num">
+                                      <p:cBhvr>
+                                        <p:cTn id="25" dur="500" fill="hold"/>
+                                        <p:tgtEl>
+                                          <p:spTgt spid="4"/>
+                                        </p:tgtEl>
+                                        <p:attrNameLst>
+                                          <p:attrName>ppt_w</p:attrName>
+                                        </p:attrNameLst>
+                                      </p:cBhvr>
+                                      <p:tavLst>
+                                        <p:tav tm="0">
+                                          <p:val>
+                                            <p:fltVal val="0"/>
+                                          </p:val>
+                                        </p:tav>
+                                        <p:tav tm="100000">
+                                          <p:val>
+                                            <p:strVal val="#ppt_w"/>
+                                          </p:val>
+                                        </p:tav>
+                                      </p:tavLst>
+                                    </p:anim>
+                                    <p:anim calcmode="lin" valueType="num">
+                                      <p:cBhvr>
+                                        <p:cTn id="26" dur="500" fill="hold"/>
+                                        <p:tgtEl>
+                                          <p:spTgt spid="4"/>
+                                        </p:tgtEl>
+                                        <p:attrNameLst>
+                                          <p:attrName>ppt_h</p:attrName>
+                                        </p:attrNameLst>
+                                      </p:cBhvr>
+                                      <p:tavLst>
+                                        <p:tav tm="0">
+                                          <p:val>
+                                            <p:fltVal val="0"/>
+                                          </p:val>
+                                        </p:tav>
+                                        <p:tav tm="100000">
+                                          <p:val>
+                                            <p:strVal val="#ppt_h"/>
+                                          </p:val>
+                                        </p:tav>
+                                      </p:tavLst>
+                                    </p:anim>
+                                    <p:animEffect transition="in" filter="fade">
+                                      <p:cBhvr>
+                                        <p:cTn id="27" dur="500"/>
+                                        <p:tgtEl>
+                                          <p:spTgt spid="4"/>
+                                        </p:tgtEl>
+                                      </p:cBhvr>
+                                    </p:animEffect>
+                                  </p:childTnLst>
+                                </p:cTn>
+                              </p:par>
+                            </p:childTnLst>
+                          </p:cTn>
+                        </p:par>
+                      </p:childTnLst>
+                    </p:cTn>
+                  </p:par>
+                </p:childTnLst>
+              </p:cTn>
+              <p:prevCondLst>
+                <p:cond evt="onPrev" delay="0">
+                  <p:tgtEl>
+                    <p:sldTgt/>
+                  </p:tgtEl>
+                </p:cond>
+              </p:prevCondLst>
+              <p:nextCondLst>
+                <p:cond evt="onNext" delay="0">
+                  <p:tgtEl>
+                    <p:sldTgt/>
+                  </p:tgtEl>
+                </p:cond>
+              </p:nextCondLst>
+            </p:seq>
+          </p:childTnLst>
+        </p:cTn>
+      </p:par>
+    </p:tnLst>
+    <p:bldLst>
+      <p:bldP spid="4" grpId="0"/>
+    </p:bldLst>
+  </p:timing>
+</p:sld>
+</file>
+
+<file path=ppt/slides/slide11.xml><?xml version="1.0" encoding="utf-8"?>
+<p:sld xmlns:a="http://schemas.openxmlformats.org/drawingml/2006/main" xmlns:r="http://schemas.openxmlformats.org/officeDocument/2006/relationships" xmlns:p="http://schemas.openxmlformats.org/presentationml/2006/main">
+  <p:cSld>
+    <p:spTree>
+      <p:nvGrpSpPr>
+        <p:cNvPr id="1" name=""/>
+        <p:cNvGrpSpPr/>
+        <p:nvPr/>
+      </p:nvGrpSpPr>
+      <p:grpSpPr>
+        <a:xfrm>
+          <a:off x="0" y="0"/>
+          <a:ext cx="0" cy="0"/>
+          <a:chOff x="0" y="0"/>
+          <a:chExt cx="0" cy="0"/>
+        </a:xfrm>
+      </p:grpSpPr>
+      <p:sp>
+        <p:nvSpPr>
+          <p:cNvPr id="2" name="Titre 1"/>
+          <p:cNvSpPr>
+            <a:spLocks noGrp="1"/>
+          </p:cNvSpPr>
+          <p:nvPr>
+            <p:ph type="ctrTitle"/>
+          </p:nvPr>
+        </p:nvSpPr>
+        <p:spPr>
+          <a:xfrm>
+            <a:off x="1030224" y="384048"/>
+            <a:ext cx="9144000" cy="1287970"/>
+          </a:xfrm>
+        </p:spPr>
+        <p:txBody>
+          <a:bodyPr/>
+          <a:lstStyle/>
+          <a:p>
+            <a:r>
+              <a:rPr lang="fr-FR" dirty="0"/>
+              <a:t>Item 10</a:t>
+            </a:r>
+          </a:p>
+        </p:txBody>
+      </p:sp>
+      <p:sp>
+        <p:nvSpPr>
+          <p:cNvPr id="3" name="Sous-titre 2"/>
+          <p:cNvSpPr>
+            <a:spLocks noGrp="1"/>
+          </p:cNvSpPr>
+          <p:nvPr>
+            <p:ph type="subTitle" idx="1"/>
+          </p:nvPr>
+        </p:nvSpPr>
+        <p:spPr>
+          <a:xfrm>
+            <a:off x="1304544" y="1928686"/>
+            <a:ext cx="9144000" cy="4408106"/>
+          </a:xfrm>
+        </p:spPr>
+        <p:txBody>
+          <a:bodyPr>
+            <a:noAutofit/>
+          </a:bodyPr>
+          <a:lstStyle/>
+          <a:p>
+            <a:pPr algn="l"/>
+            <a:r>
+              <a:rPr lang="en-US" sz="2000" dirty="0"/>
+              <a:t>How to check that two objects are “the same”?</a:t>
+            </a:r>
+          </a:p>
+          <a:p>
+            <a:pPr algn="l"/>
+            <a:r>
+              <a:rPr lang="en-US" sz="2000" b="1" dirty="0">
+                <a:solidFill>
+                  <a:srgbClr val="0070C0"/>
+                </a:solidFill>
+                <a:sym typeface="Wingdings" panose="05000000000000000000" pitchFamily="2" charset="2"/>
+              </a:rPr>
+              <a:t>            </a:t>
+            </a:r>
+            <a:r>
+              <a:rPr lang="en-US" sz="2000" b="1" dirty="0" err="1">
+                <a:solidFill>
+                  <a:srgbClr val="0070C0"/>
+                </a:solidFill>
+                <a:sym typeface="Wingdings" panose="05000000000000000000" pitchFamily="2" charset="2"/>
+              </a:rPr>
+              <a:t>Object.equals</a:t>
+            </a:r>
+            <a:r>
+              <a:rPr lang="en-US" sz="2000" b="1" dirty="0">
+                <a:solidFill>
+                  <a:srgbClr val="0070C0"/>
+                </a:solidFill>
+                <a:sym typeface="Wingdings" panose="05000000000000000000" pitchFamily="2" charset="2"/>
+              </a:rPr>
+              <a:t> (==)</a:t>
+            </a:r>
+          </a:p>
+          <a:p>
+            <a:pPr algn="l"/>
+            <a:endParaRPr lang="en-US" sz="2000" dirty="0"/>
+          </a:p>
+          <a:p>
+            <a:pPr algn="l"/>
+            <a:r>
+              <a:rPr lang="en-US" sz="2000" dirty="0"/>
+              <a:t>But what if:</a:t>
+            </a:r>
+          </a:p>
+          <a:p>
+            <a:pPr marL="342900" indent="-342900" algn="l">
+              <a:buFont typeface="Wingdings" panose="05000000000000000000" pitchFamily="2" charset="2"/>
+              <a:buChar char="q"/>
+            </a:pPr>
+            <a:r>
+              <a:rPr lang="en-US" sz="2000" dirty="0"/>
+              <a:t>You have a notion of logical equality that differs from object identity ?</a:t>
+            </a:r>
+          </a:p>
+          <a:p>
+            <a:pPr marL="342900" indent="-342900" algn="l">
+              <a:buFont typeface="Wingdings" panose="05000000000000000000" pitchFamily="2" charset="2"/>
+              <a:buChar char="q"/>
+            </a:pPr>
+            <a:r>
+              <a:rPr lang="en-US" sz="2000" dirty="0"/>
+              <a:t>How to know if overridden equals adhere to its general contract?</a:t>
+            </a:r>
+          </a:p>
+          <a:p>
+            <a:pPr algn="l"/>
+            <a:endParaRPr lang="en-US" sz="2000" dirty="0"/>
+          </a:p>
+        </p:txBody>
+      </p:sp>
+      <p:sp>
+        <p:nvSpPr>
+          <p:cNvPr id="4" name="Rectangle 3"/>
+          <p:cNvSpPr/>
+          <p:nvPr/>
+        </p:nvSpPr>
+        <p:spPr>
+          <a:xfrm>
+            <a:off x="4826799" y="5097887"/>
+            <a:ext cx="2593274" cy="523220"/>
+          </a:xfrm>
+          <a:prstGeom prst="rect">
+            <a:avLst/>
+          </a:prstGeom>
+          <a:noFill/>
+        </p:spPr>
+        <p:txBody>
+          <a:bodyPr wrap="none" lIns="91440" tIns="45720" rIns="91440" bIns="45720">
+            <a:spAutoFit/>
+          </a:bodyPr>
+          <a:lstStyle/>
+          <a:p>
+            <a:pPr algn="ctr"/>
+            <a:r>
+              <a:rPr lang="en-US" sz="2800" b="1" dirty="0">
+                <a:ln w="22225">
+                  <a:solidFill>
+                    <a:schemeClr val="accent2"/>
+                  </a:solidFill>
+                  <a:prstDash val="solid"/>
+                </a:ln>
+                <a:solidFill>
+                  <a:schemeClr val="accent2">
+                    <a:lumMod val="40000"/>
+                    <a:lumOff val="60000"/>
+                  </a:schemeClr>
+                </a:solidFill>
+              </a:rPr>
+              <a:t>Override equals</a:t>
+            </a:r>
+            <a:endParaRPr lang="fr-FR" sz="2800" b="1" cap="none" spc="0" dirty="0">
+              <a:ln w="22225">
+                <a:solidFill>
+                  <a:schemeClr val="accent2"/>
+                </a:solidFill>
+                <a:prstDash val="solid"/>
+              </a:ln>
+              <a:solidFill>
+                <a:schemeClr val="accent2">
+                  <a:lumMod val="40000"/>
+                  <a:lumOff val="60000"/>
+                </a:schemeClr>
+              </a:solidFill>
+              <a:effectLst/>
+            </a:endParaRPr>
+          </a:p>
+        </p:txBody>
+      </p:sp>
+    </p:spTree>
+    <p:extLst>
+      <p:ext uri="{BB962C8B-B14F-4D97-AF65-F5344CB8AC3E}">
+        <p14:creationId xmlns:p14="http://schemas.microsoft.com/office/powerpoint/2010/main" val="3258830534"/>
+      </p:ext>
+    </p:extLst>
+  </p:cSld>
+  <p:clrMapOvr>
+    <a:masterClrMapping/>
+  </p:clrMapOvr>
+  <p:timing>
+    <p:tnLst>
+      <p:par>
+        <p:cTn id="1" dur="indefinite" restart="never" nodeType="tmRoot">
+          <p:childTnLst>
+            <p:seq concurrent="1" nextAc="seek">
+              <p:cTn id="2" dur="indefinite" nodeType="mainSeq">
+                <p:childTnLst>
+                  <p:par>
+                    <p:cTn id="3" fill="hold">
+                      <p:stCondLst>
+                        <p:cond delay="indefinite"/>
+                      </p:stCondLst>
+                      <p:childTnLst>
+                        <p:par>
+                          <p:cTn id="4" fill="hold">
+                            <p:stCondLst>
+                              <p:cond delay="0"/>
+                            </p:stCondLst>
+                            <p:childTnLst>
+                              <p:par>
+                                <p:cTn id="5" presetID="1" presetClass="entr" presetSubtype="0" fill="hold" nodeType="clickEffect">
+                                  <p:stCondLst>
+                                    <p:cond delay="0"/>
+                                  </p:stCondLst>
+                                  <p:childTnLst>
+                                    <p:set>
+                                      <p:cBhvr>
+                                        <p:cTn id="6" dur="1" fill="hold">
+                                          <p:stCondLst>
+                                            <p:cond delay="0"/>
+                                          </p:stCondLst>
+                                        </p:cTn>
+                                        <p:tgtEl>
+                                          <p:spTgt spid="3">
+                                            <p:txEl>
+                                              <p:pRg st="1" end="1"/>
+                                            </p:txEl>
+                                          </p:spTgt>
+                                        </p:tgtEl>
+                                        <p:attrNameLst>
+                                          <p:attrName>style.visibility</p:attrName>
+                                        </p:attrNameLst>
+                                      </p:cBhvr>
+                                      <p:to>
+                                        <p:strVal val="visible"/>
+                                      </p:to>
+                                    </p:set>
+                                  </p:childTnLst>
+                                </p:cTn>
+                              </p:par>
+                            </p:childTnLst>
+                          </p:cTn>
+                        </p:par>
+                      </p:childTnLst>
+                    </p:cTn>
+                  </p:par>
+                  <p:par>
+                    <p:cTn id="7" fill="hold">
+                      <p:stCondLst>
+                        <p:cond delay="indefinite"/>
+                      </p:stCondLst>
+                      <p:childTnLst>
+                        <p:par>
+                          <p:cTn id="8" fill="hold">
+                            <p:stCondLst>
+                              <p:cond delay="0"/>
+                            </p:stCondLst>
+                            <p:childTnLst>
+                              <p:par>
+                                <p:cTn id="9" presetID="2" presetClass="entr" presetSubtype="4" fill="hold" nodeType="clickEffect">
+                                  <p:stCondLst>
+                                    <p:cond delay="0"/>
+                                  </p:stCondLst>
+                                  <p:childTnLst>
+                                    <p:set>
+                                      <p:cBhvr>
+                                        <p:cTn id="10" dur="1" fill="hold">
+                                          <p:stCondLst>
+                                            <p:cond delay="0"/>
+                                          </p:stCondLst>
+                                        </p:cTn>
+                                        <p:tgtEl>
+                                          <p:spTgt spid="3">
+                                            <p:txEl>
+                                              <p:pRg st="3" end="3"/>
+                                            </p:txEl>
+                                          </p:spTgt>
+                                        </p:tgtEl>
+                                        <p:attrNameLst>
+                                          <p:attrName>style.visibility</p:attrName>
+                                        </p:attrNameLst>
+                                      </p:cBhvr>
+                                      <p:to>
+                                        <p:strVal val="visible"/>
+                                      </p:to>
+                                    </p:set>
+                                    <p:anim calcmode="lin" valueType="num">
+                                      <p:cBhvr additive="base">
+                                        <p:cTn id="11" dur="500" fill="hold"/>
+                                        <p:tgtEl>
+                                          <p:spTgt spid="3">
+                                            <p:txEl>
+                                              <p:pRg st="3" end="3"/>
+                                            </p:txEl>
+                                          </p:spTgt>
+                                        </p:tgtEl>
+                                        <p:attrNameLst>
+                                          <p:attrName>ppt_x</p:attrName>
+                                        </p:attrNameLst>
+                                      </p:cBhvr>
+                                      <p:tavLst>
+                                        <p:tav tm="0">
+                                          <p:val>
+                                            <p:strVal val="#ppt_x"/>
+                                          </p:val>
+                                        </p:tav>
+                                        <p:tav tm="100000">
+                                          <p:val>
+                                            <p:strVal val="#ppt_x"/>
+                                          </p:val>
+                                        </p:tav>
+                                      </p:tavLst>
+                                    </p:anim>
+                                    <p:anim calcmode="lin" valueType="num">
+                                      <p:cBhvr additive="base">
+                                        <p:cTn id="12" dur="500" fill="hold"/>
+                                        <p:tgtEl>
+                                          <p:spTgt spid="3">
+                                            <p:txEl>
+                                              <p:pRg st="3" end="3"/>
+                                            </p:txEl>
+                                          </p:spTgt>
+                                        </p:tgtEl>
+                                        <p:attrNameLst>
+                                          <p:attrName>ppt_y</p:attrName>
+                                        </p:attrNameLst>
+                                      </p:cBhvr>
+                                      <p:tavLst>
+                                        <p:tav tm="0">
+                                          <p:val>
+                                            <p:strVal val="1+#ppt_h/2"/>
+                                          </p:val>
+                                        </p:tav>
+                                        <p:tav tm="100000">
+                                          <p:val>
+                                            <p:strVal val="#ppt_y"/>
+                                          </p:val>
+                                        </p:tav>
+                                      </p:tavLst>
+                                    </p:anim>
+                                  </p:childTnLst>
+                                </p:cTn>
+                              </p:par>
+                              <p:par>
+                                <p:cTn id="13" presetID="2" presetClass="entr" presetSubtype="4" fill="hold" nodeType="withEffect">
+                                  <p:stCondLst>
+                                    <p:cond delay="0"/>
+                                  </p:stCondLst>
+                                  <p:childTnLst>
+                                    <p:set>
+                                      <p:cBhvr>
+                                        <p:cTn id="14" dur="1" fill="hold">
+                                          <p:stCondLst>
+                                            <p:cond delay="0"/>
+                                          </p:stCondLst>
+                                        </p:cTn>
+                                        <p:tgtEl>
+                                          <p:spTgt spid="3">
+                                            <p:txEl>
+                                              <p:pRg st="4" end="4"/>
+                                            </p:txEl>
+                                          </p:spTgt>
+                                        </p:tgtEl>
+                                        <p:attrNameLst>
+                                          <p:attrName>style.visibility</p:attrName>
+                                        </p:attrNameLst>
+                                      </p:cBhvr>
+                                      <p:to>
+                                        <p:strVal val="visible"/>
+                                      </p:to>
+                                    </p:set>
+                                    <p:anim calcmode="lin" valueType="num">
+                                      <p:cBhvr additive="base">
+                                        <p:cTn id="15" dur="500" fill="hold"/>
+                                        <p:tgtEl>
+                                          <p:spTgt spid="3">
+                                            <p:txEl>
+                                              <p:pRg st="4" end="4"/>
+                                            </p:txEl>
+                                          </p:spTgt>
+                                        </p:tgtEl>
+                                        <p:attrNameLst>
+                                          <p:attrName>ppt_x</p:attrName>
+                                        </p:attrNameLst>
+                                      </p:cBhvr>
+                                      <p:tavLst>
+                                        <p:tav tm="0">
+                                          <p:val>
+                                            <p:strVal val="#ppt_x"/>
+                                          </p:val>
+                                        </p:tav>
+                                        <p:tav tm="100000">
+                                          <p:val>
+                                            <p:strVal val="#ppt_x"/>
+                                          </p:val>
+                                        </p:tav>
+                                      </p:tavLst>
+                                    </p:anim>
+                                    <p:anim calcmode="lin" valueType="num">
+                                      <p:cBhvr additive="base">
+                                        <p:cTn id="16" dur="500" fill="hold"/>
+                                        <p:tgtEl>
+                                          <p:spTgt spid="3">
+                                            <p:txEl>
+                                              <p:pRg st="4" end="4"/>
+                                            </p:txEl>
+                                          </p:spTgt>
+                                        </p:tgtEl>
+                                        <p:attrNameLst>
+                                          <p:attrName>ppt_y</p:attrName>
+                                        </p:attrNameLst>
+                                      </p:cBhvr>
+                                      <p:tavLst>
+                                        <p:tav tm="0">
+                                          <p:val>
+                                            <p:strVal val="1+#ppt_h/2"/>
+                                          </p:val>
+                                        </p:tav>
+                                        <p:tav tm="100000">
+                                          <p:val>
+                                            <p:strVal val="#ppt_y"/>
+                                          </p:val>
+                                        </p:tav>
+                                      </p:tavLst>
+                                    </p:anim>
+                                  </p:childTnLst>
+                                </p:cTn>
+                              </p:par>
+                              <p:par>
+                                <p:cTn id="17" presetID="2" presetClass="entr" presetSubtype="4" fill="hold" nodeType="withEffect">
+                                  <p:stCondLst>
+                                    <p:cond delay="0"/>
+                                  </p:stCondLst>
+                                  <p:childTnLst>
+                                    <p:set>
+                                      <p:cBhvr>
+                                        <p:cTn id="18" dur="1" fill="hold">
+                                          <p:stCondLst>
+                                            <p:cond delay="0"/>
+                                          </p:stCondLst>
+                                        </p:cTn>
+                                        <p:tgtEl>
+                                          <p:spTgt spid="3">
+                                            <p:txEl>
+                                              <p:pRg st="5" end="5"/>
+                                            </p:txEl>
+                                          </p:spTgt>
+                                        </p:tgtEl>
+                                        <p:attrNameLst>
+                                          <p:attrName>style.visibility</p:attrName>
+                                        </p:attrNameLst>
+                                      </p:cBhvr>
+                                      <p:to>
+                                        <p:strVal val="visible"/>
+                                      </p:to>
+                                    </p:set>
+                                    <p:anim calcmode="lin" valueType="num">
+                                      <p:cBhvr additive="base">
+                                        <p:cTn id="19" dur="500" fill="hold"/>
+                                        <p:tgtEl>
+                                          <p:spTgt spid="3">
+                                            <p:txEl>
+                                              <p:pRg st="5" end="5"/>
+                                            </p:txEl>
+                                          </p:spTgt>
+                                        </p:tgtEl>
+                                        <p:attrNameLst>
+                                          <p:attrName>ppt_x</p:attrName>
+                                        </p:attrNameLst>
+                                      </p:cBhvr>
+                                      <p:tavLst>
+                                        <p:tav tm="0">
+                                          <p:val>
+                                            <p:strVal val="#ppt_x"/>
+                                          </p:val>
+                                        </p:tav>
+                                        <p:tav tm="100000">
+                                          <p:val>
+                                            <p:strVal val="#ppt_x"/>
+                                          </p:val>
+                                        </p:tav>
+                                      </p:tavLst>
+                                    </p:anim>
+                                    <p:anim calcmode="lin" valueType="num">
+                                      <p:cBhvr additive="base">
+                                        <p:cTn id="20" dur="500" fill="hold"/>
+                                        <p:tgtEl>
+                                          <p:spTgt spid="3">
+                                            <p:txEl>
+                                              <p:pRg st="5" end="5"/>
+                                            </p:txEl>
+                                          </p:spTgt>
+                                        </p:tgtEl>
+                                        <p:attrNameLst>
+                                          <p:attrName>ppt_y</p:attrName>
+                                        </p:attrNameLst>
+                                      </p:cBhvr>
+                                      <p:tavLst>
+                                        <p:tav tm="0">
+                                          <p:val>
+                                            <p:strVal val="1+#ppt_h/2"/>
+                                          </p:val>
+                                        </p:tav>
+                                        <p:tav tm="100000">
+                                          <p:val>
+                                            <p:strVal val="#ppt_y"/>
+                                          </p:val>
+                                        </p:tav>
+                                      </p:tavLst>
+                                    </p:anim>
+                                  </p:childTnLst>
+                                </p:cTn>
+                              </p:par>
+                            </p:childTnLst>
+                          </p:cTn>
+                        </p:par>
+                      </p:childTnLst>
+                    </p:cTn>
+                  </p:par>
+                  <p:par>
+                    <p:cTn id="21" fill="hold">
+                      <p:stCondLst>
+                        <p:cond delay="indefinite"/>
+                      </p:stCondLst>
+                      <p:childTnLst>
+                        <p:par>
+                          <p:cTn id="22" fill="hold">
+                            <p:stCondLst>
+                              <p:cond delay="0"/>
+                            </p:stCondLst>
+                            <p:childTnLst>
+                              <p:par>
+                                <p:cTn id="23" presetID="53" presetClass="entr" presetSubtype="16" fill="hold" grpId="0" nodeType="clickEffect">
+                                  <p:stCondLst>
+                                    <p:cond delay="0"/>
+                                  </p:stCondLst>
+                                  <p:childTnLst>
+                                    <p:set>
+                                      <p:cBhvr>
+                                        <p:cTn id="24" dur="1" fill="hold">
+                                          <p:stCondLst>
+                                            <p:cond delay="0"/>
+                                          </p:stCondLst>
+                                        </p:cTn>
+                                        <p:tgtEl>
+                                          <p:spTgt spid="4"/>
+                                        </p:tgtEl>
+                                        <p:attrNameLst>
+                                          <p:attrName>style.visibility</p:attrName>
+                                        </p:attrNameLst>
+                                      </p:cBhvr>
+                                      <p:to>
+                                        <p:strVal val="visible"/>
+                                      </p:to>
+                                    </p:set>
+                                    <p:anim calcmode="lin" valueType="num">
+                                      <p:cBhvr>
+                                        <p:cTn id="25" dur="500" fill="hold"/>
+                                        <p:tgtEl>
+                                          <p:spTgt spid="4"/>
+                                        </p:tgtEl>
+                                        <p:attrNameLst>
+                                          <p:attrName>ppt_w</p:attrName>
+                                        </p:attrNameLst>
+                                      </p:cBhvr>
+                                      <p:tavLst>
+                                        <p:tav tm="0">
+                                          <p:val>
+                                            <p:fltVal val="0"/>
+                                          </p:val>
+                                        </p:tav>
+                                        <p:tav tm="100000">
+                                          <p:val>
+                                            <p:strVal val="#ppt_w"/>
+                                          </p:val>
+                                        </p:tav>
+                                      </p:tavLst>
+                                    </p:anim>
+                                    <p:anim calcmode="lin" valueType="num">
+                                      <p:cBhvr>
+                                        <p:cTn id="26" dur="500" fill="hold"/>
+                                        <p:tgtEl>
+                                          <p:spTgt spid="4"/>
+                                        </p:tgtEl>
+                                        <p:attrNameLst>
+                                          <p:attrName>ppt_h</p:attrName>
+                                        </p:attrNameLst>
+                                      </p:cBhvr>
+                                      <p:tavLst>
+                                        <p:tav tm="0">
+                                          <p:val>
+                                            <p:fltVal val="0"/>
+                                          </p:val>
+                                        </p:tav>
+                                        <p:tav tm="100000">
+                                          <p:val>
+                                            <p:strVal val="#ppt_h"/>
+                                          </p:val>
+                                        </p:tav>
+                                      </p:tavLst>
+                                    </p:anim>
+                                    <p:animEffect transition="in" filter="fade">
+                                      <p:cBhvr>
+                                        <p:cTn id="27" dur="500"/>
+                                        <p:tgtEl>
+                                          <p:spTgt spid="4"/>
+                                        </p:tgtEl>
+                                      </p:cBhvr>
+                                    </p:animEffect>
+                                  </p:childTnLst>
+                                </p:cTn>
+                              </p:par>
+                            </p:childTnLst>
+                          </p:cTn>
+                        </p:par>
+                      </p:childTnLst>
+                    </p:cTn>
+                  </p:par>
+                </p:childTnLst>
+              </p:cTn>
+              <p:prevCondLst>
+                <p:cond evt="onPrev" delay="0">
+                  <p:tgtEl>
+                    <p:sldTgt/>
+                  </p:tgtEl>
+                </p:cond>
+              </p:prevCondLst>
+              <p:nextCondLst>
+                <p:cond evt="onNext" delay="0">
+                  <p:tgtEl>
+                    <p:sldTgt/>
+                  </p:tgtEl>
+                </p:cond>
+              </p:nextCondLst>
+            </p:seq>
+          </p:childTnLst>
+        </p:cTn>
+      </p:par>
+    </p:tnLst>
+    <p:bldLst>
+      <p:bldP spid="4" grpId="0"/>
+    </p:bldLst>
+  </p:timing>
+</p:sld>
+</file>
+
+<file path=ppt/slides/slide12.xml><?xml version="1.0" encoding="utf-8"?>
+<p:sld xmlns:a="http://schemas.openxmlformats.org/drawingml/2006/main" xmlns:r="http://schemas.openxmlformats.org/officeDocument/2006/relationships" xmlns:p="http://schemas.openxmlformats.org/presentationml/2006/main">
+  <p:cSld>
+    <p:spTree>
+      <p:nvGrpSpPr>
+        <p:cNvPr id="1" name=""/>
+        <p:cNvGrpSpPr/>
+        <p:nvPr/>
+      </p:nvGrpSpPr>
+      <p:grpSpPr>
+        <a:xfrm>
+          <a:off x="0" y="0"/>
+          <a:ext cx="0" cy="0"/>
+          <a:chOff x="0" y="0"/>
+          <a:chExt cx="0" cy="0"/>
+        </a:xfrm>
+      </p:grpSpPr>
+      <p:sp>
+        <p:nvSpPr>
+          <p:cNvPr id="2" name="Titre 1"/>
+          <p:cNvSpPr>
+            <a:spLocks noGrp="1"/>
+          </p:cNvSpPr>
+          <p:nvPr>
+            <p:ph type="ctrTitle"/>
+          </p:nvPr>
+        </p:nvSpPr>
+        <p:spPr>
+          <a:xfrm>
+            <a:off x="1030224" y="384048"/>
+            <a:ext cx="9144000" cy="1287970"/>
+          </a:xfrm>
+        </p:spPr>
+        <p:txBody>
+          <a:bodyPr/>
+          <a:lstStyle/>
+          <a:p>
+            <a:r>
+              <a:rPr lang="fr-FR" dirty="0"/>
+              <a:t>Item 11</a:t>
+            </a:r>
+          </a:p>
+        </p:txBody>
+      </p:sp>
+      <p:sp>
+        <p:nvSpPr>
+          <p:cNvPr id="3" name="Sous-titre 2"/>
+          <p:cNvSpPr>
+            <a:spLocks noGrp="1"/>
+          </p:cNvSpPr>
+          <p:nvPr>
+            <p:ph type="subTitle" idx="1"/>
+          </p:nvPr>
+        </p:nvSpPr>
+        <p:spPr>
+          <a:xfrm>
+            <a:off x="1304544" y="1928686"/>
+            <a:ext cx="9144000" cy="4408106"/>
+          </a:xfrm>
+        </p:spPr>
+        <p:txBody>
+          <a:bodyPr>
+            <a:noAutofit/>
+          </a:bodyPr>
+          <a:lstStyle/>
+          <a:p>
+            <a:pPr algn="l"/>
+            <a:r>
+              <a:rPr lang="en-US" sz="2000" dirty="0"/>
+              <a:t>How to search an element inside a list/array of objects?</a:t>
+            </a:r>
+          </a:p>
+          <a:p>
+            <a:pPr algn="l"/>
+            <a:r>
+              <a:rPr lang="en-US" sz="2000" b="1" dirty="0">
+                <a:solidFill>
+                  <a:srgbClr val="0070C0"/>
+                </a:solidFill>
+                <a:sym typeface="Wingdings" panose="05000000000000000000" pitchFamily="2" charset="2"/>
+              </a:rPr>
+              <a:t>            Iterate (loop)  over the array and check for equality</a:t>
+            </a:r>
+          </a:p>
+          <a:p>
+            <a:pPr algn="l"/>
+            <a:endParaRPr lang="en-US" sz="2000" dirty="0"/>
+          </a:p>
+          <a:p>
+            <a:pPr algn="l"/>
+            <a:r>
+              <a:rPr lang="en-US" sz="2000" dirty="0"/>
+              <a:t>But what if:</a:t>
+            </a:r>
+          </a:p>
+          <a:p>
+            <a:pPr marL="342900" indent="-342900" algn="l">
+              <a:buFont typeface="Wingdings" panose="05000000000000000000" pitchFamily="2" charset="2"/>
+              <a:buChar char="q"/>
+            </a:pPr>
+            <a:r>
+              <a:rPr lang="en-US" sz="2000" dirty="0"/>
+              <a:t>You are dealing with big-sized arrays?</a:t>
+            </a:r>
+          </a:p>
+          <a:p>
+            <a:pPr marL="342900" indent="-342900" algn="l">
+              <a:buFont typeface="Wingdings" panose="05000000000000000000" pitchFamily="2" charset="2"/>
+              <a:buChar char="q"/>
+            </a:pPr>
+            <a:r>
+              <a:rPr lang="en-US" sz="2000" dirty="0"/>
+              <a:t>You are using a java-built-in hash data structure?</a:t>
+            </a:r>
+          </a:p>
+          <a:p>
+            <a:pPr algn="l"/>
+            <a:endParaRPr lang="en-US" sz="2000" dirty="0"/>
+          </a:p>
+        </p:txBody>
+      </p:sp>
+      <p:sp>
+        <p:nvSpPr>
+          <p:cNvPr id="4" name="Rectangle 3"/>
+          <p:cNvSpPr/>
+          <p:nvPr/>
+        </p:nvSpPr>
+        <p:spPr>
+          <a:xfrm>
+            <a:off x="4605297" y="5097887"/>
+            <a:ext cx="3036280" cy="523220"/>
+          </a:xfrm>
+          <a:prstGeom prst="rect">
+            <a:avLst/>
+          </a:prstGeom>
+          <a:noFill/>
+        </p:spPr>
+        <p:txBody>
+          <a:bodyPr wrap="none" lIns="91440" tIns="45720" rIns="91440" bIns="45720">
+            <a:spAutoFit/>
+          </a:bodyPr>
+          <a:lstStyle/>
+          <a:p>
+            <a:pPr algn="ctr"/>
+            <a:r>
+              <a:rPr lang="en-US" sz="2800" b="1" dirty="0">
+                <a:ln w="22225">
+                  <a:solidFill>
+                    <a:schemeClr val="accent2"/>
+                  </a:solidFill>
+                  <a:prstDash val="solid"/>
+                </a:ln>
+                <a:solidFill>
+                  <a:schemeClr val="accent2">
+                    <a:lumMod val="40000"/>
+                    <a:lumOff val="60000"/>
+                  </a:schemeClr>
+                </a:solidFill>
+              </a:rPr>
+              <a:t>Override </a:t>
+            </a:r>
+            <a:r>
+              <a:rPr lang="en-US" sz="2800" b="1" dirty="0" err="1">
+                <a:ln w="22225">
+                  <a:solidFill>
+                    <a:schemeClr val="accent2"/>
+                  </a:solidFill>
+                  <a:prstDash val="solid"/>
+                </a:ln>
+                <a:solidFill>
+                  <a:schemeClr val="accent2">
+                    <a:lumMod val="40000"/>
+                    <a:lumOff val="60000"/>
+                  </a:schemeClr>
+                </a:solidFill>
+              </a:rPr>
+              <a:t>hashCode</a:t>
+            </a:r>
+            <a:endParaRPr lang="fr-FR" sz="2800" b="1" cap="none" spc="0" dirty="0">
+              <a:ln w="22225">
+                <a:solidFill>
+                  <a:schemeClr val="accent2"/>
+                </a:solidFill>
+                <a:prstDash val="solid"/>
+              </a:ln>
+              <a:solidFill>
+                <a:schemeClr val="accent2">
+                  <a:lumMod val="40000"/>
+                  <a:lumOff val="60000"/>
+                </a:schemeClr>
+              </a:solidFill>
+              <a:effectLst/>
+            </a:endParaRPr>
+          </a:p>
+        </p:txBody>
+      </p:sp>
+    </p:spTree>
+    <p:extLst>
+      <p:ext uri="{BB962C8B-B14F-4D97-AF65-F5344CB8AC3E}">
+        <p14:creationId xmlns:p14="http://schemas.microsoft.com/office/powerpoint/2010/main" val="3604461704"/>
+      </p:ext>
+    </p:extLst>
+  </p:cSld>
+  <p:clrMapOvr>
+    <a:masterClrMapping/>
+  </p:clrMapOvr>
+  <p:timing>
+    <p:tnLst>
+      <p:par>
+        <p:cTn id="1" dur="indefinite" restart="never" nodeType="tmRoot">
+          <p:childTnLst>
+            <p:seq concurrent="1" nextAc="seek">
+              <p:cTn id="2" dur="indefinite" nodeType="mainSeq">
+                <p:childTnLst>
+                  <p:par>
+                    <p:cTn id="3" fill="hold">
+                      <p:stCondLst>
+                        <p:cond delay="indefinite"/>
+                      </p:stCondLst>
+                      <p:childTnLst>
+                        <p:par>
+                          <p:cTn id="4" fill="hold">
+                            <p:stCondLst>
+                              <p:cond delay="0"/>
+                            </p:stCondLst>
+                            <p:childTnLst>
+                              <p:par>
+                                <p:cTn id="5" presetID="1" presetClass="entr" presetSubtype="0" fill="hold" nodeType="clickEffect">
+                                  <p:stCondLst>
+                                    <p:cond delay="0"/>
+                                  </p:stCondLst>
+                                  <p:childTnLst>
+                                    <p:set>
+                                      <p:cBhvr>
+                                        <p:cTn id="6" dur="1" fill="hold">
+                                          <p:stCondLst>
+                                            <p:cond delay="0"/>
+                                          </p:stCondLst>
+                                        </p:cTn>
+                                        <p:tgtEl>
+                                          <p:spTgt spid="3">
+                                            <p:txEl>
+                                              <p:pRg st="1" end="1"/>
+                                            </p:txEl>
+                                          </p:spTgt>
+                                        </p:tgtEl>
+                                        <p:attrNameLst>
+                                          <p:attrName>style.visibility</p:attrName>
+                                        </p:attrNameLst>
+                                      </p:cBhvr>
+                                      <p:to>
+                                        <p:strVal val="visible"/>
+                                      </p:to>
+                                    </p:set>
+                                  </p:childTnLst>
+                                </p:cTn>
+                              </p:par>
+                            </p:childTnLst>
+                          </p:cTn>
+                        </p:par>
+                      </p:childTnLst>
+                    </p:cTn>
+                  </p:par>
+                  <p:par>
+                    <p:cTn id="7" fill="hold">
+                      <p:stCondLst>
+                        <p:cond delay="indefinite"/>
+                      </p:stCondLst>
+                      <p:childTnLst>
+                        <p:par>
+                          <p:cTn id="8" fill="hold">
+                            <p:stCondLst>
+                              <p:cond delay="0"/>
+                            </p:stCondLst>
+                            <p:childTnLst>
+                              <p:par>
+                                <p:cTn id="9" presetID="2" presetClass="entr" presetSubtype="4" fill="hold" nodeType="clickEffect">
+                                  <p:stCondLst>
+                                    <p:cond delay="0"/>
+                                  </p:stCondLst>
+                                  <p:childTnLst>
+                                    <p:set>
+                                      <p:cBhvr>
+                                        <p:cTn id="10" dur="1" fill="hold">
+                                          <p:stCondLst>
+                                            <p:cond delay="0"/>
+                                          </p:stCondLst>
+                                        </p:cTn>
+                                        <p:tgtEl>
+                                          <p:spTgt spid="3">
+                                            <p:txEl>
+                                              <p:pRg st="3" end="3"/>
+                                            </p:txEl>
+                                          </p:spTgt>
+                                        </p:tgtEl>
+                                        <p:attrNameLst>
+                                          <p:attrName>style.visibility</p:attrName>
+                                        </p:attrNameLst>
+                                      </p:cBhvr>
+                                      <p:to>
+                                        <p:strVal val="visible"/>
+                                      </p:to>
+                                    </p:set>
+                                    <p:anim calcmode="lin" valueType="num">
+                                      <p:cBhvr additive="base">
+                                        <p:cTn id="11" dur="500" fill="hold"/>
+                                        <p:tgtEl>
+                                          <p:spTgt spid="3">
+                                            <p:txEl>
+                                              <p:pRg st="3" end="3"/>
+                                            </p:txEl>
+                                          </p:spTgt>
+                                        </p:tgtEl>
+                                        <p:attrNameLst>
+                                          <p:attrName>ppt_x</p:attrName>
+                                        </p:attrNameLst>
+                                      </p:cBhvr>
+                                      <p:tavLst>
+                                        <p:tav tm="0">
+                                          <p:val>
+                                            <p:strVal val="#ppt_x"/>
+                                          </p:val>
+                                        </p:tav>
+                                        <p:tav tm="100000">
+                                          <p:val>
+                                            <p:strVal val="#ppt_x"/>
+                                          </p:val>
+                                        </p:tav>
+                                      </p:tavLst>
+                                    </p:anim>
+                                    <p:anim calcmode="lin" valueType="num">
+                                      <p:cBhvr additive="base">
+                                        <p:cTn id="12" dur="500" fill="hold"/>
+                                        <p:tgtEl>
+                                          <p:spTgt spid="3">
+                                            <p:txEl>
+                                              <p:pRg st="3" end="3"/>
+                                            </p:txEl>
+                                          </p:spTgt>
+                                        </p:tgtEl>
+                                        <p:attrNameLst>
+                                          <p:attrName>ppt_y</p:attrName>
+                                        </p:attrNameLst>
+                                      </p:cBhvr>
+                                      <p:tavLst>
+                                        <p:tav tm="0">
+                                          <p:val>
+                                            <p:strVal val="1+#ppt_h/2"/>
+                                          </p:val>
+                                        </p:tav>
+                                        <p:tav tm="100000">
+                                          <p:val>
+                                            <p:strVal val="#ppt_y"/>
+                                          </p:val>
+                                        </p:tav>
+                                      </p:tavLst>
+                                    </p:anim>
+                                  </p:childTnLst>
+                                </p:cTn>
+                              </p:par>
+                            </p:childTnLst>
+                          </p:cTn>
+                        </p:par>
+                      </p:childTnLst>
+                    </p:cTn>
+                  </p:par>
+                  <p:par>
+                    <p:cTn id="13" fill="hold">
+                      <p:stCondLst>
+                        <p:cond delay="indefinite"/>
+                      </p:stCondLst>
+                      <p:childTnLst>
+                        <p:par>
+                          <p:cTn id="14" fill="hold">
+                            <p:stCondLst>
+                              <p:cond delay="0"/>
+                            </p:stCondLst>
+                            <p:childTnLst>
+                              <p:par>
+                                <p:cTn id="15" presetID="2" presetClass="entr" presetSubtype="4" fill="hold" nodeType="clickEffect">
+                                  <p:stCondLst>
+                                    <p:cond delay="0"/>
+                                  </p:stCondLst>
+                                  <p:childTnLst>
+                                    <p:set>
+                                      <p:cBhvr>
+                                        <p:cTn id="16" dur="1" fill="hold">
+                                          <p:stCondLst>
+                                            <p:cond delay="0"/>
+                                          </p:stCondLst>
+                                        </p:cTn>
+                                        <p:tgtEl>
+                                          <p:spTgt spid="3">
+                                            <p:txEl>
+                                              <p:pRg st="4" end="4"/>
+                                            </p:txEl>
+                                          </p:spTgt>
+                                        </p:tgtEl>
+                                        <p:attrNameLst>
+                                          <p:attrName>style.visibility</p:attrName>
+                                        </p:attrNameLst>
+                                      </p:cBhvr>
+                                      <p:to>
+                                        <p:strVal val="visible"/>
+                                      </p:to>
+                                    </p:set>
+                                    <p:anim calcmode="lin" valueType="num">
+                                      <p:cBhvr additive="base">
+                                        <p:cTn id="17" dur="500" fill="hold"/>
+                                        <p:tgtEl>
+                                          <p:spTgt spid="3">
+                                            <p:txEl>
+                                              <p:pRg st="4" end="4"/>
+                                            </p:txEl>
+                                          </p:spTgt>
+                                        </p:tgtEl>
+                                        <p:attrNameLst>
+                                          <p:attrName>ppt_x</p:attrName>
+                                        </p:attrNameLst>
+                                      </p:cBhvr>
+                                      <p:tavLst>
+                                        <p:tav tm="0">
+                                          <p:val>
+                                            <p:strVal val="#ppt_x"/>
+                                          </p:val>
+                                        </p:tav>
+                                        <p:tav tm="100000">
+                                          <p:val>
+                                            <p:strVal val="#ppt_x"/>
+                                          </p:val>
+                                        </p:tav>
+                                      </p:tavLst>
+                                    </p:anim>
+                                    <p:anim calcmode="lin" valueType="num">
+                                      <p:cBhvr additive="base">
+                                        <p:cTn id="18" dur="500" fill="hold"/>
+                                        <p:tgtEl>
+                                          <p:spTgt spid="3">
+                                            <p:txEl>
+                                              <p:pRg st="4" end="4"/>
+                                            </p:txEl>
+                                          </p:spTgt>
+                                        </p:tgtEl>
+                                        <p:attrNameLst>
+                                          <p:attrName>ppt_y</p:attrName>
+                                        </p:attrNameLst>
+                                      </p:cBhvr>
+                                      <p:tavLst>
+                                        <p:tav tm="0">
+                                          <p:val>
+                                            <p:strVal val="1+#ppt_h/2"/>
+                                          </p:val>
+                                        </p:tav>
+                                        <p:tav tm="100000">
+                                          <p:val>
+                                            <p:strVal val="#ppt_y"/>
+                                          </p:val>
+                                        </p:tav>
+                                      </p:tavLst>
+                                    </p:anim>
+                                  </p:childTnLst>
+                                </p:cTn>
+                              </p:par>
+                              <p:par>
+                                <p:cTn id="19" presetID="2" presetClass="entr" presetSubtype="4" fill="hold" nodeType="withEffect">
+                                  <p:stCondLst>
+                                    <p:cond delay="0"/>
+                                  </p:stCondLst>
+                                  <p:childTnLst>
+                                    <p:set>
+                                      <p:cBhvr>
+                                        <p:cTn id="20" dur="1" fill="hold">
+                                          <p:stCondLst>
+                                            <p:cond delay="0"/>
+                                          </p:stCondLst>
+                                        </p:cTn>
+                                        <p:tgtEl>
+                                          <p:spTgt spid="3">
+                                            <p:txEl>
+                                              <p:pRg st="5" end="5"/>
+                                            </p:txEl>
+                                          </p:spTgt>
+                                        </p:tgtEl>
+                                        <p:attrNameLst>
+                                          <p:attrName>style.visibility</p:attrName>
+                                        </p:attrNameLst>
+                                      </p:cBhvr>
+                                      <p:to>
+                                        <p:strVal val="visible"/>
+                                      </p:to>
+                                    </p:set>
+                                    <p:anim calcmode="lin" valueType="num">
+                                      <p:cBhvr additive="base">
+                                        <p:cTn id="21" dur="500" fill="hold"/>
+                                        <p:tgtEl>
+                                          <p:spTgt spid="3">
+                                            <p:txEl>
+                                              <p:pRg st="5" end="5"/>
+                                            </p:txEl>
+                                          </p:spTgt>
+                                        </p:tgtEl>
+                                        <p:attrNameLst>
+                                          <p:attrName>ppt_x</p:attrName>
+                                        </p:attrNameLst>
+                                      </p:cBhvr>
+                                      <p:tavLst>
+                                        <p:tav tm="0">
+                                          <p:val>
+                                            <p:strVal val="#ppt_x"/>
+                                          </p:val>
+                                        </p:tav>
+                                        <p:tav tm="100000">
+                                          <p:val>
+                                            <p:strVal val="#ppt_x"/>
+                                          </p:val>
+                                        </p:tav>
+                                      </p:tavLst>
+                                    </p:anim>
+                                    <p:anim calcmode="lin" valueType="num">
+                                      <p:cBhvr additive="base">
+                                        <p:cTn id="22" dur="500" fill="hold"/>
+                                        <p:tgtEl>
+                                          <p:spTgt spid="3">
+                                            <p:txEl>
+                                              <p:pRg st="5" end="5"/>
+                                            </p:txEl>
+                                          </p:spTgt>
+                                        </p:tgtEl>
+                                        <p:attrNameLst>
+                                          <p:attrName>ppt_y</p:attrName>
+                                        </p:attrNameLst>
+                                      </p:cBhvr>
+                                      <p:tavLst>
+                                        <p:tav tm="0">
+                                          <p:val>
+                                            <p:strVal val="1+#ppt_h/2"/>
+                                          </p:val>
+                                        </p:tav>
+                                        <p:tav tm="100000">
+                                          <p:val>
+                                            <p:strVal val="#ppt_y"/>
+                                          </p:val>
+                                        </p:tav>
+                                      </p:tavLst>
+                                    </p:anim>
+                                  </p:childTnLst>
+                                </p:cTn>
+                              </p:par>
+                            </p:childTnLst>
+                          </p:cTn>
+                        </p:par>
+                      </p:childTnLst>
+                    </p:cTn>
+                  </p:par>
+                  <p:par>
+                    <p:cTn id="23" fill="hold">
+                      <p:stCondLst>
+                        <p:cond delay="indefinite"/>
+                      </p:stCondLst>
+                      <p:childTnLst>
+                        <p:par>
+                          <p:cTn id="24" fill="hold">
+                            <p:stCondLst>
+                              <p:cond delay="0"/>
+                            </p:stCondLst>
+                            <p:childTnLst>
+                              <p:par>
+                                <p:cTn id="25" presetID="53" presetClass="entr" presetSubtype="16" fill="hold" grpId="0" nodeType="clickEffect">
+                                  <p:stCondLst>
+                                    <p:cond delay="0"/>
+                                  </p:stCondLst>
+                                  <p:childTnLst>
+                                    <p:set>
+                                      <p:cBhvr>
+                                        <p:cTn id="26" dur="1" fill="hold">
+                                          <p:stCondLst>
+                                            <p:cond delay="0"/>
+                                          </p:stCondLst>
+                                        </p:cTn>
+                                        <p:tgtEl>
+                                          <p:spTgt spid="4"/>
+                                        </p:tgtEl>
+                                        <p:attrNameLst>
+                                          <p:attrName>style.visibility</p:attrName>
+                                        </p:attrNameLst>
+                                      </p:cBhvr>
+                                      <p:to>
+                                        <p:strVal val="visible"/>
+                                      </p:to>
+                                    </p:set>
+                                    <p:anim calcmode="lin" valueType="num">
+                                      <p:cBhvr>
+                                        <p:cTn id="27" dur="500" fill="hold"/>
+                                        <p:tgtEl>
+                                          <p:spTgt spid="4"/>
+                                        </p:tgtEl>
+                                        <p:attrNameLst>
+                                          <p:attrName>ppt_w</p:attrName>
+                                        </p:attrNameLst>
+                                      </p:cBhvr>
+                                      <p:tavLst>
+                                        <p:tav tm="0">
+                                          <p:val>
+                                            <p:fltVal val="0"/>
+                                          </p:val>
+                                        </p:tav>
+                                        <p:tav tm="100000">
+                                          <p:val>
+                                            <p:strVal val="#ppt_w"/>
+                                          </p:val>
+                                        </p:tav>
+                                      </p:tavLst>
+                                    </p:anim>
+                                    <p:anim calcmode="lin" valueType="num">
+                                      <p:cBhvr>
+                                        <p:cTn id="28" dur="500" fill="hold"/>
+                                        <p:tgtEl>
+                                          <p:spTgt spid="4"/>
+                                        </p:tgtEl>
+                                        <p:attrNameLst>
+                                          <p:attrName>ppt_h</p:attrName>
+                                        </p:attrNameLst>
+                                      </p:cBhvr>
+                                      <p:tavLst>
+                                        <p:tav tm="0">
+                                          <p:val>
+                                            <p:fltVal val="0"/>
+                                          </p:val>
+                                        </p:tav>
+                                        <p:tav tm="100000">
+                                          <p:val>
+                                            <p:strVal val="#ppt_h"/>
+                                          </p:val>
+                                        </p:tav>
+                                      </p:tavLst>
+                                    </p:anim>
+                                    <p:animEffect transition="in" filter="fade">
+                                      <p:cBhvr>
+                                        <p:cTn id="29" dur="500"/>
+                                        <p:tgtEl>
+                                          <p:spTgt spid="4"/>
+                                        </p:tgtEl>
+                                      </p:cBhvr>
+                                    </p:animEffect>
+                                  </p:childTnLst>
+                                </p:cTn>
+                              </p:par>
+                            </p:childTnLst>
+                          </p:cTn>
+                        </p:par>
+                      </p:childTnLst>
+                    </p:cTn>
+                  </p:par>
+                </p:childTnLst>
+              </p:cTn>
+              <p:prevCondLst>
+                <p:cond evt="onPrev" delay="0">
+                  <p:tgtEl>
+                    <p:sldTgt/>
+                  </p:tgtEl>
+                </p:cond>
+              </p:prevCondLst>
+              <p:nextCondLst>
+                <p:cond evt="onNext" delay="0">
+                  <p:tgtEl>
+                    <p:sldTgt/>
+                  </p:tgtEl>
+                </p:cond>
+              </p:nextCondLst>
+            </p:seq>
+          </p:childTnLst>
+        </p:cTn>
+      </p:par>
+    </p:tnLst>
+    <p:bldLst>
+      <p:bldP spid="4" grpId="0"/>
+    </p:bldLst>
+  </p:timing>
+</p:sld>
+</file>
+
+<file path=ppt/slides/slide2.xml><?xml version="1.0" encoding="utf-8"?>
+<p:sld xmlns:a="http://schemas.openxmlformats.org/drawingml/2006/main" xmlns:r="http://schemas.openxmlformats.org/officeDocument/2006/relationships" xmlns:p="http://schemas.openxmlformats.org/presentationml/2006/main">
+  <p:cSld>
     <p:bg>
       <p:bgPr>
         <a:solidFill>
@@ -3195,163 +5266,6 @@
 </p:sld>
 </file>
 
-<file path=ppt/slides/slide2.xml><?xml version="1.0" encoding="utf-8"?>
-<p:sld xmlns:a="http://schemas.openxmlformats.org/drawingml/2006/main" xmlns:r="http://schemas.openxmlformats.org/officeDocument/2006/relationships" xmlns:p="http://schemas.openxmlformats.org/presentationml/2006/main">
-  <p:cSld>
-    <p:spTree>
-      <p:nvGrpSpPr>
-        <p:cNvPr id="1" name=""/>
-        <p:cNvGrpSpPr/>
-        <p:nvPr/>
-      </p:nvGrpSpPr>
-      <p:grpSpPr>
-        <a:xfrm>
-          <a:off x="0" y="0"/>
-          <a:ext cx="0" cy="0"/>
-          <a:chOff x="0" y="0"/>
-          <a:chExt cx="0" cy="0"/>
-        </a:xfrm>
-      </p:grpSpPr>
-      <p:sp>
-        <p:nvSpPr>
-          <p:cNvPr id="2" name="Titre 1"/>
-          <p:cNvSpPr>
-            <a:spLocks noGrp="1"/>
-          </p:cNvSpPr>
-          <p:nvPr>
-            <p:ph type="ctrTitle"/>
-          </p:nvPr>
-        </p:nvSpPr>
-        <p:spPr>
-          <a:xfrm>
-            <a:off x="1030224" y="384048"/>
-            <a:ext cx="9144000" cy="1287970"/>
-          </a:xfrm>
-        </p:spPr>
-        <p:txBody>
-          <a:bodyPr/>
-          <a:lstStyle/>
-          <a:p>
-            <a:r>
-              <a:rPr lang="fr-FR" dirty="0"/>
-              <a:t>Motivation</a:t>
-            </a:r>
-          </a:p>
-        </p:txBody>
-      </p:sp>
-      <p:sp>
-        <p:nvSpPr>
-          <p:cNvPr id="3" name="Sous-titre 2"/>
-          <p:cNvSpPr>
-            <a:spLocks noGrp="1"/>
-          </p:cNvSpPr>
-          <p:nvPr>
-            <p:ph type="subTitle" idx="1"/>
-          </p:nvPr>
-        </p:nvSpPr>
-        <p:spPr>
-          <a:xfrm>
-            <a:off x="1304544" y="2129854"/>
-            <a:ext cx="9144000" cy="3694874"/>
-          </a:xfrm>
-        </p:spPr>
-        <p:txBody>
-          <a:bodyPr>
-            <a:noAutofit/>
-          </a:bodyPr>
-          <a:lstStyle/>
-          <a:p>
-            <a:pPr algn="l"/>
-            <a:r>
-              <a:rPr lang="en-US" dirty="0"/>
-              <a:t> </a:t>
-            </a:r>
-            <a:r>
-              <a:rPr lang="en-US" sz="2000" dirty="0"/>
-              <a:t>How to structure your code:</a:t>
-            </a:r>
-          </a:p>
-          <a:p>
-            <a:pPr algn="l"/>
-            <a:endParaRPr lang="en-US" sz="2000" dirty="0"/>
-          </a:p>
-          <a:p>
-            <a:pPr marL="342900" indent="-342900" algn="l">
-              <a:buFont typeface="Wingdings" panose="05000000000000000000" pitchFamily="2" charset="2"/>
-              <a:buChar char="q"/>
-            </a:pPr>
-            <a:r>
-              <a:rPr lang="en-US" sz="2000" dirty="0"/>
-              <a:t>So that it works well?</a:t>
-            </a:r>
-          </a:p>
-          <a:p>
-            <a:pPr marL="342900" indent="-342900" algn="l">
-              <a:buFont typeface="Wingdings" panose="05000000000000000000" pitchFamily="2" charset="2"/>
-              <a:buChar char="q"/>
-            </a:pPr>
-            <a:endParaRPr lang="en-US" sz="2000" dirty="0"/>
-          </a:p>
-          <a:p>
-            <a:pPr marL="342900" indent="-342900" algn="l">
-              <a:buFont typeface="Wingdings" panose="05000000000000000000" pitchFamily="2" charset="2"/>
-              <a:buChar char="q"/>
-            </a:pPr>
-            <a:r>
-              <a:rPr lang="en-US" sz="2000" dirty="0"/>
-              <a:t>So that other people can understand it?</a:t>
-            </a:r>
-          </a:p>
-          <a:p>
-            <a:pPr marL="342900" indent="-342900" algn="l">
-              <a:buFont typeface="Wingdings" panose="05000000000000000000" pitchFamily="2" charset="2"/>
-              <a:buChar char="q"/>
-            </a:pPr>
-            <a:endParaRPr lang="en-US" sz="2000" dirty="0"/>
-          </a:p>
-          <a:p>
-            <a:pPr marL="342900" indent="-342900" algn="l">
-              <a:buFont typeface="Wingdings" panose="05000000000000000000" pitchFamily="2" charset="2"/>
-              <a:buChar char="q"/>
-            </a:pPr>
-            <a:r>
-              <a:rPr lang="en-US" sz="2000" dirty="0"/>
-              <a:t>So that future modifications and improvements are less likely to cause headaches?</a:t>
-            </a:r>
-          </a:p>
-          <a:p>
-            <a:pPr marL="342900" indent="-342900" algn="l">
-              <a:buFont typeface="Wingdings" panose="05000000000000000000" pitchFamily="2" charset="2"/>
-              <a:buChar char="q"/>
-            </a:pPr>
-            <a:endParaRPr lang="en-US" sz="2000" dirty="0"/>
-          </a:p>
-          <a:p>
-            <a:pPr marL="342900" indent="-342900" algn="l">
-              <a:buFont typeface="Wingdings" panose="05000000000000000000" pitchFamily="2" charset="2"/>
-              <a:buChar char="q"/>
-            </a:pPr>
-            <a:r>
-              <a:rPr lang="en-US" sz="2000" dirty="0"/>
-              <a:t>So that your programs will be pleasant, elegant, and graceful?</a:t>
-            </a:r>
-            <a:endParaRPr lang="fr-FR" sz="2000" dirty="0"/>
-          </a:p>
-        </p:txBody>
-      </p:sp>
-    </p:spTree>
-    <p:extLst>
-      <p:ext uri="{BB962C8B-B14F-4D97-AF65-F5344CB8AC3E}">
-        <p14:creationId xmlns:p14="http://schemas.microsoft.com/office/powerpoint/2010/main" val="3787928467"/>
-      </p:ext>
-    </p:extLst>
-  </p:cSld>
-  <p:clrMapOvr>
-    <a:masterClrMapping/>
-  </p:clrMapOvr>
-</p:sld>
-</file>
-
 <file path=ppt/slides/slide3.xml><?xml version="1.0" encoding="utf-8"?>
 <p:sld xmlns:a="http://schemas.openxmlformats.org/drawingml/2006/main" xmlns:r="http://schemas.openxmlformats.org/officeDocument/2006/relationships" xmlns:p="http://schemas.openxmlformats.org/presentationml/2006/main">
   <p:cSld>
@@ -3369,828 +5283,64 @@
           <a:chExt cx="0" cy="0"/>
         </a:xfrm>
       </p:grpSpPr>
-      <p:sp>
-        <p:nvSpPr>
-          <p:cNvPr id="2" name="Titre 1"/>
-          <p:cNvSpPr>
-            <a:spLocks noGrp="1"/>
-          </p:cNvSpPr>
-          <p:nvPr>
-            <p:ph type="ctrTitle"/>
-          </p:nvPr>
-        </p:nvSpPr>
+      <p:pic>
+        <p:nvPicPr>
+          <p:cNvPr id="8" name="Image 7">
+            <a:extLst>
+              <a:ext uri="{FF2B5EF4-FFF2-40B4-BE49-F238E27FC236}">
+                <a16:creationId xmlns:a16="http://schemas.microsoft.com/office/drawing/2014/main" id="{0925E46C-4D41-4A5A-92BB-B4A44C1E92C8}"/>
+              </a:ext>
+            </a:extLst>
+          </p:cNvPr>
+          <p:cNvPicPr>
+            <a:picLocks noChangeAspect="1"/>
+          </p:cNvPicPr>
+          <p:nvPr/>
+        </p:nvPicPr>
+        <p:blipFill>
+          <a:blip r:embed="rId2"/>
+          <a:stretch>
+            <a:fillRect/>
+          </a:stretch>
+        </p:blipFill>
         <p:spPr>
           <a:xfrm>
-            <a:off x="1030224" y="384048"/>
-            <a:ext cx="9144000" cy="1287970"/>
-          </a:xfrm>
-        </p:spPr>
-        <p:txBody>
-          <a:bodyPr/>
-          <a:lstStyle/>
-          <a:p>
-            <a:r>
-              <a:rPr lang="fr-FR" dirty="0"/>
-              <a:t>Item 1</a:t>
-            </a:r>
-          </a:p>
-        </p:txBody>
-      </p:sp>
-      <p:sp>
-        <p:nvSpPr>
-          <p:cNvPr id="3" name="Sous-titre 2"/>
-          <p:cNvSpPr>
-            <a:spLocks noGrp="1"/>
-          </p:cNvSpPr>
-          <p:nvPr>
-            <p:ph type="subTitle" idx="1"/>
-          </p:nvPr>
-        </p:nvSpPr>
-        <p:spPr>
-          <a:xfrm>
-            <a:off x="1304544" y="1928686"/>
-            <a:ext cx="9144000" cy="4408106"/>
-          </a:xfrm>
-        </p:spPr>
-        <p:txBody>
-          <a:bodyPr>
-            <a:noAutofit/>
-          </a:bodyPr>
-          <a:lstStyle/>
-          <a:p>
-            <a:pPr algn="l"/>
-            <a:r>
-              <a:rPr lang="en-US" sz="2000" dirty="0"/>
-              <a:t>What is the natural way to create an instance of a class?</a:t>
-            </a:r>
-          </a:p>
-          <a:p>
-            <a:pPr algn="l"/>
-            <a:r>
-              <a:rPr lang="en-US" sz="2000" b="1" dirty="0">
-                <a:solidFill>
-                  <a:srgbClr val="0070C0"/>
-                </a:solidFill>
-                <a:sym typeface="Wingdings" panose="05000000000000000000" pitchFamily="2" charset="2"/>
-              </a:rPr>
-              <a:t>            Object Constructor</a:t>
-            </a:r>
-            <a:endParaRPr lang="en-US" sz="2000" b="1" dirty="0">
-              <a:solidFill>
-                <a:srgbClr val="0070C0"/>
-              </a:solidFill>
-            </a:endParaRPr>
-          </a:p>
-          <a:p>
-            <a:pPr algn="l"/>
-            <a:endParaRPr lang="en-US" sz="2000" dirty="0"/>
-          </a:p>
-          <a:p>
-            <a:pPr algn="l"/>
-            <a:r>
-              <a:rPr lang="en-US" sz="2000" dirty="0"/>
-              <a:t>But what if:</a:t>
-            </a:r>
-          </a:p>
-          <a:p>
-            <a:pPr marL="342900" indent="-342900" algn="l">
-              <a:buFont typeface="Wingdings" panose="05000000000000000000" pitchFamily="2" charset="2"/>
-              <a:buChar char="q"/>
-            </a:pPr>
-            <a:r>
-              <a:rPr lang="en-US" sz="2000" dirty="0"/>
-              <a:t>You need to use a meaningful name for constructors?</a:t>
-            </a:r>
-          </a:p>
-          <a:p>
-            <a:pPr marL="342900" indent="-342900" algn="l">
-              <a:buFont typeface="Wingdings" panose="05000000000000000000" pitchFamily="2" charset="2"/>
-              <a:buChar char="q"/>
-            </a:pPr>
-            <a:r>
-              <a:rPr lang="en-US" sz="2000" dirty="0"/>
-              <a:t>You have multiple overloaded constructors and you need to keep readability?</a:t>
-            </a:r>
-          </a:p>
-          <a:p>
-            <a:pPr marL="342900" indent="-342900" algn="l">
-              <a:buFont typeface="Wingdings" panose="05000000000000000000" pitchFamily="2" charset="2"/>
-              <a:buChar char="q"/>
-            </a:pPr>
-            <a:r>
-              <a:rPr lang="en-US" sz="2000" dirty="0"/>
-              <a:t>You need to control number on instance to be created?</a:t>
-            </a:r>
-          </a:p>
-          <a:p>
-            <a:pPr marL="342900" indent="-342900" algn="l">
-              <a:buFont typeface="Wingdings" panose="05000000000000000000" pitchFamily="2" charset="2"/>
-              <a:buChar char="q"/>
-            </a:pPr>
-            <a:r>
-              <a:rPr lang="en-US" sz="2000" dirty="0"/>
-              <a:t>You need to hide subtypes, and return only the parent type (reduce conceptual weight OR hide internals that can change cross releases OR Wishful thinking)?</a:t>
-            </a:r>
-          </a:p>
-          <a:p>
-            <a:pPr algn="l"/>
-            <a:endParaRPr lang="en-US" sz="2000" dirty="0"/>
-          </a:p>
-        </p:txBody>
-      </p:sp>
-      <p:sp>
-        <p:nvSpPr>
-          <p:cNvPr id="4" name="Rectangle 3"/>
-          <p:cNvSpPr/>
-          <p:nvPr/>
-        </p:nvSpPr>
-        <p:spPr>
-          <a:xfrm>
-            <a:off x="1688770" y="5619095"/>
-            <a:ext cx="8393836" cy="523220"/>
+            <a:off x="0" y="146866"/>
+            <a:ext cx="12192000" cy="6564268"/>
           </a:xfrm>
           <a:prstGeom prst="rect">
             <a:avLst/>
           </a:prstGeom>
-          <a:noFill/>
+          <a:solidFill>
+            <a:srgbClr val="000000">
+              <a:shade val="95000"/>
+            </a:srgbClr>
+          </a:solidFill>
+          <a:ln w="444500" cap="sq">
+            <a:solidFill>
+              <a:srgbClr val="000000"/>
+            </a:solidFill>
+            <a:miter lim="800000"/>
+          </a:ln>
+          <a:effectLst>
+            <a:outerShdw blurRad="254000" dist="190500" dir="2700000" sy="90000" algn="bl" rotWithShape="0">
+              <a:srgbClr val="000000">
+                <a:alpha val="40000"/>
+              </a:srgbClr>
+            </a:outerShdw>
+          </a:effectLst>
         </p:spPr>
-        <p:txBody>
-          <a:bodyPr wrap="none" lIns="91440" tIns="45720" rIns="91440" bIns="45720">
-            <a:spAutoFit/>
-          </a:bodyPr>
-          <a:lstStyle/>
-          <a:p>
-            <a:pPr algn="ctr"/>
-            <a:r>
-              <a:rPr lang="en-US" sz="2800" b="1" cap="none" spc="0" dirty="0">
-                <a:ln w="22225">
-                  <a:solidFill>
-                    <a:schemeClr val="accent2"/>
-                  </a:solidFill>
-                  <a:prstDash val="solid"/>
-                </a:ln>
-                <a:solidFill>
-                  <a:schemeClr val="accent2">
-                    <a:lumMod val="40000"/>
-                    <a:lumOff val="60000"/>
-                  </a:schemeClr>
-                </a:solidFill>
-                <a:effectLst/>
-              </a:rPr>
-              <a:t>Consider static factory methods instead of constructors</a:t>
-            </a:r>
-            <a:endParaRPr lang="fr-FR" sz="2800" b="1" cap="none" spc="0" dirty="0">
-              <a:ln w="22225">
-                <a:solidFill>
-                  <a:schemeClr val="accent2"/>
-                </a:solidFill>
-                <a:prstDash val="solid"/>
-              </a:ln>
-              <a:solidFill>
-                <a:schemeClr val="accent2">
-                  <a:lumMod val="40000"/>
-                  <a:lumOff val="60000"/>
-                </a:schemeClr>
-              </a:solidFill>
-              <a:effectLst/>
-            </a:endParaRPr>
-          </a:p>
-        </p:txBody>
-      </p:sp>
+      </p:pic>
     </p:spTree>
     <p:extLst>
       <p:ext uri="{BB962C8B-B14F-4D97-AF65-F5344CB8AC3E}">
-        <p14:creationId xmlns:p14="http://schemas.microsoft.com/office/powerpoint/2010/main" val="364573181"/>
+        <p14:creationId xmlns:p14="http://schemas.microsoft.com/office/powerpoint/2010/main" val="3787928467"/>
       </p:ext>
     </p:extLst>
   </p:cSld>
   <p:clrMapOvr>
     <a:masterClrMapping/>
   </p:clrMapOvr>
-  <p:timing>
-    <p:tnLst>
-      <p:par>
-        <p:cTn id="1" dur="indefinite" restart="never" nodeType="tmRoot">
-          <p:childTnLst>
-            <p:seq concurrent="1" nextAc="seek">
-              <p:cTn id="2" dur="indefinite" nodeType="mainSeq">
-                <p:childTnLst>
-                  <p:par>
-                    <p:cTn id="3" fill="hold">
-                      <p:stCondLst>
-                        <p:cond delay="indefinite"/>
-                      </p:stCondLst>
-                      <p:childTnLst>
-                        <p:par>
-                          <p:cTn id="4" fill="hold">
-                            <p:stCondLst>
-                              <p:cond delay="0"/>
-                            </p:stCondLst>
-                            <p:childTnLst>
-                              <p:par>
-                                <p:cTn id="5" presetID="1" presetClass="entr" presetSubtype="0" fill="hold" nodeType="clickEffect">
-                                  <p:stCondLst>
-                                    <p:cond delay="0"/>
-                                  </p:stCondLst>
-                                  <p:childTnLst>
-                                    <p:set>
-                                      <p:cBhvr>
-                                        <p:cTn id="6" dur="1" fill="hold">
-                                          <p:stCondLst>
-                                            <p:cond delay="0"/>
-                                          </p:stCondLst>
-                                        </p:cTn>
-                                        <p:tgtEl>
-                                          <p:spTgt spid="3">
-                                            <p:txEl>
-                                              <p:pRg st="1" end="1"/>
-                                            </p:txEl>
-                                          </p:spTgt>
-                                        </p:tgtEl>
-                                        <p:attrNameLst>
-                                          <p:attrName>style.visibility</p:attrName>
-                                        </p:attrNameLst>
-                                      </p:cBhvr>
-                                      <p:to>
-                                        <p:strVal val="visible"/>
-                                      </p:to>
-                                    </p:set>
-                                  </p:childTnLst>
-                                </p:cTn>
-                              </p:par>
-                            </p:childTnLst>
-                          </p:cTn>
-                        </p:par>
-                      </p:childTnLst>
-                    </p:cTn>
-                  </p:par>
-                  <p:par>
-                    <p:cTn id="7" fill="hold">
-                      <p:stCondLst>
-                        <p:cond delay="indefinite"/>
-                      </p:stCondLst>
-                      <p:childTnLst>
-                        <p:par>
-                          <p:cTn id="8" fill="hold">
-                            <p:stCondLst>
-                              <p:cond delay="0"/>
-                            </p:stCondLst>
-                            <p:childTnLst>
-                              <p:par>
-                                <p:cTn id="9" presetID="2" presetClass="entr" presetSubtype="4" fill="hold" nodeType="clickEffect">
-                                  <p:stCondLst>
-                                    <p:cond delay="0"/>
-                                  </p:stCondLst>
-                                  <p:childTnLst>
-                                    <p:set>
-                                      <p:cBhvr>
-                                        <p:cTn id="10" dur="1" fill="hold">
-                                          <p:stCondLst>
-                                            <p:cond delay="0"/>
-                                          </p:stCondLst>
-                                        </p:cTn>
-                                        <p:tgtEl>
-                                          <p:spTgt spid="3">
-                                            <p:txEl>
-                                              <p:pRg st="3" end="3"/>
-                                            </p:txEl>
-                                          </p:spTgt>
-                                        </p:tgtEl>
-                                        <p:attrNameLst>
-                                          <p:attrName>style.visibility</p:attrName>
-                                        </p:attrNameLst>
-                                      </p:cBhvr>
-                                      <p:to>
-                                        <p:strVal val="visible"/>
-                                      </p:to>
-                                    </p:set>
-                                    <p:anim calcmode="lin" valueType="num">
-                                      <p:cBhvr additive="base">
-                                        <p:cTn id="11" dur="500" fill="hold"/>
-                                        <p:tgtEl>
-                                          <p:spTgt spid="3">
-                                            <p:txEl>
-                                              <p:pRg st="3" end="3"/>
-                                            </p:txEl>
-                                          </p:spTgt>
-                                        </p:tgtEl>
-                                        <p:attrNameLst>
-                                          <p:attrName>ppt_x</p:attrName>
-                                        </p:attrNameLst>
-                                      </p:cBhvr>
-                                      <p:tavLst>
-                                        <p:tav tm="0">
-                                          <p:val>
-                                            <p:strVal val="#ppt_x"/>
-                                          </p:val>
-                                        </p:tav>
-                                        <p:tav tm="100000">
-                                          <p:val>
-                                            <p:strVal val="#ppt_x"/>
-                                          </p:val>
-                                        </p:tav>
-                                      </p:tavLst>
-                                    </p:anim>
-                                    <p:anim calcmode="lin" valueType="num">
-                                      <p:cBhvr additive="base">
-                                        <p:cTn id="12" dur="500" fill="hold"/>
-                                        <p:tgtEl>
-                                          <p:spTgt spid="3">
-                                            <p:txEl>
-                                              <p:pRg st="3" end="3"/>
-                                            </p:txEl>
-                                          </p:spTgt>
-                                        </p:tgtEl>
-                                        <p:attrNameLst>
-                                          <p:attrName>ppt_y</p:attrName>
-                                        </p:attrNameLst>
-                                      </p:cBhvr>
-                                      <p:tavLst>
-                                        <p:tav tm="0">
-                                          <p:val>
-                                            <p:strVal val="1+#ppt_h/2"/>
-                                          </p:val>
-                                        </p:tav>
-                                        <p:tav tm="100000">
-                                          <p:val>
-                                            <p:strVal val="#ppt_y"/>
-                                          </p:val>
-                                        </p:tav>
-                                      </p:tavLst>
-                                    </p:anim>
-                                  </p:childTnLst>
-                                </p:cTn>
-                              </p:par>
-                              <p:par>
-                                <p:cTn id="13" presetID="2" presetClass="entr" presetSubtype="4" fill="hold" nodeType="withEffect">
-                                  <p:stCondLst>
-                                    <p:cond delay="0"/>
-                                  </p:stCondLst>
-                                  <p:childTnLst>
-                                    <p:set>
-                                      <p:cBhvr>
-                                        <p:cTn id="14" dur="1" fill="hold">
-                                          <p:stCondLst>
-                                            <p:cond delay="0"/>
-                                          </p:stCondLst>
-                                        </p:cTn>
-                                        <p:tgtEl>
-                                          <p:spTgt spid="3">
-                                            <p:txEl>
-                                              <p:pRg st="4" end="4"/>
-                                            </p:txEl>
-                                          </p:spTgt>
-                                        </p:tgtEl>
-                                        <p:attrNameLst>
-                                          <p:attrName>style.visibility</p:attrName>
-                                        </p:attrNameLst>
-                                      </p:cBhvr>
-                                      <p:to>
-                                        <p:strVal val="visible"/>
-                                      </p:to>
-                                    </p:set>
-                                    <p:anim calcmode="lin" valueType="num">
-                                      <p:cBhvr additive="base">
-                                        <p:cTn id="15" dur="500" fill="hold"/>
-                                        <p:tgtEl>
-                                          <p:spTgt spid="3">
-                                            <p:txEl>
-                                              <p:pRg st="4" end="4"/>
-                                            </p:txEl>
-                                          </p:spTgt>
-                                        </p:tgtEl>
-                                        <p:attrNameLst>
-                                          <p:attrName>ppt_x</p:attrName>
-                                        </p:attrNameLst>
-                                      </p:cBhvr>
-                                      <p:tavLst>
-                                        <p:tav tm="0">
-                                          <p:val>
-                                            <p:strVal val="#ppt_x"/>
-                                          </p:val>
-                                        </p:tav>
-                                        <p:tav tm="100000">
-                                          <p:val>
-                                            <p:strVal val="#ppt_x"/>
-                                          </p:val>
-                                        </p:tav>
-                                      </p:tavLst>
-                                    </p:anim>
-                                    <p:anim calcmode="lin" valueType="num">
-                                      <p:cBhvr additive="base">
-                                        <p:cTn id="16" dur="500" fill="hold"/>
-                                        <p:tgtEl>
-                                          <p:spTgt spid="3">
-                                            <p:txEl>
-                                              <p:pRg st="4" end="4"/>
-                                            </p:txEl>
-                                          </p:spTgt>
-                                        </p:tgtEl>
-                                        <p:attrNameLst>
-                                          <p:attrName>ppt_y</p:attrName>
-                                        </p:attrNameLst>
-                                      </p:cBhvr>
-                                      <p:tavLst>
-                                        <p:tav tm="0">
-                                          <p:val>
-                                            <p:strVal val="1+#ppt_h/2"/>
-                                          </p:val>
-                                        </p:tav>
-                                        <p:tav tm="100000">
-                                          <p:val>
-                                            <p:strVal val="#ppt_y"/>
-                                          </p:val>
-                                        </p:tav>
-                                      </p:tavLst>
-                                    </p:anim>
-                                  </p:childTnLst>
-                                </p:cTn>
-                              </p:par>
-                              <p:par>
-                                <p:cTn id="17" presetID="2" presetClass="entr" presetSubtype="4" fill="hold" nodeType="withEffect">
-                                  <p:stCondLst>
-                                    <p:cond delay="0"/>
-                                  </p:stCondLst>
-                                  <p:childTnLst>
-                                    <p:set>
-                                      <p:cBhvr>
-                                        <p:cTn id="18" dur="1" fill="hold">
-                                          <p:stCondLst>
-                                            <p:cond delay="0"/>
-                                          </p:stCondLst>
-                                        </p:cTn>
-                                        <p:tgtEl>
-                                          <p:spTgt spid="3">
-                                            <p:txEl>
-                                              <p:pRg st="5" end="5"/>
-                                            </p:txEl>
-                                          </p:spTgt>
-                                        </p:tgtEl>
-                                        <p:attrNameLst>
-                                          <p:attrName>style.visibility</p:attrName>
-                                        </p:attrNameLst>
-                                      </p:cBhvr>
-                                      <p:to>
-                                        <p:strVal val="visible"/>
-                                      </p:to>
-                                    </p:set>
-                                    <p:anim calcmode="lin" valueType="num">
-                                      <p:cBhvr additive="base">
-                                        <p:cTn id="19" dur="500" fill="hold"/>
-                                        <p:tgtEl>
-                                          <p:spTgt spid="3">
-                                            <p:txEl>
-                                              <p:pRg st="5" end="5"/>
-                                            </p:txEl>
-                                          </p:spTgt>
-                                        </p:tgtEl>
-                                        <p:attrNameLst>
-                                          <p:attrName>ppt_x</p:attrName>
-                                        </p:attrNameLst>
-                                      </p:cBhvr>
-                                      <p:tavLst>
-                                        <p:tav tm="0">
-                                          <p:val>
-                                            <p:strVal val="#ppt_x"/>
-                                          </p:val>
-                                        </p:tav>
-                                        <p:tav tm="100000">
-                                          <p:val>
-                                            <p:strVal val="#ppt_x"/>
-                                          </p:val>
-                                        </p:tav>
-                                      </p:tavLst>
-                                    </p:anim>
-                                    <p:anim calcmode="lin" valueType="num">
-                                      <p:cBhvr additive="base">
-                                        <p:cTn id="20" dur="500" fill="hold"/>
-                                        <p:tgtEl>
-                                          <p:spTgt spid="3">
-                                            <p:txEl>
-                                              <p:pRg st="5" end="5"/>
-                                            </p:txEl>
-                                          </p:spTgt>
-                                        </p:tgtEl>
-                                        <p:attrNameLst>
-                                          <p:attrName>ppt_y</p:attrName>
-                                        </p:attrNameLst>
-                                      </p:cBhvr>
-                                      <p:tavLst>
-                                        <p:tav tm="0">
-                                          <p:val>
-                                            <p:strVal val="1+#ppt_h/2"/>
-                                          </p:val>
-                                        </p:tav>
-                                        <p:tav tm="100000">
-                                          <p:val>
-                                            <p:strVal val="#ppt_y"/>
-                                          </p:val>
-                                        </p:tav>
-                                      </p:tavLst>
-                                    </p:anim>
-                                  </p:childTnLst>
-                                </p:cTn>
-                              </p:par>
-                              <p:par>
-                                <p:cTn id="21" presetID="2" presetClass="entr" presetSubtype="4" fill="hold" nodeType="withEffect">
-                                  <p:stCondLst>
-                                    <p:cond delay="0"/>
-                                  </p:stCondLst>
-                                  <p:childTnLst>
-                                    <p:set>
-                                      <p:cBhvr>
-                                        <p:cTn id="22" dur="1" fill="hold">
-                                          <p:stCondLst>
-                                            <p:cond delay="0"/>
-                                          </p:stCondLst>
-                                        </p:cTn>
-                                        <p:tgtEl>
-                                          <p:spTgt spid="3">
-                                            <p:txEl>
-                                              <p:pRg st="6" end="6"/>
-                                            </p:txEl>
-                                          </p:spTgt>
-                                        </p:tgtEl>
-                                        <p:attrNameLst>
-                                          <p:attrName>style.visibility</p:attrName>
-                                        </p:attrNameLst>
-                                      </p:cBhvr>
-                                      <p:to>
-                                        <p:strVal val="visible"/>
-                                      </p:to>
-                                    </p:set>
-                                    <p:anim calcmode="lin" valueType="num">
-                                      <p:cBhvr additive="base">
-                                        <p:cTn id="23" dur="500" fill="hold"/>
-                                        <p:tgtEl>
-                                          <p:spTgt spid="3">
-                                            <p:txEl>
-                                              <p:pRg st="6" end="6"/>
-                                            </p:txEl>
-                                          </p:spTgt>
-                                        </p:tgtEl>
-                                        <p:attrNameLst>
-                                          <p:attrName>ppt_x</p:attrName>
-                                        </p:attrNameLst>
-                                      </p:cBhvr>
-                                      <p:tavLst>
-                                        <p:tav tm="0">
-                                          <p:val>
-                                            <p:strVal val="#ppt_x"/>
-                                          </p:val>
-                                        </p:tav>
-                                        <p:tav tm="100000">
-                                          <p:val>
-                                            <p:strVal val="#ppt_x"/>
-                                          </p:val>
-                                        </p:tav>
-                                      </p:tavLst>
-                                    </p:anim>
-                                    <p:anim calcmode="lin" valueType="num">
-                                      <p:cBhvr additive="base">
-                                        <p:cTn id="24" dur="500" fill="hold"/>
-                                        <p:tgtEl>
-                                          <p:spTgt spid="3">
-                                            <p:txEl>
-                                              <p:pRg st="6" end="6"/>
-                                            </p:txEl>
-                                          </p:spTgt>
-                                        </p:tgtEl>
-                                        <p:attrNameLst>
-                                          <p:attrName>ppt_y</p:attrName>
-                                        </p:attrNameLst>
-                                      </p:cBhvr>
-                                      <p:tavLst>
-                                        <p:tav tm="0">
-                                          <p:val>
-                                            <p:strVal val="1+#ppt_h/2"/>
-                                          </p:val>
-                                        </p:tav>
-                                        <p:tav tm="100000">
-                                          <p:val>
-                                            <p:strVal val="#ppt_y"/>
-                                          </p:val>
-                                        </p:tav>
-                                      </p:tavLst>
-                                    </p:anim>
-                                  </p:childTnLst>
-                                </p:cTn>
-                              </p:par>
-                              <p:par>
-                                <p:cTn id="25" presetID="2" presetClass="entr" presetSubtype="4" fill="hold" nodeType="withEffect">
-                                  <p:stCondLst>
-                                    <p:cond delay="0"/>
-                                  </p:stCondLst>
-                                  <p:childTnLst>
-                                    <p:set>
-                                      <p:cBhvr>
-                                        <p:cTn id="26" dur="1" fill="hold">
-                                          <p:stCondLst>
-                                            <p:cond delay="0"/>
-                                          </p:stCondLst>
-                                        </p:cTn>
-                                        <p:tgtEl>
-                                          <p:spTgt spid="3">
-                                            <p:txEl>
-                                              <p:pRg st="7" end="7"/>
-                                            </p:txEl>
-                                          </p:spTgt>
-                                        </p:tgtEl>
-                                        <p:attrNameLst>
-                                          <p:attrName>style.visibility</p:attrName>
-                                        </p:attrNameLst>
-                                      </p:cBhvr>
-                                      <p:to>
-                                        <p:strVal val="visible"/>
-                                      </p:to>
-                                    </p:set>
-                                    <p:anim calcmode="lin" valueType="num">
-                                      <p:cBhvr additive="base">
-                                        <p:cTn id="27" dur="500" fill="hold"/>
-                                        <p:tgtEl>
-                                          <p:spTgt spid="3">
-                                            <p:txEl>
-                                              <p:pRg st="7" end="7"/>
-                                            </p:txEl>
-                                          </p:spTgt>
-                                        </p:tgtEl>
-                                        <p:attrNameLst>
-                                          <p:attrName>ppt_x</p:attrName>
-                                        </p:attrNameLst>
-                                      </p:cBhvr>
-                                      <p:tavLst>
-                                        <p:tav tm="0">
-                                          <p:val>
-                                            <p:strVal val="#ppt_x"/>
-                                          </p:val>
-                                        </p:tav>
-                                        <p:tav tm="100000">
-                                          <p:val>
-                                            <p:strVal val="#ppt_x"/>
-                                          </p:val>
-                                        </p:tav>
-                                      </p:tavLst>
-                                    </p:anim>
-                                    <p:anim calcmode="lin" valueType="num">
-                                      <p:cBhvr additive="base">
-                                        <p:cTn id="28" dur="500" fill="hold"/>
-                                        <p:tgtEl>
-                                          <p:spTgt spid="3">
-                                            <p:txEl>
-                                              <p:pRg st="7" end="7"/>
-                                            </p:txEl>
-                                          </p:spTgt>
-                                        </p:tgtEl>
-                                        <p:attrNameLst>
-                                          <p:attrName>ppt_y</p:attrName>
-                                        </p:attrNameLst>
-                                      </p:cBhvr>
-                                      <p:tavLst>
-                                        <p:tav tm="0">
-                                          <p:val>
-                                            <p:strVal val="1+#ppt_h/2"/>
-                                          </p:val>
-                                        </p:tav>
-                                        <p:tav tm="100000">
-                                          <p:val>
-                                            <p:strVal val="#ppt_y"/>
-                                          </p:val>
-                                        </p:tav>
-                                      </p:tavLst>
-                                    </p:anim>
-                                  </p:childTnLst>
-                                </p:cTn>
-                              </p:par>
-                            </p:childTnLst>
-                          </p:cTn>
-                        </p:par>
-                      </p:childTnLst>
-                    </p:cTn>
-                  </p:par>
-                  <p:par>
-                    <p:cTn id="29" fill="hold">
-                      <p:stCondLst>
-                        <p:cond delay="indefinite"/>
-                      </p:stCondLst>
-                      <p:childTnLst>
-                        <p:par>
-                          <p:cTn id="30" fill="hold">
-                            <p:stCondLst>
-                              <p:cond delay="0"/>
-                            </p:stCondLst>
-                            <p:childTnLst>
-                              <p:par>
-                                <p:cTn id="31" presetID="53" presetClass="entr" presetSubtype="16" fill="hold" grpId="0" nodeType="clickEffect">
-                                  <p:stCondLst>
-                                    <p:cond delay="0"/>
-                                  </p:stCondLst>
-                                  <p:childTnLst>
-                                    <p:set>
-                                      <p:cBhvr>
-                                        <p:cTn id="32" dur="1" fill="hold">
-                                          <p:stCondLst>
-                                            <p:cond delay="0"/>
-                                          </p:stCondLst>
-                                        </p:cTn>
-                                        <p:tgtEl>
-                                          <p:spTgt spid="4"/>
-                                        </p:tgtEl>
-                                        <p:attrNameLst>
-                                          <p:attrName>style.visibility</p:attrName>
-                                        </p:attrNameLst>
-                                      </p:cBhvr>
-                                      <p:to>
-                                        <p:strVal val="visible"/>
-                                      </p:to>
-                                    </p:set>
-                                    <p:anim calcmode="lin" valueType="num">
-                                      <p:cBhvr>
-                                        <p:cTn id="33" dur="500" fill="hold"/>
-                                        <p:tgtEl>
-                                          <p:spTgt spid="4"/>
-                                        </p:tgtEl>
-                                        <p:attrNameLst>
-                                          <p:attrName>ppt_w</p:attrName>
-                                        </p:attrNameLst>
-                                      </p:cBhvr>
-                                      <p:tavLst>
-                                        <p:tav tm="0">
-                                          <p:val>
-                                            <p:fltVal val="0"/>
-                                          </p:val>
-                                        </p:tav>
-                                        <p:tav tm="100000">
-                                          <p:val>
-                                            <p:strVal val="#ppt_w"/>
-                                          </p:val>
-                                        </p:tav>
-                                      </p:tavLst>
-                                    </p:anim>
-                                    <p:anim calcmode="lin" valueType="num">
-                                      <p:cBhvr>
-                                        <p:cTn id="34" dur="500" fill="hold"/>
-                                        <p:tgtEl>
-                                          <p:spTgt spid="4"/>
-                                        </p:tgtEl>
-                                        <p:attrNameLst>
-                                          <p:attrName>ppt_h</p:attrName>
-                                        </p:attrNameLst>
-                                      </p:cBhvr>
-                                      <p:tavLst>
-                                        <p:tav tm="0">
-                                          <p:val>
-                                            <p:fltVal val="0"/>
-                                          </p:val>
-                                        </p:tav>
-                                        <p:tav tm="100000">
-                                          <p:val>
-                                            <p:strVal val="#ppt_h"/>
-                                          </p:val>
-                                        </p:tav>
-                                      </p:tavLst>
-                                    </p:anim>
-                                    <p:animEffect transition="in" filter="fade">
-                                      <p:cBhvr>
-                                        <p:cTn id="35" dur="500"/>
-                                        <p:tgtEl>
-                                          <p:spTgt spid="4"/>
-                                        </p:tgtEl>
-                                      </p:cBhvr>
-                                    </p:animEffect>
-                                  </p:childTnLst>
-                                </p:cTn>
-                              </p:par>
-                            </p:childTnLst>
-                          </p:cTn>
-                        </p:par>
-                      </p:childTnLst>
-                    </p:cTn>
-                  </p:par>
-                </p:childTnLst>
-              </p:cTn>
-              <p:prevCondLst>
-                <p:cond evt="onPrev" delay="0">
-                  <p:tgtEl>
-                    <p:sldTgt/>
-                  </p:tgtEl>
-                </p:cond>
-              </p:prevCondLst>
-              <p:nextCondLst>
-                <p:cond evt="onNext" delay="0">
-                  <p:tgtEl>
-                    <p:sldTgt/>
-                  </p:tgtEl>
-                </p:cond>
-              </p:nextCondLst>
-            </p:seq>
-          </p:childTnLst>
-        </p:cTn>
-      </p:par>
-    </p:tnLst>
-    <p:bldLst>
-      <p:bldP spid="4" grpId="0"/>
-    </p:bldLst>
-  </p:timing>
 </p:sld>
 </file>
 
@@ -4233,7 +5383,7 @@
           <a:p>
             <a:r>
               <a:rPr lang="fr-FR" dirty="0"/>
-              <a:t>Item 2</a:t>
+              <a:t>Motivation</a:t>
             </a:r>
           </a:p>
         </p:txBody>
@@ -4250,8 +5400,8 @@
         </p:nvSpPr>
         <p:spPr>
           <a:xfrm>
-            <a:off x="1304544" y="1928686"/>
-            <a:ext cx="9144000" cy="4408106"/>
+            <a:off x="1304544" y="2129854"/>
+            <a:ext cx="9144000" cy="3694874"/>
           </a:xfrm>
         </p:spPr>
         <p:txBody>
@@ -4262,44 +5412,17 @@
           <a:p>
             <a:pPr algn="l"/>
             <a:r>
+              <a:rPr lang="en-US" dirty="0"/>
+              <a:t> Why / </a:t>
+            </a:r>
+            <a:r>
               <a:rPr lang="en-US" sz="2000" dirty="0"/>
-              <a:t>What is the natural way to create an instance of a class having optional parameters?</a:t>
-            </a:r>
-          </a:p>
-          <a:p>
-            <a:pPr algn="l"/>
-            <a:r>
-              <a:rPr lang="en-US" sz="2000" b="1" dirty="0">
-                <a:solidFill>
-                  <a:srgbClr val="0070C0"/>
-                </a:solidFill>
-                <a:sym typeface="Wingdings" panose="05000000000000000000" pitchFamily="2" charset="2"/>
-              </a:rPr>
-              <a:t>            Telescoping Constructors</a:t>
-            </a:r>
-          </a:p>
-          <a:p>
-            <a:pPr algn="l"/>
-            <a:r>
-              <a:rPr lang="en-US" sz="2000" b="1" dirty="0">
-                <a:solidFill>
-                  <a:srgbClr val="0070C0"/>
-                </a:solidFill>
-                <a:sym typeface="Wingdings" panose="05000000000000000000" pitchFamily="2" charset="2"/>
-              </a:rPr>
-              <a:t>            JavaBeans</a:t>
+              <a:t>How to write effective code:</a:t>
             </a:r>
           </a:p>
           <a:p>
             <a:pPr algn="l"/>
             <a:endParaRPr lang="en-US" sz="2000" dirty="0"/>
-          </a:p>
-          <a:p>
-            <a:pPr algn="l"/>
-            <a:r>
-              <a:rPr lang="en-US" sz="2000" dirty="0"/>
-              <a:t>But what if:</a:t>
-            </a:r>
           </a:p>
           <a:p>
             <a:pPr marL="342900" indent="-342900" algn="l">
@@ -4308,7 +5431,7 @@
             </a:pPr>
             <a:r>
               <a:rPr lang="en-US" sz="2000" dirty="0"/>
-              <a:t>You need to avoid complicated telescoping when many optional parameters (having identical types)?</a:t>
+              <a:t>So that it works well?</a:t>
             </a:r>
           </a:p>
           <a:p>
@@ -4316,10 +5439,7 @@
               <a:buFont typeface="Wingdings" panose="05000000000000000000" pitchFamily="2" charset="2"/>
               <a:buChar char="q"/>
             </a:pPr>
-            <a:r>
-              <a:rPr lang="en-US" sz="2000" dirty="0"/>
-              <a:t>You need to enforce state consistency?</a:t>
-            </a:r>
+            <a:endParaRPr lang="en-US" sz="2000" dirty="0"/>
           </a:p>
           <a:p>
             <a:pPr marL="342900" indent="-342900" algn="l">
@@ -4328,671 +5448,56 @@
             </a:pPr>
             <a:r>
               <a:rPr lang="en-US" sz="2000" dirty="0"/>
-              <a:t>You need to ensure immutability?</a:t>
-            </a:r>
-          </a:p>
-          <a:p>
-            <a:pPr algn="l"/>
+              <a:t>So that other people can understand it?</a:t>
+            </a:r>
+          </a:p>
+          <a:p>
+            <a:pPr marL="342900" indent="-342900" algn="l">
+              <a:buFont typeface="Wingdings" panose="05000000000000000000" pitchFamily="2" charset="2"/>
+              <a:buChar char="q"/>
+            </a:pPr>
             <a:endParaRPr lang="en-US" sz="2000" dirty="0"/>
           </a:p>
-        </p:txBody>
-      </p:sp>
-      <p:sp>
-        <p:nvSpPr>
-          <p:cNvPr id="4" name="Rectangle 3"/>
-          <p:cNvSpPr/>
-          <p:nvPr/>
-        </p:nvSpPr>
-        <p:spPr>
-          <a:xfrm>
-            <a:off x="911666" y="5591663"/>
-            <a:ext cx="9948044" cy="523220"/>
-          </a:xfrm>
-          <a:prstGeom prst="rect">
-            <a:avLst/>
-          </a:prstGeom>
-          <a:noFill/>
-        </p:spPr>
-        <p:txBody>
-          <a:bodyPr wrap="none" lIns="91440" tIns="45720" rIns="91440" bIns="45720">
-            <a:spAutoFit/>
-          </a:bodyPr>
-          <a:lstStyle/>
-          <a:p>
-            <a:pPr algn="ctr"/>
-            <a:r>
-              <a:rPr lang="en-US" sz="2800" b="1" dirty="0">
-                <a:ln w="22225">
-                  <a:solidFill>
-                    <a:schemeClr val="accent2"/>
-                  </a:solidFill>
-                  <a:prstDash val="solid"/>
-                </a:ln>
-                <a:solidFill>
-                  <a:schemeClr val="accent2">
-                    <a:lumMod val="40000"/>
-                    <a:lumOff val="60000"/>
-                  </a:schemeClr>
-                </a:solidFill>
-              </a:rPr>
-              <a:t>Consider a builder when faced with many constructor parameters</a:t>
-            </a:r>
-            <a:endParaRPr lang="fr-FR" sz="2800" b="1" cap="none" spc="0" dirty="0">
-              <a:ln w="22225">
-                <a:solidFill>
-                  <a:schemeClr val="accent2"/>
-                </a:solidFill>
-                <a:prstDash val="solid"/>
-              </a:ln>
-              <a:solidFill>
-                <a:schemeClr val="accent2">
-                  <a:lumMod val="40000"/>
-                  <a:lumOff val="60000"/>
-                </a:schemeClr>
-              </a:solidFill>
-              <a:effectLst/>
-            </a:endParaRPr>
+          <a:p>
+            <a:pPr marL="342900" indent="-342900" algn="l">
+              <a:buFont typeface="Wingdings" panose="05000000000000000000" pitchFamily="2" charset="2"/>
+              <a:buChar char="q"/>
+            </a:pPr>
+            <a:r>
+              <a:rPr lang="en-US" sz="2000" dirty="0"/>
+              <a:t>So that future modifications and improvements are less likely to cause headaches?</a:t>
+            </a:r>
+          </a:p>
+          <a:p>
+            <a:pPr marL="342900" indent="-342900" algn="l">
+              <a:buFont typeface="Wingdings" panose="05000000000000000000" pitchFamily="2" charset="2"/>
+              <a:buChar char="q"/>
+            </a:pPr>
+            <a:endParaRPr lang="en-US" sz="2000" dirty="0"/>
+          </a:p>
+          <a:p>
+            <a:pPr marL="342900" indent="-342900" algn="l">
+              <a:buFont typeface="Wingdings" panose="05000000000000000000" pitchFamily="2" charset="2"/>
+              <a:buChar char="q"/>
+            </a:pPr>
+            <a:r>
+              <a:rPr lang="en-US" sz="2000" dirty="0"/>
+              <a:t>So that your programs will be pleasant, elegant, and graceful?</a:t>
+            </a:r>
+            <a:endParaRPr lang="fr-FR" sz="2000" dirty="0"/>
           </a:p>
         </p:txBody>
       </p:sp>
     </p:spTree>
     <p:extLst>
       <p:ext uri="{BB962C8B-B14F-4D97-AF65-F5344CB8AC3E}">
-        <p14:creationId xmlns:p14="http://schemas.microsoft.com/office/powerpoint/2010/main" val="124761964"/>
+        <p14:creationId xmlns:p14="http://schemas.microsoft.com/office/powerpoint/2010/main" val="3352910475"/>
       </p:ext>
     </p:extLst>
   </p:cSld>
   <p:clrMapOvr>
     <a:masterClrMapping/>
   </p:clrMapOvr>
-  <p:timing>
-    <p:tnLst>
-      <p:par>
-        <p:cTn id="1" dur="indefinite" restart="never" nodeType="tmRoot">
-          <p:childTnLst>
-            <p:seq concurrent="1" nextAc="seek">
-              <p:cTn id="2" dur="indefinite" nodeType="mainSeq">
-                <p:childTnLst>
-                  <p:par>
-                    <p:cTn id="3" fill="hold">
-                      <p:stCondLst>
-                        <p:cond delay="indefinite"/>
-                      </p:stCondLst>
-                      <p:childTnLst>
-                        <p:par>
-                          <p:cTn id="4" fill="hold">
-                            <p:stCondLst>
-                              <p:cond delay="0"/>
-                            </p:stCondLst>
-                            <p:childTnLst>
-                              <p:par>
-                                <p:cTn id="5" presetID="1" presetClass="entr" presetSubtype="0" fill="hold" nodeType="clickEffect">
-                                  <p:stCondLst>
-                                    <p:cond delay="0"/>
-                                  </p:stCondLst>
-                                  <p:childTnLst>
-                                    <p:set>
-                                      <p:cBhvr>
-                                        <p:cTn id="6" dur="1" fill="hold">
-                                          <p:stCondLst>
-                                            <p:cond delay="0"/>
-                                          </p:stCondLst>
-                                        </p:cTn>
-                                        <p:tgtEl>
-                                          <p:spTgt spid="3">
-                                            <p:txEl>
-                                              <p:pRg st="1" end="1"/>
-                                            </p:txEl>
-                                          </p:spTgt>
-                                        </p:tgtEl>
-                                        <p:attrNameLst>
-                                          <p:attrName>style.visibility</p:attrName>
-                                        </p:attrNameLst>
-                                      </p:cBhvr>
-                                      <p:to>
-                                        <p:strVal val="visible"/>
-                                      </p:to>
-                                    </p:set>
-                                  </p:childTnLst>
-                                </p:cTn>
-                              </p:par>
-                            </p:childTnLst>
-                          </p:cTn>
-                        </p:par>
-                      </p:childTnLst>
-                    </p:cTn>
-                  </p:par>
-                  <p:par>
-                    <p:cTn id="7" fill="hold">
-                      <p:stCondLst>
-                        <p:cond delay="indefinite"/>
-                      </p:stCondLst>
-                      <p:childTnLst>
-                        <p:par>
-                          <p:cTn id="8" fill="hold">
-                            <p:stCondLst>
-                              <p:cond delay="0"/>
-                            </p:stCondLst>
-                            <p:childTnLst>
-                              <p:par>
-                                <p:cTn id="9" presetID="1" presetClass="entr" presetSubtype="0" fill="hold" nodeType="clickEffect">
-                                  <p:stCondLst>
-                                    <p:cond delay="0"/>
-                                  </p:stCondLst>
-                                  <p:childTnLst>
-                                    <p:set>
-                                      <p:cBhvr>
-                                        <p:cTn id="10" dur="1" fill="hold">
-                                          <p:stCondLst>
-                                            <p:cond delay="0"/>
-                                          </p:stCondLst>
-                                        </p:cTn>
-                                        <p:tgtEl>
-                                          <p:spTgt spid="3">
-                                            <p:txEl>
-                                              <p:pRg st="2" end="2"/>
-                                            </p:txEl>
-                                          </p:spTgt>
-                                        </p:tgtEl>
-                                        <p:attrNameLst>
-                                          <p:attrName>style.visibility</p:attrName>
-                                        </p:attrNameLst>
-                                      </p:cBhvr>
-                                      <p:to>
-                                        <p:strVal val="visible"/>
-                                      </p:to>
-                                    </p:set>
-                                  </p:childTnLst>
-                                </p:cTn>
-                              </p:par>
-                            </p:childTnLst>
-                          </p:cTn>
-                        </p:par>
-                      </p:childTnLst>
-                    </p:cTn>
-                  </p:par>
-                  <p:par>
-                    <p:cTn id="11" fill="hold">
-                      <p:stCondLst>
-                        <p:cond delay="indefinite"/>
-                      </p:stCondLst>
-                      <p:childTnLst>
-                        <p:par>
-                          <p:cTn id="12" fill="hold">
-                            <p:stCondLst>
-                              <p:cond delay="0"/>
-                            </p:stCondLst>
-                            <p:childTnLst>
-                              <p:par>
-                                <p:cTn id="13" presetID="2" presetClass="entr" presetSubtype="4" fill="hold" nodeType="clickEffect">
-                                  <p:stCondLst>
-                                    <p:cond delay="0"/>
-                                  </p:stCondLst>
-                                  <p:childTnLst>
-                                    <p:set>
-                                      <p:cBhvr>
-                                        <p:cTn id="14" dur="1" fill="hold">
-                                          <p:stCondLst>
-                                            <p:cond delay="0"/>
-                                          </p:stCondLst>
-                                        </p:cTn>
-                                        <p:tgtEl>
-                                          <p:spTgt spid="3">
-                                            <p:txEl>
-                                              <p:pRg st="4" end="4"/>
-                                            </p:txEl>
-                                          </p:spTgt>
-                                        </p:tgtEl>
-                                        <p:attrNameLst>
-                                          <p:attrName>style.visibility</p:attrName>
-                                        </p:attrNameLst>
-                                      </p:cBhvr>
-                                      <p:to>
-                                        <p:strVal val="visible"/>
-                                      </p:to>
-                                    </p:set>
-                                    <p:anim calcmode="lin" valueType="num">
-                                      <p:cBhvr additive="base">
-                                        <p:cTn id="15" dur="500" fill="hold"/>
-                                        <p:tgtEl>
-                                          <p:spTgt spid="3">
-                                            <p:txEl>
-                                              <p:pRg st="4" end="4"/>
-                                            </p:txEl>
-                                          </p:spTgt>
-                                        </p:tgtEl>
-                                        <p:attrNameLst>
-                                          <p:attrName>ppt_x</p:attrName>
-                                        </p:attrNameLst>
-                                      </p:cBhvr>
-                                      <p:tavLst>
-                                        <p:tav tm="0">
-                                          <p:val>
-                                            <p:strVal val="#ppt_x"/>
-                                          </p:val>
-                                        </p:tav>
-                                        <p:tav tm="100000">
-                                          <p:val>
-                                            <p:strVal val="#ppt_x"/>
-                                          </p:val>
-                                        </p:tav>
-                                      </p:tavLst>
-                                    </p:anim>
-                                    <p:anim calcmode="lin" valueType="num">
-                                      <p:cBhvr additive="base">
-                                        <p:cTn id="16" dur="500" fill="hold"/>
-                                        <p:tgtEl>
-                                          <p:spTgt spid="3">
-                                            <p:txEl>
-                                              <p:pRg st="4" end="4"/>
-                                            </p:txEl>
-                                          </p:spTgt>
-                                        </p:tgtEl>
-                                        <p:attrNameLst>
-                                          <p:attrName>ppt_y</p:attrName>
-                                        </p:attrNameLst>
-                                      </p:cBhvr>
-                                      <p:tavLst>
-                                        <p:tav tm="0">
-                                          <p:val>
-                                            <p:strVal val="1+#ppt_h/2"/>
-                                          </p:val>
-                                        </p:tav>
-                                        <p:tav tm="100000">
-                                          <p:val>
-                                            <p:strVal val="#ppt_y"/>
-                                          </p:val>
-                                        </p:tav>
-                                      </p:tavLst>
-                                    </p:anim>
-                                  </p:childTnLst>
-                                </p:cTn>
-                              </p:par>
-                              <p:par>
-                                <p:cTn id="17" presetID="2" presetClass="entr" presetSubtype="4" fill="hold" nodeType="withEffect">
-                                  <p:stCondLst>
-                                    <p:cond delay="0"/>
-                                  </p:stCondLst>
-                                  <p:childTnLst>
-                                    <p:set>
-                                      <p:cBhvr>
-                                        <p:cTn id="18" dur="1" fill="hold">
-                                          <p:stCondLst>
-                                            <p:cond delay="0"/>
-                                          </p:stCondLst>
-                                        </p:cTn>
-                                        <p:tgtEl>
-                                          <p:spTgt spid="3">
-                                            <p:txEl>
-                                              <p:pRg st="5" end="5"/>
-                                            </p:txEl>
-                                          </p:spTgt>
-                                        </p:tgtEl>
-                                        <p:attrNameLst>
-                                          <p:attrName>style.visibility</p:attrName>
-                                        </p:attrNameLst>
-                                      </p:cBhvr>
-                                      <p:to>
-                                        <p:strVal val="visible"/>
-                                      </p:to>
-                                    </p:set>
-                                    <p:anim calcmode="lin" valueType="num">
-                                      <p:cBhvr additive="base">
-                                        <p:cTn id="19" dur="500" fill="hold"/>
-                                        <p:tgtEl>
-                                          <p:spTgt spid="3">
-                                            <p:txEl>
-                                              <p:pRg st="5" end="5"/>
-                                            </p:txEl>
-                                          </p:spTgt>
-                                        </p:tgtEl>
-                                        <p:attrNameLst>
-                                          <p:attrName>ppt_x</p:attrName>
-                                        </p:attrNameLst>
-                                      </p:cBhvr>
-                                      <p:tavLst>
-                                        <p:tav tm="0">
-                                          <p:val>
-                                            <p:strVal val="#ppt_x"/>
-                                          </p:val>
-                                        </p:tav>
-                                        <p:tav tm="100000">
-                                          <p:val>
-                                            <p:strVal val="#ppt_x"/>
-                                          </p:val>
-                                        </p:tav>
-                                      </p:tavLst>
-                                    </p:anim>
-                                    <p:anim calcmode="lin" valueType="num">
-                                      <p:cBhvr additive="base">
-                                        <p:cTn id="20" dur="500" fill="hold"/>
-                                        <p:tgtEl>
-                                          <p:spTgt spid="3">
-                                            <p:txEl>
-                                              <p:pRg st="5" end="5"/>
-                                            </p:txEl>
-                                          </p:spTgt>
-                                        </p:tgtEl>
-                                        <p:attrNameLst>
-                                          <p:attrName>ppt_y</p:attrName>
-                                        </p:attrNameLst>
-                                      </p:cBhvr>
-                                      <p:tavLst>
-                                        <p:tav tm="0">
-                                          <p:val>
-                                            <p:strVal val="1+#ppt_h/2"/>
-                                          </p:val>
-                                        </p:tav>
-                                        <p:tav tm="100000">
-                                          <p:val>
-                                            <p:strVal val="#ppt_y"/>
-                                          </p:val>
-                                        </p:tav>
-                                      </p:tavLst>
-                                    </p:anim>
-                                  </p:childTnLst>
-                                </p:cTn>
-                              </p:par>
-                              <p:par>
-                                <p:cTn id="21" presetID="2" presetClass="entr" presetSubtype="4" fill="hold" nodeType="withEffect">
-                                  <p:stCondLst>
-                                    <p:cond delay="0"/>
-                                  </p:stCondLst>
-                                  <p:childTnLst>
-                                    <p:set>
-                                      <p:cBhvr>
-                                        <p:cTn id="22" dur="1" fill="hold">
-                                          <p:stCondLst>
-                                            <p:cond delay="0"/>
-                                          </p:stCondLst>
-                                        </p:cTn>
-                                        <p:tgtEl>
-                                          <p:spTgt spid="3">
-                                            <p:txEl>
-                                              <p:pRg st="6" end="6"/>
-                                            </p:txEl>
-                                          </p:spTgt>
-                                        </p:tgtEl>
-                                        <p:attrNameLst>
-                                          <p:attrName>style.visibility</p:attrName>
-                                        </p:attrNameLst>
-                                      </p:cBhvr>
-                                      <p:to>
-                                        <p:strVal val="visible"/>
-                                      </p:to>
-                                    </p:set>
-                                    <p:anim calcmode="lin" valueType="num">
-                                      <p:cBhvr additive="base">
-                                        <p:cTn id="23" dur="500" fill="hold"/>
-                                        <p:tgtEl>
-                                          <p:spTgt spid="3">
-                                            <p:txEl>
-                                              <p:pRg st="6" end="6"/>
-                                            </p:txEl>
-                                          </p:spTgt>
-                                        </p:tgtEl>
-                                        <p:attrNameLst>
-                                          <p:attrName>ppt_x</p:attrName>
-                                        </p:attrNameLst>
-                                      </p:cBhvr>
-                                      <p:tavLst>
-                                        <p:tav tm="0">
-                                          <p:val>
-                                            <p:strVal val="#ppt_x"/>
-                                          </p:val>
-                                        </p:tav>
-                                        <p:tav tm="100000">
-                                          <p:val>
-                                            <p:strVal val="#ppt_x"/>
-                                          </p:val>
-                                        </p:tav>
-                                      </p:tavLst>
-                                    </p:anim>
-                                    <p:anim calcmode="lin" valueType="num">
-                                      <p:cBhvr additive="base">
-                                        <p:cTn id="24" dur="500" fill="hold"/>
-                                        <p:tgtEl>
-                                          <p:spTgt spid="3">
-                                            <p:txEl>
-                                              <p:pRg st="6" end="6"/>
-                                            </p:txEl>
-                                          </p:spTgt>
-                                        </p:tgtEl>
-                                        <p:attrNameLst>
-                                          <p:attrName>ppt_y</p:attrName>
-                                        </p:attrNameLst>
-                                      </p:cBhvr>
-                                      <p:tavLst>
-                                        <p:tav tm="0">
-                                          <p:val>
-                                            <p:strVal val="1+#ppt_h/2"/>
-                                          </p:val>
-                                        </p:tav>
-                                        <p:tav tm="100000">
-                                          <p:val>
-                                            <p:strVal val="#ppt_y"/>
-                                          </p:val>
-                                        </p:tav>
-                                      </p:tavLst>
-                                    </p:anim>
-                                  </p:childTnLst>
-                                </p:cTn>
-                              </p:par>
-                              <p:par>
-                                <p:cTn id="25" presetID="2" presetClass="entr" presetSubtype="4" fill="hold" nodeType="withEffect">
-                                  <p:stCondLst>
-                                    <p:cond delay="0"/>
-                                  </p:stCondLst>
-                                  <p:childTnLst>
-                                    <p:set>
-                                      <p:cBhvr>
-                                        <p:cTn id="26" dur="1" fill="hold">
-                                          <p:stCondLst>
-                                            <p:cond delay="0"/>
-                                          </p:stCondLst>
-                                        </p:cTn>
-                                        <p:tgtEl>
-                                          <p:spTgt spid="3">
-                                            <p:txEl>
-                                              <p:pRg st="7" end="7"/>
-                                            </p:txEl>
-                                          </p:spTgt>
-                                        </p:tgtEl>
-                                        <p:attrNameLst>
-                                          <p:attrName>style.visibility</p:attrName>
-                                        </p:attrNameLst>
-                                      </p:cBhvr>
-                                      <p:to>
-                                        <p:strVal val="visible"/>
-                                      </p:to>
-                                    </p:set>
-                                    <p:anim calcmode="lin" valueType="num">
-                                      <p:cBhvr additive="base">
-                                        <p:cTn id="27" dur="500" fill="hold"/>
-                                        <p:tgtEl>
-                                          <p:spTgt spid="3">
-                                            <p:txEl>
-                                              <p:pRg st="7" end="7"/>
-                                            </p:txEl>
-                                          </p:spTgt>
-                                        </p:tgtEl>
-                                        <p:attrNameLst>
-                                          <p:attrName>ppt_x</p:attrName>
-                                        </p:attrNameLst>
-                                      </p:cBhvr>
-                                      <p:tavLst>
-                                        <p:tav tm="0">
-                                          <p:val>
-                                            <p:strVal val="#ppt_x"/>
-                                          </p:val>
-                                        </p:tav>
-                                        <p:tav tm="100000">
-                                          <p:val>
-                                            <p:strVal val="#ppt_x"/>
-                                          </p:val>
-                                        </p:tav>
-                                      </p:tavLst>
-                                    </p:anim>
-                                    <p:anim calcmode="lin" valueType="num">
-                                      <p:cBhvr additive="base">
-                                        <p:cTn id="28" dur="500" fill="hold"/>
-                                        <p:tgtEl>
-                                          <p:spTgt spid="3">
-                                            <p:txEl>
-                                              <p:pRg st="7" end="7"/>
-                                            </p:txEl>
-                                          </p:spTgt>
-                                        </p:tgtEl>
-                                        <p:attrNameLst>
-                                          <p:attrName>ppt_y</p:attrName>
-                                        </p:attrNameLst>
-                                      </p:cBhvr>
-                                      <p:tavLst>
-                                        <p:tav tm="0">
-                                          <p:val>
-                                            <p:strVal val="1+#ppt_h/2"/>
-                                          </p:val>
-                                        </p:tav>
-                                        <p:tav tm="100000">
-                                          <p:val>
-                                            <p:strVal val="#ppt_y"/>
-                                          </p:val>
-                                        </p:tav>
-                                      </p:tavLst>
-                                    </p:anim>
-                                  </p:childTnLst>
-                                </p:cTn>
-                              </p:par>
-                            </p:childTnLst>
-                          </p:cTn>
-                        </p:par>
-                      </p:childTnLst>
-                    </p:cTn>
-                  </p:par>
-                  <p:par>
-                    <p:cTn id="29" fill="hold">
-                      <p:stCondLst>
-                        <p:cond delay="indefinite"/>
-                      </p:stCondLst>
-                      <p:childTnLst>
-                        <p:par>
-                          <p:cTn id="30" fill="hold">
-                            <p:stCondLst>
-                              <p:cond delay="0"/>
-                            </p:stCondLst>
-                            <p:childTnLst>
-                              <p:par>
-                                <p:cTn id="31" presetID="53" presetClass="entr" presetSubtype="16" fill="hold" grpId="0" nodeType="clickEffect">
-                                  <p:stCondLst>
-                                    <p:cond delay="0"/>
-                                  </p:stCondLst>
-                                  <p:childTnLst>
-                                    <p:set>
-                                      <p:cBhvr>
-                                        <p:cTn id="32" dur="1" fill="hold">
-                                          <p:stCondLst>
-                                            <p:cond delay="0"/>
-                                          </p:stCondLst>
-                                        </p:cTn>
-                                        <p:tgtEl>
-                                          <p:spTgt spid="4"/>
-                                        </p:tgtEl>
-                                        <p:attrNameLst>
-                                          <p:attrName>style.visibility</p:attrName>
-                                        </p:attrNameLst>
-                                      </p:cBhvr>
-                                      <p:to>
-                                        <p:strVal val="visible"/>
-                                      </p:to>
-                                    </p:set>
-                                    <p:anim calcmode="lin" valueType="num">
-                                      <p:cBhvr>
-                                        <p:cTn id="33" dur="500" fill="hold"/>
-                                        <p:tgtEl>
-                                          <p:spTgt spid="4"/>
-                                        </p:tgtEl>
-                                        <p:attrNameLst>
-                                          <p:attrName>ppt_w</p:attrName>
-                                        </p:attrNameLst>
-                                      </p:cBhvr>
-                                      <p:tavLst>
-                                        <p:tav tm="0">
-                                          <p:val>
-                                            <p:fltVal val="0"/>
-                                          </p:val>
-                                        </p:tav>
-                                        <p:tav tm="100000">
-                                          <p:val>
-                                            <p:strVal val="#ppt_w"/>
-                                          </p:val>
-                                        </p:tav>
-                                      </p:tavLst>
-                                    </p:anim>
-                                    <p:anim calcmode="lin" valueType="num">
-                                      <p:cBhvr>
-                                        <p:cTn id="34" dur="500" fill="hold"/>
-                                        <p:tgtEl>
-                                          <p:spTgt spid="4"/>
-                                        </p:tgtEl>
-                                        <p:attrNameLst>
-                                          <p:attrName>ppt_h</p:attrName>
-                                        </p:attrNameLst>
-                                      </p:cBhvr>
-                                      <p:tavLst>
-                                        <p:tav tm="0">
-                                          <p:val>
-                                            <p:fltVal val="0"/>
-                                          </p:val>
-                                        </p:tav>
-                                        <p:tav tm="100000">
-                                          <p:val>
-                                            <p:strVal val="#ppt_h"/>
-                                          </p:val>
-                                        </p:tav>
-                                      </p:tavLst>
-                                    </p:anim>
-                                    <p:animEffect transition="in" filter="fade">
-                                      <p:cBhvr>
-                                        <p:cTn id="35" dur="500"/>
-                                        <p:tgtEl>
-                                          <p:spTgt spid="4"/>
-                                        </p:tgtEl>
-                                      </p:cBhvr>
-                                    </p:animEffect>
-                                  </p:childTnLst>
-                                </p:cTn>
-                              </p:par>
-                            </p:childTnLst>
-                          </p:cTn>
-                        </p:par>
-                      </p:childTnLst>
-                    </p:cTn>
-                  </p:par>
-                </p:childTnLst>
-              </p:cTn>
-              <p:prevCondLst>
-                <p:cond evt="onPrev" delay="0">
-                  <p:tgtEl>
-                    <p:sldTgt/>
-                  </p:tgtEl>
-                </p:cond>
-              </p:prevCondLst>
-              <p:nextCondLst>
-                <p:cond evt="onNext" delay="0">
-                  <p:tgtEl>
-                    <p:sldTgt/>
-                  </p:tgtEl>
-                </p:cond>
-              </p:nextCondLst>
-            </p:seq>
-          </p:childTnLst>
-        </p:cTn>
-      </p:par>
-    </p:tnLst>
-    <p:bldLst>
-      <p:bldP spid="4" grpId="0"/>
-    </p:bldLst>
-  </p:timing>
 </p:sld>
 </file>
 
@@ -5035,7 +5540,7 @@
           <a:p>
             <a:r>
               <a:rPr lang="fr-FR" dirty="0"/>
-              <a:t>Item 3</a:t>
+              <a:t>Item 1</a:t>
             </a:r>
           </a:p>
         </p:txBody>
@@ -5065,7 +5570,7 @@
             <a:pPr algn="l"/>
             <a:r>
               <a:rPr lang="en-US" sz="2000" dirty="0"/>
-              <a:t>What is the simpler way to enforce singleton property?</a:t>
+              <a:t>What is the natural way to create an instance of a class?</a:t>
             </a:r>
           </a:p>
           <a:p>
@@ -5077,8 +5582,13 @@
                 </a:solidFill>
                 <a:sym typeface="Wingdings" panose="05000000000000000000" pitchFamily="2" charset="2"/>
               </a:rPr>
-              <a:t>            Private constructor + Public static INSTANCE</a:t>
-            </a:r>
+              <a:t>            Object Constructor</a:t>
+            </a:r>
+            <a:endParaRPr lang="en-US" sz="2000" b="1" dirty="0">
+              <a:solidFill>
+                <a:srgbClr val="0070C0"/>
+              </a:solidFill>
+            </a:endParaRPr>
           </a:p>
           <a:p>
             <a:pPr algn="l"/>
@@ -5098,7 +5608,7 @@
             </a:pPr>
             <a:r>
               <a:rPr lang="en-US" sz="2000" dirty="0"/>
-              <a:t>You need to hide singleton property to API clients?</a:t>
+              <a:t>You need to use a meaningful name for constructors?</a:t>
             </a:r>
           </a:p>
           <a:p>
@@ -5108,7 +5618,7 @@
             </a:pPr>
             <a:r>
               <a:rPr lang="en-US" sz="2000" dirty="0"/>
-              <a:t>To avoid reflection attacks?</a:t>
+              <a:t>You have multiple overloaded constructors and you need to keep readability?</a:t>
             </a:r>
           </a:p>
           <a:p>
@@ -5118,7 +5628,7 @@
             </a:pPr>
             <a:r>
               <a:rPr lang="en-US" sz="2000" dirty="0"/>
-              <a:t>You need to create a generic singleton factory?</a:t>
+              <a:t>You need to control number on instance to be created?</a:t>
             </a:r>
           </a:p>
           <a:p>
@@ -5128,7 +5638,7 @@
             </a:pPr>
             <a:r>
               <a:rPr lang="en-US" sz="2000" dirty="0"/>
-              <a:t>You need to serialize singleton?</a:t>
+              <a:t>You need to hide subtypes, and return only the parent type (reduce conceptual weight OR hide internals that can change cross releases OR Wishful thinking)?</a:t>
             </a:r>
           </a:p>
           <a:p>
@@ -5145,8 +5655,8 @@
         </p:nvSpPr>
         <p:spPr>
           <a:xfrm>
-            <a:off x="594794" y="5591663"/>
-            <a:ext cx="11203580" cy="523220"/>
+            <a:off x="1688770" y="5619095"/>
+            <a:ext cx="8393836" cy="523220"/>
           </a:xfrm>
           <a:prstGeom prst="rect">
             <a:avLst/>
@@ -5161,7 +5671,7 @@
           <a:p>
             <a:pPr algn="ctr"/>
             <a:r>
-              <a:rPr lang="en-US" sz="2800" b="1" dirty="0">
+              <a:rPr lang="en-US" sz="2800" b="1" cap="none" spc="0" dirty="0">
                 <a:ln w="22225">
                   <a:solidFill>
                     <a:schemeClr val="accent2"/>
@@ -5174,42 +5684,9 @@
                     <a:lumOff val="60000"/>
                   </a:schemeClr>
                 </a:solidFill>
+                <a:effectLst/>
               </a:rPr>
-              <a:t>Enforce the singleton property with a private constructor or an </a:t>
-            </a:r>
-            <a:r>
-              <a:rPr lang="en-US" sz="2800" b="1" dirty="0" err="1">
-                <a:ln w="22225">
-                  <a:solidFill>
-                    <a:schemeClr val="accent2"/>
-                  </a:solidFill>
-                  <a:prstDash val="solid"/>
-                </a:ln>
-                <a:solidFill>
-                  <a:schemeClr val="accent2">
-                    <a:lumMod val="40000"/>
-                    <a:lumOff val="60000"/>
-                  </a:schemeClr>
-                </a:solidFill>
-              </a:rPr>
-              <a:t>enum</a:t>
-            </a:r>
-            <a:r>
-              <a:rPr lang="en-US" sz="2800" b="1" dirty="0">
-                <a:ln w="22225">
-                  <a:solidFill>
-                    <a:schemeClr val="accent2"/>
-                  </a:solidFill>
-                  <a:prstDash val="solid"/>
-                </a:ln>
-                <a:solidFill>
-                  <a:schemeClr val="accent2">
-                    <a:lumMod val="40000"/>
-                    <a:lumOff val="60000"/>
-                  </a:schemeClr>
-                </a:solidFill>
-              </a:rPr>
-              <a:t> type</a:t>
+              <a:t>Consider static factory methods instead of constructors</a:t>
             </a:r>
             <a:endParaRPr lang="fr-FR" sz="2800" b="1" cap="none" spc="0" dirty="0">
               <a:ln w="22225">
@@ -5232,7 +5709,7 @@
     </p:spTree>
     <p:extLst>
       <p:ext uri="{BB962C8B-B14F-4D97-AF65-F5344CB8AC3E}">
-        <p14:creationId xmlns:p14="http://schemas.microsoft.com/office/powerpoint/2010/main" val="2838498877"/>
+        <p14:creationId xmlns:p14="http://schemas.microsoft.com/office/powerpoint/2010/main" val="364573181"/>
       </p:ext>
     </p:extLst>
   </p:cSld>
@@ -5905,7 +6382,7 @@
           <a:p>
             <a:r>
               <a:rPr lang="fr-FR" dirty="0"/>
-              <a:t>Item 5</a:t>
+              <a:t>Item 2</a:t>
             </a:r>
           </a:p>
         </p:txBody>
@@ -5935,7 +6412,7 @@
             <a:pPr algn="l"/>
             <a:r>
               <a:rPr lang="en-US" sz="2000" dirty="0"/>
-              <a:t>How to implement a dependency relationship between two Objects?</a:t>
+              <a:t>What is the natural way to create an instance of a class having optional parameters?</a:t>
             </a:r>
           </a:p>
           <a:p>
@@ -5947,7 +6424,19 @@
                 </a:solidFill>
                 <a:sym typeface="Wingdings" panose="05000000000000000000" pitchFamily="2" charset="2"/>
               </a:rPr>
-              <a:t>            One way: Hardwiring resource </a:t>
+              <a:t>            Telescoping Constructors</a:t>
+            </a:r>
+          </a:p>
+          <a:p>
+            <a:pPr algn="l"/>
+            <a:r>
+              <a:rPr lang="en-US" sz="2000" b="1" dirty="0">
+                <a:solidFill>
+                  <a:srgbClr val="0070C0"/>
+                </a:solidFill>
+                <a:sym typeface="Wingdings" panose="05000000000000000000" pitchFamily="2" charset="2"/>
+              </a:rPr>
+              <a:t>            JavaBeans</a:t>
             </a:r>
           </a:p>
           <a:p>
@@ -5968,7 +6457,7 @@
             </a:pPr>
             <a:r>
               <a:rPr lang="en-US" sz="2000" dirty="0"/>
-              <a:t>You need to decouple Objects from each other?</a:t>
+              <a:t>You need to avoid complicated telescoping when many optional parameters (having identical types)?</a:t>
             </a:r>
           </a:p>
           <a:p>
@@ -5978,7 +6467,7 @@
             </a:pPr>
             <a:r>
               <a:rPr lang="en-US" sz="2000" dirty="0"/>
-              <a:t>You deal with arbitrary number of subtypes?</a:t>
+              <a:t>You need to enforce state consistency?</a:t>
             </a:r>
           </a:p>
           <a:p>
@@ -5988,7 +6477,7 @@
             </a:pPr>
             <a:r>
               <a:rPr lang="en-US" sz="2000" dirty="0"/>
-              <a:t>You start to write unit tests?</a:t>
+              <a:t>You need to ensure immutability?</a:t>
             </a:r>
           </a:p>
           <a:p>
@@ -6005,8 +6494,8 @@
         </p:nvSpPr>
         <p:spPr>
           <a:xfrm>
-            <a:off x="2125125" y="5097887"/>
-            <a:ext cx="7996613" cy="523220"/>
+            <a:off x="911666" y="5591663"/>
+            <a:ext cx="9948044" cy="523220"/>
           </a:xfrm>
           <a:prstGeom prst="rect">
             <a:avLst/>
@@ -6035,7 +6524,7 @@
                   </a:schemeClr>
                 </a:solidFill>
               </a:rPr>
-              <a:t>Prefer dependency injection to hardwiring resources</a:t>
+              <a:t>Consider a builder when faced with many constructor parameters</a:t>
             </a:r>
             <a:endParaRPr lang="fr-FR" sz="2800" b="1" cap="none" spc="0" dirty="0">
               <a:ln w="22225">
@@ -6058,7 +6547,7 @@
     </p:spTree>
     <p:extLst>
       <p:ext uri="{BB962C8B-B14F-4D97-AF65-F5344CB8AC3E}">
-        <p14:creationId xmlns:p14="http://schemas.microsoft.com/office/powerpoint/2010/main" val="1474878711"/>
+        <p14:creationId xmlns:p14="http://schemas.microsoft.com/office/powerpoint/2010/main" val="124761964"/>
       </p:ext>
     </p:extLst>
   </p:cSld>
@@ -6135,7 +6624,7 @@
                             </p:stCondLst>
                             <p:childTnLst>
                               <p:par>
-                                <p:cTn id="9" presetID="2" presetClass="entr" presetSubtype="4" fill="hold" nodeType="clickEffect">
+                                <p:cTn id="9" presetID="1" presetClass="entr" presetSubtype="0" fill="hold" nodeType="clickEffect">
                                   <p:stCondLst>
                                     <p:cond delay="0"/>
                                   </p:stCondLst>
@@ -6150,7 +6639,7 @@
                                         <p:tgtEl>
                                           <p:spTgt spid="3">
                                             <p:txEl>
-                                              <p:pRg st="3" end="3"/>
+                                              <p:pRg st="2" end="2"/>
                                             </p:txEl>
                                           </p:spTgt>
                                         </p:tgtEl>
@@ -6162,65 +6651,29 @@
                                         <p:strVal val="visible"/>
                                       </p:to>
                                     </p:set>
-                                    <p:anim calcmode="lin" valueType="num">
-                                      <p:cBhvr additive="base">
-                                        <p:cTn id="11" dur="500" fill="hold"/>
-                                        <p:tgtEl>
-                                          <p:spTgt spid="3">
-                                            <p:txEl>
-                                              <p:pRg st="3" end="3"/>
-                                            </p:txEl>
-                                          </p:spTgt>
-                                        </p:tgtEl>
-                                        <p:attrNameLst>
-                                          <p:attrName>ppt_x</p:attrName>
-                                        </p:attrNameLst>
-                                      </p:cBhvr>
-                                      <p:tavLst>
-                                        <p:tav tm="0">
-                                          <p:val>
-                                            <p:strVal val="#ppt_x"/>
-                                          </p:val>
-                                        </p:tav>
-                                        <p:tav tm="100000">
-                                          <p:val>
-                                            <p:strVal val="#ppt_x"/>
-                                          </p:val>
-                                        </p:tav>
-                                      </p:tavLst>
-                                    </p:anim>
-                                    <p:anim calcmode="lin" valueType="num">
-                                      <p:cBhvr additive="base">
-                                        <p:cTn id="12" dur="500" fill="hold"/>
-                                        <p:tgtEl>
-                                          <p:spTgt spid="3">
-                                            <p:txEl>
-                                              <p:pRg st="3" end="3"/>
-                                            </p:txEl>
-                                          </p:spTgt>
-                                        </p:tgtEl>
-                                        <p:attrNameLst>
-                                          <p:attrName>ppt_y</p:attrName>
-                                        </p:attrNameLst>
-                                      </p:cBhvr>
-                                      <p:tavLst>
-                                        <p:tav tm="0">
-                                          <p:val>
-                                            <p:strVal val="1+#ppt_h/2"/>
-                                          </p:val>
-                                        </p:tav>
-                                        <p:tav tm="100000">
-                                          <p:val>
-                                            <p:strVal val="#ppt_y"/>
-                                          </p:val>
-                                        </p:tav>
-                                      </p:tavLst>
-                                    </p:anim>
                                   </p:childTnLst>
                                 </p:cTn>
                               </p:par>
+                            </p:childTnLst>
+                          </p:cTn>
+                        </p:par>
+                      </p:childTnLst>
+                    </p:cTn>
+                  </p:par>
+                  <p:par>
+                    <p:cTn id="11" fill="hold">
+                      <p:stCondLst>
+                        <p:cond delay="indefinite"/>
+                      </p:stCondLst>
+                      <p:childTnLst>
+                        <p:par>
+                          <p:cTn id="12" fill="hold">
+                            <p:stCondLst>
+                              <p:cond delay="0"/>
+                            </p:stCondLst>
+                            <p:childTnLst>
                               <p:par>
-                                <p:cTn id="13" presetID="2" presetClass="entr" presetSubtype="4" fill="hold" nodeType="withEffect">
+                                <p:cTn id="13" presetID="2" presetClass="entr" presetSubtype="4" fill="hold" nodeType="clickEffect">
                                   <p:stCondLst>
                                     <p:cond delay="0"/>
                                   </p:stCondLst>
@@ -6474,6 +6927,91 @@
                                   </p:childTnLst>
                                 </p:cTn>
                               </p:par>
+                              <p:par>
+                                <p:cTn id="25" presetID="2" presetClass="entr" presetSubtype="4" fill="hold" nodeType="withEffect">
+                                  <p:stCondLst>
+                                    <p:cond delay="0"/>
+                                  </p:stCondLst>
+                                  <p:childTnLst>
+                                    <p:set>
+                                      <p:cBhvr>
+                                        <p:cTn id="26" dur="1" fill="hold">
+                                          <p:stCondLst>
+                                            <p:cond delay="0"/>
+                                          </p:stCondLst>
+                                        </p:cTn>
+                                        <p:tgtEl>
+                                          <p:spTgt spid="3">
+                                            <p:txEl>
+                                              <p:pRg st="7" end="7"/>
+                                            </p:txEl>
+                                          </p:spTgt>
+                                        </p:tgtEl>
+                                        <p:attrNameLst>
+                                          <p:attrName>style.visibility</p:attrName>
+                                        </p:attrNameLst>
+                                      </p:cBhvr>
+                                      <p:to>
+                                        <p:strVal val="visible"/>
+                                      </p:to>
+                                    </p:set>
+                                    <p:anim calcmode="lin" valueType="num">
+                                      <p:cBhvr additive="base">
+                                        <p:cTn id="27" dur="500" fill="hold"/>
+                                        <p:tgtEl>
+                                          <p:spTgt spid="3">
+                                            <p:txEl>
+                                              <p:pRg st="7" end="7"/>
+                                            </p:txEl>
+                                          </p:spTgt>
+                                        </p:tgtEl>
+                                        <p:attrNameLst>
+                                          <p:attrName>ppt_x</p:attrName>
+                                        </p:attrNameLst>
+                                      </p:cBhvr>
+                                      <p:tavLst>
+                                        <p:tav tm="0">
+                                          <p:val>
+                                            <p:strVal val="#ppt_x"/>
+                                          </p:val>
+                                        </p:tav>
+                                        <p:tav tm="100000">
+                                          <p:val>
+                                            <p:strVal val="#ppt_x"/>
+                                          </p:val>
+                                        </p:tav>
+                                      </p:tavLst>
+                                    </p:anim>
+                                    <p:anim calcmode="lin" valueType="num">
+                                      <p:cBhvr additive="base">
+                                        <p:cTn id="28" dur="500" fill="hold"/>
+                                        <p:tgtEl>
+                                          <p:spTgt spid="3">
+                                            <p:txEl>
+                                              <p:pRg st="7" end="7"/>
+                                            </p:txEl>
+                                          </p:spTgt>
+                                        </p:tgtEl>
+                                        <p:attrNameLst>
+                                          <p:attrName>ppt_y</p:attrName>
+                                        </p:attrNameLst>
+                                      </p:cBhvr>
+                                      <p:tavLst>
+                                        <p:tav tm="0">
+                                          <p:val>
+                                            <p:strVal val="1+#ppt_h/2"/>
+                                          </p:val>
+                                        </p:tav>
+                                        <p:tav tm="100000">
+                                          <p:val>
+                                            <p:strVal val="#ppt_y"/>
+                                          </p:val>
+                                        </p:tav>
+                                      </p:tavLst>
+                                    </p:anim>
+                                  </p:childTnLst>
+                                </p:cTn>
+                              </p:par>
                             </p:childTnLst>
                           </p:cTn>
                         </p:par>
@@ -6481,26 +7019,26 @@
                     </p:cTn>
                   </p:par>
                   <p:par>
-                    <p:cTn id="25" fill="hold">
+                    <p:cTn id="29" fill="hold">
                       <p:stCondLst>
                         <p:cond delay="indefinite"/>
                       </p:stCondLst>
                       <p:childTnLst>
                         <p:par>
-                          <p:cTn id="26" fill="hold">
+                          <p:cTn id="30" fill="hold">
                             <p:stCondLst>
                               <p:cond delay="0"/>
                             </p:stCondLst>
                             <p:childTnLst>
                               <p:par>
-                                <p:cTn id="27" presetID="53" presetClass="entr" presetSubtype="16" fill="hold" grpId="0" nodeType="clickEffect">
+                                <p:cTn id="31" presetID="53" presetClass="entr" presetSubtype="16" fill="hold" grpId="0" nodeType="clickEffect">
                                   <p:stCondLst>
                                     <p:cond delay="0"/>
                                   </p:stCondLst>
                                   <p:childTnLst>
                                     <p:set>
                                       <p:cBhvr>
-                                        <p:cTn id="28" dur="1" fill="hold">
+                                        <p:cTn id="32" dur="1" fill="hold">
                                           <p:stCondLst>
                                             <p:cond delay="0"/>
                                           </p:stCondLst>
@@ -6518,7 +7056,7 @@
                                     </p:set>
                                     <p:anim calcmode="lin" valueType="num">
                                       <p:cBhvr>
-                                        <p:cTn id="29" dur="500" fill="hold"/>
+                                        <p:cTn id="33" dur="500" fill="hold"/>
                                         <p:tgtEl>
                                           <p:spTgt spid="4"/>
                                         </p:tgtEl>
@@ -6541,7 +7079,7 @@
                                     </p:anim>
                                     <p:anim calcmode="lin" valueType="num">
                                       <p:cBhvr>
-                                        <p:cTn id="30" dur="500" fill="hold"/>
+                                        <p:cTn id="34" dur="500" fill="hold"/>
                                         <p:tgtEl>
                                           <p:spTgt spid="4"/>
                                         </p:tgtEl>
@@ -6564,7 +7102,7 @@
                                     </p:anim>
                                     <p:animEffect transition="in" filter="fade">
                                       <p:cBhvr>
-                                        <p:cTn id="31" dur="500"/>
+                                        <p:cTn id="35" dur="500"/>
                                         <p:tgtEl>
                                           <p:spTgt spid="4"/>
                                         </p:tgtEl>
@@ -6646,7 +7184,7 @@
           <a:p>
             <a:r>
               <a:rPr lang="fr-FR" dirty="0"/>
-              <a:t>Item 6</a:t>
+              <a:t>Item 3</a:t>
             </a:r>
           </a:p>
         </p:txBody>
@@ -6676,7 +7214,7 @@
             <a:pPr algn="l"/>
             <a:r>
               <a:rPr lang="en-US" sz="2000" dirty="0"/>
-              <a:t>How to avoid unnecessary object instantiations?</a:t>
+              <a:t>What is the simpler way to enforce singleton property?</a:t>
             </a:r>
           </a:p>
           <a:p>
@@ -6688,19 +7226,7 @@
                 </a:solidFill>
                 <a:sym typeface="Wingdings" panose="05000000000000000000" pitchFamily="2" charset="2"/>
               </a:rPr>
-              <a:t>            Factory methods</a:t>
-            </a:r>
-          </a:p>
-          <a:p>
-            <a:pPr algn="l"/>
-            <a:r>
-              <a:rPr lang="en-US" sz="2000" b="1" dirty="0">
-                <a:solidFill>
-                  <a:srgbClr val="0070C0"/>
-                </a:solidFill>
-                <a:sym typeface="Wingdings" panose="05000000000000000000" pitchFamily="2" charset="2"/>
-              </a:rPr>
-              <a:t>            Singleton</a:t>
+              <a:t>            Private constructor + Public static INSTANCE</a:t>
             </a:r>
           </a:p>
           <a:p>
@@ -6721,7 +7247,7 @@
             </a:pPr>
             <a:r>
               <a:rPr lang="en-US" sz="2000" dirty="0"/>
-              <a:t>You need to reuse functionally equivalent objects ?</a:t>
+              <a:t>You need to hide singleton property to API clients?</a:t>
             </a:r>
           </a:p>
           <a:p>
@@ -6731,7 +7257,17 @@
             </a:pPr>
             <a:r>
               <a:rPr lang="en-US" sz="2000" dirty="0"/>
-              <a:t>You need to avoid recreation  of expensive objects &amp; cache them?</a:t>
+              <a:t>To avoid reflection attacks?</a:t>
+            </a:r>
+          </a:p>
+          <a:p>
+            <a:pPr marL="342900" indent="-342900" algn="l">
+              <a:buFont typeface="Wingdings" panose="05000000000000000000" pitchFamily="2" charset="2"/>
+              <a:buChar char="q"/>
+            </a:pPr>
+            <a:r>
+              <a:rPr lang="en-US" sz="2000" dirty="0"/>
+              <a:t>You need to serialize singleton?</a:t>
             </a:r>
           </a:p>
           <a:p>
@@ -6748,8 +7284,8 @@
         </p:nvSpPr>
         <p:spPr>
           <a:xfrm>
-            <a:off x="3416729" y="5097887"/>
-            <a:ext cx="5413405" cy="523220"/>
+            <a:off x="594794" y="5591663"/>
+            <a:ext cx="11203580" cy="523220"/>
           </a:xfrm>
           <a:prstGeom prst="rect">
             <a:avLst/>
@@ -6778,7 +7314,41 @@
                   </a:schemeClr>
                 </a:solidFill>
               </a:rPr>
-              <a:t>Avoid creating unnecessary objects</a:t>
+              <a:t>Enforce the singleton property with a private constructor or an </a:t>
+            </a:r>
+            <a:r>
+              <a:rPr lang="en-US" sz="2800" b="1" dirty="0" err="1">
+                <a:ln w="22225">
+                  <a:solidFill>
+                    <a:schemeClr val="accent2"/>
+                  </a:solidFill>
+                  <a:prstDash val="solid"/>
+                </a:ln>
+                <a:solidFill>
+                  <a:schemeClr val="accent2">
+                    <a:lumMod val="40000"/>
+                    <a:lumOff val="60000"/>
+                  </a:schemeClr>
+                </a:solidFill>
+              </a:rPr>
+              <a:t>enum</a:t>
+            </a:r>
+            <a:r>
+              <a:rPr lang="en-US" sz="2800" b="1" dirty="0">
+                <a:ln w="22225">
+                  <a:solidFill>
+                    <a:schemeClr val="accent2"/>
+                  </a:solidFill>
+                  <a:prstDash val="solid"/>
+                </a:ln>
+                <a:solidFill>
+                  <a:schemeClr val="accent2">
+                    <a:lumMod val="40000"/>
+                    <a:lumOff val="60000"/>
+                  </a:schemeClr>
+                </a:solidFill>
+              </a:rPr>
+              <a:t> type</a:t>
             </a:r>
             <a:endParaRPr lang="fr-FR" sz="2800" b="1" cap="none" spc="0" dirty="0">
               <a:ln w="22225">
@@ -6801,7 +7371,7 @@
     </p:spTree>
     <p:extLst>
       <p:ext uri="{BB962C8B-B14F-4D97-AF65-F5344CB8AC3E}">
-        <p14:creationId xmlns:p14="http://schemas.microsoft.com/office/powerpoint/2010/main" val="2890998159"/>
+        <p14:creationId xmlns:p14="http://schemas.microsoft.com/office/powerpoint/2010/main" val="2838498877"/>
       </p:ext>
     </p:extLst>
   </p:cSld>
@@ -6878,7 +7448,7 @@
                             </p:stCondLst>
                             <p:childTnLst>
                               <p:par>
-                                <p:cTn id="9" presetID="1" presetClass="entr" presetSubtype="0" fill="hold" nodeType="clickEffect">
+                                <p:cTn id="9" presetID="2" presetClass="entr" presetSubtype="4" fill="hold" nodeType="clickEffect">
                                   <p:stCondLst>
                                     <p:cond delay="0"/>
                                   </p:stCondLst>
@@ -6893,7 +7463,7 @@
                                         <p:tgtEl>
                                           <p:spTgt spid="3">
                                             <p:txEl>
-                                              <p:pRg st="2" end="2"/>
+                                              <p:pRg st="3" end="3"/>
                                             </p:txEl>
                                           </p:spTgt>
                                         </p:tgtEl>
@@ -6905,29 +7475,65 @@
                                         <p:strVal val="visible"/>
                                       </p:to>
                                     </p:set>
+                                    <p:anim calcmode="lin" valueType="num">
+                                      <p:cBhvr additive="base">
+                                        <p:cTn id="11" dur="500" fill="hold"/>
+                                        <p:tgtEl>
+                                          <p:spTgt spid="3">
+                                            <p:txEl>
+                                              <p:pRg st="3" end="3"/>
+                                            </p:txEl>
+                                          </p:spTgt>
+                                        </p:tgtEl>
+                                        <p:attrNameLst>
+                                          <p:attrName>ppt_x</p:attrName>
+                                        </p:attrNameLst>
+                                      </p:cBhvr>
+                                      <p:tavLst>
+                                        <p:tav tm="0">
+                                          <p:val>
+                                            <p:strVal val="#ppt_x"/>
+                                          </p:val>
+                                        </p:tav>
+                                        <p:tav tm="100000">
+                                          <p:val>
+                                            <p:strVal val="#ppt_x"/>
+                                          </p:val>
+                                        </p:tav>
+                                      </p:tavLst>
+                                    </p:anim>
+                                    <p:anim calcmode="lin" valueType="num">
+                                      <p:cBhvr additive="base">
+                                        <p:cTn id="12" dur="500" fill="hold"/>
+                                        <p:tgtEl>
+                                          <p:spTgt spid="3">
+                                            <p:txEl>
+                                              <p:pRg st="3" end="3"/>
+                                            </p:txEl>
+                                          </p:spTgt>
+                                        </p:tgtEl>
+                                        <p:attrNameLst>
+                                          <p:attrName>ppt_y</p:attrName>
+                                        </p:attrNameLst>
+                                      </p:cBhvr>
+                                      <p:tavLst>
+                                        <p:tav tm="0">
+                                          <p:val>
+                                            <p:strVal val="1+#ppt_h/2"/>
+                                          </p:val>
+                                        </p:tav>
+                                        <p:tav tm="100000">
+                                          <p:val>
+                                            <p:strVal val="#ppt_y"/>
+                                          </p:val>
+                                        </p:tav>
+                                      </p:tavLst>
+                                    </p:anim>
                                   </p:childTnLst>
                                 </p:cTn>
                               </p:par>
-                            </p:childTnLst>
-                          </p:cTn>
-                        </p:par>
-                      </p:childTnLst>
-                    </p:cTn>
-                  </p:par>
-                  <p:par>
-                    <p:cTn id="11" fill="hold">
-                      <p:stCondLst>
-                        <p:cond delay="indefinite"/>
-                      </p:stCondLst>
-                      <p:childTnLst>
-                        <p:par>
-                          <p:cTn id="12" fill="hold">
-                            <p:stCondLst>
-                              <p:cond delay="0"/>
-                            </p:stCondLst>
-                            <p:childTnLst>
                               <p:par>
-                                <p:cTn id="13" presetID="2" presetClass="entr" presetSubtype="4" fill="hold" nodeType="clickEffect">
+                                <p:cTn id="13" presetID="2" presetClass="entr" presetSubtype="4" fill="hold" nodeType="withEffect">
                                   <p:stCondLst>
                                     <p:cond delay="0"/>
                                   </p:stCondLst>
@@ -7353,7 +7959,7 @@
           <a:p>
             <a:r>
               <a:rPr lang="fr-FR" dirty="0"/>
-              <a:t>Item 9</a:t>
+              <a:t>Item 5</a:t>
             </a:r>
           </a:p>
         </p:txBody>
@@ -7383,7 +7989,7 @@
             <a:pPr algn="l"/>
             <a:r>
               <a:rPr lang="en-US" sz="2000" dirty="0"/>
-              <a:t>How to guarantee that a resource would be closed once the program is terminated?</a:t>
+              <a:t>How to implement a dependency relationship between two Objects?</a:t>
             </a:r>
           </a:p>
           <a:p>
@@ -7395,7 +8001,7 @@
                 </a:solidFill>
                 <a:sym typeface="Wingdings" panose="05000000000000000000" pitchFamily="2" charset="2"/>
               </a:rPr>
-              <a:t>            try - finally</a:t>
+              <a:t>            One way: Hardwiring resource </a:t>
             </a:r>
           </a:p>
           <a:p>
@@ -7416,7 +8022,7 @@
             </a:pPr>
             <a:r>
               <a:rPr lang="en-US" sz="2000" dirty="0"/>
-              <a:t>Many resources are involved on the same computation (readability)?</a:t>
+              <a:t>You need to decouple Objects from each other?</a:t>
             </a:r>
           </a:p>
           <a:p>
@@ -7426,7 +8032,17 @@
             </a:pPr>
             <a:r>
               <a:rPr lang="en-US" sz="2000" dirty="0"/>
-              <a:t>An exception occurs on the finally bloc itself?</a:t>
+              <a:t>You deal with arbitrary number of subtypes?</a:t>
+            </a:r>
+          </a:p>
+          <a:p>
+            <a:pPr marL="342900" indent="-342900" algn="l">
+              <a:buFont typeface="Wingdings" panose="05000000000000000000" pitchFamily="2" charset="2"/>
+              <a:buChar char="q"/>
+            </a:pPr>
+            <a:r>
+              <a:rPr lang="en-US" sz="2000" dirty="0"/>
+              <a:t>You start to write unit tests?</a:t>
             </a:r>
           </a:p>
           <a:p>
@@ -7443,8 +8059,8 @@
         </p:nvSpPr>
         <p:spPr>
           <a:xfrm>
-            <a:off x="3194553" y="5097887"/>
-            <a:ext cx="5857758" cy="523220"/>
+            <a:off x="1948411" y="5097887"/>
+            <a:ext cx="8350043" cy="523220"/>
           </a:xfrm>
           <a:prstGeom prst="rect">
             <a:avLst/>
@@ -7473,7 +8089,7 @@
                   </a:schemeClr>
                 </a:solidFill>
               </a:rPr>
-              <a:t>Prefer try-with-resources to try-finally</a:t>
+              <a:t>Prefer dependency injection over hardwiring resources</a:t>
             </a:r>
             <a:endParaRPr lang="fr-FR" sz="2800" b="1" cap="none" spc="0" dirty="0">
               <a:ln w="22225">
@@ -7496,7 +8112,7 @@
     </p:spTree>
     <p:extLst>
       <p:ext uri="{BB962C8B-B14F-4D97-AF65-F5344CB8AC3E}">
-        <p14:creationId xmlns:p14="http://schemas.microsoft.com/office/powerpoint/2010/main" val="767920250"/>
+        <p14:creationId xmlns:p14="http://schemas.microsoft.com/office/powerpoint/2010/main" val="1474878711"/>
       </p:ext>
     </p:extLst>
   </p:cSld>
@@ -7827,6 +8443,91 @@
                                   </p:childTnLst>
                                 </p:cTn>
                               </p:par>
+                              <p:par>
+                                <p:cTn id="21" presetID="2" presetClass="entr" presetSubtype="4" fill="hold" nodeType="withEffect">
+                                  <p:stCondLst>
+                                    <p:cond delay="0"/>
+                                  </p:stCondLst>
+                                  <p:childTnLst>
+                                    <p:set>
+                                      <p:cBhvr>
+                                        <p:cTn id="22" dur="1" fill="hold">
+                                          <p:stCondLst>
+                                            <p:cond delay="0"/>
+                                          </p:stCondLst>
+                                        </p:cTn>
+                                        <p:tgtEl>
+                                          <p:spTgt spid="3">
+                                            <p:txEl>
+                                              <p:pRg st="6" end="6"/>
+                                            </p:txEl>
+                                          </p:spTgt>
+                                        </p:tgtEl>
+                                        <p:attrNameLst>
+                                          <p:attrName>style.visibility</p:attrName>
+                                        </p:attrNameLst>
+                                      </p:cBhvr>
+                                      <p:to>
+                                        <p:strVal val="visible"/>
+                                      </p:to>
+                                    </p:set>
+                                    <p:anim calcmode="lin" valueType="num">
+                                      <p:cBhvr additive="base">
+                                        <p:cTn id="23" dur="500" fill="hold"/>
+                                        <p:tgtEl>
+                                          <p:spTgt spid="3">
+                                            <p:txEl>
+                                              <p:pRg st="6" end="6"/>
+                                            </p:txEl>
+                                          </p:spTgt>
+                                        </p:tgtEl>
+                                        <p:attrNameLst>
+                                          <p:attrName>ppt_x</p:attrName>
+                                        </p:attrNameLst>
+                                      </p:cBhvr>
+                                      <p:tavLst>
+                                        <p:tav tm="0">
+                                          <p:val>
+                                            <p:strVal val="#ppt_x"/>
+                                          </p:val>
+                                        </p:tav>
+                                        <p:tav tm="100000">
+                                          <p:val>
+                                            <p:strVal val="#ppt_x"/>
+                                          </p:val>
+                                        </p:tav>
+                                      </p:tavLst>
+                                    </p:anim>
+                                    <p:anim calcmode="lin" valueType="num">
+                                      <p:cBhvr additive="base">
+                                        <p:cTn id="24" dur="500" fill="hold"/>
+                                        <p:tgtEl>
+                                          <p:spTgt spid="3">
+                                            <p:txEl>
+                                              <p:pRg st="6" end="6"/>
+                                            </p:txEl>
+                                          </p:spTgt>
+                                        </p:tgtEl>
+                                        <p:attrNameLst>
+                                          <p:attrName>ppt_y</p:attrName>
+                                        </p:attrNameLst>
+                                      </p:cBhvr>
+                                      <p:tavLst>
+                                        <p:tav tm="0">
+                                          <p:val>
+                                            <p:strVal val="1+#ppt_h/2"/>
+                                          </p:val>
+                                        </p:tav>
+                                        <p:tav tm="100000">
+                                          <p:val>
+                                            <p:strVal val="#ppt_y"/>
+                                          </p:val>
+                                        </p:tav>
+                                      </p:tavLst>
+                                    </p:anim>
+                                  </p:childTnLst>
+                                </p:cTn>
+                              </p:par>
                             </p:childTnLst>
                           </p:cTn>
                         </p:par>
@@ -7834,26 +8535,26 @@
                     </p:cTn>
                   </p:par>
                   <p:par>
-                    <p:cTn id="21" fill="hold">
+                    <p:cTn id="25" fill="hold">
                       <p:stCondLst>
                         <p:cond delay="indefinite"/>
                       </p:stCondLst>
                       <p:childTnLst>
                         <p:par>
-                          <p:cTn id="22" fill="hold">
+                          <p:cTn id="26" fill="hold">
                             <p:stCondLst>
                               <p:cond delay="0"/>
                             </p:stCondLst>
                             <p:childTnLst>
                               <p:par>
-                                <p:cTn id="23" presetID="53" presetClass="entr" presetSubtype="16" fill="hold" grpId="0" nodeType="clickEffect">
+                                <p:cTn id="27" presetID="53" presetClass="entr" presetSubtype="16" fill="hold" grpId="0" nodeType="clickEffect">
                                   <p:stCondLst>
                                     <p:cond delay="0"/>
                                   </p:stCondLst>
                                   <p:childTnLst>
                                     <p:set>
                                       <p:cBhvr>
-                                        <p:cTn id="24" dur="1" fill="hold">
+                                        <p:cTn id="28" dur="1" fill="hold">
                                           <p:stCondLst>
                                             <p:cond delay="0"/>
                                           </p:stCondLst>
@@ -7871,7 +8572,7 @@
                                     </p:set>
                                     <p:anim calcmode="lin" valueType="num">
                                       <p:cBhvr>
-                                        <p:cTn id="25" dur="500" fill="hold"/>
+                                        <p:cTn id="29" dur="500" fill="hold"/>
                                         <p:tgtEl>
                                           <p:spTgt spid="4"/>
                                         </p:tgtEl>
@@ -7894,7 +8595,7 @@
                                     </p:anim>
                                     <p:anim calcmode="lin" valueType="num">
                                       <p:cBhvr>
-                                        <p:cTn id="26" dur="500" fill="hold"/>
+                                        <p:cTn id="30" dur="500" fill="hold"/>
                                         <p:tgtEl>
                                           <p:spTgt spid="4"/>
                                         </p:tgtEl>
@@ -7917,7 +8618,7 @@
                                     </p:anim>
                                     <p:animEffect transition="in" filter="fade">
                                       <p:cBhvr>
-                                        <p:cTn id="27" dur="500"/>
+                                        <p:cTn id="31" dur="500"/>
                                         <p:tgtEl>
                                           <p:spTgt spid="4"/>
                                         </p:tgtEl>
@@ -7999,7 +8700,7 @@
           <a:p>
             <a:r>
               <a:rPr lang="fr-FR" dirty="0"/>
-              <a:t>Item 10</a:t>
+              <a:t>Item 6</a:t>
             </a:r>
           </a:p>
         </p:txBody>
@@ -8029,7 +8730,7 @@
             <a:pPr algn="l"/>
             <a:r>
               <a:rPr lang="en-US" sz="2000" dirty="0"/>
-              <a:t>How to check that two objects are “the same”?</a:t>
+              <a:t>How to avoid unnecessary object instantiations?</a:t>
             </a:r>
           </a:p>
           <a:p>
@@ -8041,17 +8742,11 @@
                 </a:solidFill>
                 <a:sym typeface="Wingdings" panose="05000000000000000000" pitchFamily="2" charset="2"/>
               </a:rPr>
-              <a:t>            </a:t>
-            </a:r>
-            <a:r>
-              <a:rPr lang="en-US" sz="2000" b="1" dirty="0" err="1">
-                <a:solidFill>
-                  <a:srgbClr val="0070C0"/>
-                </a:solidFill>
-                <a:sym typeface="Wingdings" panose="05000000000000000000" pitchFamily="2" charset="2"/>
-              </a:rPr>
-              <a:t>Object.equals</a:t>
-            </a:r>
+              <a:t>            Factory methods</a:t>
+            </a:r>
+          </a:p>
+          <a:p>
+            <a:pPr algn="l"/>
             <a:r>
               <a:rPr lang="en-US" sz="2000" b="1" dirty="0">
                 <a:solidFill>
@@ -8059,7 +8754,7 @@
                 </a:solidFill>
                 <a:sym typeface="Wingdings" panose="05000000000000000000" pitchFamily="2" charset="2"/>
               </a:rPr>
-              <a:t> (==)</a:t>
+              <a:t>            Singleton</a:t>
             </a:r>
           </a:p>
           <a:p>
@@ -8080,7 +8775,7 @@
             </a:pPr>
             <a:r>
               <a:rPr lang="en-US" sz="2000" dirty="0"/>
-              <a:t>You have a notion of logical equality that differs from object identity ?</a:t>
+              <a:t>You need to reuse functionally equivalent objects ?</a:t>
             </a:r>
           </a:p>
           <a:p>
@@ -8090,7 +8785,7 @@
             </a:pPr>
             <a:r>
               <a:rPr lang="en-US" sz="2000" dirty="0"/>
-              <a:t>How to know if overridden equals adhere to its general contract?</a:t>
+              <a:t>You need to avoid recreation  of expensive objects &amp; cache them?</a:t>
             </a:r>
           </a:p>
           <a:p>
@@ -8107,8 +8802,8 @@
         </p:nvSpPr>
         <p:spPr>
           <a:xfrm>
-            <a:off x="4826799" y="5097887"/>
-            <a:ext cx="2593274" cy="523220"/>
+            <a:off x="3416729" y="5097887"/>
+            <a:ext cx="5413405" cy="523220"/>
           </a:xfrm>
           <a:prstGeom prst="rect">
             <a:avLst/>
@@ -8137,7 +8832,7 @@
                   </a:schemeClr>
                 </a:solidFill>
               </a:rPr>
-              <a:t>Override equals</a:t>
+              <a:t>Avoid creating unnecessary objects</a:t>
             </a:r>
             <a:endParaRPr lang="fr-FR" sz="2800" b="1" cap="none" spc="0" dirty="0">
               <a:ln w="22225">
@@ -8160,7 +8855,7 @@
     </p:spTree>
     <p:extLst>
       <p:ext uri="{BB962C8B-B14F-4D97-AF65-F5344CB8AC3E}">
-        <p14:creationId xmlns:p14="http://schemas.microsoft.com/office/powerpoint/2010/main" val="3258830534"/>
+        <p14:creationId xmlns:p14="http://schemas.microsoft.com/office/powerpoint/2010/main" val="2890998159"/>
       </p:ext>
     </p:extLst>
   </p:cSld>
@@ -8237,7 +8932,7 @@
                             </p:stCondLst>
                             <p:childTnLst>
                               <p:par>
-                                <p:cTn id="9" presetID="2" presetClass="entr" presetSubtype="4" fill="hold" nodeType="clickEffect">
+                                <p:cTn id="9" presetID="1" presetClass="entr" presetSubtype="0" fill="hold" nodeType="clickEffect">
                                   <p:stCondLst>
                                     <p:cond delay="0"/>
                                   </p:stCondLst>
@@ -8252,7 +8947,7 @@
                                         <p:tgtEl>
                                           <p:spTgt spid="3">
                                             <p:txEl>
-                                              <p:pRg st="3" end="3"/>
+                                              <p:pRg st="2" end="2"/>
                                             </p:txEl>
                                           </p:spTgt>
                                         </p:tgtEl>
@@ -8264,65 +8959,29 @@
                                         <p:strVal val="visible"/>
                                       </p:to>
                                     </p:set>
-                                    <p:anim calcmode="lin" valueType="num">
-                                      <p:cBhvr additive="base">
-                                        <p:cTn id="11" dur="500" fill="hold"/>
-                                        <p:tgtEl>
-                                          <p:spTgt spid="3">
-                                            <p:txEl>
-                                              <p:pRg st="3" end="3"/>
-                                            </p:txEl>
-                                          </p:spTgt>
-                                        </p:tgtEl>
-                                        <p:attrNameLst>
-                                          <p:attrName>ppt_x</p:attrName>
-                                        </p:attrNameLst>
-                                      </p:cBhvr>
-                                      <p:tavLst>
-                                        <p:tav tm="0">
-                                          <p:val>
-                                            <p:strVal val="#ppt_x"/>
-                                          </p:val>
-                                        </p:tav>
-                                        <p:tav tm="100000">
-                                          <p:val>
-                                            <p:strVal val="#ppt_x"/>
-                                          </p:val>
-                                        </p:tav>
-                                      </p:tavLst>
-                                    </p:anim>
-                                    <p:anim calcmode="lin" valueType="num">
-                                      <p:cBhvr additive="base">
-                                        <p:cTn id="12" dur="500" fill="hold"/>
-                                        <p:tgtEl>
-                                          <p:spTgt spid="3">
-                                            <p:txEl>
-                                              <p:pRg st="3" end="3"/>
-                                            </p:txEl>
-                                          </p:spTgt>
-                                        </p:tgtEl>
-                                        <p:attrNameLst>
-                                          <p:attrName>ppt_y</p:attrName>
-                                        </p:attrNameLst>
-                                      </p:cBhvr>
-                                      <p:tavLst>
-                                        <p:tav tm="0">
-                                          <p:val>
-                                            <p:strVal val="1+#ppt_h/2"/>
-                                          </p:val>
-                                        </p:tav>
-                                        <p:tav tm="100000">
-                                          <p:val>
-                                            <p:strVal val="#ppt_y"/>
-                                          </p:val>
-                                        </p:tav>
-                                      </p:tavLst>
-                                    </p:anim>
                                   </p:childTnLst>
                                 </p:cTn>
                               </p:par>
+                            </p:childTnLst>
+                          </p:cTn>
+                        </p:par>
+                      </p:childTnLst>
+                    </p:cTn>
+                  </p:par>
+                  <p:par>
+                    <p:cTn id="11" fill="hold">
+                      <p:stCondLst>
+                        <p:cond delay="indefinite"/>
+                      </p:stCondLst>
+                      <p:childTnLst>
+                        <p:par>
+                          <p:cTn id="12" fill="hold">
+                            <p:stCondLst>
+                              <p:cond delay="0"/>
+                            </p:stCondLst>
+                            <p:childTnLst>
                               <p:par>
-                                <p:cTn id="13" presetID="2" presetClass="entr" presetSubtype="4" fill="hold" nodeType="withEffect">
+                                <p:cTn id="13" presetID="2" presetClass="entr" presetSubtype="4" fill="hold" nodeType="clickEffect">
                                   <p:stCondLst>
                                     <p:cond delay="0"/>
                                   </p:stCondLst>
@@ -8491,6 +9150,91 @@
                                   </p:childTnLst>
                                 </p:cTn>
                               </p:par>
+                              <p:par>
+                                <p:cTn id="21" presetID="2" presetClass="entr" presetSubtype="4" fill="hold" nodeType="withEffect">
+                                  <p:stCondLst>
+                                    <p:cond delay="0"/>
+                                  </p:stCondLst>
+                                  <p:childTnLst>
+                                    <p:set>
+                                      <p:cBhvr>
+                                        <p:cTn id="22" dur="1" fill="hold">
+                                          <p:stCondLst>
+                                            <p:cond delay="0"/>
+                                          </p:stCondLst>
+                                        </p:cTn>
+                                        <p:tgtEl>
+                                          <p:spTgt spid="3">
+                                            <p:txEl>
+                                              <p:pRg st="6" end="6"/>
+                                            </p:txEl>
+                                          </p:spTgt>
+                                        </p:tgtEl>
+                                        <p:attrNameLst>
+                                          <p:attrName>style.visibility</p:attrName>
+                                        </p:attrNameLst>
+                                      </p:cBhvr>
+                                      <p:to>
+                                        <p:strVal val="visible"/>
+                                      </p:to>
+                                    </p:set>
+                                    <p:anim calcmode="lin" valueType="num">
+                                      <p:cBhvr additive="base">
+                                        <p:cTn id="23" dur="500" fill="hold"/>
+                                        <p:tgtEl>
+                                          <p:spTgt spid="3">
+                                            <p:txEl>
+                                              <p:pRg st="6" end="6"/>
+                                            </p:txEl>
+                                          </p:spTgt>
+                                        </p:tgtEl>
+                                        <p:attrNameLst>
+                                          <p:attrName>ppt_x</p:attrName>
+                                        </p:attrNameLst>
+                                      </p:cBhvr>
+                                      <p:tavLst>
+                                        <p:tav tm="0">
+                                          <p:val>
+                                            <p:strVal val="#ppt_x"/>
+                                          </p:val>
+                                        </p:tav>
+                                        <p:tav tm="100000">
+                                          <p:val>
+                                            <p:strVal val="#ppt_x"/>
+                                          </p:val>
+                                        </p:tav>
+                                      </p:tavLst>
+                                    </p:anim>
+                                    <p:anim calcmode="lin" valueType="num">
+                                      <p:cBhvr additive="base">
+                                        <p:cTn id="24" dur="500" fill="hold"/>
+                                        <p:tgtEl>
+                                          <p:spTgt spid="3">
+                                            <p:txEl>
+                                              <p:pRg st="6" end="6"/>
+                                            </p:txEl>
+                                          </p:spTgt>
+                                        </p:tgtEl>
+                                        <p:attrNameLst>
+                                          <p:attrName>ppt_y</p:attrName>
+                                        </p:attrNameLst>
+                                      </p:cBhvr>
+                                      <p:tavLst>
+                                        <p:tav tm="0">
+                                          <p:val>
+                                            <p:strVal val="1+#ppt_h/2"/>
+                                          </p:val>
+                                        </p:tav>
+                                        <p:tav tm="100000">
+                                          <p:val>
+                                            <p:strVal val="#ppt_y"/>
+                                          </p:val>
+                                        </p:tav>
+                                      </p:tavLst>
+                                    </p:anim>
+                                  </p:childTnLst>
+                                </p:cTn>
+                              </p:par>
                             </p:childTnLst>
                           </p:cTn>
                         </p:par>
@@ -8498,26 +9242,26 @@
                     </p:cTn>
                   </p:par>
                   <p:par>
-                    <p:cTn id="21" fill="hold">
+                    <p:cTn id="25" fill="hold">
                       <p:stCondLst>
                         <p:cond delay="indefinite"/>
                       </p:stCondLst>
                       <p:childTnLst>
                         <p:par>
-                          <p:cTn id="22" fill="hold">
+                          <p:cTn id="26" fill="hold">
                             <p:stCondLst>
                               <p:cond delay="0"/>
                             </p:stCondLst>
                             <p:childTnLst>
                               <p:par>
-                                <p:cTn id="23" presetID="53" presetClass="entr" presetSubtype="16" fill="hold" grpId="0" nodeType="clickEffect">
+                                <p:cTn id="27" presetID="53" presetClass="entr" presetSubtype="16" fill="hold" grpId="0" nodeType="clickEffect">
                                   <p:stCondLst>
                                     <p:cond delay="0"/>
                                   </p:stCondLst>
                                   <p:childTnLst>
                                     <p:set>
                                       <p:cBhvr>
-                                        <p:cTn id="24" dur="1" fill="hold">
+                                        <p:cTn id="28" dur="1" fill="hold">
                                           <p:stCondLst>
                                             <p:cond delay="0"/>
                                           </p:stCondLst>
@@ -8535,7 +9279,7 @@
                                     </p:set>
                                     <p:anim calcmode="lin" valueType="num">
                                       <p:cBhvr>
-                                        <p:cTn id="25" dur="500" fill="hold"/>
+                                        <p:cTn id="29" dur="500" fill="hold"/>
                                         <p:tgtEl>
                                           <p:spTgt spid="4"/>
                                         </p:tgtEl>
@@ -8558,7 +9302,7 @@
                                     </p:anim>
                                     <p:anim calcmode="lin" valueType="num">
                                       <p:cBhvr>
-                                        <p:cTn id="26" dur="500" fill="hold"/>
+                                        <p:cTn id="30" dur="500" fill="hold"/>
                                         <p:tgtEl>
                                           <p:spTgt spid="4"/>
                                         </p:tgtEl>
@@ -8581,7 +9325,7 @@
                                     </p:anim>
                                     <p:animEffect transition="in" filter="fade">
                                       <p:cBhvr>
-                                        <p:cTn id="27" dur="500"/>
+                                        <p:cTn id="31" dur="500"/>
                                         <p:tgtEl>
                                           <p:spTgt spid="4"/>
                                         </p:tgtEl>

--- a/effective-java.pptx
+++ b/effective-java.pptx
@@ -17,6 +17,7 @@
     <p:sldId id="262" r:id="rId11"/>
     <p:sldId id="263" r:id="rId12"/>
     <p:sldId id="267" r:id="rId13"/>
+    <p:sldId id="268" r:id="rId14"/>
   </p:sldIdLst>
   <p:sldSz cx="12192000" cy="6858000"/>
   <p:notesSz cx="6858000" cy="9144000"/>
@@ -252,7 +253,7 @@
           <a:p>
             <a:fld id="{755BA608-1639-41EA-B572-74EA19863A33}" type="datetimeFigureOut">
               <a:rPr lang="fr-FR" smtClean="0"/>
-              <a:t>09/07/2019</a:t>
+              <a:t>13/09/2019</a:t>
             </a:fld>
             <a:endParaRPr lang="fr-FR"/>
           </a:p>
@@ -294,7 +295,7 @@
           <a:p>
             <a:fld id="{6DABBBE8-4F33-445F-BAB7-1C9BE9D4933C}" type="slidenum">
               <a:rPr lang="fr-FR" smtClean="0"/>
-              <a:t>‹N°›</a:t>
+              <a:t>‹#›</a:t>
             </a:fld>
             <a:endParaRPr lang="fr-FR"/>
           </a:p>
@@ -420,7 +421,7 @@
           <a:p>
             <a:fld id="{755BA608-1639-41EA-B572-74EA19863A33}" type="datetimeFigureOut">
               <a:rPr lang="fr-FR" smtClean="0"/>
-              <a:t>09/07/2019</a:t>
+              <a:t>13/09/2019</a:t>
             </a:fld>
             <a:endParaRPr lang="fr-FR"/>
           </a:p>
@@ -462,7 +463,7 @@
           <a:p>
             <a:fld id="{6DABBBE8-4F33-445F-BAB7-1C9BE9D4933C}" type="slidenum">
               <a:rPr lang="fr-FR" smtClean="0"/>
-              <a:t>‹N°›</a:t>
+              <a:t>‹#›</a:t>
             </a:fld>
             <a:endParaRPr lang="fr-FR"/>
           </a:p>
@@ -598,7 +599,7 @@
           <a:p>
             <a:fld id="{755BA608-1639-41EA-B572-74EA19863A33}" type="datetimeFigureOut">
               <a:rPr lang="fr-FR" smtClean="0"/>
-              <a:t>09/07/2019</a:t>
+              <a:t>13/09/2019</a:t>
             </a:fld>
             <a:endParaRPr lang="fr-FR"/>
           </a:p>
@@ -640,7 +641,7 @@
           <a:p>
             <a:fld id="{6DABBBE8-4F33-445F-BAB7-1C9BE9D4933C}" type="slidenum">
               <a:rPr lang="fr-FR" smtClean="0"/>
-              <a:t>‹N°›</a:t>
+              <a:t>‹#›</a:t>
             </a:fld>
             <a:endParaRPr lang="fr-FR"/>
           </a:p>
@@ -766,7 +767,7 @@
           <a:p>
             <a:fld id="{755BA608-1639-41EA-B572-74EA19863A33}" type="datetimeFigureOut">
               <a:rPr lang="fr-FR" smtClean="0"/>
-              <a:t>09/07/2019</a:t>
+              <a:t>13/09/2019</a:t>
             </a:fld>
             <a:endParaRPr lang="fr-FR"/>
           </a:p>
@@ -808,7 +809,7 @@
           <a:p>
             <a:fld id="{6DABBBE8-4F33-445F-BAB7-1C9BE9D4933C}" type="slidenum">
               <a:rPr lang="fr-FR" smtClean="0"/>
-              <a:t>‹N°›</a:t>
+              <a:t>‹#›</a:t>
             </a:fld>
             <a:endParaRPr lang="fr-FR"/>
           </a:p>
@@ -1011,7 +1012,7 @@
           <a:p>
             <a:fld id="{755BA608-1639-41EA-B572-74EA19863A33}" type="datetimeFigureOut">
               <a:rPr lang="fr-FR" smtClean="0"/>
-              <a:t>09/07/2019</a:t>
+              <a:t>13/09/2019</a:t>
             </a:fld>
             <a:endParaRPr lang="fr-FR"/>
           </a:p>
@@ -1053,7 +1054,7 @@
           <a:p>
             <a:fld id="{6DABBBE8-4F33-445F-BAB7-1C9BE9D4933C}" type="slidenum">
               <a:rPr lang="fr-FR" smtClean="0"/>
-              <a:t>‹N°›</a:t>
+              <a:t>‹#›</a:t>
             </a:fld>
             <a:endParaRPr lang="fr-FR"/>
           </a:p>
@@ -1240,7 +1241,7 @@
           <a:p>
             <a:fld id="{755BA608-1639-41EA-B572-74EA19863A33}" type="datetimeFigureOut">
               <a:rPr lang="fr-FR" smtClean="0"/>
-              <a:t>09/07/2019</a:t>
+              <a:t>13/09/2019</a:t>
             </a:fld>
             <a:endParaRPr lang="fr-FR"/>
           </a:p>
@@ -1282,7 +1283,7 @@
           <a:p>
             <a:fld id="{6DABBBE8-4F33-445F-BAB7-1C9BE9D4933C}" type="slidenum">
               <a:rPr lang="fr-FR" smtClean="0"/>
-              <a:t>‹N°›</a:t>
+              <a:t>‹#›</a:t>
             </a:fld>
             <a:endParaRPr lang="fr-FR"/>
           </a:p>
@@ -1604,7 +1605,7 @@
           <a:p>
             <a:fld id="{755BA608-1639-41EA-B572-74EA19863A33}" type="datetimeFigureOut">
               <a:rPr lang="fr-FR" smtClean="0"/>
-              <a:t>09/07/2019</a:t>
+              <a:t>13/09/2019</a:t>
             </a:fld>
             <a:endParaRPr lang="fr-FR"/>
           </a:p>
@@ -1646,7 +1647,7 @@
           <a:p>
             <a:fld id="{6DABBBE8-4F33-445F-BAB7-1C9BE9D4933C}" type="slidenum">
               <a:rPr lang="fr-FR" smtClean="0"/>
-              <a:t>‹N°›</a:t>
+              <a:t>‹#›</a:t>
             </a:fld>
             <a:endParaRPr lang="fr-FR"/>
           </a:p>
@@ -1721,7 +1722,7 @@
           <a:p>
             <a:fld id="{755BA608-1639-41EA-B572-74EA19863A33}" type="datetimeFigureOut">
               <a:rPr lang="fr-FR" smtClean="0"/>
-              <a:t>09/07/2019</a:t>
+              <a:t>13/09/2019</a:t>
             </a:fld>
             <a:endParaRPr lang="fr-FR"/>
           </a:p>
@@ -1763,7 +1764,7 @@
           <a:p>
             <a:fld id="{6DABBBE8-4F33-445F-BAB7-1C9BE9D4933C}" type="slidenum">
               <a:rPr lang="fr-FR" smtClean="0"/>
-              <a:t>‹N°›</a:t>
+              <a:t>‹#›</a:t>
             </a:fld>
             <a:endParaRPr lang="fr-FR"/>
           </a:p>
@@ -1816,7 +1817,7 @@
           <a:p>
             <a:fld id="{755BA608-1639-41EA-B572-74EA19863A33}" type="datetimeFigureOut">
               <a:rPr lang="fr-FR" smtClean="0"/>
-              <a:t>09/07/2019</a:t>
+              <a:t>13/09/2019</a:t>
             </a:fld>
             <a:endParaRPr lang="fr-FR"/>
           </a:p>
@@ -1858,7 +1859,7 @@
           <a:p>
             <a:fld id="{6DABBBE8-4F33-445F-BAB7-1C9BE9D4933C}" type="slidenum">
               <a:rPr lang="fr-FR" smtClean="0"/>
-              <a:t>‹N°›</a:t>
+              <a:t>‹#›</a:t>
             </a:fld>
             <a:endParaRPr lang="fr-FR"/>
           </a:p>
@@ -2091,7 +2092,7 @@
           <a:p>
             <a:fld id="{755BA608-1639-41EA-B572-74EA19863A33}" type="datetimeFigureOut">
               <a:rPr lang="fr-FR" smtClean="0"/>
-              <a:t>09/07/2019</a:t>
+              <a:t>13/09/2019</a:t>
             </a:fld>
             <a:endParaRPr lang="fr-FR"/>
           </a:p>
@@ -2133,7 +2134,7 @@
           <a:p>
             <a:fld id="{6DABBBE8-4F33-445F-BAB7-1C9BE9D4933C}" type="slidenum">
               <a:rPr lang="fr-FR" smtClean="0"/>
-              <a:t>‹N°›</a:t>
+              <a:t>‹#›</a:t>
             </a:fld>
             <a:endParaRPr lang="fr-FR"/>
           </a:p>
@@ -2343,7 +2344,7 @@
           <a:p>
             <a:fld id="{755BA608-1639-41EA-B572-74EA19863A33}" type="datetimeFigureOut">
               <a:rPr lang="fr-FR" smtClean="0"/>
-              <a:t>09/07/2019</a:t>
+              <a:t>13/09/2019</a:t>
             </a:fld>
             <a:endParaRPr lang="fr-FR"/>
           </a:p>
@@ -2385,7 +2386,7 @@
           <a:p>
             <a:fld id="{6DABBBE8-4F33-445F-BAB7-1C9BE9D4933C}" type="slidenum">
               <a:rPr lang="fr-FR" smtClean="0"/>
-              <a:t>‹N°›</a:t>
+              <a:t>‹#›</a:t>
             </a:fld>
             <a:endParaRPr lang="fr-FR"/>
           </a:p>
@@ -2554,7 +2555,7 @@
           <a:p>
             <a:fld id="{755BA608-1639-41EA-B572-74EA19863A33}" type="datetimeFigureOut">
               <a:rPr lang="fr-FR" smtClean="0"/>
-              <a:t>09/07/2019</a:t>
+              <a:t>13/09/2019</a:t>
             </a:fld>
             <a:endParaRPr lang="fr-FR"/>
           </a:p>
@@ -2632,7 +2633,7 @@
           <a:p>
             <a:fld id="{6DABBBE8-4F33-445F-BAB7-1C9BE9D4933C}" type="slidenum">
               <a:rPr lang="fr-FR" smtClean="0"/>
-              <a:t>‹N°›</a:t>
+              <a:t>‹#›</a:t>
             </a:fld>
             <a:endParaRPr lang="fr-FR"/>
           </a:p>
@@ -5010,6 +5011,688 @@
 </p:sld>
 </file>
 
+<file path=ppt/slides/slide13.xml><?xml version="1.0" encoding="utf-8"?>
+<p:sld xmlns:a="http://schemas.openxmlformats.org/drawingml/2006/main" xmlns:r="http://schemas.openxmlformats.org/officeDocument/2006/relationships" xmlns:p="http://schemas.openxmlformats.org/presentationml/2006/main">
+  <p:cSld>
+    <p:spTree>
+      <p:nvGrpSpPr>
+        <p:cNvPr id="1" name=""/>
+        <p:cNvGrpSpPr/>
+        <p:nvPr/>
+      </p:nvGrpSpPr>
+      <p:grpSpPr>
+        <a:xfrm>
+          <a:off x="0" y="0"/>
+          <a:ext cx="0" cy="0"/>
+          <a:chOff x="0" y="0"/>
+          <a:chExt cx="0" cy="0"/>
+        </a:xfrm>
+      </p:grpSpPr>
+      <p:sp>
+        <p:nvSpPr>
+          <p:cNvPr id="2" name="Titre 1"/>
+          <p:cNvSpPr>
+            <a:spLocks noGrp="1"/>
+          </p:cNvSpPr>
+          <p:nvPr>
+            <p:ph type="ctrTitle"/>
+          </p:nvPr>
+        </p:nvSpPr>
+        <p:spPr>
+          <a:xfrm>
+            <a:off x="1030224" y="384048"/>
+            <a:ext cx="9144000" cy="1287970"/>
+          </a:xfrm>
+        </p:spPr>
+        <p:txBody>
+          <a:bodyPr/>
+          <a:lstStyle/>
+          <a:p>
+            <a:r>
+              <a:rPr lang="fr-FR" dirty="0"/>
+              <a:t>Item 26</a:t>
+            </a:r>
+          </a:p>
+        </p:txBody>
+      </p:sp>
+      <p:sp>
+        <p:nvSpPr>
+          <p:cNvPr id="3" name="Sous-titre 2"/>
+          <p:cNvSpPr>
+            <a:spLocks noGrp="1"/>
+          </p:cNvSpPr>
+          <p:nvPr>
+            <p:ph type="subTitle" idx="1"/>
+          </p:nvPr>
+        </p:nvSpPr>
+        <p:spPr>
+          <a:xfrm>
+            <a:off x="1304544" y="1928686"/>
+            <a:ext cx="9144000" cy="4408106"/>
+          </a:xfrm>
+        </p:spPr>
+        <p:txBody>
+          <a:bodyPr>
+            <a:noAutofit/>
+          </a:bodyPr>
+          <a:lstStyle/>
+          <a:p>
+            <a:pPr algn="l"/>
+            <a:r>
+              <a:rPr lang="en-US" sz="2000" dirty="0"/>
+              <a:t>How to declare a collection of objects?</a:t>
+            </a:r>
+          </a:p>
+          <a:p>
+            <a:pPr algn="l"/>
+            <a:r>
+              <a:rPr lang="en-US" sz="2000" b="1" dirty="0">
+                <a:solidFill>
+                  <a:srgbClr val="0070C0"/>
+                </a:solidFill>
+                <a:sym typeface="Wingdings" panose="05000000000000000000" pitchFamily="2" charset="2"/>
+              </a:rPr>
+              <a:t>            Simply use raw collection:  “ private final Collection </a:t>
+            </a:r>
+            <a:r>
+              <a:rPr lang="en-US" sz="2000" b="1" dirty="0" err="1">
+                <a:solidFill>
+                  <a:srgbClr val="0070C0"/>
+                </a:solidFill>
+                <a:sym typeface="Wingdings" panose="05000000000000000000" pitchFamily="2" charset="2"/>
+              </a:rPr>
+              <a:t>myList</a:t>
+            </a:r>
+            <a:r>
+              <a:rPr lang="en-US" sz="2000" b="1" dirty="0">
+                <a:solidFill>
+                  <a:srgbClr val="0070C0"/>
+                </a:solidFill>
+                <a:sym typeface="Wingdings" panose="05000000000000000000" pitchFamily="2" charset="2"/>
+              </a:rPr>
+              <a:t>  = …. “</a:t>
+            </a:r>
+          </a:p>
+          <a:p>
+            <a:pPr algn="l"/>
+            <a:endParaRPr lang="en-US" sz="2000" dirty="0"/>
+          </a:p>
+          <a:p>
+            <a:pPr algn="l"/>
+            <a:r>
+              <a:rPr lang="en-US" sz="2000" dirty="0"/>
+              <a:t>But what if:</a:t>
+            </a:r>
+          </a:p>
+          <a:p>
+            <a:pPr marL="342900" indent="-342900" algn="l">
+              <a:buFont typeface="Wingdings" panose="05000000000000000000" pitchFamily="2" charset="2"/>
+              <a:buChar char="q"/>
+            </a:pPr>
+            <a:r>
+              <a:rPr lang="en-US" sz="2000" dirty="0"/>
+              <a:t>I want to avoid casting very object I read from the collection?</a:t>
+            </a:r>
+          </a:p>
+          <a:p>
+            <a:pPr marL="342900" indent="-342900" algn="l">
+              <a:buFont typeface="Wingdings" panose="05000000000000000000" pitchFamily="2" charset="2"/>
+              <a:buChar char="q"/>
+            </a:pPr>
+            <a:r>
+              <a:rPr lang="en-US" sz="2000" dirty="0"/>
+              <a:t>I want to control what is inserted in my collection?</a:t>
+            </a:r>
+          </a:p>
+          <a:p>
+            <a:pPr algn="l"/>
+            <a:endParaRPr lang="en-US" sz="2000" dirty="0"/>
+          </a:p>
+        </p:txBody>
+      </p:sp>
+      <p:sp>
+        <p:nvSpPr>
+          <p:cNvPr id="4" name="Rectangle 3"/>
+          <p:cNvSpPr/>
+          <p:nvPr/>
+        </p:nvSpPr>
+        <p:spPr>
+          <a:xfrm>
+            <a:off x="3685658" y="5097887"/>
+            <a:ext cx="4875565" cy="523220"/>
+          </a:xfrm>
+          <a:prstGeom prst="rect">
+            <a:avLst/>
+          </a:prstGeom>
+          <a:noFill/>
+        </p:spPr>
+        <p:txBody>
+          <a:bodyPr wrap="none" lIns="91440" tIns="45720" rIns="91440" bIns="45720">
+            <a:spAutoFit/>
+          </a:bodyPr>
+          <a:lstStyle/>
+          <a:p>
+            <a:pPr algn="ctr"/>
+            <a:r>
+              <a:rPr lang="en-US" sz="2800" b="1" dirty="0">
+                <a:ln w="22225">
+                  <a:solidFill>
+                    <a:schemeClr val="accent2"/>
+                  </a:solidFill>
+                  <a:prstDash val="solid"/>
+                </a:ln>
+                <a:solidFill>
+                  <a:schemeClr val="accent2">
+                    <a:lumMod val="40000"/>
+                    <a:lumOff val="60000"/>
+                  </a:schemeClr>
+                </a:solidFill>
+              </a:rPr>
+              <a:t>Generics (java 5) to the rescue</a:t>
+            </a:r>
+            <a:endParaRPr lang="fr-FR" sz="2800" b="1" cap="none" spc="0" dirty="0">
+              <a:ln w="22225">
+                <a:solidFill>
+                  <a:schemeClr val="accent2"/>
+                </a:solidFill>
+                <a:prstDash val="solid"/>
+              </a:ln>
+              <a:solidFill>
+                <a:schemeClr val="accent2">
+                  <a:lumMod val="40000"/>
+                  <a:lumOff val="60000"/>
+                </a:schemeClr>
+              </a:solidFill>
+              <a:effectLst/>
+            </a:endParaRPr>
+          </a:p>
+        </p:txBody>
+      </p:sp>
+    </p:spTree>
+    <p:extLst>
+      <p:ext uri="{BB962C8B-B14F-4D97-AF65-F5344CB8AC3E}">
+        <p14:creationId xmlns:p14="http://schemas.microsoft.com/office/powerpoint/2010/main" val="2891972775"/>
+      </p:ext>
+    </p:extLst>
+  </p:cSld>
+  <p:clrMapOvr>
+    <a:masterClrMapping/>
+  </p:clrMapOvr>
+  <p:timing>
+    <p:tnLst>
+      <p:par>
+        <p:cTn id="1" dur="indefinite" restart="never" nodeType="tmRoot">
+          <p:childTnLst>
+            <p:seq concurrent="1" nextAc="seek">
+              <p:cTn id="2" dur="indefinite" nodeType="mainSeq">
+                <p:childTnLst>
+                  <p:par>
+                    <p:cTn id="3" fill="hold">
+                      <p:stCondLst>
+                        <p:cond delay="indefinite"/>
+                      </p:stCondLst>
+                      <p:childTnLst>
+                        <p:par>
+                          <p:cTn id="4" fill="hold">
+                            <p:stCondLst>
+                              <p:cond delay="0"/>
+                            </p:stCondLst>
+                            <p:childTnLst>
+                              <p:par>
+                                <p:cTn id="5" presetID="1" presetClass="entr" presetSubtype="0" fill="hold" nodeType="clickEffect">
+                                  <p:stCondLst>
+                                    <p:cond delay="0"/>
+                                  </p:stCondLst>
+                                  <p:childTnLst>
+                                    <p:set>
+                                      <p:cBhvr>
+                                        <p:cTn id="6" dur="1" fill="hold">
+                                          <p:stCondLst>
+                                            <p:cond delay="0"/>
+                                          </p:stCondLst>
+                                        </p:cTn>
+                                        <p:tgtEl>
+                                          <p:spTgt spid="3">
+                                            <p:txEl>
+                                              <p:pRg st="1" end="1"/>
+                                            </p:txEl>
+                                          </p:spTgt>
+                                        </p:tgtEl>
+                                        <p:attrNameLst>
+                                          <p:attrName>style.visibility</p:attrName>
+                                        </p:attrNameLst>
+                                      </p:cBhvr>
+                                      <p:to>
+                                        <p:strVal val="visible"/>
+                                      </p:to>
+                                    </p:set>
+                                  </p:childTnLst>
+                                </p:cTn>
+                              </p:par>
+                            </p:childTnLst>
+                          </p:cTn>
+                        </p:par>
+                      </p:childTnLst>
+                    </p:cTn>
+                  </p:par>
+                  <p:par>
+                    <p:cTn id="7" fill="hold">
+                      <p:stCondLst>
+                        <p:cond delay="indefinite"/>
+                      </p:stCondLst>
+                      <p:childTnLst>
+                        <p:par>
+                          <p:cTn id="8" fill="hold">
+                            <p:stCondLst>
+                              <p:cond delay="0"/>
+                            </p:stCondLst>
+                            <p:childTnLst>
+                              <p:par>
+                                <p:cTn id="9" presetID="2" presetClass="entr" presetSubtype="4" fill="hold" nodeType="clickEffect">
+                                  <p:stCondLst>
+                                    <p:cond delay="0"/>
+                                  </p:stCondLst>
+                                  <p:childTnLst>
+                                    <p:set>
+                                      <p:cBhvr>
+                                        <p:cTn id="10" dur="1" fill="hold">
+                                          <p:stCondLst>
+                                            <p:cond delay="0"/>
+                                          </p:stCondLst>
+                                        </p:cTn>
+                                        <p:tgtEl>
+                                          <p:spTgt spid="3">
+                                            <p:txEl>
+                                              <p:pRg st="3" end="3"/>
+                                            </p:txEl>
+                                          </p:spTgt>
+                                        </p:tgtEl>
+                                        <p:attrNameLst>
+                                          <p:attrName>style.visibility</p:attrName>
+                                        </p:attrNameLst>
+                                      </p:cBhvr>
+                                      <p:to>
+                                        <p:strVal val="visible"/>
+                                      </p:to>
+                                    </p:set>
+                                    <p:anim calcmode="lin" valueType="num">
+                                      <p:cBhvr additive="base">
+                                        <p:cTn id="11" dur="500" fill="hold"/>
+                                        <p:tgtEl>
+                                          <p:spTgt spid="3">
+                                            <p:txEl>
+                                              <p:pRg st="3" end="3"/>
+                                            </p:txEl>
+                                          </p:spTgt>
+                                        </p:tgtEl>
+                                        <p:attrNameLst>
+                                          <p:attrName>ppt_x</p:attrName>
+                                        </p:attrNameLst>
+                                      </p:cBhvr>
+                                      <p:tavLst>
+                                        <p:tav tm="0">
+                                          <p:val>
+                                            <p:strVal val="#ppt_x"/>
+                                          </p:val>
+                                        </p:tav>
+                                        <p:tav tm="100000">
+                                          <p:val>
+                                            <p:strVal val="#ppt_x"/>
+                                          </p:val>
+                                        </p:tav>
+                                      </p:tavLst>
+                                    </p:anim>
+                                    <p:anim calcmode="lin" valueType="num">
+                                      <p:cBhvr additive="base">
+                                        <p:cTn id="12" dur="500" fill="hold"/>
+                                        <p:tgtEl>
+                                          <p:spTgt spid="3">
+                                            <p:txEl>
+                                              <p:pRg st="3" end="3"/>
+                                            </p:txEl>
+                                          </p:spTgt>
+                                        </p:tgtEl>
+                                        <p:attrNameLst>
+                                          <p:attrName>ppt_y</p:attrName>
+                                        </p:attrNameLst>
+                                      </p:cBhvr>
+                                      <p:tavLst>
+                                        <p:tav tm="0">
+                                          <p:val>
+                                            <p:strVal val="1+#ppt_h/2"/>
+                                          </p:val>
+                                        </p:tav>
+                                        <p:tav tm="100000">
+                                          <p:val>
+                                            <p:strVal val="#ppt_y"/>
+                                          </p:val>
+                                        </p:tav>
+                                      </p:tavLst>
+                                    </p:anim>
+                                  </p:childTnLst>
+                                </p:cTn>
+                              </p:par>
+                            </p:childTnLst>
+                          </p:cTn>
+                        </p:par>
+                      </p:childTnLst>
+                    </p:cTn>
+                  </p:par>
+                  <p:par>
+                    <p:cTn id="13" fill="hold">
+                      <p:stCondLst>
+                        <p:cond delay="indefinite"/>
+                      </p:stCondLst>
+                      <p:childTnLst>
+                        <p:par>
+                          <p:cTn id="14" fill="hold">
+                            <p:stCondLst>
+                              <p:cond delay="0"/>
+                            </p:stCondLst>
+                            <p:childTnLst>
+                              <p:par>
+                                <p:cTn id="15" presetID="2" presetClass="entr" presetSubtype="4" fill="hold" nodeType="clickEffect">
+                                  <p:stCondLst>
+                                    <p:cond delay="0"/>
+                                  </p:stCondLst>
+                                  <p:childTnLst>
+                                    <p:set>
+                                      <p:cBhvr>
+                                        <p:cTn id="16" dur="1" fill="hold">
+                                          <p:stCondLst>
+                                            <p:cond delay="0"/>
+                                          </p:stCondLst>
+                                        </p:cTn>
+                                        <p:tgtEl>
+                                          <p:spTgt spid="3">
+                                            <p:txEl>
+                                              <p:pRg st="4" end="4"/>
+                                            </p:txEl>
+                                          </p:spTgt>
+                                        </p:tgtEl>
+                                        <p:attrNameLst>
+                                          <p:attrName>style.visibility</p:attrName>
+                                        </p:attrNameLst>
+                                      </p:cBhvr>
+                                      <p:to>
+                                        <p:strVal val="visible"/>
+                                      </p:to>
+                                    </p:set>
+                                    <p:anim calcmode="lin" valueType="num">
+                                      <p:cBhvr additive="base">
+                                        <p:cTn id="17" dur="500" fill="hold"/>
+                                        <p:tgtEl>
+                                          <p:spTgt spid="3">
+                                            <p:txEl>
+                                              <p:pRg st="4" end="4"/>
+                                            </p:txEl>
+                                          </p:spTgt>
+                                        </p:tgtEl>
+                                        <p:attrNameLst>
+                                          <p:attrName>ppt_x</p:attrName>
+                                        </p:attrNameLst>
+                                      </p:cBhvr>
+                                      <p:tavLst>
+                                        <p:tav tm="0">
+                                          <p:val>
+                                            <p:strVal val="#ppt_x"/>
+                                          </p:val>
+                                        </p:tav>
+                                        <p:tav tm="100000">
+                                          <p:val>
+                                            <p:strVal val="#ppt_x"/>
+                                          </p:val>
+                                        </p:tav>
+                                      </p:tavLst>
+                                    </p:anim>
+                                    <p:anim calcmode="lin" valueType="num">
+                                      <p:cBhvr additive="base">
+                                        <p:cTn id="18" dur="500" fill="hold"/>
+                                        <p:tgtEl>
+                                          <p:spTgt spid="3">
+                                            <p:txEl>
+                                              <p:pRg st="4" end="4"/>
+                                            </p:txEl>
+                                          </p:spTgt>
+                                        </p:tgtEl>
+                                        <p:attrNameLst>
+                                          <p:attrName>ppt_y</p:attrName>
+                                        </p:attrNameLst>
+                                      </p:cBhvr>
+                                      <p:tavLst>
+                                        <p:tav tm="0">
+                                          <p:val>
+                                            <p:strVal val="1+#ppt_h/2"/>
+                                          </p:val>
+                                        </p:tav>
+                                        <p:tav tm="100000">
+                                          <p:val>
+                                            <p:strVal val="#ppt_y"/>
+                                          </p:val>
+                                        </p:tav>
+                                      </p:tavLst>
+                                    </p:anim>
+                                  </p:childTnLst>
+                                </p:cTn>
+                              </p:par>
+                              <p:par>
+                                <p:cTn id="19" presetID="2" presetClass="entr" presetSubtype="4" fill="hold" nodeType="withEffect">
+                                  <p:stCondLst>
+                                    <p:cond delay="0"/>
+                                  </p:stCondLst>
+                                  <p:childTnLst>
+                                    <p:set>
+                                      <p:cBhvr>
+                                        <p:cTn id="20" dur="1" fill="hold">
+                                          <p:stCondLst>
+                                            <p:cond delay="0"/>
+                                          </p:stCondLst>
+                                        </p:cTn>
+                                        <p:tgtEl>
+                                          <p:spTgt spid="3">
+                                            <p:txEl>
+                                              <p:pRg st="5" end="5"/>
+                                            </p:txEl>
+                                          </p:spTgt>
+                                        </p:tgtEl>
+                                        <p:attrNameLst>
+                                          <p:attrName>style.visibility</p:attrName>
+                                        </p:attrNameLst>
+                                      </p:cBhvr>
+                                      <p:to>
+                                        <p:strVal val="visible"/>
+                                      </p:to>
+                                    </p:set>
+                                    <p:anim calcmode="lin" valueType="num">
+                                      <p:cBhvr additive="base">
+                                        <p:cTn id="21" dur="500" fill="hold"/>
+                                        <p:tgtEl>
+                                          <p:spTgt spid="3">
+                                            <p:txEl>
+                                              <p:pRg st="5" end="5"/>
+                                            </p:txEl>
+                                          </p:spTgt>
+                                        </p:tgtEl>
+                                        <p:attrNameLst>
+                                          <p:attrName>ppt_x</p:attrName>
+                                        </p:attrNameLst>
+                                      </p:cBhvr>
+                                      <p:tavLst>
+                                        <p:tav tm="0">
+                                          <p:val>
+                                            <p:strVal val="#ppt_x"/>
+                                          </p:val>
+                                        </p:tav>
+                                        <p:tav tm="100000">
+                                          <p:val>
+                                            <p:strVal val="#ppt_x"/>
+                                          </p:val>
+                                        </p:tav>
+                                      </p:tavLst>
+                                    </p:anim>
+                                    <p:anim calcmode="lin" valueType="num">
+                                      <p:cBhvr additive="base">
+                                        <p:cTn id="22" dur="500" fill="hold"/>
+                                        <p:tgtEl>
+                                          <p:spTgt spid="3">
+                                            <p:txEl>
+                                              <p:pRg st="5" end="5"/>
+                                            </p:txEl>
+                                          </p:spTgt>
+                                        </p:tgtEl>
+                                        <p:attrNameLst>
+                                          <p:attrName>ppt_y</p:attrName>
+                                        </p:attrNameLst>
+                                      </p:cBhvr>
+                                      <p:tavLst>
+                                        <p:tav tm="0">
+                                          <p:val>
+                                            <p:strVal val="1+#ppt_h/2"/>
+                                          </p:val>
+                                        </p:tav>
+                                        <p:tav tm="100000">
+                                          <p:val>
+                                            <p:strVal val="#ppt_y"/>
+                                          </p:val>
+                                        </p:tav>
+                                      </p:tavLst>
+                                    </p:anim>
+                                  </p:childTnLst>
+                                </p:cTn>
+                              </p:par>
+                            </p:childTnLst>
+                          </p:cTn>
+                        </p:par>
+                      </p:childTnLst>
+                    </p:cTn>
+                  </p:par>
+                  <p:par>
+                    <p:cTn id="23" fill="hold">
+                      <p:stCondLst>
+                        <p:cond delay="indefinite"/>
+                      </p:stCondLst>
+                      <p:childTnLst>
+                        <p:par>
+                          <p:cTn id="24" fill="hold">
+                            <p:stCondLst>
+                              <p:cond delay="0"/>
+                            </p:stCondLst>
+                            <p:childTnLst>
+                              <p:par>
+                                <p:cTn id="25" presetID="53" presetClass="entr" presetSubtype="16" fill="hold" grpId="0" nodeType="clickEffect">
+                                  <p:stCondLst>
+                                    <p:cond delay="0"/>
+                                  </p:stCondLst>
+                                  <p:childTnLst>
+                                    <p:set>
+                                      <p:cBhvr>
+                                        <p:cTn id="26" dur="1" fill="hold">
+                                          <p:stCondLst>
+                                            <p:cond delay="0"/>
+                                          </p:stCondLst>
+                                        </p:cTn>
+                                        <p:tgtEl>
+                                          <p:spTgt spid="4"/>
+                                        </p:tgtEl>
+                                        <p:attrNameLst>
+                                          <p:attrName>style.visibility</p:attrName>
+                                        </p:attrNameLst>
+                                      </p:cBhvr>
+                                      <p:to>
+                                        <p:strVal val="visible"/>
+                                      </p:to>
+                                    </p:set>
+                                    <p:anim calcmode="lin" valueType="num">
+                                      <p:cBhvr>
+                                        <p:cTn id="27" dur="500" fill="hold"/>
+                                        <p:tgtEl>
+                                          <p:spTgt spid="4"/>
+                                        </p:tgtEl>
+                                        <p:attrNameLst>
+                                          <p:attrName>ppt_w</p:attrName>
+                                        </p:attrNameLst>
+                                      </p:cBhvr>
+                                      <p:tavLst>
+                                        <p:tav tm="0">
+                                          <p:val>
+                                            <p:fltVal val="0"/>
+                                          </p:val>
+                                        </p:tav>
+                                        <p:tav tm="100000">
+                                          <p:val>
+                                            <p:strVal val="#ppt_w"/>
+                                          </p:val>
+                                        </p:tav>
+                                      </p:tavLst>
+                                    </p:anim>
+                                    <p:anim calcmode="lin" valueType="num">
+                                      <p:cBhvr>
+                                        <p:cTn id="28" dur="500" fill="hold"/>
+                                        <p:tgtEl>
+                                          <p:spTgt spid="4"/>
+                                        </p:tgtEl>
+                                        <p:attrNameLst>
+                                          <p:attrName>ppt_h</p:attrName>
+                                        </p:attrNameLst>
+                                      </p:cBhvr>
+                                      <p:tavLst>
+                                        <p:tav tm="0">
+                                          <p:val>
+                                            <p:fltVal val="0"/>
+                                          </p:val>
+                                        </p:tav>
+                                        <p:tav tm="100000">
+                                          <p:val>
+                                            <p:strVal val="#ppt_h"/>
+                                          </p:val>
+                                        </p:tav>
+                                      </p:tavLst>
+                                    </p:anim>
+                                    <p:animEffect transition="in" filter="fade">
+                                      <p:cBhvr>
+                                        <p:cTn id="29" dur="500"/>
+                                        <p:tgtEl>
+                                          <p:spTgt spid="4"/>
+                                        </p:tgtEl>
+                                      </p:cBhvr>
+                                    </p:animEffect>
+                                  </p:childTnLst>
+                                </p:cTn>
+                              </p:par>
+                            </p:childTnLst>
+                          </p:cTn>
+                        </p:par>
+                      </p:childTnLst>
+                    </p:cTn>
+                  </p:par>
+                </p:childTnLst>
+              </p:cTn>
+              <p:prevCondLst>
+                <p:cond evt="onPrev" delay="0">
+                  <p:tgtEl>
+                    <p:sldTgt/>
+                  </p:tgtEl>
+                </p:cond>
+              </p:prevCondLst>
+              <p:nextCondLst>
+                <p:cond evt="onNext" delay="0">
+                  <p:tgtEl>
+                    <p:sldTgt/>
+                  </p:tgtEl>
+                </p:cond>
+              </p:nextCondLst>
+            </p:seq>
+          </p:childTnLst>
+        </p:cTn>
+      </p:par>
+    </p:tnLst>
+    <p:bldLst>
+      <p:bldP spid="4" grpId="0"/>
+    </p:bldLst>
+  </p:timing>
+</p:sld>
+</file>
+
 <file path=ppt/slides/slide2.xml><?xml version="1.0" encoding="utf-8"?>
 <p:sld xmlns:a="http://schemas.openxmlformats.org/drawingml/2006/main" xmlns:r="http://schemas.openxmlformats.org/officeDocument/2006/relationships" xmlns:p="http://schemas.openxmlformats.org/presentationml/2006/main">
   <p:cSld>

--- a/effective-java.pptx
+++ b/effective-java.pptx
@@ -18,6 +18,7 @@
     <p:sldId id="263" r:id="rId12"/>
     <p:sldId id="267" r:id="rId13"/>
     <p:sldId id="268" r:id="rId14"/>
+    <p:sldId id="269" r:id="rId15"/>
   </p:sldIdLst>
   <p:sldSz cx="12192000" cy="6858000"/>
   <p:notesSz cx="6858000" cy="9144000"/>
@@ -253,7 +254,7 @@
           <a:p>
             <a:fld id="{755BA608-1639-41EA-B572-74EA19863A33}" type="datetimeFigureOut">
               <a:rPr lang="fr-FR" smtClean="0"/>
-              <a:t>13/09/2019</a:t>
+              <a:t>19/09/2019</a:t>
             </a:fld>
             <a:endParaRPr lang="fr-FR"/>
           </a:p>
@@ -421,7 +422,7 @@
           <a:p>
             <a:fld id="{755BA608-1639-41EA-B572-74EA19863A33}" type="datetimeFigureOut">
               <a:rPr lang="fr-FR" smtClean="0"/>
-              <a:t>13/09/2019</a:t>
+              <a:t>19/09/2019</a:t>
             </a:fld>
             <a:endParaRPr lang="fr-FR"/>
           </a:p>
@@ -599,7 +600,7 @@
           <a:p>
             <a:fld id="{755BA608-1639-41EA-B572-74EA19863A33}" type="datetimeFigureOut">
               <a:rPr lang="fr-FR" smtClean="0"/>
-              <a:t>13/09/2019</a:t>
+              <a:t>19/09/2019</a:t>
             </a:fld>
             <a:endParaRPr lang="fr-FR"/>
           </a:p>
@@ -767,7 +768,7 @@
           <a:p>
             <a:fld id="{755BA608-1639-41EA-B572-74EA19863A33}" type="datetimeFigureOut">
               <a:rPr lang="fr-FR" smtClean="0"/>
-              <a:t>13/09/2019</a:t>
+              <a:t>19/09/2019</a:t>
             </a:fld>
             <a:endParaRPr lang="fr-FR"/>
           </a:p>
@@ -1012,7 +1013,7 @@
           <a:p>
             <a:fld id="{755BA608-1639-41EA-B572-74EA19863A33}" type="datetimeFigureOut">
               <a:rPr lang="fr-FR" smtClean="0"/>
-              <a:t>13/09/2019</a:t>
+              <a:t>19/09/2019</a:t>
             </a:fld>
             <a:endParaRPr lang="fr-FR"/>
           </a:p>
@@ -1241,7 +1242,7 @@
           <a:p>
             <a:fld id="{755BA608-1639-41EA-B572-74EA19863A33}" type="datetimeFigureOut">
               <a:rPr lang="fr-FR" smtClean="0"/>
-              <a:t>13/09/2019</a:t>
+              <a:t>19/09/2019</a:t>
             </a:fld>
             <a:endParaRPr lang="fr-FR"/>
           </a:p>
@@ -1605,7 +1606,7 @@
           <a:p>
             <a:fld id="{755BA608-1639-41EA-B572-74EA19863A33}" type="datetimeFigureOut">
               <a:rPr lang="fr-FR" smtClean="0"/>
-              <a:t>13/09/2019</a:t>
+              <a:t>19/09/2019</a:t>
             </a:fld>
             <a:endParaRPr lang="fr-FR"/>
           </a:p>
@@ -1722,7 +1723,7 @@
           <a:p>
             <a:fld id="{755BA608-1639-41EA-B572-74EA19863A33}" type="datetimeFigureOut">
               <a:rPr lang="fr-FR" smtClean="0"/>
-              <a:t>13/09/2019</a:t>
+              <a:t>19/09/2019</a:t>
             </a:fld>
             <a:endParaRPr lang="fr-FR"/>
           </a:p>
@@ -1817,7 +1818,7 @@
           <a:p>
             <a:fld id="{755BA608-1639-41EA-B572-74EA19863A33}" type="datetimeFigureOut">
               <a:rPr lang="fr-FR" smtClean="0"/>
-              <a:t>13/09/2019</a:t>
+              <a:t>19/09/2019</a:t>
             </a:fld>
             <a:endParaRPr lang="fr-FR"/>
           </a:p>
@@ -2092,7 +2093,7 @@
           <a:p>
             <a:fld id="{755BA608-1639-41EA-B572-74EA19863A33}" type="datetimeFigureOut">
               <a:rPr lang="fr-FR" smtClean="0"/>
-              <a:t>13/09/2019</a:t>
+              <a:t>19/09/2019</a:t>
             </a:fld>
             <a:endParaRPr lang="fr-FR"/>
           </a:p>
@@ -2344,7 +2345,7 @@
           <a:p>
             <a:fld id="{755BA608-1639-41EA-B572-74EA19863A33}" type="datetimeFigureOut">
               <a:rPr lang="fr-FR" smtClean="0"/>
-              <a:t>13/09/2019</a:t>
+              <a:t>19/09/2019</a:t>
             </a:fld>
             <a:endParaRPr lang="fr-FR"/>
           </a:p>
@@ -2555,7 +2556,7 @@
           <a:p>
             <a:fld id="{755BA608-1639-41EA-B572-74EA19863A33}" type="datetimeFigureOut">
               <a:rPr lang="fr-FR" smtClean="0"/>
-              <a:t>13/09/2019</a:t>
+              <a:t>19/09/2019</a:t>
             </a:fld>
             <a:endParaRPr lang="fr-FR"/>
           </a:p>
@@ -5693,6 +5694,830 @@
 </p:sld>
 </file>
 
+<file path=ppt/slides/slide14.xml><?xml version="1.0" encoding="utf-8"?>
+<p:sld xmlns:a="http://schemas.openxmlformats.org/drawingml/2006/main" xmlns:r="http://schemas.openxmlformats.org/officeDocument/2006/relationships" xmlns:p="http://schemas.openxmlformats.org/presentationml/2006/main">
+  <p:cSld>
+    <p:spTree>
+      <p:nvGrpSpPr>
+        <p:cNvPr id="1" name=""/>
+        <p:cNvGrpSpPr/>
+        <p:nvPr/>
+      </p:nvGrpSpPr>
+      <p:grpSpPr>
+        <a:xfrm>
+          <a:off x="0" y="0"/>
+          <a:ext cx="0" cy="0"/>
+          <a:chOff x="0" y="0"/>
+          <a:chExt cx="0" cy="0"/>
+        </a:xfrm>
+      </p:grpSpPr>
+      <p:sp>
+        <p:nvSpPr>
+          <p:cNvPr id="2" name="Titre 1"/>
+          <p:cNvSpPr>
+            <a:spLocks noGrp="1"/>
+          </p:cNvSpPr>
+          <p:nvPr>
+            <p:ph type="ctrTitle"/>
+          </p:nvPr>
+        </p:nvSpPr>
+        <p:spPr>
+          <a:xfrm>
+            <a:off x="1030224" y="384048"/>
+            <a:ext cx="9144000" cy="1287970"/>
+          </a:xfrm>
+        </p:spPr>
+        <p:txBody>
+          <a:bodyPr/>
+          <a:lstStyle/>
+          <a:p>
+            <a:r>
+              <a:rPr lang="fr-FR" dirty="0"/>
+              <a:t>Item 28</a:t>
+            </a:r>
+          </a:p>
+        </p:txBody>
+      </p:sp>
+      <p:sp>
+        <p:nvSpPr>
+          <p:cNvPr id="3" name="Sous-titre 2"/>
+          <p:cNvSpPr>
+            <a:spLocks noGrp="1"/>
+          </p:cNvSpPr>
+          <p:nvPr>
+            <p:ph type="subTitle" idx="1"/>
+          </p:nvPr>
+        </p:nvSpPr>
+        <p:spPr>
+          <a:xfrm>
+            <a:off x="1304544" y="1928686"/>
+            <a:ext cx="9144000" cy="4408106"/>
+          </a:xfrm>
+        </p:spPr>
+        <p:txBody>
+          <a:bodyPr>
+            <a:noAutofit/>
+          </a:bodyPr>
+          <a:lstStyle/>
+          <a:p>
+            <a:pPr algn="l"/>
+            <a:r>
+              <a:rPr lang="en-US" sz="2000" dirty="0"/>
+              <a:t>What is an easy way to declare arrays?</a:t>
+            </a:r>
+          </a:p>
+          <a:p>
+            <a:pPr algn="l"/>
+            <a:r>
+              <a:rPr lang="en-US" sz="2000" b="1" dirty="0">
+                <a:solidFill>
+                  <a:srgbClr val="0070C0"/>
+                </a:solidFill>
+                <a:sym typeface="Wingdings" panose="05000000000000000000" pitchFamily="2" charset="2"/>
+              </a:rPr>
+              <a:t>            Simply use:  “ private final </a:t>
+            </a:r>
+            <a:r>
+              <a:rPr lang="en-US" sz="2000" b="1" dirty="0" err="1">
+                <a:solidFill>
+                  <a:srgbClr val="0070C0"/>
+                </a:solidFill>
+                <a:sym typeface="Wingdings" panose="05000000000000000000" pitchFamily="2" charset="2"/>
+              </a:rPr>
+              <a:t>MyClass</a:t>
+            </a:r>
+            <a:r>
+              <a:rPr lang="en-US" sz="2000" b="1" dirty="0">
+                <a:solidFill>
+                  <a:srgbClr val="0070C0"/>
+                </a:solidFill>
+                <a:sym typeface="Wingdings" panose="05000000000000000000" pitchFamily="2" charset="2"/>
+              </a:rPr>
+              <a:t>[] </a:t>
+            </a:r>
+            <a:r>
+              <a:rPr lang="en-US" sz="2000" b="1" dirty="0" err="1">
+                <a:solidFill>
+                  <a:srgbClr val="0070C0"/>
+                </a:solidFill>
+                <a:sym typeface="Wingdings" panose="05000000000000000000" pitchFamily="2" charset="2"/>
+              </a:rPr>
+              <a:t>myArray</a:t>
+            </a:r>
+            <a:r>
+              <a:rPr lang="en-US" sz="2000" b="1" dirty="0">
+                <a:solidFill>
+                  <a:srgbClr val="0070C0"/>
+                </a:solidFill>
+                <a:sym typeface="Wingdings" panose="05000000000000000000" pitchFamily="2" charset="2"/>
+              </a:rPr>
+              <a:t>  = …. “</a:t>
+            </a:r>
+          </a:p>
+          <a:p>
+            <a:pPr algn="l"/>
+            <a:endParaRPr lang="en-US" sz="2000" dirty="0"/>
+          </a:p>
+          <a:p>
+            <a:pPr algn="l"/>
+            <a:r>
+              <a:rPr lang="en-US" sz="2000" dirty="0"/>
+              <a:t>But what if:</a:t>
+            </a:r>
+          </a:p>
+          <a:p>
+            <a:pPr marL="342900" indent="-342900" algn="l">
+              <a:buFont typeface="Wingdings" panose="05000000000000000000" pitchFamily="2" charset="2"/>
+              <a:buChar char="q"/>
+            </a:pPr>
+            <a:r>
+              <a:rPr lang="en-US" sz="2000" dirty="0"/>
+              <a:t>I want to guarantee my code to be safe enough (e.g. Avoid </a:t>
+            </a:r>
+            <a:r>
+              <a:rPr lang="en-US" sz="2000" dirty="0" err="1"/>
+              <a:t>ArrayStoreException</a:t>
+            </a:r>
+            <a:r>
+              <a:rPr lang="en-US" sz="2000" dirty="0"/>
+              <a:t>)?</a:t>
+            </a:r>
+          </a:p>
+          <a:p>
+            <a:pPr marL="342900" indent="-342900" algn="l">
+              <a:buFont typeface="Wingdings" panose="05000000000000000000" pitchFamily="2" charset="2"/>
+              <a:buChar char="q"/>
+            </a:pPr>
+            <a:r>
+              <a:rPr lang="en-US" sz="2000" dirty="0"/>
+              <a:t>I need to create more complex structures? </a:t>
+            </a:r>
+          </a:p>
+          <a:p>
+            <a:pPr algn="l"/>
+            <a:r>
+              <a:rPr lang="en-US" sz="2000" dirty="0"/>
+              <a:t>      e.g. complex arrays: “ </a:t>
+            </a:r>
+            <a:r>
+              <a:rPr lang="en-US" sz="2000" i="1" dirty="0"/>
+              <a:t>List&lt;? extends Number&gt; [length]</a:t>
+            </a:r>
+            <a:r>
+              <a:rPr lang="en-US" sz="2000" dirty="0"/>
+              <a:t> “</a:t>
+            </a:r>
+          </a:p>
+        </p:txBody>
+      </p:sp>
+      <p:sp>
+        <p:nvSpPr>
+          <p:cNvPr id="4" name="Rectangle 3"/>
+          <p:cNvSpPr/>
+          <p:nvPr/>
+        </p:nvSpPr>
+        <p:spPr>
+          <a:xfrm>
+            <a:off x="3426674" y="5097887"/>
+            <a:ext cx="5393528" cy="954107"/>
+          </a:xfrm>
+          <a:prstGeom prst="rect">
+            <a:avLst/>
+          </a:prstGeom>
+          <a:noFill/>
+        </p:spPr>
+        <p:txBody>
+          <a:bodyPr wrap="none" lIns="91440" tIns="45720" rIns="91440" bIns="45720">
+            <a:spAutoFit/>
+          </a:bodyPr>
+          <a:lstStyle/>
+          <a:p>
+            <a:pPr algn="ctr"/>
+            <a:r>
+              <a:rPr lang="en-US" sz="2800" b="1" dirty="0">
+                <a:ln w="22225">
+                  <a:solidFill>
+                    <a:schemeClr val="accent2"/>
+                  </a:solidFill>
+                  <a:prstDash val="solid"/>
+                </a:ln>
+                <a:solidFill>
+                  <a:schemeClr val="accent2">
+                    <a:lumMod val="40000"/>
+                    <a:lumOff val="60000"/>
+                  </a:schemeClr>
+                </a:solidFill>
+              </a:rPr>
+              <a:t>Arrays and generics don’t mix well.</a:t>
+            </a:r>
+          </a:p>
+          <a:p>
+            <a:pPr algn="ctr"/>
+            <a:r>
+              <a:rPr lang="en-US" sz="2800" b="1" dirty="0">
+                <a:ln w="22225">
+                  <a:solidFill>
+                    <a:schemeClr val="accent2"/>
+                  </a:solidFill>
+                  <a:prstDash val="solid"/>
+                </a:ln>
+                <a:solidFill>
+                  <a:schemeClr val="accent2">
+                    <a:lumMod val="40000"/>
+                    <a:lumOff val="60000"/>
+                  </a:schemeClr>
+                </a:solidFill>
+              </a:rPr>
+              <a:t>Prefer Lists over Arrays.</a:t>
+            </a:r>
+            <a:endParaRPr lang="fr-FR" sz="2800" b="1" cap="none" spc="0" dirty="0">
+              <a:ln w="22225">
+                <a:solidFill>
+                  <a:schemeClr val="accent2"/>
+                </a:solidFill>
+                <a:prstDash val="solid"/>
+              </a:ln>
+              <a:solidFill>
+                <a:schemeClr val="accent2">
+                  <a:lumMod val="40000"/>
+                  <a:lumOff val="60000"/>
+                </a:schemeClr>
+              </a:solidFill>
+              <a:effectLst/>
+            </a:endParaRPr>
+          </a:p>
+        </p:txBody>
+      </p:sp>
+    </p:spTree>
+    <p:extLst>
+      <p:ext uri="{BB962C8B-B14F-4D97-AF65-F5344CB8AC3E}">
+        <p14:creationId xmlns:p14="http://schemas.microsoft.com/office/powerpoint/2010/main" val="3345406561"/>
+      </p:ext>
+    </p:extLst>
+  </p:cSld>
+  <p:clrMapOvr>
+    <a:masterClrMapping/>
+  </p:clrMapOvr>
+  <p:timing>
+    <p:tnLst>
+      <p:par>
+        <p:cTn id="1" dur="indefinite" restart="never" nodeType="tmRoot">
+          <p:childTnLst>
+            <p:seq concurrent="1" nextAc="seek">
+              <p:cTn id="2" dur="indefinite" nodeType="mainSeq">
+                <p:childTnLst>
+                  <p:par>
+                    <p:cTn id="3" fill="hold">
+                      <p:stCondLst>
+                        <p:cond delay="indefinite"/>
+                      </p:stCondLst>
+                      <p:childTnLst>
+                        <p:par>
+                          <p:cTn id="4" fill="hold">
+                            <p:stCondLst>
+                              <p:cond delay="0"/>
+                            </p:stCondLst>
+                            <p:childTnLst>
+                              <p:par>
+                                <p:cTn id="5" presetID="1" presetClass="entr" presetSubtype="0" fill="hold" nodeType="clickEffect">
+                                  <p:stCondLst>
+                                    <p:cond delay="0"/>
+                                  </p:stCondLst>
+                                  <p:childTnLst>
+                                    <p:set>
+                                      <p:cBhvr>
+                                        <p:cTn id="6" dur="1" fill="hold">
+                                          <p:stCondLst>
+                                            <p:cond delay="0"/>
+                                          </p:stCondLst>
+                                        </p:cTn>
+                                        <p:tgtEl>
+                                          <p:spTgt spid="3">
+                                            <p:txEl>
+                                              <p:pRg st="1" end="1"/>
+                                            </p:txEl>
+                                          </p:spTgt>
+                                        </p:tgtEl>
+                                        <p:attrNameLst>
+                                          <p:attrName>style.visibility</p:attrName>
+                                        </p:attrNameLst>
+                                      </p:cBhvr>
+                                      <p:to>
+                                        <p:strVal val="visible"/>
+                                      </p:to>
+                                    </p:set>
+                                  </p:childTnLst>
+                                </p:cTn>
+                              </p:par>
+                            </p:childTnLst>
+                          </p:cTn>
+                        </p:par>
+                      </p:childTnLst>
+                    </p:cTn>
+                  </p:par>
+                  <p:par>
+                    <p:cTn id="7" fill="hold">
+                      <p:stCondLst>
+                        <p:cond delay="indefinite"/>
+                      </p:stCondLst>
+                      <p:childTnLst>
+                        <p:par>
+                          <p:cTn id="8" fill="hold">
+                            <p:stCondLst>
+                              <p:cond delay="0"/>
+                            </p:stCondLst>
+                            <p:childTnLst>
+                              <p:par>
+                                <p:cTn id="9" presetID="2" presetClass="entr" presetSubtype="4" fill="hold" nodeType="clickEffect">
+                                  <p:stCondLst>
+                                    <p:cond delay="0"/>
+                                  </p:stCondLst>
+                                  <p:childTnLst>
+                                    <p:set>
+                                      <p:cBhvr>
+                                        <p:cTn id="10" dur="1" fill="hold">
+                                          <p:stCondLst>
+                                            <p:cond delay="0"/>
+                                          </p:stCondLst>
+                                        </p:cTn>
+                                        <p:tgtEl>
+                                          <p:spTgt spid="3">
+                                            <p:txEl>
+                                              <p:pRg st="3" end="3"/>
+                                            </p:txEl>
+                                          </p:spTgt>
+                                        </p:tgtEl>
+                                        <p:attrNameLst>
+                                          <p:attrName>style.visibility</p:attrName>
+                                        </p:attrNameLst>
+                                      </p:cBhvr>
+                                      <p:to>
+                                        <p:strVal val="visible"/>
+                                      </p:to>
+                                    </p:set>
+                                    <p:anim calcmode="lin" valueType="num">
+                                      <p:cBhvr additive="base">
+                                        <p:cTn id="11" dur="500" fill="hold"/>
+                                        <p:tgtEl>
+                                          <p:spTgt spid="3">
+                                            <p:txEl>
+                                              <p:pRg st="3" end="3"/>
+                                            </p:txEl>
+                                          </p:spTgt>
+                                        </p:tgtEl>
+                                        <p:attrNameLst>
+                                          <p:attrName>ppt_x</p:attrName>
+                                        </p:attrNameLst>
+                                      </p:cBhvr>
+                                      <p:tavLst>
+                                        <p:tav tm="0">
+                                          <p:val>
+                                            <p:strVal val="#ppt_x"/>
+                                          </p:val>
+                                        </p:tav>
+                                        <p:tav tm="100000">
+                                          <p:val>
+                                            <p:strVal val="#ppt_x"/>
+                                          </p:val>
+                                        </p:tav>
+                                      </p:tavLst>
+                                    </p:anim>
+                                    <p:anim calcmode="lin" valueType="num">
+                                      <p:cBhvr additive="base">
+                                        <p:cTn id="12" dur="500" fill="hold"/>
+                                        <p:tgtEl>
+                                          <p:spTgt spid="3">
+                                            <p:txEl>
+                                              <p:pRg st="3" end="3"/>
+                                            </p:txEl>
+                                          </p:spTgt>
+                                        </p:tgtEl>
+                                        <p:attrNameLst>
+                                          <p:attrName>ppt_y</p:attrName>
+                                        </p:attrNameLst>
+                                      </p:cBhvr>
+                                      <p:tavLst>
+                                        <p:tav tm="0">
+                                          <p:val>
+                                            <p:strVal val="1+#ppt_h/2"/>
+                                          </p:val>
+                                        </p:tav>
+                                        <p:tav tm="100000">
+                                          <p:val>
+                                            <p:strVal val="#ppt_y"/>
+                                          </p:val>
+                                        </p:tav>
+                                      </p:tavLst>
+                                    </p:anim>
+                                  </p:childTnLst>
+                                </p:cTn>
+                              </p:par>
+                            </p:childTnLst>
+                          </p:cTn>
+                        </p:par>
+                      </p:childTnLst>
+                    </p:cTn>
+                  </p:par>
+                  <p:par>
+                    <p:cTn id="13" fill="hold">
+                      <p:stCondLst>
+                        <p:cond delay="indefinite"/>
+                      </p:stCondLst>
+                      <p:childTnLst>
+                        <p:par>
+                          <p:cTn id="14" fill="hold">
+                            <p:stCondLst>
+                              <p:cond delay="0"/>
+                            </p:stCondLst>
+                            <p:childTnLst>
+                              <p:par>
+                                <p:cTn id="15" presetID="2" presetClass="entr" presetSubtype="4" fill="hold" nodeType="clickEffect">
+                                  <p:stCondLst>
+                                    <p:cond delay="0"/>
+                                  </p:stCondLst>
+                                  <p:childTnLst>
+                                    <p:set>
+                                      <p:cBhvr>
+                                        <p:cTn id="16" dur="1" fill="hold">
+                                          <p:stCondLst>
+                                            <p:cond delay="0"/>
+                                          </p:stCondLst>
+                                        </p:cTn>
+                                        <p:tgtEl>
+                                          <p:spTgt spid="3">
+                                            <p:txEl>
+                                              <p:pRg st="4" end="4"/>
+                                            </p:txEl>
+                                          </p:spTgt>
+                                        </p:tgtEl>
+                                        <p:attrNameLst>
+                                          <p:attrName>style.visibility</p:attrName>
+                                        </p:attrNameLst>
+                                      </p:cBhvr>
+                                      <p:to>
+                                        <p:strVal val="visible"/>
+                                      </p:to>
+                                    </p:set>
+                                    <p:anim calcmode="lin" valueType="num">
+                                      <p:cBhvr additive="base">
+                                        <p:cTn id="17" dur="500" fill="hold"/>
+                                        <p:tgtEl>
+                                          <p:spTgt spid="3">
+                                            <p:txEl>
+                                              <p:pRg st="4" end="4"/>
+                                            </p:txEl>
+                                          </p:spTgt>
+                                        </p:tgtEl>
+                                        <p:attrNameLst>
+                                          <p:attrName>ppt_x</p:attrName>
+                                        </p:attrNameLst>
+                                      </p:cBhvr>
+                                      <p:tavLst>
+                                        <p:tav tm="0">
+                                          <p:val>
+                                            <p:strVal val="#ppt_x"/>
+                                          </p:val>
+                                        </p:tav>
+                                        <p:tav tm="100000">
+                                          <p:val>
+                                            <p:strVal val="#ppt_x"/>
+                                          </p:val>
+                                        </p:tav>
+                                      </p:tavLst>
+                                    </p:anim>
+                                    <p:anim calcmode="lin" valueType="num">
+                                      <p:cBhvr additive="base">
+                                        <p:cTn id="18" dur="500" fill="hold"/>
+                                        <p:tgtEl>
+                                          <p:spTgt spid="3">
+                                            <p:txEl>
+                                              <p:pRg st="4" end="4"/>
+                                            </p:txEl>
+                                          </p:spTgt>
+                                        </p:tgtEl>
+                                        <p:attrNameLst>
+                                          <p:attrName>ppt_y</p:attrName>
+                                        </p:attrNameLst>
+                                      </p:cBhvr>
+                                      <p:tavLst>
+                                        <p:tav tm="0">
+                                          <p:val>
+                                            <p:strVal val="1+#ppt_h/2"/>
+                                          </p:val>
+                                        </p:tav>
+                                        <p:tav tm="100000">
+                                          <p:val>
+                                            <p:strVal val="#ppt_y"/>
+                                          </p:val>
+                                        </p:tav>
+                                      </p:tavLst>
+                                    </p:anim>
+                                  </p:childTnLst>
+                                </p:cTn>
+                              </p:par>
+                              <p:par>
+                                <p:cTn id="19" presetID="2" presetClass="entr" presetSubtype="4" fill="hold" nodeType="withEffect">
+                                  <p:stCondLst>
+                                    <p:cond delay="0"/>
+                                  </p:stCondLst>
+                                  <p:childTnLst>
+                                    <p:set>
+                                      <p:cBhvr>
+                                        <p:cTn id="20" dur="1" fill="hold">
+                                          <p:stCondLst>
+                                            <p:cond delay="0"/>
+                                          </p:stCondLst>
+                                        </p:cTn>
+                                        <p:tgtEl>
+                                          <p:spTgt spid="3">
+                                            <p:txEl>
+                                              <p:pRg st="5" end="5"/>
+                                            </p:txEl>
+                                          </p:spTgt>
+                                        </p:tgtEl>
+                                        <p:attrNameLst>
+                                          <p:attrName>style.visibility</p:attrName>
+                                        </p:attrNameLst>
+                                      </p:cBhvr>
+                                      <p:to>
+                                        <p:strVal val="visible"/>
+                                      </p:to>
+                                    </p:set>
+                                    <p:anim calcmode="lin" valueType="num">
+                                      <p:cBhvr additive="base">
+                                        <p:cTn id="21" dur="500" fill="hold"/>
+                                        <p:tgtEl>
+                                          <p:spTgt spid="3">
+                                            <p:txEl>
+                                              <p:pRg st="5" end="5"/>
+                                            </p:txEl>
+                                          </p:spTgt>
+                                        </p:tgtEl>
+                                        <p:attrNameLst>
+                                          <p:attrName>ppt_x</p:attrName>
+                                        </p:attrNameLst>
+                                      </p:cBhvr>
+                                      <p:tavLst>
+                                        <p:tav tm="0">
+                                          <p:val>
+                                            <p:strVal val="#ppt_x"/>
+                                          </p:val>
+                                        </p:tav>
+                                        <p:tav tm="100000">
+                                          <p:val>
+                                            <p:strVal val="#ppt_x"/>
+                                          </p:val>
+                                        </p:tav>
+                                      </p:tavLst>
+                                    </p:anim>
+                                    <p:anim calcmode="lin" valueType="num">
+                                      <p:cBhvr additive="base">
+                                        <p:cTn id="22" dur="500" fill="hold"/>
+                                        <p:tgtEl>
+                                          <p:spTgt spid="3">
+                                            <p:txEl>
+                                              <p:pRg st="5" end="5"/>
+                                            </p:txEl>
+                                          </p:spTgt>
+                                        </p:tgtEl>
+                                        <p:attrNameLst>
+                                          <p:attrName>ppt_y</p:attrName>
+                                        </p:attrNameLst>
+                                      </p:cBhvr>
+                                      <p:tavLst>
+                                        <p:tav tm="0">
+                                          <p:val>
+                                            <p:strVal val="1+#ppt_h/2"/>
+                                          </p:val>
+                                        </p:tav>
+                                        <p:tav tm="100000">
+                                          <p:val>
+                                            <p:strVal val="#ppt_y"/>
+                                          </p:val>
+                                        </p:tav>
+                                      </p:tavLst>
+                                    </p:anim>
+                                  </p:childTnLst>
+                                </p:cTn>
+                              </p:par>
+                              <p:par>
+                                <p:cTn id="23" presetID="2" presetClass="entr" presetSubtype="4" fill="hold" nodeType="withEffect">
+                                  <p:stCondLst>
+                                    <p:cond delay="0"/>
+                                  </p:stCondLst>
+                                  <p:childTnLst>
+                                    <p:set>
+                                      <p:cBhvr>
+                                        <p:cTn id="24" dur="1" fill="hold">
+                                          <p:stCondLst>
+                                            <p:cond delay="0"/>
+                                          </p:stCondLst>
+                                        </p:cTn>
+                                        <p:tgtEl>
+                                          <p:spTgt spid="3">
+                                            <p:txEl>
+                                              <p:pRg st="6" end="6"/>
+                                            </p:txEl>
+                                          </p:spTgt>
+                                        </p:tgtEl>
+                                        <p:attrNameLst>
+                                          <p:attrName>style.visibility</p:attrName>
+                                        </p:attrNameLst>
+                                      </p:cBhvr>
+                                      <p:to>
+                                        <p:strVal val="visible"/>
+                                      </p:to>
+                                    </p:set>
+                                    <p:anim calcmode="lin" valueType="num">
+                                      <p:cBhvr additive="base">
+                                        <p:cTn id="25" dur="500" fill="hold"/>
+                                        <p:tgtEl>
+                                          <p:spTgt spid="3">
+                                            <p:txEl>
+                                              <p:pRg st="6" end="6"/>
+                                            </p:txEl>
+                                          </p:spTgt>
+                                        </p:tgtEl>
+                                        <p:attrNameLst>
+                                          <p:attrName>ppt_x</p:attrName>
+                                        </p:attrNameLst>
+                                      </p:cBhvr>
+                                      <p:tavLst>
+                                        <p:tav tm="0">
+                                          <p:val>
+                                            <p:strVal val="#ppt_x"/>
+                                          </p:val>
+                                        </p:tav>
+                                        <p:tav tm="100000">
+                                          <p:val>
+                                            <p:strVal val="#ppt_x"/>
+                                          </p:val>
+                                        </p:tav>
+                                      </p:tavLst>
+                                    </p:anim>
+                                    <p:anim calcmode="lin" valueType="num">
+                                      <p:cBhvr additive="base">
+                                        <p:cTn id="26" dur="500" fill="hold"/>
+                                        <p:tgtEl>
+                                          <p:spTgt spid="3">
+                                            <p:txEl>
+                                              <p:pRg st="6" end="6"/>
+                                            </p:txEl>
+                                          </p:spTgt>
+                                        </p:tgtEl>
+                                        <p:attrNameLst>
+                                          <p:attrName>ppt_y</p:attrName>
+                                        </p:attrNameLst>
+                                      </p:cBhvr>
+                                      <p:tavLst>
+                                        <p:tav tm="0">
+                                          <p:val>
+                                            <p:strVal val="1+#ppt_h/2"/>
+                                          </p:val>
+                                        </p:tav>
+                                        <p:tav tm="100000">
+                                          <p:val>
+                                            <p:strVal val="#ppt_y"/>
+                                          </p:val>
+                                        </p:tav>
+                                      </p:tavLst>
+                                    </p:anim>
+                                  </p:childTnLst>
+                                </p:cTn>
+                              </p:par>
+                            </p:childTnLst>
+                          </p:cTn>
+                        </p:par>
+                      </p:childTnLst>
+                    </p:cTn>
+                  </p:par>
+                  <p:par>
+                    <p:cTn id="27" fill="hold">
+                      <p:stCondLst>
+                        <p:cond delay="indefinite"/>
+                      </p:stCondLst>
+                      <p:childTnLst>
+                        <p:par>
+                          <p:cTn id="28" fill="hold">
+                            <p:stCondLst>
+                              <p:cond delay="0"/>
+                            </p:stCondLst>
+                            <p:childTnLst>
+                              <p:par>
+                                <p:cTn id="29" presetID="53" presetClass="entr" presetSubtype="16" fill="hold" grpId="0" nodeType="clickEffect">
+                                  <p:stCondLst>
+                                    <p:cond delay="0"/>
+                                  </p:stCondLst>
+                                  <p:childTnLst>
+                                    <p:set>
+                                      <p:cBhvr>
+                                        <p:cTn id="30" dur="1" fill="hold">
+                                          <p:stCondLst>
+                                            <p:cond delay="0"/>
+                                          </p:stCondLst>
+                                        </p:cTn>
+                                        <p:tgtEl>
+                                          <p:spTgt spid="4"/>
+                                        </p:tgtEl>
+                                        <p:attrNameLst>
+                                          <p:attrName>style.visibility</p:attrName>
+                                        </p:attrNameLst>
+                                      </p:cBhvr>
+                                      <p:to>
+                                        <p:strVal val="visible"/>
+                                      </p:to>
+                                    </p:set>
+                                    <p:anim calcmode="lin" valueType="num">
+                                      <p:cBhvr>
+                                        <p:cTn id="31" dur="500" fill="hold"/>
+                                        <p:tgtEl>
+                                          <p:spTgt spid="4"/>
+                                        </p:tgtEl>
+                                        <p:attrNameLst>
+                                          <p:attrName>ppt_w</p:attrName>
+                                        </p:attrNameLst>
+                                      </p:cBhvr>
+                                      <p:tavLst>
+                                        <p:tav tm="0">
+                                          <p:val>
+                                            <p:fltVal val="0"/>
+                                          </p:val>
+                                        </p:tav>
+                                        <p:tav tm="100000">
+                                          <p:val>
+                                            <p:strVal val="#ppt_w"/>
+                                          </p:val>
+                                        </p:tav>
+                                      </p:tavLst>
+                                    </p:anim>
+                                    <p:anim calcmode="lin" valueType="num">
+                                      <p:cBhvr>
+                                        <p:cTn id="32" dur="500" fill="hold"/>
+                                        <p:tgtEl>
+                                          <p:spTgt spid="4"/>
+                                        </p:tgtEl>
+                                        <p:attrNameLst>
+                                          <p:attrName>ppt_h</p:attrName>
+                                        </p:attrNameLst>
+                                      </p:cBhvr>
+                                      <p:tavLst>
+                                        <p:tav tm="0">
+                                          <p:val>
+                                            <p:fltVal val="0"/>
+                                          </p:val>
+                                        </p:tav>
+                                        <p:tav tm="100000">
+                                          <p:val>
+                                            <p:strVal val="#ppt_h"/>
+                                          </p:val>
+                                        </p:tav>
+                                      </p:tavLst>
+                                    </p:anim>
+                                    <p:animEffect transition="in" filter="fade">
+                                      <p:cBhvr>
+                                        <p:cTn id="33" dur="500"/>
+                                        <p:tgtEl>
+                                          <p:spTgt spid="4"/>
+                                        </p:tgtEl>
+                                      </p:cBhvr>
+                                    </p:animEffect>
+                                  </p:childTnLst>
+                                </p:cTn>
+                              </p:par>
+                            </p:childTnLst>
+                          </p:cTn>
+                        </p:par>
+                      </p:childTnLst>
+                    </p:cTn>
+                  </p:par>
+                </p:childTnLst>
+              </p:cTn>
+              <p:prevCondLst>
+                <p:cond evt="onPrev" delay="0">
+                  <p:tgtEl>
+                    <p:sldTgt/>
+                  </p:tgtEl>
+                </p:cond>
+              </p:prevCondLst>
+              <p:nextCondLst>
+                <p:cond evt="onNext" delay="0">
+                  <p:tgtEl>
+                    <p:sldTgt/>
+                  </p:tgtEl>
+                </p:cond>
+              </p:nextCondLst>
+            </p:seq>
+          </p:childTnLst>
+        </p:cTn>
+      </p:par>
+    </p:tnLst>
+    <p:bldLst>
+      <p:bldP spid="4" grpId="0"/>
+    </p:bldLst>
+  </p:timing>
+</p:sld>
+</file>
+
 <file path=ppt/slides/slide2.xml><?xml version="1.0" encoding="utf-8"?>
 <p:sld xmlns:a="http://schemas.openxmlformats.org/drawingml/2006/main" xmlns:r="http://schemas.openxmlformats.org/officeDocument/2006/relationships" xmlns:p="http://schemas.openxmlformats.org/presentationml/2006/main">
   <p:cSld>

--- a/effective-java.pptx
+++ b/effective-java.pptx
@@ -254,7 +254,7 @@
           <a:p>
             <a:fld id="{755BA608-1639-41EA-B572-74EA19863A33}" type="datetimeFigureOut">
               <a:rPr lang="fr-FR" smtClean="0"/>
-              <a:t>19/09/2019</a:t>
+              <a:t>20/11/2019</a:t>
             </a:fld>
             <a:endParaRPr lang="fr-FR"/>
           </a:p>
@@ -296,7 +296,7 @@
           <a:p>
             <a:fld id="{6DABBBE8-4F33-445F-BAB7-1C9BE9D4933C}" type="slidenum">
               <a:rPr lang="fr-FR" smtClean="0"/>
-              <a:t>‹#›</a:t>
+              <a:t>‹N°›</a:t>
             </a:fld>
             <a:endParaRPr lang="fr-FR"/>
           </a:p>
@@ -422,7 +422,7 @@
           <a:p>
             <a:fld id="{755BA608-1639-41EA-B572-74EA19863A33}" type="datetimeFigureOut">
               <a:rPr lang="fr-FR" smtClean="0"/>
-              <a:t>19/09/2019</a:t>
+              <a:t>20/11/2019</a:t>
             </a:fld>
             <a:endParaRPr lang="fr-FR"/>
           </a:p>
@@ -464,7 +464,7 @@
           <a:p>
             <a:fld id="{6DABBBE8-4F33-445F-BAB7-1C9BE9D4933C}" type="slidenum">
               <a:rPr lang="fr-FR" smtClean="0"/>
-              <a:t>‹#›</a:t>
+              <a:t>‹N°›</a:t>
             </a:fld>
             <a:endParaRPr lang="fr-FR"/>
           </a:p>
@@ -600,7 +600,7 @@
           <a:p>
             <a:fld id="{755BA608-1639-41EA-B572-74EA19863A33}" type="datetimeFigureOut">
               <a:rPr lang="fr-FR" smtClean="0"/>
-              <a:t>19/09/2019</a:t>
+              <a:t>20/11/2019</a:t>
             </a:fld>
             <a:endParaRPr lang="fr-FR"/>
           </a:p>
@@ -642,7 +642,7 @@
           <a:p>
             <a:fld id="{6DABBBE8-4F33-445F-BAB7-1C9BE9D4933C}" type="slidenum">
               <a:rPr lang="fr-FR" smtClean="0"/>
-              <a:t>‹#›</a:t>
+              <a:t>‹N°›</a:t>
             </a:fld>
             <a:endParaRPr lang="fr-FR"/>
           </a:p>
@@ -768,7 +768,7 @@
           <a:p>
             <a:fld id="{755BA608-1639-41EA-B572-74EA19863A33}" type="datetimeFigureOut">
               <a:rPr lang="fr-FR" smtClean="0"/>
-              <a:t>19/09/2019</a:t>
+              <a:t>20/11/2019</a:t>
             </a:fld>
             <a:endParaRPr lang="fr-FR"/>
           </a:p>
@@ -810,7 +810,7 @@
           <a:p>
             <a:fld id="{6DABBBE8-4F33-445F-BAB7-1C9BE9D4933C}" type="slidenum">
               <a:rPr lang="fr-FR" smtClean="0"/>
-              <a:t>‹#›</a:t>
+              <a:t>‹N°›</a:t>
             </a:fld>
             <a:endParaRPr lang="fr-FR"/>
           </a:p>
@@ -1013,7 +1013,7 @@
           <a:p>
             <a:fld id="{755BA608-1639-41EA-B572-74EA19863A33}" type="datetimeFigureOut">
               <a:rPr lang="fr-FR" smtClean="0"/>
-              <a:t>19/09/2019</a:t>
+              <a:t>20/11/2019</a:t>
             </a:fld>
             <a:endParaRPr lang="fr-FR"/>
           </a:p>
@@ -1055,7 +1055,7 @@
           <a:p>
             <a:fld id="{6DABBBE8-4F33-445F-BAB7-1C9BE9D4933C}" type="slidenum">
               <a:rPr lang="fr-FR" smtClean="0"/>
-              <a:t>‹#›</a:t>
+              <a:t>‹N°›</a:t>
             </a:fld>
             <a:endParaRPr lang="fr-FR"/>
           </a:p>
@@ -1242,7 +1242,7 @@
           <a:p>
             <a:fld id="{755BA608-1639-41EA-B572-74EA19863A33}" type="datetimeFigureOut">
               <a:rPr lang="fr-FR" smtClean="0"/>
-              <a:t>19/09/2019</a:t>
+              <a:t>20/11/2019</a:t>
             </a:fld>
             <a:endParaRPr lang="fr-FR"/>
           </a:p>
@@ -1284,7 +1284,7 @@
           <a:p>
             <a:fld id="{6DABBBE8-4F33-445F-BAB7-1C9BE9D4933C}" type="slidenum">
               <a:rPr lang="fr-FR" smtClean="0"/>
-              <a:t>‹#›</a:t>
+              <a:t>‹N°›</a:t>
             </a:fld>
             <a:endParaRPr lang="fr-FR"/>
           </a:p>
@@ -1606,7 +1606,7 @@
           <a:p>
             <a:fld id="{755BA608-1639-41EA-B572-74EA19863A33}" type="datetimeFigureOut">
               <a:rPr lang="fr-FR" smtClean="0"/>
-              <a:t>19/09/2019</a:t>
+              <a:t>20/11/2019</a:t>
             </a:fld>
             <a:endParaRPr lang="fr-FR"/>
           </a:p>
@@ -1648,7 +1648,7 @@
           <a:p>
             <a:fld id="{6DABBBE8-4F33-445F-BAB7-1C9BE9D4933C}" type="slidenum">
               <a:rPr lang="fr-FR" smtClean="0"/>
-              <a:t>‹#›</a:t>
+              <a:t>‹N°›</a:t>
             </a:fld>
             <a:endParaRPr lang="fr-FR"/>
           </a:p>
@@ -1723,7 +1723,7 @@
           <a:p>
             <a:fld id="{755BA608-1639-41EA-B572-74EA19863A33}" type="datetimeFigureOut">
               <a:rPr lang="fr-FR" smtClean="0"/>
-              <a:t>19/09/2019</a:t>
+              <a:t>20/11/2019</a:t>
             </a:fld>
             <a:endParaRPr lang="fr-FR"/>
           </a:p>
@@ -1765,7 +1765,7 @@
           <a:p>
             <a:fld id="{6DABBBE8-4F33-445F-BAB7-1C9BE9D4933C}" type="slidenum">
               <a:rPr lang="fr-FR" smtClean="0"/>
-              <a:t>‹#›</a:t>
+              <a:t>‹N°›</a:t>
             </a:fld>
             <a:endParaRPr lang="fr-FR"/>
           </a:p>
@@ -1818,7 +1818,7 @@
           <a:p>
             <a:fld id="{755BA608-1639-41EA-B572-74EA19863A33}" type="datetimeFigureOut">
               <a:rPr lang="fr-FR" smtClean="0"/>
-              <a:t>19/09/2019</a:t>
+              <a:t>20/11/2019</a:t>
             </a:fld>
             <a:endParaRPr lang="fr-FR"/>
           </a:p>
@@ -1860,7 +1860,7 @@
           <a:p>
             <a:fld id="{6DABBBE8-4F33-445F-BAB7-1C9BE9D4933C}" type="slidenum">
               <a:rPr lang="fr-FR" smtClean="0"/>
-              <a:t>‹#›</a:t>
+              <a:t>‹N°›</a:t>
             </a:fld>
             <a:endParaRPr lang="fr-FR"/>
           </a:p>
@@ -2093,7 +2093,7 @@
           <a:p>
             <a:fld id="{755BA608-1639-41EA-B572-74EA19863A33}" type="datetimeFigureOut">
               <a:rPr lang="fr-FR" smtClean="0"/>
-              <a:t>19/09/2019</a:t>
+              <a:t>20/11/2019</a:t>
             </a:fld>
             <a:endParaRPr lang="fr-FR"/>
           </a:p>
@@ -2135,7 +2135,7 @@
           <a:p>
             <a:fld id="{6DABBBE8-4F33-445F-BAB7-1C9BE9D4933C}" type="slidenum">
               <a:rPr lang="fr-FR" smtClean="0"/>
-              <a:t>‹#›</a:t>
+              <a:t>‹N°›</a:t>
             </a:fld>
             <a:endParaRPr lang="fr-FR"/>
           </a:p>
@@ -2345,7 +2345,7 @@
           <a:p>
             <a:fld id="{755BA608-1639-41EA-B572-74EA19863A33}" type="datetimeFigureOut">
               <a:rPr lang="fr-FR" smtClean="0"/>
-              <a:t>19/09/2019</a:t>
+              <a:t>20/11/2019</a:t>
             </a:fld>
             <a:endParaRPr lang="fr-FR"/>
           </a:p>
@@ -2387,7 +2387,7 @@
           <a:p>
             <a:fld id="{6DABBBE8-4F33-445F-BAB7-1C9BE9D4933C}" type="slidenum">
               <a:rPr lang="fr-FR" smtClean="0"/>
-              <a:t>‹#›</a:t>
+              <a:t>‹N°›</a:t>
             </a:fld>
             <a:endParaRPr lang="fr-FR"/>
           </a:p>
@@ -2556,7 +2556,7 @@
           <a:p>
             <a:fld id="{755BA608-1639-41EA-B572-74EA19863A33}" type="datetimeFigureOut">
               <a:rPr lang="fr-FR" smtClean="0"/>
-              <a:t>19/09/2019</a:t>
+              <a:t>20/11/2019</a:t>
             </a:fld>
             <a:endParaRPr lang="fr-FR"/>
           </a:p>
@@ -2634,7 +2634,7 @@
           <a:p>
             <a:fld id="{6DABBBE8-4F33-445F-BAB7-1C9BE9D4933C}" type="slidenum">
               <a:rPr lang="fr-FR" smtClean="0"/>
-              <a:t>‹#›</a:t>
+              <a:t>‹N°›</a:t>
             </a:fld>
             <a:endParaRPr lang="fr-FR"/>
           </a:p>
@@ -5132,7 +5132,7 @@
             </a:pPr>
             <a:r>
               <a:rPr lang="en-US" sz="2000" dirty="0"/>
-              <a:t>I want to avoid casting very object I read from the collection?</a:t>
+              <a:t>I want to avoid casting every object I read from the collection?</a:t>
             </a:r>
           </a:p>
           <a:p>

--- a/effective-java.pptx
+++ b/effective-java.pptx
@@ -15,10 +15,13 @@
     <p:sldId id="260" r:id="rId9"/>
     <p:sldId id="261" r:id="rId10"/>
     <p:sldId id="262" r:id="rId11"/>
-    <p:sldId id="263" r:id="rId12"/>
-    <p:sldId id="267" r:id="rId13"/>
-    <p:sldId id="268" r:id="rId14"/>
-    <p:sldId id="269" r:id="rId15"/>
+    <p:sldId id="270" r:id="rId12"/>
+    <p:sldId id="271" r:id="rId13"/>
+    <p:sldId id="272" r:id="rId14"/>
+    <p:sldId id="263" r:id="rId15"/>
+    <p:sldId id="267" r:id="rId16"/>
+    <p:sldId id="268" r:id="rId17"/>
+    <p:sldId id="269" r:id="rId18"/>
   </p:sldIdLst>
   <p:sldSz cx="12192000" cy="6858000"/>
   <p:notesSz cx="6858000" cy="9144000"/>
@@ -3670,6 +3673,485 @@
 <file path=ppt/slides/slide11.xml><?xml version="1.0" encoding="utf-8"?>
 <p:sld xmlns:a="http://schemas.openxmlformats.org/drawingml/2006/main" xmlns:r="http://schemas.openxmlformats.org/officeDocument/2006/relationships" xmlns:p="http://schemas.openxmlformats.org/presentationml/2006/main">
   <p:cSld>
+    <p:bg>
+      <p:bgPr>
+        <a:solidFill>
+          <a:schemeClr val="bg1"/>
+        </a:solidFill>
+        <a:effectLst/>
+      </p:bgPr>
+    </p:bg>
+    <p:spTree>
+      <p:nvGrpSpPr>
+        <p:cNvPr id="1" name=""/>
+        <p:cNvGrpSpPr/>
+        <p:nvPr/>
+      </p:nvGrpSpPr>
+      <p:grpSpPr>
+        <a:xfrm>
+          <a:off x="0" y="0"/>
+          <a:ext cx="0" cy="0"/>
+          <a:chOff x="0" y="0"/>
+          <a:chExt cx="0" cy="0"/>
+        </a:xfrm>
+      </p:grpSpPr>
+      <p:sp>
+        <p:nvSpPr>
+          <p:cNvPr id="21" name="Rectangle 14">
+            <a:extLst>
+              <a:ext uri="{FF2B5EF4-FFF2-40B4-BE49-F238E27FC236}">
+                <a16:creationId xmlns:a16="http://schemas.microsoft.com/office/drawing/2014/main" id="{32BC26D8-82FB-445E-AA49-62A77D7C1EE0}"/>
+              </a:ext>
+              <a:ext uri="{C183D7F6-B498-43B3-948B-1728B52AA6E4}">
+                <adec:decorative xmlns:adec="http://schemas.microsoft.com/office/drawing/2017/decorative" val="1"/>
+              </a:ext>
+            </a:extLst>
+          </p:cNvPr>
+          <p:cNvSpPr>
+            <a:spLocks noGrp="1" noRot="1" noChangeAspect="1" noMove="1" noResize="1" noEditPoints="1" noAdjustHandles="1" noChangeArrowheads="1" noChangeShapeType="1" noTextEdit="1"/>
+          </p:cNvSpPr>
+          <p:nvPr>
+            <p:extLst>
+              <p:ext uri="{386F3935-93C4-4BCD-93E2-E3B085C9AB24}">
+                <p16:designElem xmlns:p16="http://schemas.microsoft.com/office/powerpoint/2015/main" val="1"/>
+              </p:ext>
+            </p:extLst>
+          </p:nvPr>
+        </p:nvSpPr>
+        <p:spPr>
+          <a:xfrm>
+            <a:off x="0" y="0"/>
+            <a:ext cx="12192000" cy="6858000"/>
+          </a:xfrm>
+          <a:prstGeom prst="rect">
+            <a:avLst/>
+          </a:prstGeom>
+          <a:solidFill>
+            <a:srgbClr val="434671"/>
+          </a:solidFill>
+          <a:ln>
+            <a:noFill/>
+          </a:ln>
+        </p:spPr>
+        <p:style>
+          <a:lnRef idx="2">
+            <a:schemeClr val="accent1">
+              <a:shade val="50000"/>
+            </a:schemeClr>
+          </a:lnRef>
+          <a:fillRef idx="1">
+            <a:schemeClr val="accent1"/>
+          </a:fillRef>
+          <a:effectRef idx="0">
+            <a:schemeClr val="accent1"/>
+          </a:effectRef>
+          <a:fontRef idx="minor">
+            <a:schemeClr val="lt1"/>
+          </a:fontRef>
+        </p:style>
+        <p:txBody>
+          <a:bodyPr rtlCol="0" anchor="ctr"/>
+          <a:lstStyle/>
+          <a:p>
+            <a:pPr algn="ctr"/>
+            <a:endParaRPr lang="en-US"/>
+          </a:p>
+        </p:txBody>
+      </p:sp>
+      <p:sp>
+        <p:nvSpPr>
+          <p:cNvPr id="22" name="Rectangle 16">
+            <a:extLst>
+              <a:ext uri="{FF2B5EF4-FFF2-40B4-BE49-F238E27FC236}">
+                <a16:creationId xmlns:a16="http://schemas.microsoft.com/office/drawing/2014/main" id="{CB44330D-EA18-4254-AA95-EB49948539B8}"/>
+              </a:ext>
+              <a:ext uri="{C183D7F6-B498-43B3-948B-1728B52AA6E4}">
+                <adec:decorative xmlns:adec="http://schemas.microsoft.com/office/drawing/2017/decorative" val="1"/>
+              </a:ext>
+            </a:extLst>
+          </p:cNvPr>
+          <p:cNvSpPr>
+            <a:spLocks noGrp="1" noRot="1" noChangeAspect="1" noMove="1" noResize="1" noEditPoints="1" noAdjustHandles="1" noChangeArrowheads="1" noChangeShapeType="1" noTextEdit="1"/>
+          </p:cNvSpPr>
+          <p:nvPr>
+            <p:extLst>
+              <p:ext uri="{386F3935-93C4-4BCD-93E2-E3B085C9AB24}">
+                <p16:designElem xmlns:p16="http://schemas.microsoft.com/office/powerpoint/2015/main" val="1"/>
+              </p:ext>
+            </p:extLst>
+          </p:nvPr>
+        </p:nvSpPr>
+        <p:spPr>
+          <a:xfrm>
+            <a:off x="477012" y="480060"/>
+            <a:ext cx="11237976" cy="5897880"/>
+          </a:xfrm>
+          <a:prstGeom prst="rect">
+            <a:avLst/>
+          </a:prstGeom>
+          <a:solidFill>
+            <a:srgbClr val="FFFFFF"/>
+          </a:solidFill>
+          <a:ln>
+            <a:noFill/>
+          </a:ln>
+        </p:spPr>
+        <p:style>
+          <a:lnRef idx="2">
+            <a:schemeClr val="accent1">
+              <a:shade val="50000"/>
+            </a:schemeClr>
+          </a:lnRef>
+          <a:fillRef idx="1">
+            <a:schemeClr val="accent1"/>
+          </a:fillRef>
+          <a:effectRef idx="0">
+            <a:schemeClr val="accent1"/>
+          </a:effectRef>
+          <a:fontRef idx="minor">
+            <a:schemeClr val="lt1"/>
+          </a:fontRef>
+        </p:style>
+        <p:txBody>
+          <a:bodyPr rtlCol="0" anchor="ctr"/>
+          <a:lstStyle/>
+          <a:p>
+            <a:pPr algn="ctr"/>
+            <a:endParaRPr lang="en-US"/>
+          </a:p>
+        </p:txBody>
+      </p:sp>
+      <p:pic>
+        <p:nvPicPr>
+          <p:cNvPr id="10" name="Image 9">
+            <a:extLst>
+              <a:ext uri="{FF2B5EF4-FFF2-40B4-BE49-F238E27FC236}">
+                <a16:creationId xmlns:a16="http://schemas.microsoft.com/office/drawing/2014/main" id="{33793C68-925E-4776-A78E-661673AA91AE}"/>
+              </a:ext>
+            </a:extLst>
+          </p:cNvPr>
+          <p:cNvPicPr>
+            <a:picLocks noChangeAspect="1"/>
+          </p:cNvPicPr>
+          <p:nvPr/>
+        </p:nvPicPr>
+        <p:blipFill>
+          <a:blip r:embed="rId2">
+            <a:extLst>
+              <a:ext uri="{28A0092B-C50C-407E-A947-70E740481C1C}">
+                <a14:useLocalDpi xmlns:a14="http://schemas.microsoft.com/office/drawing/2010/main" val="0"/>
+              </a:ext>
+            </a:extLst>
+          </a:blip>
+          <a:stretch>
+            <a:fillRect/>
+          </a:stretch>
+        </p:blipFill>
+        <p:spPr>
+          <a:xfrm>
+            <a:off x="3839718" y="643467"/>
+            <a:ext cx="4512563" cy="5571066"/>
+          </a:xfrm>
+          <a:prstGeom prst="rect">
+            <a:avLst/>
+          </a:prstGeom>
+        </p:spPr>
+      </p:pic>
+    </p:spTree>
+    <p:extLst>
+      <p:ext uri="{BB962C8B-B14F-4D97-AF65-F5344CB8AC3E}">
+        <p14:creationId xmlns:p14="http://schemas.microsoft.com/office/powerpoint/2010/main" val="2055826317"/>
+      </p:ext>
+    </p:extLst>
+  </p:cSld>
+  <p:clrMapOvr>
+    <a:masterClrMapping/>
+  </p:clrMapOvr>
+</p:sld>
+</file>
+
+<file path=ppt/slides/slide12.xml><?xml version="1.0" encoding="utf-8"?>
+<p:sld xmlns:a="http://schemas.openxmlformats.org/drawingml/2006/main" xmlns:r="http://schemas.openxmlformats.org/officeDocument/2006/relationships" xmlns:p="http://schemas.openxmlformats.org/presentationml/2006/main">
+  <p:cSld>
+    <p:spTree>
+      <p:nvGrpSpPr>
+        <p:cNvPr id="1" name=""/>
+        <p:cNvGrpSpPr/>
+        <p:nvPr/>
+      </p:nvGrpSpPr>
+      <p:grpSpPr>
+        <a:xfrm>
+          <a:off x="0" y="0"/>
+          <a:ext cx="0" cy="0"/>
+          <a:chOff x="0" y="0"/>
+          <a:chExt cx="0" cy="0"/>
+        </a:xfrm>
+      </p:grpSpPr>
+      <p:sp>
+        <p:nvSpPr>
+          <p:cNvPr id="11" name="ZoneTexte 10">
+            <a:extLst>
+              <a:ext uri="{FF2B5EF4-FFF2-40B4-BE49-F238E27FC236}">
+                <a16:creationId xmlns:a16="http://schemas.microsoft.com/office/drawing/2014/main" id="{E9C7D0EF-FF34-4180-8EF3-5F1B294CC527}"/>
+              </a:ext>
+            </a:extLst>
+          </p:cNvPr>
+          <p:cNvSpPr txBox="1"/>
+          <p:nvPr/>
+        </p:nvSpPr>
+        <p:spPr>
+          <a:xfrm>
+            <a:off x="150830" y="645735"/>
+            <a:ext cx="11849492" cy="2123658"/>
+          </a:xfrm>
+          <a:prstGeom prst="rect">
+            <a:avLst/>
+          </a:prstGeom>
+          <a:noFill/>
+        </p:spPr>
+        <p:txBody>
+          <a:bodyPr wrap="square" rtlCol="0">
+            <a:spAutoFit/>
+          </a:bodyPr>
+          <a:lstStyle/>
+          <a:p>
+            <a:r>
+              <a:rPr lang="en-US" sz="6000" dirty="0">
+                <a:latin typeface="+mj-lt"/>
+                <a:ea typeface="+mj-ea"/>
+                <a:cs typeface="+mj-cs"/>
+              </a:rPr>
+              <a:t>Case</a:t>
+            </a:r>
+            <a:r>
+              <a:rPr lang="en-US" dirty="0"/>
+              <a:t> </a:t>
+            </a:r>
+            <a:r>
+              <a:rPr lang="en-US" sz="6000" dirty="0">
+                <a:latin typeface="+mj-lt"/>
+                <a:ea typeface="+mj-ea"/>
+                <a:cs typeface="+mj-cs"/>
+              </a:rPr>
+              <a:t>Study:</a:t>
+            </a:r>
+            <a:br>
+              <a:rPr lang="en-US" sz="6000" dirty="0">
+                <a:latin typeface="+mj-lt"/>
+                <a:ea typeface="+mj-ea"/>
+                <a:cs typeface="+mj-cs"/>
+              </a:rPr>
+            </a:br>
+            <a:r>
+              <a:rPr lang="en-US" sz="5400" dirty="0">
+                <a:latin typeface="+mj-lt"/>
+                <a:ea typeface="+mj-ea"/>
+                <a:cs typeface="+mj-cs"/>
+              </a:rPr>
+              <a:t>The Exception That Grounded an Airline </a:t>
+            </a:r>
+            <a:br>
+              <a:rPr lang="en-US" dirty="0"/>
+            </a:br>
+            <a:endParaRPr lang="fr-MA" dirty="0"/>
+          </a:p>
+        </p:txBody>
+      </p:sp>
+      <p:sp>
+        <p:nvSpPr>
+          <p:cNvPr id="13" name="ZoneTexte 12">
+            <a:extLst>
+              <a:ext uri="{FF2B5EF4-FFF2-40B4-BE49-F238E27FC236}">
+                <a16:creationId xmlns:a16="http://schemas.microsoft.com/office/drawing/2014/main" id="{4F69BA29-1D9F-41DD-9B70-A6FC0641A9D5}"/>
+              </a:ext>
+            </a:extLst>
+          </p:cNvPr>
+          <p:cNvSpPr txBox="1"/>
+          <p:nvPr/>
+        </p:nvSpPr>
+        <p:spPr>
+          <a:xfrm>
+            <a:off x="3035430" y="2521059"/>
+            <a:ext cx="8597245" cy="1569660"/>
+          </a:xfrm>
+          <a:prstGeom prst="rect">
+            <a:avLst/>
+          </a:prstGeom>
+          <a:noFill/>
+        </p:spPr>
+        <p:txBody>
+          <a:bodyPr wrap="square" rtlCol="0">
+            <a:spAutoFit/>
+          </a:bodyPr>
+          <a:lstStyle/>
+          <a:p>
+            <a:r>
+              <a:rPr lang="en-US" sz="2400" i="1" dirty="0"/>
+              <a:t>It started with a planned failover on the database cluster that served the Airline system, moving toward a service-oriented architecture, </a:t>
+            </a:r>
+            <a:br>
+              <a:rPr lang="en-US" sz="2400" i="1" dirty="0"/>
+            </a:br>
+            <a:endParaRPr lang="fr-MA" sz="2400" i="1" dirty="0"/>
+          </a:p>
+        </p:txBody>
+      </p:sp>
+      <p:sp>
+        <p:nvSpPr>
+          <p:cNvPr id="14" name="ZoneTexte 13">
+            <a:extLst>
+              <a:ext uri="{FF2B5EF4-FFF2-40B4-BE49-F238E27FC236}">
+                <a16:creationId xmlns:a16="http://schemas.microsoft.com/office/drawing/2014/main" id="{284691FA-D717-49BB-A40F-432C6588E1BE}"/>
+              </a:ext>
+            </a:extLst>
+          </p:cNvPr>
+          <p:cNvSpPr txBox="1"/>
+          <p:nvPr/>
+        </p:nvSpPr>
+        <p:spPr>
+          <a:xfrm>
+            <a:off x="386499" y="4213782"/>
+            <a:ext cx="10303497" cy="1200329"/>
+          </a:xfrm>
+          <a:prstGeom prst="rect">
+            <a:avLst/>
+          </a:prstGeom>
+          <a:noFill/>
+        </p:spPr>
+        <p:txBody>
+          <a:bodyPr wrap="square" rtlCol="0">
+            <a:spAutoFit/>
+          </a:bodyPr>
+          <a:lstStyle/>
+          <a:p>
+            <a:r>
+              <a:rPr lang="en-US" sz="2400" i="1" dirty="0">
+                <a:solidFill>
+                  <a:srgbClr val="FF0000"/>
+                </a:solidFill>
+              </a:rPr>
+              <a:t>At about 2:30 a.m., all the check-in kiosks went red on the monitoring console.</a:t>
+            </a:r>
+            <a:br>
+              <a:rPr lang="en-US" sz="2400" i="1" dirty="0">
+                <a:solidFill>
+                  <a:srgbClr val="FF0000"/>
+                </a:solidFill>
+              </a:rPr>
+            </a:br>
+            <a:r>
+              <a:rPr lang="en-US" sz="2400" i="1" dirty="0">
+                <a:solidFill>
+                  <a:srgbClr val="FF0000"/>
+                </a:solidFill>
+              </a:rPr>
+              <a:t>Every single one, everywhere in the country, stopped servicing requests at</a:t>
+            </a:r>
+            <a:br>
+              <a:rPr lang="en-US" sz="2400" i="1" dirty="0">
+                <a:solidFill>
+                  <a:srgbClr val="FF0000"/>
+                </a:solidFill>
+              </a:rPr>
+            </a:br>
+            <a:r>
+              <a:rPr lang="en-US" sz="2400" i="1" dirty="0">
+                <a:solidFill>
+                  <a:srgbClr val="FF0000"/>
+                </a:solidFill>
+              </a:rPr>
+              <a:t>the same time. </a:t>
+            </a:r>
+            <a:endParaRPr lang="fr-MA" sz="2400" i="1" dirty="0">
+              <a:solidFill>
+                <a:srgbClr val="FF0000"/>
+              </a:solidFill>
+            </a:endParaRPr>
+          </a:p>
+        </p:txBody>
+      </p:sp>
+    </p:spTree>
+    <p:extLst>
+      <p:ext uri="{BB962C8B-B14F-4D97-AF65-F5344CB8AC3E}">
+        <p14:creationId xmlns:p14="http://schemas.microsoft.com/office/powerpoint/2010/main" val="115056400"/>
+      </p:ext>
+    </p:extLst>
+  </p:cSld>
+  <p:clrMapOvr>
+    <a:masterClrMapping/>
+  </p:clrMapOvr>
+</p:sld>
+</file>
+
+<file path=ppt/slides/slide13.xml><?xml version="1.0" encoding="utf-8"?>
+<p:sld xmlns:a="http://schemas.openxmlformats.org/drawingml/2006/main" xmlns:r="http://schemas.openxmlformats.org/officeDocument/2006/relationships" xmlns:p="http://schemas.openxmlformats.org/presentationml/2006/main">
+  <p:cSld>
+    <p:spTree>
+      <p:nvGrpSpPr>
+        <p:cNvPr id="1" name=""/>
+        <p:cNvGrpSpPr/>
+        <p:nvPr/>
+      </p:nvGrpSpPr>
+      <p:grpSpPr>
+        <a:xfrm>
+          <a:off x="0" y="0"/>
+          <a:ext cx="0" cy="0"/>
+          <a:chOff x="0" y="0"/>
+          <a:chExt cx="0" cy="0"/>
+        </a:xfrm>
+      </p:grpSpPr>
+      <p:pic>
+        <p:nvPicPr>
+          <p:cNvPr id="10" name="Image 9">
+            <a:extLst>
+              <a:ext uri="{FF2B5EF4-FFF2-40B4-BE49-F238E27FC236}">
+                <a16:creationId xmlns:a16="http://schemas.microsoft.com/office/drawing/2014/main" id="{0ACDEC90-429A-4358-8A5C-FFC4882ABDED}"/>
+              </a:ext>
+            </a:extLst>
+          </p:cNvPr>
+          <p:cNvPicPr>
+            <a:picLocks noChangeAspect="1"/>
+          </p:cNvPicPr>
+          <p:nvPr/>
+        </p:nvPicPr>
+        <p:blipFill>
+          <a:blip r:embed="rId2">
+            <a:extLst>
+              <a:ext uri="{28A0092B-C50C-407E-A947-70E740481C1C}">
+                <a14:useLocalDpi xmlns:a14="http://schemas.microsoft.com/office/drawing/2010/main" val="0"/>
+              </a:ext>
+            </a:extLst>
+          </a:blip>
+          <a:stretch>
+            <a:fillRect/>
+          </a:stretch>
+        </p:blipFill>
+        <p:spPr>
+          <a:xfrm>
+            <a:off x="1614498" y="0"/>
+            <a:ext cx="8963004" cy="6858000"/>
+          </a:xfrm>
+          <a:prstGeom prst="rect">
+            <a:avLst/>
+          </a:prstGeom>
+        </p:spPr>
+      </p:pic>
+    </p:spTree>
+    <p:extLst>
+      <p:ext uri="{BB962C8B-B14F-4D97-AF65-F5344CB8AC3E}">
+        <p14:creationId xmlns:p14="http://schemas.microsoft.com/office/powerpoint/2010/main" val="2663904022"/>
+      </p:ext>
+    </p:extLst>
+  </p:cSld>
+  <p:clrMapOvr>
+    <a:masterClrMapping/>
+  </p:clrMapOvr>
+</p:sld>
+</file>
+
+<file path=ppt/slides/slide14.xml><?xml version="1.0" encoding="utf-8"?>
+<p:sld xmlns:a="http://schemas.openxmlformats.org/drawingml/2006/main" xmlns:r="http://schemas.openxmlformats.org/officeDocument/2006/relationships" xmlns:p="http://schemas.openxmlformats.org/presentationml/2006/main">
+  <p:cSld>
     <p:spTree>
       <p:nvGrpSpPr>
         <p:cNvPr id="1" name=""/>
@@ -4331,7 +4813,7 @@
 </p:sld>
 </file>
 
-<file path=ppt/slides/slide12.xml><?xml version="1.0" encoding="utf-8"?>
+<file path=ppt/slides/slide15.xml><?xml version="1.0" encoding="utf-8"?>
 <p:sld xmlns:a="http://schemas.openxmlformats.org/drawingml/2006/main" xmlns:r="http://schemas.openxmlformats.org/officeDocument/2006/relationships" xmlns:p="http://schemas.openxmlformats.org/presentationml/2006/main">
   <p:cSld>
     <p:spTree>
@@ -5012,7 +5494,7 @@
 </p:sld>
 </file>
 
-<file path=ppt/slides/slide13.xml><?xml version="1.0" encoding="utf-8"?>
+<file path=ppt/slides/slide16.xml><?xml version="1.0" encoding="utf-8"?>
 <p:sld xmlns:a="http://schemas.openxmlformats.org/drawingml/2006/main" xmlns:r="http://schemas.openxmlformats.org/officeDocument/2006/relationships" xmlns:p="http://schemas.openxmlformats.org/presentationml/2006/main">
   <p:cSld>
     <p:spTree>
@@ -5694,7 +6176,7 @@
 </p:sld>
 </file>
 
-<file path=ppt/slides/slide14.xml><?xml version="1.0" encoding="utf-8"?>
+<file path=ppt/slides/slide17.xml><?xml version="1.0" encoding="utf-8"?>
 <p:sld xmlns:a="http://schemas.openxmlformats.org/drawingml/2006/main" xmlns:r="http://schemas.openxmlformats.org/officeDocument/2006/relationships" xmlns:p="http://schemas.openxmlformats.org/presentationml/2006/main">
   <p:cSld>
     <p:spTree>

--- a/effective-java.pptx
+++ b/effective-java.pptx
@@ -22,6 +22,7 @@
     <p:sldId id="267" r:id="rId16"/>
     <p:sldId id="268" r:id="rId17"/>
     <p:sldId id="269" r:id="rId18"/>
+    <p:sldId id="273" r:id="rId19"/>
   </p:sldIdLst>
   <p:sldSz cx="12192000" cy="6858000"/>
   <p:notesSz cx="6858000" cy="9144000"/>
@@ -257,7 +258,7 @@
           <a:p>
             <a:fld id="{755BA608-1639-41EA-B572-74EA19863A33}" type="datetimeFigureOut">
               <a:rPr lang="fr-FR" smtClean="0"/>
-              <a:t>20/11/2019</a:t>
+              <a:t>20/02/2020</a:t>
             </a:fld>
             <a:endParaRPr lang="fr-FR"/>
           </a:p>
@@ -425,7 +426,7 @@
           <a:p>
             <a:fld id="{755BA608-1639-41EA-B572-74EA19863A33}" type="datetimeFigureOut">
               <a:rPr lang="fr-FR" smtClean="0"/>
-              <a:t>20/11/2019</a:t>
+              <a:t>20/02/2020</a:t>
             </a:fld>
             <a:endParaRPr lang="fr-FR"/>
           </a:p>
@@ -603,7 +604,7 @@
           <a:p>
             <a:fld id="{755BA608-1639-41EA-B572-74EA19863A33}" type="datetimeFigureOut">
               <a:rPr lang="fr-FR" smtClean="0"/>
-              <a:t>20/11/2019</a:t>
+              <a:t>20/02/2020</a:t>
             </a:fld>
             <a:endParaRPr lang="fr-FR"/>
           </a:p>
@@ -771,7 +772,7 @@
           <a:p>
             <a:fld id="{755BA608-1639-41EA-B572-74EA19863A33}" type="datetimeFigureOut">
               <a:rPr lang="fr-FR" smtClean="0"/>
-              <a:t>20/11/2019</a:t>
+              <a:t>20/02/2020</a:t>
             </a:fld>
             <a:endParaRPr lang="fr-FR"/>
           </a:p>
@@ -1016,7 +1017,7 @@
           <a:p>
             <a:fld id="{755BA608-1639-41EA-B572-74EA19863A33}" type="datetimeFigureOut">
               <a:rPr lang="fr-FR" smtClean="0"/>
-              <a:t>20/11/2019</a:t>
+              <a:t>20/02/2020</a:t>
             </a:fld>
             <a:endParaRPr lang="fr-FR"/>
           </a:p>
@@ -1245,7 +1246,7 @@
           <a:p>
             <a:fld id="{755BA608-1639-41EA-B572-74EA19863A33}" type="datetimeFigureOut">
               <a:rPr lang="fr-FR" smtClean="0"/>
-              <a:t>20/11/2019</a:t>
+              <a:t>20/02/2020</a:t>
             </a:fld>
             <a:endParaRPr lang="fr-FR"/>
           </a:p>
@@ -1609,7 +1610,7 @@
           <a:p>
             <a:fld id="{755BA608-1639-41EA-B572-74EA19863A33}" type="datetimeFigureOut">
               <a:rPr lang="fr-FR" smtClean="0"/>
-              <a:t>20/11/2019</a:t>
+              <a:t>20/02/2020</a:t>
             </a:fld>
             <a:endParaRPr lang="fr-FR"/>
           </a:p>
@@ -1726,7 +1727,7 @@
           <a:p>
             <a:fld id="{755BA608-1639-41EA-B572-74EA19863A33}" type="datetimeFigureOut">
               <a:rPr lang="fr-FR" smtClean="0"/>
-              <a:t>20/11/2019</a:t>
+              <a:t>20/02/2020</a:t>
             </a:fld>
             <a:endParaRPr lang="fr-FR"/>
           </a:p>
@@ -1821,7 +1822,7 @@
           <a:p>
             <a:fld id="{755BA608-1639-41EA-B572-74EA19863A33}" type="datetimeFigureOut">
               <a:rPr lang="fr-FR" smtClean="0"/>
-              <a:t>20/11/2019</a:t>
+              <a:t>20/02/2020</a:t>
             </a:fld>
             <a:endParaRPr lang="fr-FR"/>
           </a:p>
@@ -2096,7 +2097,7 @@
           <a:p>
             <a:fld id="{755BA608-1639-41EA-B572-74EA19863A33}" type="datetimeFigureOut">
               <a:rPr lang="fr-FR" smtClean="0"/>
-              <a:t>20/11/2019</a:t>
+              <a:t>20/02/2020</a:t>
             </a:fld>
             <a:endParaRPr lang="fr-FR"/>
           </a:p>
@@ -2348,7 +2349,7 @@
           <a:p>
             <a:fld id="{755BA608-1639-41EA-B572-74EA19863A33}" type="datetimeFigureOut">
               <a:rPr lang="fr-FR" smtClean="0"/>
-              <a:t>20/11/2019</a:t>
+              <a:t>20/02/2020</a:t>
             </a:fld>
             <a:endParaRPr lang="fr-FR"/>
           </a:p>
@@ -2559,7 +2560,7 @@
           <a:p>
             <a:fld id="{755BA608-1639-41EA-B572-74EA19863A33}" type="datetimeFigureOut">
               <a:rPr lang="fr-FR" smtClean="0"/>
-              <a:t>20/11/2019</a:t>
+              <a:t>20/02/2020</a:t>
             </a:fld>
             <a:endParaRPr lang="fr-FR"/>
           </a:p>
@@ -7000,6 +7001,822 @@
 </p:sld>
 </file>
 
+<file path=ppt/slides/slide18.xml><?xml version="1.0" encoding="utf-8"?>
+<p:sld xmlns:a="http://schemas.openxmlformats.org/drawingml/2006/main" xmlns:r="http://schemas.openxmlformats.org/officeDocument/2006/relationships" xmlns:p="http://schemas.openxmlformats.org/presentationml/2006/main">
+  <p:cSld>
+    <p:spTree>
+      <p:nvGrpSpPr>
+        <p:cNvPr id="1" name=""/>
+        <p:cNvGrpSpPr/>
+        <p:nvPr/>
+      </p:nvGrpSpPr>
+      <p:grpSpPr>
+        <a:xfrm>
+          <a:off x="0" y="0"/>
+          <a:ext cx="0" cy="0"/>
+          <a:chOff x="0" y="0"/>
+          <a:chExt cx="0" cy="0"/>
+        </a:xfrm>
+      </p:grpSpPr>
+      <p:sp>
+        <p:nvSpPr>
+          <p:cNvPr id="2" name="Titre 1"/>
+          <p:cNvSpPr>
+            <a:spLocks noGrp="1"/>
+          </p:cNvSpPr>
+          <p:nvPr>
+            <p:ph type="ctrTitle"/>
+          </p:nvPr>
+        </p:nvSpPr>
+        <p:spPr>
+          <a:xfrm>
+            <a:off x="1030224" y="384048"/>
+            <a:ext cx="9144000" cy="1287970"/>
+          </a:xfrm>
+        </p:spPr>
+        <p:txBody>
+          <a:bodyPr/>
+          <a:lstStyle/>
+          <a:p>
+            <a:r>
+              <a:rPr lang="fr-FR" dirty="0"/>
+              <a:t>Item 34</a:t>
+            </a:r>
+          </a:p>
+        </p:txBody>
+      </p:sp>
+      <p:sp>
+        <p:nvSpPr>
+          <p:cNvPr id="3" name="Sous-titre 2"/>
+          <p:cNvSpPr>
+            <a:spLocks noGrp="1"/>
+          </p:cNvSpPr>
+          <p:nvPr>
+            <p:ph type="subTitle" idx="1"/>
+          </p:nvPr>
+        </p:nvSpPr>
+        <p:spPr>
+          <a:xfrm>
+            <a:off x="1304544" y="1928686"/>
+            <a:ext cx="9144000" cy="4408106"/>
+          </a:xfrm>
+        </p:spPr>
+        <p:txBody>
+          <a:bodyPr>
+            <a:noAutofit/>
+          </a:bodyPr>
+          <a:lstStyle/>
+          <a:p>
+            <a:pPr algn="l"/>
+            <a:r>
+              <a:rPr lang="en-US" sz="2000" dirty="0"/>
+              <a:t>How to define a fixed set of constant values?</a:t>
+            </a:r>
+          </a:p>
+          <a:p>
+            <a:pPr algn="l"/>
+            <a:r>
+              <a:rPr lang="en-US" sz="2000" b="1" dirty="0">
+                <a:solidFill>
+                  <a:srgbClr val="0070C0"/>
+                </a:solidFill>
+                <a:sym typeface="Wingdings" panose="05000000000000000000" pitchFamily="2" charset="2"/>
+              </a:rPr>
+              <a:t>            Use String constants</a:t>
+            </a:r>
+          </a:p>
+          <a:p>
+            <a:pPr algn="l"/>
+            <a:r>
+              <a:rPr lang="en-US" sz="2000" b="1" dirty="0">
+                <a:solidFill>
+                  <a:srgbClr val="0070C0"/>
+                </a:solidFill>
+                <a:sym typeface="Wingdings" panose="05000000000000000000" pitchFamily="2" charset="2"/>
+              </a:rPr>
+              <a:t>            Define an abstract class, and possible values as subtypes</a:t>
+            </a:r>
+          </a:p>
+          <a:p>
+            <a:pPr algn="l"/>
+            <a:endParaRPr lang="en-US" sz="2000" b="1" dirty="0">
+              <a:solidFill>
+                <a:srgbClr val="0070C0"/>
+              </a:solidFill>
+              <a:sym typeface="Wingdings" panose="05000000000000000000" pitchFamily="2" charset="2"/>
+            </a:endParaRPr>
+          </a:p>
+          <a:p>
+            <a:pPr algn="l"/>
+            <a:endParaRPr lang="en-US" sz="2000" dirty="0"/>
+          </a:p>
+          <a:p>
+            <a:pPr algn="l"/>
+            <a:r>
+              <a:rPr lang="en-US" sz="2000" dirty="0"/>
+              <a:t>But How to:</a:t>
+            </a:r>
+          </a:p>
+          <a:p>
+            <a:pPr marL="342900" indent="-342900" algn="l">
+              <a:buFont typeface="Wingdings" panose="05000000000000000000" pitchFamily="2" charset="2"/>
+              <a:buChar char="q"/>
+            </a:pPr>
+            <a:r>
+              <a:rPr lang="en-US" sz="2000" dirty="0"/>
+              <a:t>To ensure fixed-values requirement? </a:t>
+            </a:r>
+          </a:p>
+          <a:p>
+            <a:pPr marL="342900" indent="-342900" algn="l">
+              <a:buFont typeface="Wingdings" panose="05000000000000000000" pitchFamily="2" charset="2"/>
+              <a:buChar char="q"/>
+            </a:pPr>
+            <a:r>
+              <a:rPr lang="en-US" sz="2000" dirty="0"/>
+              <a:t>To Enforce type Safety?</a:t>
+            </a:r>
+          </a:p>
+        </p:txBody>
+      </p:sp>
+      <p:sp>
+        <p:nvSpPr>
+          <p:cNvPr id="4" name="Rectangle 3"/>
+          <p:cNvSpPr/>
+          <p:nvPr/>
+        </p:nvSpPr>
+        <p:spPr>
+          <a:xfrm>
+            <a:off x="2870569" y="5097887"/>
+            <a:ext cx="6505755" cy="523220"/>
+          </a:xfrm>
+          <a:prstGeom prst="rect">
+            <a:avLst/>
+          </a:prstGeom>
+          <a:noFill/>
+        </p:spPr>
+        <p:txBody>
+          <a:bodyPr wrap="none" lIns="91440" tIns="45720" rIns="91440" bIns="45720">
+            <a:spAutoFit/>
+          </a:bodyPr>
+          <a:lstStyle/>
+          <a:p>
+            <a:pPr algn="ctr"/>
+            <a:r>
+              <a:rPr lang="en-US" sz="2800" b="1" dirty="0">
+                <a:ln w="22225">
+                  <a:solidFill>
+                    <a:schemeClr val="accent2"/>
+                  </a:solidFill>
+                  <a:prstDash val="solid"/>
+                </a:ln>
+                <a:solidFill>
+                  <a:schemeClr val="accent2">
+                    <a:lumMod val="40000"/>
+                    <a:lumOff val="60000"/>
+                  </a:schemeClr>
+                </a:solidFill>
+              </a:rPr>
+              <a:t>Use </a:t>
+            </a:r>
+            <a:r>
+              <a:rPr lang="en-US" sz="2800" b="1" dirty="0" err="1">
+                <a:ln w="22225">
+                  <a:solidFill>
+                    <a:schemeClr val="accent2"/>
+                  </a:solidFill>
+                  <a:prstDash val="solid"/>
+                </a:ln>
+                <a:solidFill>
+                  <a:schemeClr val="accent2">
+                    <a:lumMod val="40000"/>
+                    <a:lumOff val="60000"/>
+                  </a:schemeClr>
+                </a:solidFill>
+              </a:rPr>
+              <a:t>enums</a:t>
+            </a:r>
+            <a:r>
+              <a:rPr lang="en-US" sz="2800" b="1" dirty="0">
+                <a:ln w="22225">
+                  <a:solidFill>
+                    <a:schemeClr val="accent2"/>
+                  </a:solidFill>
+                  <a:prstDash val="solid"/>
+                </a:ln>
+                <a:solidFill>
+                  <a:schemeClr val="accent2">
+                    <a:lumMod val="40000"/>
+                    <a:lumOff val="60000"/>
+                  </a:schemeClr>
+                </a:solidFill>
+              </a:rPr>
+              <a:t> instead of int/String </a:t>
+            </a:r>
+            <a:r>
+              <a:rPr lang="en-US" sz="2800" b="1" dirty="0" err="1">
+                <a:ln w="22225">
+                  <a:solidFill>
+                    <a:schemeClr val="accent2"/>
+                  </a:solidFill>
+                  <a:prstDash val="solid"/>
+                </a:ln>
+                <a:solidFill>
+                  <a:schemeClr val="accent2">
+                    <a:lumMod val="40000"/>
+                    <a:lumOff val="60000"/>
+                  </a:schemeClr>
+                </a:solidFill>
+              </a:rPr>
+              <a:t>constents</a:t>
+            </a:r>
+            <a:r>
+              <a:rPr lang="en-US" sz="2800" b="1" dirty="0">
+                <a:ln w="22225">
+                  <a:solidFill>
+                    <a:schemeClr val="accent2"/>
+                  </a:solidFill>
+                  <a:prstDash val="solid"/>
+                </a:ln>
+                <a:solidFill>
+                  <a:schemeClr val="accent2">
+                    <a:lumMod val="40000"/>
+                    <a:lumOff val="60000"/>
+                  </a:schemeClr>
+                </a:solidFill>
+              </a:rPr>
+              <a:t>.</a:t>
+            </a:r>
+            <a:endParaRPr lang="fr-FR" sz="2800" b="1" cap="none" spc="0" dirty="0">
+              <a:ln w="22225">
+                <a:solidFill>
+                  <a:schemeClr val="accent2"/>
+                </a:solidFill>
+                <a:prstDash val="solid"/>
+              </a:ln>
+              <a:solidFill>
+                <a:schemeClr val="accent2">
+                  <a:lumMod val="40000"/>
+                  <a:lumOff val="60000"/>
+                </a:schemeClr>
+              </a:solidFill>
+              <a:effectLst/>
+            </a:endParaRPr>
+          </a:p>
+        </p:txBody>
+      </p:sp>
+    </p:spTree>
+    <p:extLst>
+      <p:ext uri="{BB962C8B-B14F-4D97-AF65-F5344CB8AC3E}">
+        <p14:creationId xmlns:p14="http://schemas.microsoft.com/office/powerpoint/2010/main" val="2258759554"/>
+      </p:ext>
+    </p:extLst>
+  </p:cSld>
+  <p:clrMapOvr>
+    <a:masterClrMapping/>
+  </p:clrMapOvr>
+  <p:timing>
+    <p:tnLst>
+      <p:par>
+        <p:cTn id="1" dur="indefinite" restart="never" nodeType="tmRoot">
+          <p:childTnLst>
+            <p:seq concurrent="1" nextAc="seek">
+              <p:cTn id="2" dur="indefinite" nodeType="mainSeq">
+                <p:childTnLst>
+                  <p:par>
+                    <p:cTn id="3" fill="hold">
+                      <p:stCondLst>
+                        <p:cond delay="indefinite"/>
+                      </p:stCondLst>
+                      <p:childTnLst>
+                        <p:par>
+                          <p:cTn id="4" fill="hold">
+                            <p:stCondLst>
+                              <p:cond delay="0"/>
+                            </p:stCondLst>
+                            <p:childTnLst>
+                              <p:par>
+                                <p:cTn id="5" presetID="1" presetClass="entr" presetSubtype="0" fill="hold" nodeType="clickEffect">
+                                  <p:stCondLst>
+                                    <p:cond delay="0"/>
+                                  </p:stCondLst>
+                                  <p:childTnLst>
+                                    <p:set>
+                                      <p:cBhvr>
+                                        <p:cTn id="6" dur="1" fill="hold">
+                                          <p:stCondLst>
+                                            <p:cond delay="0"/>
+                                          </p:stCondLst>
+                                        </p:cTn>
+                                        <p:tgtEl>
+                                          <p:spTgt spid="3">
+                                            <p:txEl>
+                                              <p:pRg st="1" end="1"/>
+                                            </p:txEl>
+                                          </p:spTgt>
+                                        </p:tgtEl>
+                                        <p:attrNameLst>
+                                          <p:attrName>style.visibility</p:attrName>
+                                        </p:attrNameLst>
+                                      </p:cBhvr>
+                                      <p:to>
+                                        <p:strVal val="visible"/>
+                                      </p:to>
+                                    </p:set>
+                                  </p:childTnLst>
+                                </p:cTn>
+                              </p:par>
+                            </p:childTnLst>
+                          </p:cTn>
+                        </p:par>
+                      </p:childTnLst>
+                    </p:cTn>
+                  </p:par>
+                  <p:par>
+                    <p:cTn id="7" fill="hold">
+                      <p:stCondLst>
+                        <p:cond delay="indefinite"/>
+                      </p:stCondLst>
+                      <p:childTnLst>
+                        <p:par>
+                          <p:cTn id="8" fill="hold">
+                            <p:stCondLst>
+                              <p:cond delay="0"/>
+                            </p:stCondLst>
+                            <p:childTnLst>
+                              <p:par>
+                                <p:cTn id="9" presetID="1" presetClass="entr" presetSubtype="0" fill="hold" nodeType="clickEffect">
+                                  <p:stCondLst>
+                                    <p:cond delay="0"/>
+                                  </p:stCondLst>
+                                  <p:childTnLst>
+                                    <p:set>
+                                      <p:cBhvr>
+                                        <p:cTn id="10" dur="1" fill="hold">
+                                          <p:stCondLst>
+                                            <p:cond delay="0"/>
+                                          </p:stCondLst>
+                                        </p:cTn>
+                                        <p:tgtEl>
+                                          <p:spTgt spid="3">
+                                            <p:txEl>
+                                              <p:pRg st="2" end="2"/>
+                                            </p:txEl>
+                                          </p:spTgt>
+                                        </p:tgtEl>
+                                        <p:attrNameLst>
+                                          <p:attrName>style.visibility</p:attrName>
+                                        </p:attrNameLst>
+                                      </p:cBhvr>
+                                      <p:to>
+                                        <p:strVal val="visible"/>
+                                      </p:to>
+                                    </p:set>
+                                  </p:childTnLst>
+                                </p:cTn>
+                              </p:par>
+                            </p:childTnLst>
+                          </p:cTn>
+                        </p:par>
+                      </p:childTnLst>
+                    </p:cTn>
+                  </p:par>
+                  <p:par>
+                    <p:cTn id="11" fill="hold">
+                      <p:stCondLst>
+                        <p:cond delay="indefinite"/>
+                      </p:stCondLst>
+                      <p:childTnLst>
+                        <p:par>
+                          <p:cTn id="12" fill="hold">
+                            <p:stCondLst>
+                              <p:cond delay="0"/>
+                            </p:stCondLst>
+                            <p:childTnLst>
+                              <p:par>
+                                <p:cTn id="13" presetID="2" presetClass="entr" presetSubtype="4" fill="hold" nodeType="clickEffect">
+                                  <p:stCondLst>
+                                    <p:cond delay="0"/>
+                                  </p:stCondLst>
+                                  <p:childTnLst>
+                                    <p:set>
+                                      <p:cBhvr>
+                                        <p:cTn id="14" dur="1" fill="hold">
+                                          <p:stCondLst>
+                                            <p:cond delay="0"/>
+                                          </p:stCondLst>
+                                        </p:cTn>
+                                        <p:tgtEl>
+                                          <p:spTgt spid="3">
+                                            <p:txEl>
+                                              <p:pRg st="5" end="5"/>
+                                            </p:txEl>
+                                          </p:spTgt>
+                                        </p:tgtEl>
+                                        <p:attrNameLst>
+                                          <p:attrName>style.visibility</p:attrName>
+                                        </p:attrNameLst>
+                                      </p:cBhvr>
+                                      <p:to>
+                                        <p:strVal val="visible"/>
+                                      </p:to>
+                                    </p:set>
+                                    <p:anim calcmode="lin" valueType="num">
+                                      <p:cBhvr additive="base">
+                                        <p:cTn id="15" dur="500" fill="hold"/>
+                                        <p:tgtEl>
+                                          <p:spTgt spid="3">
+                                            <p:txEl>
+                                              <p:pRg st="5" end="5"/>
+                                            </p:txEl>
+                                          </p:spTgt>
+                                        </p:tgtEl>
+                                        <p:attrNameLst>
+                                          <p:attrName>ppt_x</p:attrName>
+                                        </p:attrNameLst>
+                                      </p:cBhvr>
+                                      <p:tavLst>
+                                        <p:tav tm="0">
+                                          <p:val>
+                                            <p:strVal val="#ppt_x"/>
+                                          </p:val>
+                                        </p:tav>
+                                        <p:tav tm="100000">
+                                          <p:val>
+                                            <p:strVal val="#ppt_x"/>
+                                          </p:val>
+                                        </p:tav>
+                                      </p:tavLst>
+                                    </p:anim>
+                                    <p:anim calcmode="lin" valueType="num">
+                                      <p:cBhvr additive="base">
+                                        <p:cTn id="16" dur="500" fill="hold"/>
+                                        <p:tgtEl>
+                                          <p:spTgt spid="3">
+                                            <p:txEl>
+                                              <p:pRg st="5" end="5"/>
+                                            </p:txEl>
+                                          </p:spTgt>
+                                        </p:tgtEl>
+                                        <p:attrNameLst>
+                                          <p:attrName>ppt_y</p:attrName>
+                                        </p:attrNameLst>
+                                      </p:cBhvr>
+                                      <p:tavLst>
+                                        <p:tav tm="0">
+                                          <p:val>
+                                            <p:strVal val="1+#ppt_h/2"/>
+                                          </p:val>
+                                        </p:tav>
+                                        <p:tav tm="100000">
+                                          <p:val>
+                                            <p:strVal val="#ppt_y"/>
+                                          </p:val>
+                                        </p:tav>
+                                      </p:tavLst>
+                                    </p:anim>
+                                  </p:childTnLst>
+                                </p:cTn>
+                              </p:par>
+                            </p:childTnLst>
+                          </p:cTn>
+                        </p:par>
+                      </p:childTnLst>
+                    </p:cTn>
+                  </p:par>
+                  <p:par>
+                    <p:cTn id="17" fill="hold">
+                      <p:stCondLst>
+                        <p:cond delay="indefinite"/>
+                      </p:stCondLst>
+                      <p:childTnLst>
+                        <p:par>
+                          <p:cTn id="18" fill="hold">
+                            <p:stCondLst>
+                              <p:cond delay="0"/>
+                            </p:stCondLst>
+                            <p:childTnLst>
+                              <p:par>
+                                <p:cTn id="19" presetID="2" presetClass="entr" presetSubtype="4" fill="hold" nodeType="clickEffect">
+                                  <p:stCondLst>
+                                    <p:cond delay="0"/>
+                                  </p:stCondLst>
+                                  <p:childTnLst>
+                                    <p:set>
+                                      <p:cBhvr>
+                                        <p:cTn id="20" dur="1" fill="hold">
+                                          <p:stCondLst>
+                                            <p:cond delay="0"/>
+                                          </p:stCondLst>
+                                        </p:cTn>
+                                        <p:tgtEl>
+                                          <p:spTgt spid="3">
+                                            <p:txEl>
+                                              <p:pRg st="6" end="6"/>
+                                            </p:txEl>
+                                          </p:spTgt>
+                                        </p:tgtEl>
+                                        <p:attrNameLst>
+                                          <p:attrName>style.visibility</p:attrName>
+                                        </p:attrNameLst>
+                                      </p:cBhvr>
+                                      <p:to>
+                                        <p:strVal val="visible"/>
+                                      </p:to>
+                                    </p:set>
+                                    <p:anim calcmode="lin" valueType="num">
+                                      <p:cBhvr additive="base">
+                                        <p:cTn id="21" dur="500" fill="hold"/>
+                                        <p:tgtEl>
+                                          <p:spTgt spid="3">
+                                            <p:txEl>
+                                              <p:pRg st="6" end="6"/>
+                                            </p:txEl>
+                                          </p:spTgt>
+                                        </p:tgtEl>
+                                        <p:attrNameLst>
+                                          <p:attrName>ppt_x</p:attrName>
+                                        </p:attrNameLst>
+                                      </p:cBhvr>
+                                      <p:tavLst>
+                                        <p:tav tm="0">
+                                          <p:val>
+                                            <p:strVal val="#ppt_x"/>
+                                          </p:val>
+                                        </p:tav>
+                                        <p:tav tm="100000">
+                                          <p:val>
+                                            <p:strVal val="#ppt_x"/>
+                                          </p:val>
+                                        </p:tav>
+                                      </p:tavLst>
+                                    </p:anim>
+                                    <p:anim calcmode="lin" valueType="num">
+                                      <p:cBhvr additive="base">
+                                        <p:cTn id="22" dur="500" fill="hold"/>
+                                        <p:tgtEl>
+                                          <p:spTgt spid="3">
+                                            <p:txEl>
+                                              <p:pRg st="6" end="6"/>
+                                            </p:txEl>
+                                          </p:spTgt>
+                                        </p:tgtEl>
+                                        <p:attrNameLst>
+                                          <p:attrName>ppt_y</p:attrName>
+                                        </p:attrNameLst>
+                                      </p:cBhvr>
+                                      <p:tavLst>
+                                        <p:tav tm="0">
+                                          <p:val>
+                                            <p:strVal val="1+#ppt_h/2"/>
+                                          </p:val>
+                                        </p:tav>
+                                        <p:tav tm="100000">
+                                          <p:val>
+                                            <p:strVal val="#ppt_y"/>
+                                          </p:val>
+                                        </p:tav>
+                                      </p:tavLst>
+                                    </p:anim>
+                                  </p:childTnLst>
+                                </p:cTn>
+                              </p:par>
+                            </p:childTnLst>
+                          </p:cTn>
+                        </p:par>
+                      </p:childTnLst>
+                    </p:cTn>
+                  </p:par>
+                  <p:par>
+                    <p:cTn id="23" fill="hold">
+                      <p:stCondLst>
+                        <p:cond delay="indefinite"/>
+                      </p:stCondLst>
+                      <p:childTnLst>
+                        <p:par>
+                          <p:cTn id="24" fill="hold">
+                            <p:stCondLst>
+                              <p:cond delay="0"/>
+                            </p:stCondLst>
+                            <p:childTnLst>
+                              <p:par>
+                                <p:cTn id="25" presetID="2" presetClass="entr" presetSubtype="4" fill="hold" nodeType="clickEffect">
+                                  <p:stCondLst>
+                                    <p:cond delay="0"/>
+                                  </p:stCondLst>
+                                  <p:childTnLst>
+                                    <p:set>
+                                      <p:cBhvr>
+                                        <p:cTn id="26" dur="1" fill="hold">
+                                          <p:stCondLst>
+                                            <p:cond delay="0"/>
+                                          </p:stCondLst>
+                                        </p:cTn>
+                                        <p:tgtEl>
+                                          <p:spTgt spid="3">
+                                            <p:txEl>
+                                              <p:pRg st="7" end="7"/>
+                                            </p:txEl>
+                                          </p:spTgt>
+                                        </p:tgtEl>
+                                        <p:attrNameLst>
+                                          <p:attrName>style.visibility</p:attrName>
+                                        </p:attrNameLst>
+                                      </p:cBhvr>
+                                      <p:to>
+                                        <p:strVal val="visible"/>
+                                      </p:to>
+                                    </p:set>
+                                    <p:anim calcmode="lin" valueType="num">
+                                      <p:cBhvr additive="base">
+                                        <p:cTn id="27" dur="500" fill="hold"/>
+                                        <p:tgtEl>
+                                          <p:spTgt spid="3">
+                                            <p:txEl>
+                                              <p:pRg st="7" end="7"/>
+                                            </p:txEl>
+                                          </p:spTgt>
+                                        </p:tgtEl>
+                                        <p:attrNameLst>
+                                          <p:attrName>ppt_x</p:attrName>
+                                        </p:attrNameLst>
+                                      </p:cBhvr>
+                                      <p:tavLst>
+                                        <p:tav tm="0">
+                                          <p:val>
+                                            <p:strVal val="#ppt_x"/>
+                                          </p:val>
+                                        </p:tav>
+                                        <p:tav tm="100000">
+                                          <p:val>
+                                            <p:strVal val="#ppt_x"/>
+                                          </p:val>
+                                        </p:tav>
+                                      </p:tavLst>
+                                    </p:anim>
+                                    <p:anim calcmode="lin" valueType="num">
+                                      <p:cBhvr additive="base">
+                                        <p:cTn id="28" dur="500" fill="hold"/>
+                                        <p:tgtEl>
+                                          <p:spTgt spid="3">
+                                            <p:txEl>
+                                              <p:pRg st="7" end="7"/>
+                                            </p:txEl>
+                                          </p:spTgt>
+                                        </p:tgtEl>
+                                        <p:attrNameLst>
+                                          <p:attrName>ppt_y</p:attrName>
+                                        </p:attrNameLst>
+                                      </p:cBhvr>
+                                      <p:tavLst>
+                                        <p:tav tm="0">
+                                          <p:val>
+                                            <p:strVal val="1+#ppt_h/2"/>
+                                          </p:val>
+                                        </p:tav>
+                                        <p:tav tm="100000">
+                                          <p:val>
+                                            <p:strVal val="#ppt_y"/>
+                                          </p:val>
+                                        </p:tav>
+                                      </p:tavLst>
+                                    </p:anim>
+                                  </p:childTnLst>
+                                </p:cTn>
+                              </p:par>
+                            </p:childTnLst>
+                          </p:cTn>
+                        </p:par>
+                      </p:childTnLst>
+                    </p:cTn>
+                  </p:par>
+                  <p:par>
+                    <p:cTn id="29" fill="hold">
+                      <p:stCondLst>
+                        <p:cond delay="indefinite"/>
+                      </p:stCondLst>
+                      <p:childTnLst>
+                        <p:par>
+                          <p:cTn id="30" fill="hold">
+                            <p:stCondLst>
+                              <p:cond delay="0"/>
+                            </p:stCondLst>
+                            <p:childTnLst>
+                              <p:par>
+                                <p:cTn id="31" presetID="53" presetClass="entr" presetSubtype="16" fill="hold" grpId="0" nodeType="clickEffect">
+                                  <p:stCondLst>
+                                    <p:cond delay="0"/>
+                                  </p:stCondLst>
+                                  <p:childTnLst>
+                                    <p:set>
+                                      <p:cBhvr>
+                                        <p:cTn id="32" dur="1" fill="hold">
+                                          <p:stCondLst>
+                                            <p:cond delay="0"/>
+                                          </p:stCondLst>
+                                        </p:cTn>
+                                        <p:tgtEl>
+                                          <p:spTgt spid="4"/>
+                                        </p:tgtEl>
+                                        <p:attrNameLst>
+                                          <p:attrName>style.visibility</p:attrName>
+                                        </p:attrNameLst>
+                                      </p:cBhvr>
+                                      <p:to>
+                                        <p:strVal val="visible"/>
+                                      </p:to>
+                                    </p:set>
+                                    <p:anim calcmode="lin" valueType="num">
+                                      <p:cBhvr>
+                                        <p:cTn id="33" dur="500" fill="hold"/>
+                                        <p:tgtEl>
+                                          <p:spTgt spid="4"/>
+                                        </p:tgtEl>
+                                        <p:attrNameLst>
+                                          <p:attrName>ppt_w</p:attrName>
+                                        </p:attrNameLst>
+                                      </p:cBhvr>
+                                      <p:tavLst>
+                                        <p:tav tm="0">
+                                          <p:val>
+                                            <p:fltVal val="0"/>
+                                          </p:val>
+                                        </p:tav>
+                                        <p:tav tm="100000">
+                                          <p:val>
+                                            <p:strVal val="#ppt_w"/>
+                                          </p:val>
+                                        </p:tav>
+                                      </p:tavLst>
+                                    </p:anim>
+                                    <p:anim calcmode="lin" valueType="num">
+                                      <p:cBhvr>
+                                        <p:cTn id="34" dur="500" fill="hold"/>
+                                        <p:tgtEl>
+                                          <p:spTgt spid="4"/>
+                                        </p:tgtEl>
+                                        <p:attrNameLst>
+                                          <p:attrName>ppt_h</p:attrName>
+                                        </p:attrNameLst>
+                                      </p:cBhvr>
+                                      <p:tavLst>
+                                        <p:tav tm="0">
+                                          <p:val>
+                                            <p:fltVal val="0"/>
+                                          </p:val>
+                                        </p:tav>
+                                        <p:tav tm="100000">
+                                          <p:val>
+                                            <p:strVal val="#ppt_h"/>
+                                          </p:val>
+                                        </p:tav>
+                                      </p:tavLst>
+                                    </p:anim>
+                                    <p:animEffect transition="in" filter="fade">
+                                      <p:cBhvr>
+                                        <p:cTn id="35" dur="500"/>
+                                        <p:tgtEl>
+                                          <p:spTgt spid="4"/>
+                                        </p:tgtEl>
+                                      </p:cBhvr>
+                                    </p:animEffect>
+                                  </p:childTnLst>
+                                </p:cTn>
+                              </p:par>
+                            </p:childTnLst>
+                          </p:cTn>
+                        </p:par>
+                      </p:childTnLst>
+                    </p:cTn>
+                  </p:par>
+                </p:childTnLst>
+              </p:cTn>
+              <p:prevCondLst>
+                <p:cond evt="onPrev" delay="0">
+                  <p:tgtEl>
+                    <p:sldTgt/>
+                  </p:tgtEl>
+                </p:cond>
+              </p:prevCondLst>
+              <p:nextCondLst>
+                <p:cond evt="onNext" delay="0">
+                  <p:tgtEl>
+                    <p:sldTgt/>
+                  </p:tgtEl>
+                </p:cond>
+              </p:nextCondLst>
+            </p:seq>
+          </p:childTnLst>
+        </p:cTn>
+      </p:par>
+    </p:tnLst>
+    <p:bldLst>
+      <p:bldP spid="4" grpId="0"/>
+    </p:bldLst>
+  </p:timing>
+</p:sld>
+</file>
+
 <file path=ppt/slides/slide2.xml><?xml version="1.0" encoding="utf-8"?>
 <p:sld xmlns:a="http://schemas.openxmlformats.org/drawingml/2006/main" xmlns:r="http://schemas.openxmlformats.org/officeDocument/2006/relationships" xmlns:p="http://schemas.openxmlformats.org/presentationml/2006/main">
   <p:cSld>

--- a/effective-java.pptx
+++ b/effective-java.pptx
@@ -23,6 +23,7 @@
     <p:sldId id="268" r:id="rId17"/>
     <p:sldId id="269" r:id="rId18"/>
     <p:sldId id="273" r:id="rId19"/>
+    <p:sldId id="274" r:id="rId20"/>
   </p:sldIdLst>
   <p:sldSz cx="12192000" cy="6858000"/>
   <p:notesSz cx="6858000" cy="9144000"/>
@@ -258,7 +259,7 @@
           <a:p>
             <a:fld id="{755BA608-1639-41EA-B572-74EA19863A33}" type="datetimeFigureOut">
               <a:rPr lang="fr-FR" smtClean="0"/>
-              <a:t>20/02/2020</a:t>
+              <a:t>24/02/2020</a:t>
             </a:fld>
             <a:endParaRPr lang="fr-FR"/>
           </a:p>
@@ -426,7 +427,7 @@
           <a:p>
             <a:fld id="{755BA608-1639-41EA-B572-74EA19863A33}" type="datetimeFigureOut">
               <a:rPr lang="fr-FR" smtClean="0"/>
-              <a:t>20/02/2020</a:t>
+              <a:t>24/02/2020</a:t>
             </a:fld>
             <a:endParaRPr lang="fr-FR"/>
           </a:p>
@@ -604,7 +605,7 @@
           <a:p>
             <a:fld id="{755BA608-1639-41EA-B572-74EA19863A33}" type="datetimeFigureOut">
               <a:rPr lang="fr-FR" smtClean="0"/>
-              <a:t>20/02/2020</a:t>
+              <a:t>24/02/2020</a:t>
             </a:fld>
             <a:endParaRPr lang="fr-FR"/>
           </a:p>
@@ -772,7 +773,7 @@
           <a:p>
             <a:fld id="{755BA608-1639-41EA-B572-74EA19863A33}" type="datetimeFigureOut">
               <a:rPr lang="fr-FR" smtClean="0"/>
-              <a:t>20/02/2020</a:t>
+              <a:t>24/02/2020</a:t>
             </a:fld>
             <a:endParaRPr lang="fr-FR"/>
           </a:p>
@@ -1017,7 +1018,7 @@
           <a:p>
             <a:fld id="{755BA608-1639-41EA-B572-74EA19863A33}" type="datetimeFigureOut">
               <a:rPr lang="fr-FR" smtClean="0"/>
-              <a:t>20/02/2020</a:t>
+              <a:t>24/02/2020</a:t>
             </a:fld>
             <a:endParaRPr lang="fr-FR"/>
           </a:p>
@@ -1246,7 +1247,7 @@
           <a:p>
             <a:fld id="{755BA608-1639-41EA-B572-74EA19863A33}" type="datetimeFigureOut">
               <a:rPr lang="fr-FR" smtClean="0"/>
-              <a:t>20/02/2020</a:t>
+              <a:t>24/02/2020</a:t>
             </a:fld>
             <a:endParaRPr lang="fr-FR"/>
           </a:p>
@@ -1610,7 +1611,7 @@
           <a:p>
             <a:fld id="{755BA608-1639-41EA-B572-74EA19863A33}" type="datetimeFigureOut">
               <a:rPr lang="fr-FR" smtClean="0"/>
-              <a:t>20/02/2020</a:t>
+              <a:t>24/02/2020</a:t>
             </a:fld>
             <a:endParaRPr lang="fr-FR"/>
           </a:p>
@@ -1727,7 +1728,7 @@
           <a:p>
             <a:fld id="{755BA608-1639-41EA-B572-74EA19863A33}" type="datetimeFigureOut">
               <a:rPr lang="fr-FR" smtClean="0"/>
-              <a:t>20/02/2020</a:t>
+              <a:t>24/02/2020</a:t>
             </a:fld>
             <a:endParaRPr lang="fr-FR"/>
           </a:p>
@@ -1822,7 +1823,7 @@
           <a:p>
             <a:fld id="{755BA608-1639-41EA-B572-74EA19863A33}" type="datetimeFigureOut">
               <a:rPr lang="fr-FR" smtClean="0"/>
-              <a:t>20/02/2020</a:t>
+              <a:t>24/02/2020</a:t>
             </a:fld>
             <a:endParaRPr lang="fr-FR"/>
           </a:p>
@@ -2097,7 +2098,7 @@
           <a:p>
             <a:fld id="{755BA608-1639-41EA-B572-74EA19863A33}" type="datetimeFigureOut">
               <a:rPr lang="fr-FR" smtClean="0"/>
-              <a:t>20/02/2020</a:t>
+              <a:t>24/02/2020</a:t>
             </a:fld>
             <a:endParaRPr lang="fr-FR"/>
           </a:p>
@@ -2349,7 +2350,7 @@
           <a:p>
             <a:fld id="{755BA608-1639-41EA-B572-74EA19863A33}" type="datetimeFigureOut">
               <a:rPr lang="fr-FR" smtClean="0"/>
-              <a:t>20/02/2020</a:t>
+              <a:t>24/02/2020</a:t>
             </a:fld>
             <a:endParaRPr lang="fr-FR"/>
           </a:p>
@@ -2560,7 +2561,7 @@
           <a:p>
             <a:fld id="{755BA608-1639-41EA-B572-74EA19863A33}" type="datetimeFigureOut">
               <a:rPr lang="fr-FR" smtClean="0"/>
-              <a:t>20/02/2020</a:t>
+              <a:t>24/02/2020</a:t>
             </a:fld>
             <a:endParaRPr lang="fr-FR"/>
           </a:p>
@@ -7817,6 +7818,693 @@
 </p:sld>
 </file>
 
+<file path=ppt/slides/slide19.xml><?xml version="1.0" encoding="utf-8"?>
+<p:sld xmlns:a="http://schemas.openxmlformats.org/drawingml/2006/main" xmlns:r="http://schemas.openxmlformats.org/officeDocument/2006/relationships" xmlns:p="http://schemas.openxmlformats.org/presentationml/2006/main">
+  <p:cSld>
+    <p:spTree>
+      <p:nvGrpSpPr>
+        <p:cNvPr id="1" name=""/>
+        <p:cNvGrpSpPr/>
+        <p:nvPr/>
+      </p:nvGrpSpPr>
+      <p:grpSpPr>
+        <a:xfrm>
+          <a:off x="0" y="0"/>
+          <a:ext cx="0" cy="0"/>
+          <a:chOff x="0" y="0"/>
+          <a:chExt cx="0" cy="0"/>
+        </a:xfrm>
+      </p:grpSpPr>
+      <p:sp>
+        <p:nvSpPr>
+          <p:cNvPr id="2" name="Titre 1"/>
+          <p:cNvSpPr>
+            <a:spLocks noGrp="1"/>
+          </p:cNvSpPr>
+          <p:nvPr>
+            <p:ph type="ctrTitle"/>
+          </p:nvPr>
+        </p:nvSpPr>
+        <p:spPr>
+          <a:xfrm>
+            <a:off x="1030224" y="384048"/>
+            <a:ext cx="9144000" cy="1287970"/>
+          </a:xfrm>
+        </p:spPr>
+        <p:txBody>
+          <a:bodyPr/>
+          <a:lstStyle/>
+          <a:p>
+            <a:r>
+              <a:rPr lang="fr-FR" dirty="0"/>
+              <a:t>Item 42</a:t>
+            </a:r>
+          </a:p>
+        </p:txBody>
+      </p:sp>
+      <p:sp>
+        <p:nvSpPr>
+          <p:cNvPr id="3" name="Sous-titre 2"/>
+          <p:cNvSpPr>
+            <a:spLocks noGrp="1"/>
+          </p:cNvSpPr>
+          <p:nvPr>
+            <p:ph type="subTitle" idx="1"/>
+          </p:nvPr>
+        </p:nvSpPr>
+        <p:spPr>
+          <a:xfrm>
+            <a:off x="1285690" y="1900406"/>
+            <a:ext cx="9144000" cy="4408106"/>
+          </a:xfrm>
+        </p:spPr>
+        <p:txBody>
+          <a:bodyPr>
+            <a:noAutofit/>
+          </a:bodyPr>
+          <a:lstStyle/>
+          <a:p>
+            <a:pPr algn="l"/>
+            <a:r>
+              <a:rPr lang="en-US" sz="2000" dirty="0"/>
+              <a:t>How to declare a function object? (e.g. Strategy / Command pattern ,,,)</a:t>
+            </a:r>
+          </a:p>
+          <a:p>
+            <a:pPr algn="l"/>
+            <a:r>
+              <a:rPr lang="en-US" sz="2000" b="1" dirty="0">
+                <a:solidFill>
+                  <a:srgbClr val="0070C0"/>
+                </a:solidFill>
+                <a:sym typeface="Wingdings" panose="05000000000000000000" pitchFamily="2" charset="2"/>
+              </a:rPr>
+              <a:t>            Anonymous class</a:t>
+            </a:r>
+          </a:p>
+          <a:p>
+            <a:pPr algn="l"/>
+            <a:endParaRPr lang="en-US" sz="2000" b="1" dirty="0">
+              <a:solidFill>
+                <a:srgbClr val="0070C0"/>
+              </a:solidFill>
+              <a:sym typeface="Wingdings" panose="05000000000000000000" pitchFamily="2" charset="2"/>
+            </a:endParaRPr>
+          </a:p>
+          <a:p>
+            <a:pPr algn="l"/>
+            <a:endParaRPr lang="en-US" sz="2000" dirty="0"/>
+          </a:p>
+          <a:p>
+            <a:pPr algn="l"/>
+            <a:r>
+              <a:rPr lang="en-US" sz="2000" dirty="0"/>
+              <a:t>But How to:</a:t>
+            </a:r>
+          </a:p>
+          <a:p>
+            <a:pPr marL="342900" indent="-342900" algn="l">
+              <a:buFont typeface="Wingdings" panose="05000000000000000000" pitchFamily="2" charset="2"/>
+              <a:buChar char="q"/>
+            </a:pPr>
+            <a:r>
+              <a:rPr lang="en-US" sz="2000" dirty="0"/>
+              <a:t>Avoid Anonymous class verbosity? </a:t>
+            </a:r>
+          </a:p>
+          <a:p>
+            <a:pPr marL="342900" indent="-342900" algn="l">
+              <a:buFont typeface="Wingdings" panose="05000000000000000000" pitchFamily="2" charset="2"/>
+              <a:buChar char="q"/>
+            </a:pPr>
+            <a:r>
+              <a:rPr lang="en-US" sz="2000" dirty="0"/>
+              <a:t>To Enforce type Safety?</a:t>
+            </a:r>
+          </a:p>
+        </p:txBody>
+      </p:sp>
+      <p:sp>
+        <p:nvSpPr>
+          <p:cNvPr id="4" name="Rectangle 3"/>
+          <p:cNvSpPr/>
+          <p:nvPr/>
+        </p:nvSpPr>
+        <p:spPr>
+          <a:xfrm>
+            <a:off x="3181070" y="5097887"/>
+            <a:ext cx="5884753" cy="523220"/>
+          </a:xfrm>
+          <a:prstGeom prst="rect">
+            <a:avLst/>
+          </a:prstGeom>
+          <a:noFill/>
+        </p:spPr>
+        <p:txBody>
+          <a:bodyPr wrap="none" lIns="91440" tIns="45720" rIns="91440" bIns="45720">
+            <a:spAutoFit/>
+          </a:bodyPr>
+          <a:lstStyle/>
+          <a:p>
+            <a:pPr algn="ctr"/>
+            <a:r>
+              <a:rPr lang="en-US" sz="2800" b="1" dirty="0">
+                <a:ln w="22225">
+                  <a:solidFill>
+                    <a:schemeClr val="accent2"/>
+                  </a:solidFill>
+                  <a:prstDash val="solid"/>
+                </a:ln>
+                <a:solidFill>
+                  <a:schemeClr val="accent2">
+                    <a:lumMod val="40000"/>
+                    <a:lumOff val="60000"/>
+                  </a:schemeClr>
+                </a:solidFill>
+              </a:rPr>
+              <a:t>Use functional interface, aka lambdas.</a:t>
+            </a:r>
+            <a:endParaRPr lang="fr-FR" sz="2800" b="1" cap="none" spc="0" dirty="0">
+              <a:ln w="22225">
+                <a:solidFill>
+                  <a:schemeClr val="accent2"/>
+                </a:solidFill>
+                <a:prstDash val="solid"/>
+              </a:ln>
+              <a:solidFill>
+                <a:schemeClr val="accent2">
+                  <a:lumMod val="40000"/>
+                  <a:lumOff val="60000"/>
+                </a:schemeClr>
+              </a:solidFill>
+              <a:effectLst/>
+            </a:endParaRPr>
+          </a:p>
+        </p:txBody>
+      </p:sp>
+    </p:spTree>
+    <p:extLst>
+      <p:ext uri="{BB962C8B-B14F-4D97-AF65-F5344CB8AC3E}">
+        <p14:creationId xmlns:p14="http://schemas.microsoft.com/office/powerpoint/2010/main" val="1024839691"/>
+      </p:ext>
+    </p:extLst>
+  </p:cSld>
+  <p:clrMapOvr>
+    <a:masterClrMapping/>
+  </p:clrMapOvr>
+  <p:timing>
+    <p:tnLst>
+      <p:par>
+        <p:cTn id="1" dur="indefinite" restart="never" nodeType="tmRoot">
+          <p:childTnLst>
+            <p:seq concurrent="1" nextAc="seek">
+              <p:cTn id="2" dur="indefinite" nodeType="mainSeq">
+                <p:childTnLst>
+                  <p:par>
+                    <p:cTn id="3" fill="hold">
+                      <p:stCondLst>
+                        <p:cond delay="indefinite"/>
+                      </p:stCondLst>
+                      <p:childTnLst>
+                        <p:par>
+                          <p:cTn id="4" fill="hold">
+                            <p:stCondLst>
+                              <p:cond delay="0"/>
+                            </p:stCondLst>
+                            <p:childTnLst>
+                              <p:par>
+                                <p:cTn id="5" presetID="1" presetClass="entr" presetSubtype="0" fill="hold" nodeType="clickEffect">
+                                  <p:stCondLst>
+                                    <p:cond delay="0"/>
+                                  </p:stCondLst>
+                                  <p:childTnLst>
+                                    <p:set>
+                                      <p:cBhvr>
+                                        <p:cTn id="6" dur="1" fill="hold">
+                                          <p:stCondLst>
+                                            <p:cond delay="0"/>
+                                          </p:stCondLst>
+                                        </p:cTn>
+                                        <p:tgtEl>
+                                          <p:spTgt spid="3">
+                                            <p:txEl>
+                                              <p:pRg st="1" end="1"/>
+                                            </p:txEl>
+                                          </p:spTgt>
+                                        </p:tgtEl>
+                                        <p:attrNameLst>
+                                          <p:attrName>style.visibility</p:attrName>
+                                        </p:attrNameLst>
+                                      </p:cBhvr>
+                                      <p:to>
+                                        <p:strVal val="visible"/>
+                                      </p:to>
+                                    </p:set>
+                                  </p:childTnLst>
+                                </p:cTn>
+                              </p:par>
+                            </p:childTnLst>
+                          </p:cTn>
+                        </p:par>
+                      </p:childTnLst>
+                    </p:cTn>
+                  </p:par>
+                  <p:par>
+                    <p:cTn id="7" fill="hold">
+                      <p:stCondLst>
+                        <p:cond delay="indefinite"/>
+                      </p:stCondLst>
+                      <p:childTnLst>
+                        <p:par>
+                          <p:cTn id="8" fill="hold">
+                            <p:stCondLst>
+                              <p:cond delay="0"/>
+                            </p:stCondLst>
+                            <p:childTnLst>
+                              <p:par>
+                                <p:cTn id="9" presetID="2" presetClass="entr" presetSubtype="4" fill="hold" nodeType="clickEffect">
+                                  <p:stCondLst>
+                                    <p:cond delay="0"/>
+                                  </p:stCondLst>
+                                  <p:childTnLst>
+                                    <p:set>
+                                      <p:cBhvr>
+                                        <p:cTn id="10" dur="1" fill="hold">
+                                          <p:stCondLst>
+                                            <p:cond delay="0"/>
+                                          </p:stCondLst>
+                                        </p:cTn>
+                                        <p:tgtEl>
+                                          <p:spTgt spid="3">
+                                            <p:txEl>
+                                              <p:pRg st="4" end="4"/>
+                                            </p:txEl>
+                                          </p:spTgt>
+                                        </p:tgtEl>
+                                        <p:attrNameLst>
+                                          <p:attrName>style.visibility</p:attrName>
+                                        </p:attrNameLst>
+                                      </p:cBhvr>
+                                      <p:to>
+                                        <p:strVal val="visible"/>
+                                      </p:to>
+                                    </p:set>
+                                    <p:anim calcmode="lin" valueType="num">
+                                      <p:cBhvr additive="base">
+                                        <p:cTn id="11" dur="500" fill="hold"/>
+                                        <p:tgtEl>
+                                          <p:spTgt spid="3">
+                                            <p:txEl>
+                                              <p:pRg st="4" end="4"/>
+                                            </p:txEl>
+                                          </p:spTgt>
+                                        </p:tgtEl>
+                                        <p:attrNameLst>
+                                          <p:attrName>ppt_x</p:attrName>
+                                        </p:attrNameLst>
+                                      </p:cBhvr>
+                                      <p:tavLst>
+                                        <p:tav tm="0">
+                                          <p:val>
+                                            <p:strVal val="#ppt_x"/>
+                                          </p:val>
+                                        </p:tav>
+                                        <p:tav tm="100000">
+                                          <p:val>
+                                            <p:strVal val="#ppt_x"/>
+                                          </p:val>
+                                        </p:tav>
+                                      </p:tavLst>
+                                    </p:anim>
+                                    <p:anim calcmode="lin" valueType="num">
+                                      <p:cBhvr additive="base">
+                                        <p:cTn id="12" dur="500" fill="hold"/>
+                                        <p:tgtEl>
+                                          <p:spTgt spid="3">
+                                            <p:txEl>
+                                              <p:pRg st="4" end="4"/>
+                                            </p:txEl>
+                                          </p:spTgt>
+                                        </p:tgtEl>
+                                        <p:attrNameLst>
+                                          <p:attrName>ppt_y</p:attrName>
+                                        </p:attrNameLst>
+                                      </p:cBhvr>
+                                      <p:tavLst>
+                                        <p:tav tm="0">
+                                          <p:val>
+                                            <p:strVal val="1+#ppt_h/2"/>
+                                          </p:val>
+                                        </p:tav>
+                                        <p:tav tm="100000">
+                                          <p:val>
+                                            <p:strVal val="#ppt_y"/>
+                                          </p:val>
+                                        </p:tav>
+                                      </p:tavLst>
+                                    </p:anim>
+                                  </p:childTnLst>
+                                </p:cTn>
+                              </p:par>
+                            </p:childTnLst>
+                          </p:cTn>
+                        </p:par>
+                      </p:childTnLst>
+                    </p:cTn>
+                  </p:par>
+                  <p:par>
+                    <p:cTn id="13" fill="hold">
+                      <p:stCondLst>
+                        <p:cond delay="indefinite"/>
+                      </p:stCondLst>
+                      <p:childTnLst>
+                        <p:par>
+                          <p:cTn id="14" fill="hold">
+                            <p:stCondLst>
+                              <p:cond delay="0"/>
+                            </p:stCondLst>
+                            <p:childTnLst>
+                              <p:par>
+                                <p:cTn id="15" presetID="2" presetClass="entr" presetSubtype="4" fill="hold" nodeType="clickEffect">
+                                  <p:stCondLst>
+                                    <p:cond delay="0"/>
+                                  </p:stCondLst>
+                                  <p:childTnLst>
+                                    <p:set>
+                                      <p:cBhvr>
+                                        <p:cTn id="16" dur="1" fill="hold">
+                                          <p:stCondLst>
+                                            <p:cond delay="0"/>
+                                          </p:stCondLst>
+                                        </p:cTn>
+                                        <p:tgtEl>
+                                          <p:spTgt spid="3">
+                                            <p:txEl>
+                                              <p:pRg st="5" end="5"/>
+                                            </p:txEl>
+                                          </p:spTgt>
+                                        </p:tgtEl>
+                                        <p:attrNameLst>
+                                          <p:attrName>style.visibility</p:attrName>
+                                        </p:attrNameLst>
+                                      </p:cBhvr>
+                                      <p:to>
+                                        <p:strVal val="visible"/>
+                                      </p:to>
+                                    </p:set>
+                                    <p:anim calcmode="lin" valueType="num">
+                                      <p:cBhvr additive="base">
+                                        <p:cTn id="17" dur="500" fill="hold"/>
+                                        <p:tgtEl>
+                                          <p:spTgt spid="3">
+                                            <p:txEl>
+                                              <p:pRg st="5" end="5"/>
+                                            </p:txEl>
+                                          </p:spTgt>
+                                        </p:tgtEl>
+                                        <p:attrNameLst>
+                                          <p:attrName>ppt_x</p:attrName>
+                                        </p:attrNameLst>
+                                      </p:cBhvr>
+                                      <p:tavLst>
+                                        <p:tav tm="0">
+                                          <p:val>
+                                            <p:strVal val="#ppt_x"/>
+                                          </p:val>
+                                        </p:tav>
+                                        <p:tav tm="100000">
+                                          <p:val>
+                                            <p:strVal val="#ppt_x"/>
+                                          </p:val>
+                                        </p:tav>
+                                      </p:tavLst>
+                                    </p:anim>
+                                    <p:anim calcmode="lin" valueType="num">
+                                      <p:cBhvr additive="base">
+                                        <p:cTn id="18" dur="500" fill="hold"/>
+                                        <p:tgtEl>
+                                          <p:spTgt spid="3">
+                                            <p:txEl>
+                                              <p:pRg st="5" end="5"/>
+                                            </p:txEl>
+                                          </p:spTgt>
+                                        </p:tgtEl>
+                                        <p:attrNameLst>
+                                          <p:attrName>ppt_y</p:attrName>
+                                        </p:attrNameLst>
+                                      </p:cBhvr>
+                                      <p:tavLst>
+                                        <p:tav tm="0">
+                                          <p:val>
+                                            <p:strVal val="1+#ppt_h/2"/>
+                                          </p:val>
+                                        </p:tav>
+                                        <p:tav tm="100000">
+                                          <p:val>
+                                            <p:strVal val="#ppt_y"/>
+                                          </p:val>
+                                        </p:tav>
+                                      </p:tavLst>
+                                    </p:anim>
+                                  </p:childTnLst>
+                                </p:cTn>
+                              </p:par>
+                            </p:childTnLst>
+                          </p:cTn>
+                        </p:par>
+                      </p:childTnLst>
+                    </p:cTn>
+                  </p:par>
+                  <p:par>
+                    <p:cTn id="19" fill="hold">
+                      <p:stCondLst>
+                        <p:cond delay="indefinite"/>
+                      </p:stCondLst>
+                      <p:childTnLst>
+                        <p:par>
+                          <p:cTn id="20" fill="hold">
+                            <p:stCondLst>
+                              <p:cond delay="0"/>
+                            </p:stCondLst>
+                            <p:childTnLst>
+                              <p:par>
+                                <p:cTn id="21" presetID="2" presetClass="entr" presetSubtype="4" fill="hold" nodeType="clickEffect">
+                                  <p:stCondLst>
+                                    <p:cond delay="0"/>
+                                  </p:stCondLst>
+                                  <p:childTnLst>
+                                    <p:set>
+                                      <p:cBhvr>
+                                        <p:cTn id="22" dur="1" fill="hold">
+                                          <p:stCondLst>
+                                            <p:cond delay="0"/>
+                                          </p:stCondLst>
+                                        </p:cTn>
+                                        <p:tgtEl>
+                                          <p:spTgt spid="3">
+                                            <p:txEl>
+                                              <p:pRg st="6" end="6"/>
+                                            </p:txEl>
+                                          </p:spTgt>
+                                        </p:tgtEl>
+                                        <p:attrNameLst>
+                                          <p:attrName>style.visibility</p:attrName>
+                                        </p:attrNameLst>
+                                      </p:cBhvr>
+                                      <p:to>
+                                        <p:strVal val="visible"/>
+                                      </p:to>
+                                    </p:set>
+                                    <p:anim calcmode="lin" valueType="num">
+                                      <p:cBhvr additive="base">
+                                        <p:cTn id="23" dur="500" fill="hold"/>
+                                        <p:tgtEl>
+                                          <p:spTgt spid="3">
+                                            <p:txEl>
+                                              <p:pRg st="6" end="6"/>
+                                            </p:txEl>
+                                          </p:spTgt>
+                                        </p:tgtEl>
+                                        <p:attrNameLst>
+                                          <p:attrName>ppt_x</p:attrName>
+                                        </p:attrNameLst>
+                                      </p:cBhvr>
+                                      <p:tavLst>
+                                        <p:tav tm="0">
+                                          <p:val>
+                                            <p:strVal val="#ppt_x"/>
+                                          </p:val>
+                                        </p:tav>
+                                        <p:tav tm="100000">
+                                          <p:val>
+                                            <p:strVal val="#ppt_x"/>
+                                          </p:val>
+                                        </p:tav>
+                                      </p:tavLst>
+                                    </p:anim>
+                                    <p:anim calcmode="lin" valueType="num">
+                                      <p:cBhvr additive="base">
+                                        <p:cTn id="24" dur="500" fill="hold"/>
+                                        <p:tgtEl>
+                                          <p:spTgt spid="3">
+                                            <p:txEl>
+                                              <p:pRg st="6" end="6"/>
+                                            </p:txEl>
+                                          </p:spTgt>
+                                        </p:tgtEl>
+                                        <p:attrNameLst>
+                                          <p:attrName>ppt_y</p:attrName>
+                                        </p:attrNameLst>
+                                      </p:cBhvr>
+                                      <p:tavLst>
+                                        <p:tav tm="0">
+                                          <p:val>
+                                            <p:strVal val="1+#ppt_h/2"/>
+                                          </p:val>
+                                        </p:tav>
+                                        <p:tav tm="100000">
+                                          <p:val>
+                                            <p:strVal val="#ppt_y"/>
+                                          </p:val>
+                                        </p:tav>
+                                      </p:tavLst>
+                                    </p:anim>
+                                  </p:childTnLst>
+                                </p:cTn>
+                              </p:par>
+                            </p:childTnLst>
+                          </p:cTn>
+                        </p:par>
+                      </p:childTnLst>
+                    </p:cTn>
+                  </p:par>
+                  <p:par>
+                    <p:cTn id="25" fill="hold">
+                      <p:stCondLst>
+                        <p:cond delay="indefinite"/>
+                      </p:stCondLst>
+                      <p:childTnLst>
+                        <p:par>
+                          <p:cTn id="26" fill="hold">
+                            <p:stCondLst>
+                              <p:cond delay="0"/>
+                            </p:stCondLst>
+                            <p:childTnLst>
+                              <p:par>
+                                <p:cTn id="27" presetID="53" presetClass="entr" presetSubtype="16" fill="hold" grpId="0" nodeType="clickEffect">
+                                  <p:stCondLst>
+                                    <p:cond delay="0"/>
+                                  </p:stCondLst>
+                                  <p:childTnLst>
+                                    <p:set>
+                                      <p:cBhvr>
+                                        <p:cTn id="28" dur="1" fill="hold">
+                                          <p:stCondLst>
+                                            <p:cond delay="0"/>
+                                          </p:stCondLst>
+                                        </p:cTn>
+                                        <p:tgtEl>
+                                          <p:spTgt spid="4"/>
+                                        </p:tgtEl>
+                                        <p:attrNameLst>
+                                          <p:attrName>style.visibility</p:attrName>
+                                        </p:attrNameLst>
+                                      </p:cBhvr>
+                                      <p:to>
+                                        <p:strVal val="visible"/>
+                                      </p:to>
+                                    </p:set>
+                                    <p:anim calcmode="lin" valueType="num">
+                                      <p:cBhvr>
+                                        <p:cTn id="29" dur="500" fill="hold"/>
+                                        <p:tgtEl>
+                                          <p:spTgt spid="4"/>
+                                        </p:tgtEl>
+                                        <p:attrNameLst>
+                                          <p:attrName>ppt_w</p:attrName>
+                                        </p:attrNameLst>
+                                      </p:cBhvr>
+                                      <p:tavLst>
+                                        <p:tav tm="0">
+                                          <p:val>
+                                            <p:fltVal val="0"/>
+                                          </p:val>
+                                        </p:tav>
+                                        <p:tav tm="100000">
+                                          <p:val>
+                                            <p:strVal val="#ppt_w"/>
+                                          </p:val>
+                                        </p:tav>
+                                      </p:tavLst>
+                                    </p:anim>
+                                    <p:anim calcmode="lin" valueType="num">
+                                      <p:cBhvr>
+                                        <p:cTn id="30" dur="500" fill="hold"/>
+                                        <p:tgtEl>
+                                          <p:spTgt spid="4"/>
+                                        </p:tgtEl>
+                                        <p:attrNameLst>
+                                          <p:attrName>ppt_h</p:attrName>
+                                        </p:attrNameLst>
+                                      </p:cBhvr>
+                                      <p:tavLst>
+                                        <p:tav tm="0">
+                                          <p:val>
+                                            <p:fltVal val="0"/>
+                                          </p:val>
+                                        </p:tav>
+                                        <p:tav tm="100000">
+                                          <p:val>
+                                            <p:strVal val="#ppt_h"/>
+                                          </p:val>
+                                        </p:tav>
+                                      </p:tavLst>
+                                    </p:anim>
+                                    <p:animEffect transition="in" filter="fade">
+                                      <p:cBhvr>
+                                        <p:cTn id="31" dur="500"/>
+                                        <p:tgtEl>
+                                          <p:spTgt spid="4"/>
+                                        </p:tgtEl>
+                                      </p:cBhvr>
+                                    </p:animEffect>
+                                  </p:childTnLst>
+                                </p:cTn>
+                              </p:par>
+                            </p:childTnLst>
+                          </p:cTn>
+                        </p:par>
+                      </p:childTnLst>
+                    </p:cTn>
+                  </p:par>
+                </p:childTnLst>
+              </p:cTn>
+              <p:prevCondLst>
+                <p:cond evt="onPrev" delay="0">
+                  <p:tgtEl>
+                    <p:sldTgt/>
+                  </p:tgtEl>
+                </p:cond>
+              </p:prevCondLst>
+              <p:nextCondLst>
+                <p:cond evt="onNext" delay="0">
+                  <p:tgtEl>
+                    <p:sldTgt/>
+                  </p:tgtEl>
+                </p:cond>
+              </p:nextCondLst>
+            </p:seq>
+          </p:childTnLst>
+        </p:cTn>
+      </p:par>
+    </p:tnLst>
+    <p:bldLst>
+      <p:bldP spid="4" grpId="0"/>
+    </p:bldLst>
+  </p:timing>
+</p:sld>
+</file>
+
 <file path=ppt/slides/slide2.xml><?xml version="1.0" encoding="utf-8"?>
 <p:sld xmlns:a="http://schemas.openxmlformats.org/drawingml/2006/main" xmlns:r="http://schemas.openxmlformats.org/officeDocument/2006/relationships" xmlns:p="http://schemas.openxmlformats.org/presentationml/2006/main">
   <p:cSld>

--- a/effective-java.pptx
+++ b/effective-java.pptx
@@ -24,6 +24,7 @@
     <p:sldId id="269" r:id="rId18"/>
     <p:sldId id="273" r:id="rId19"/>
     <p:sldId id="274" r:id="rId20"/>
+    <p:sldId id="275" r:id="rId21"/>
   </p:sldIdLst>
   <p:sldSz cx="12192000" cy="6858000"/>
   <p:notesSz cx="6858000" cy="9144000"/>
@@ -259,7 +260,7 @@
           <a:p>
             <a:fld id="{755BA608-1639-41EA-B572-74EA19863A33}" type="datetimeFigureOut">
               <a:rPr lang="fr-FR" smtClean="0"/>
-              <a:t>24/02/2020</a:t>
+              <a:t>25/02/2020</a:t>
             </a:fld>
             <a:endParaRPr lang="fr-FR"/>
           </a:p>
@@ -427,7 +428,7 @@
           <a:p>
             <a:fld id="{755BA608-1639-41EA-B572-74EA19863A33}" type="datetimeFigureOut">
               <a:rPr lang="fr-FR" smtClean="0"/>
-              <a:t>24/02/2020</a:t>
+              <a:t>25/02/2020</a:t>
             </a:fld>
             <a:endParaRPr lang="fr-FR"/>
           </a:p>
@@ -605,7 +606,7 @@
           <a:p>
             <a:fld id="{755BA608-1639-41EA-B572-74EA19863A33}" type="datetimeFigureOut">
               <a:rPr lang="fr-FR" smtClean="0"/>
-              <a:t>24/02/2020</a:t>
+              <a:t>25/02/2020</a:t>
             </a:fld>
             <a:endParaRPr lang="fr-FR"/>
           </a:p>
@@ -773,7 +774,7 @@
           <a:p>
             <a:fld id="{755BA608-1639-41EA-B572-74EA19863A33}" type="datetimeFigureOut">
               <a:rPr lang="fr-FR" smtClean="0"/>
-              <a:t>24/02/2020</a:t>
+              <a:t>25/02/2020</a:t>
             </a:fld>
             <a:endParaRPr lang="fr-FR"/>
           </a:p>
@@ -1018,7 +1019,7 @@
           <a:p>
             <a:fld id="{755BA608-1639-41EA-B572-74EA19863A33}" type="datetimeFigureOut">
               <a:rPr lang="fr-FR" smtClean="0"/>
-              <a:t>24/02/2020</a:t>
+              <a:t>25/02/2020</a:t>
             </a:fld>
             <a:endParaRPr lang="fr-FR"/>
           </a:p>
@@ -1247,7 +1248,7 @@
           <a:p>
             <a:fld id="{755BA608-1639-41EA-B572-74EA19863A33}" type="datetimeFigureOut">
               <a:rPr lang="fr-FR" smtClean="0"/>
-              <a:t>24/02/2020</a:t>
+              <a:t>25/02/2020</a:t>
             </a:fld>
             <a:endParaRPr lang="fr-FR"/>
           </a:p>
@@ -1611,7 +1612,7 @@
           <a:p>
             <a:fld id="{755BA608-1639-41EA-B572-74EA19863A33}" type="datetimeFigureOut">
               <a:rPr lang="fr-FR" smtClean="0"/>
-              <a:t>24/02/2020</a:t>
+              <a:t>25/02/2020</a:t>
             </a:fld>
             <a:endParaRPr lang="fr-FR"/>
           </a:p>
@@ -1728,7 +1729,7 @@
           <a:p>
             <a:fld id="{755BA608-1639-41EA-B572-74EA19863A33}" type="datetimeFigureOut">
               <a:rPr lang="fr-FR" smtClean="0"/>
-              <a:t>24/02/2020</a:t>
+              <a:t>25/02/2020</a:t>
             </a:fld>
             <a:endParaRPr lang="fr-FR"/>
           </a:p>
@@ -1823,7 +1824,7 @@
           <a:p>
             <a:fld id="{755BA608-1639-41EA-B572-74EA19863A33}" type="datetimeFigureOut">
               <a:rPr lang="fr-FR" smtClean="0"/>
-              <a:t>24/02/2020</a:t>
+              <a:t>25/02/2020</a:t>
             </a:fld>
             <a:endParaRPr lang="fr-FR"/>
           </a:p>
@@ -2098,7 +2099,7 @@
           <a:p>
             <a:fld id="{755BA608-1639-41EA-B572-74EA19863A33}" type="datetimeFigureOut">
               <a:rPr lang="fr-FR" smtClean="0"/>
-              <a:t>24/02/2020</a:t>
+              <a:t>25/02/2020</a:t>
             </a:fld>
             <a:endParaRPr lang="fr-FR"/>
           </a:p>
@@ -2350,7 +2351,7 @@
           <a:p>
             <a:fld id="{755BA608-1639-41EA-B572-74EA19863A33}" type="datetimeFigureOut">
               <a:rPr lang="fr-FR" smtClean="0"/>
-              <a:t>24/02/2020</a:t>
+              <a:t>25/02/2020</a:t>
             </a:fld>
             <a:endParaRPr lang="fr-FR"/>
           </a:p>
@@ -2561,7 +2562,7 @@
           <a:p>
             <a:fld id="{755BA608-1639-41EA-B572-74EA19863A33}" type="datetimeFigureOut">
               <a:rPr lang="fr-FR" smtClean="0"/>
-              <a:t>24/02/2020</a:t>
+              <a:t>25/02/2020</a:t>
             </a:fld>
             <a:endParaRPr lang="fr-FR"/>
           </a:p>
@@ -7939,7 +7940,7 @@
             </a:pPr>
             <a:r>
               <a:rPr lang="en-US" sz="2000" dirty="0"/>
-              <a:t>To Enforce type Safety?</a:t>
+              <a:t>Define a one-line function?</a:t>
             </a:r>
           </a:p>
         </p:txBody>
@@ -8758,6 +8759,693 @@
   <p:clrMapOvr>
     <a:masterClrMapping/>
   </p:clrMapOvr>
+</p:sld>
+</file>
+
+<file path=ppt/slides/slide20.xml><?xml version="1.0" encoding="utf-8"?>
+<p:sld xmlns:a="http://schemas.openxmlformats.org/drawingml/2006/main" xmlns:r="http://schemas.openxmlformats.org/officeDocument/2006/relationships" xmlns:p="http://schemas.openxmlformats.org/presentationml/2006/main">
+  <p:cSld>
+    <p:spTree>
+      <p:nvGrpSpPr>
+        <p:cNvPr id="1" name=""/>
+        <p:cNvGrpSpPr/>
+        <p:nvPr/>
+      </p:nvGrpSpPr>
+      <p:grpSpPr>
+        <a:xfrm>
+          <a:off x="0" y="0"/>
+          <a:ext cx="0" cy="0"/>
+          <a:chOff x="0" y="0"/>
+          <a:chExt cx="0" cy="0"/>
+        </a:xfrm>
+      </p:grpSpPr>
+      <p:sp>
+        <p:nvSpPr>
+          <p:cNvPr id="2" name="Titre 1"/>
+          <p:cNvSpPr>
+            <a:spLocks noGrp="1"/>
+          </p:cNvSpPr>
+          <p:nvPr>
+            <p:ph type="ctrTitle"/>
+          </p:nvPr>
+        </p:nvSpPr>
+        <p:spPr>
+          <a:xfrm>
+            <a:off x="1030224" y="384048"/>
+            <a:ext cx="9144000" cy="1287970"/>
+          </a:xfrm>
+        </p:spPr>
+        <p:txBody>
+          <a:bodyPr/>
+          <a:lstStyle/>
+          <a:p>
+            <a:r>
+              <a:rPr lang="fr-FR" dirty="0"/>
+              <a:t>Item 69 / 70</a:t>
+            </a:r>
+          </a:p>
+        </p:txBody>
+      </p:sp>
+      <p:sp>
+        <p:nvSpPr>
+          <p:cNvPr id="3" name="Sous-titre 2"/>
+          <p:cNvSpPr>
+            <a:spLocks noGrp="1"/>
+          </p:cNvSpPr>
+          <p:nvPr>
+            <p:ph type="subTitle" idx="1"/>
+          </p:nvPr>
+        </p:nvSpPr>
+        <p:spPr>
+          <a:xfrm>
+            <a:off x="1285690" y="1900406"/>
+            <a:ext cx="9144000" cy="4408106"/>
+          </a:xfrm>
+        </p:spPr>
+        <p:txBody>
+          <a:bodyPr>
+            <a:noAutofit/>
+          </a:bodyPr>
+          <a:lstStyle/>
+          <a:p>
+            <a:pPr algn="l"/>
+            <a:r>
+              <a:rPr lang="en-US" sz="2000" dirty="0"/>
+              <a:t>When to throw an exception ?</a:t>
+            </a:r>
+          </a:p>
+          <a:p>
+            <a:pPr algn="l"/>
+            <a:r>
+              <a:rPr lang="en-US" sz="2000" b="1" dirty="0">
+                <a:solidFill>
+                  <a:srgbClr val="0070C0"/>
+                </a:solidFill>
+                <a:sym typeface="Wingdings" panose="05000000000000000000" pitchFamily="2" charset="2"/>
+              </a:rPr>
+              <a:t>            Arbitrary choice</a:t>
+            </a:r>
+          </a:p>
+          <a:p>
+            <a:pPr algn="l"/>
+            <a:endParaRPr lang="en-US" sz="2000" b="1" dirty="0">
+              <a:solidFill>
+                <a:srgbClr val="0070C0"/>
+              </a:solidFill>
+              <a:sym typeface="Wingdings" panose="05000000000000000000" pitchFamily="2" charset="2"/>
+            </a:endParaRPr>
+          </a:p>
+          <a:p>
+            <a:pPr algn="l"/>
+            <a:endParaRPr lang="en-US" sz="2000" dirty="0"/>
+          </a:p>
+          <a:p>
+            <a:pPr algn="l"/>
+            <a:r>
+              <a:rPr lang="en-US" sz="2000" dirty="0"/>
+              <a:t>But:</a:t>
+            </a:r>
+          </a:p>
+          <a:p>
+            <a:pPr marL="342900" indent="-342900" algn="l">
+              <a:buFont typeface="Wingdings" panose="05000000000000000000" pitchFamily="2" charset="2"/>
+              <a:buChar char="q"/>
+            </a:pPr>
+            <a:r>
+              <a:rPr lang="en-US" sz="2000" dirty="0"/>
+              <a:t>What to use : Checked or Unchecked? </a:t>
+            </a:r>
+          </a:p>
+          <a:p>
+            <a:pPr marL="342900" indent="-342900" algn="l">
+              <a:buFont typeface="Wingdings" panose="05000000000000000000" pitchFamily="2" charset="2"/>
+              <a:buChar char="q"/>
+            </a:pPr>
+            <a:r>
+              <a:rPr lang="en-US" sz="2000" dirty="0"/>
+              <a:t>Conversely, when you should not use exceptions?</a:t>
+            </a:r>
+          </a:p>
+        </p:txBody>
+      </p:sp>
+      <p:sp>
+        <p:nvSpPr>
+          <p:cNvPr id="4" name="Rectangle 3"/>
+          <p:cNvSpPr/>
+          <p:nvPr/>
+        </p:nvSpPr>
+        <p:spPr>
+          <a:xfrm>
+            <a:off x="3181070" y="5097887"/>
+            <a:ext cx="5884753" cy="523220"/>
+          </a:xfrm>
+          <a:prstGeom prst="rect">
+            <a:avLst/>
+          </a:prstGeom>
+          <a:noFill/>
+        </p:spPr>
+        <p:txBody>
+          <a:bodyPr wrap="none" lIns="91440" tIns="45720" rIns="91440" bIns="45720">
+            <a:spAutoFit/>
+          </a:bodyPr>
+          <a:lstStyle/>
+          <a:p>
+            <a:pPr algn="ctr"/>
+            <a:r>
+              <a:rPr lang="en-US" sz="2800" b="1" dirty="0">
+                <a:ln w="22225">
+                  <a:solidFill>
+                    <a:schemeClr val="accent2"/>
+                  </a:solidFill>
+                  <a:prstDash val="solid"/>
+                </a:ln>
+                <a:solidFill>
+                  <a:schemeClr val="accent2">
+                    <a:lumMod val="40000"/>
+                    <a:lumOff val="60000"/>
+                  </a:schemeClr>
+                </a:solidFill>
+              </a:rPr>
+              <a:t>Use functional interface, aka lambdas.</a:t>
+            </a:r>
+            <a:endParaRPr lang="fr-FR" sz="2800" b="1" cap="none" spc="0" dirty="0">
+              <a:ln w="22225">
+                <a:solidFill>
+                  <a:schemeClr val="accent2"/>
+                </a:solidFill>
+                <a:prstDash val="solid"/>
+              </a:ln>
+              <a:solidFill>
+                <a:schemeClr val="accent2">
+                  <a:lumMod val="40000"/>
+                  <a:lumOff val="60000"/>
+                </a:schemeClr>
+              </a:solidFill>
+              <a:effectLst/>
+            </a:endParaRPr>
+          </a:p>
+        </p:txBody>
+      </p:sp>
+    </p:spTree>
+    <p:extLst>
+      <p:ext uri="{BB962C8B-B14F-4D97-AF65-F5344CB8AC3E}">
+        <p14:creationId xmlns:p14="http://schemas.microsoft.com/office/powerpoint/2010/main" val="1820183715"/>
+      </p:ext>
+    </p:extLst>
+  </p:cSld>
+  <p:clrMapOvr>
+    <a:masterClrMapping/>
+  </p:clrMapOvr>
+  <p:timing>
+    <p:tnLst>
+      <p:par>
+        <p:cTn id="1" dur="indefinite" restart="never" nodeType="tmRoot">
+          <p:childTnLst>
+            <p:seq concurrent="1" nextAc="seek">
+              <p:cTn id="2" dur="indefinite" nodeType="mainSeq">
+                <p:childTnLst>
+                  <p:par>
+                    <p:cTn id="3" fill="hold">
+                      <p:stCondLst>
+                        <p:cond delay="indefinite"/>
+                      </p:stCondLst>
+                      <p:childTnLst>
+                        <p:par>
+                          <p:cTn id="4" fill="hold">
+                            <p:stCondLst>
+                              <p:cond delay="0"/>
+                            </p:stCondLst>
+                            <p:childTnLst>
+                              <p:par>
+                                <p:cTn id="5" presetID="1" presetClass="entr" presetSubtype="0" fill="hold" nodeType="clickEffect">
+                                  <p:stCondLst>
+                                    <p:cond delay="0"/>
+                                  </p:stCondLst>
+                                  <p:childTnLst>
+                                    <p:set>
+                                      <p:cBhvr>
+                                        <p:cTn id="6" dur="1" fill="hold">
+                                          <p:stCondLst>
+                                            <p:cond delay="0"/>
+                                          </p:stCondLst>
+                                        </p:cTn>
+                                        <p:tgtEl>
+                                          <p:spTgt spid="3">
+                                            <p:txEl>
+                                              <p:pRg st="1" end="1"/>
+                                            </p:txEl>
+                                          </p:spTgt>
+                                        </p:tgtEl>
+                                        <p:attrNameLst>
+                                          <p:attrName>style.visibility</p:attrName>
+                                        </p:attrNameLst>
+                                      </p:cBhvr>
+                                      <p:to>
+                                        <p:strVal val="visible"/>
+                                      </p:to>
+                                    </p:set>
+                                  </p:childTnLst>
+                                </p:cTn>
+                              </p:par>
+                            </p:childTnLst>
+                          </p:cTn>
+                        </p:par>
+                      </p:childTnLst>
+                    </p:cTn>
+                  </p:par>
+                  <p:par>
+                    <p:cTn id="7" fill="hold">
+                      <p:stCondLst>
+                        <p:cond delay="indefinite"/>
+                      </p:stCondLst>
+                      <p:childTnLst>
+                        <p:par>
+                          <p:cTn id="8" fill="hold">
+                            <p:stCondLst>
+                              <p:cond delay="0"/>
+                            </p:stCondLst>
+                            <p:childTnLst>
+                              <p:par>
+                                <p:cTn id="9" presetID="2" presetClass="entr" presetSubtype="4" fill="hold" nodeType="clickEffect">
+                                  <p:stCondLst>
+                                    <p:cond delay="0"/>
+                                  </p:stCondLst>
+                                  <p:childTnLst>
+                                    <p:set>
+                                      <p:cBhvr>
+                                        <p:cTn id="10" dur="1" fill="hold">
+                                          <p:stCondLst>
+                                            <p:cond delay="0"/>
+                                          </p:stCondLst>
+                                        </p:cTn>
+                                        <p:tgtEl>
+                                          <p:spTgt spid="3">
+                                            <p:txEl>
+                                              <p:pRg st="4" end="4"/>
+                                            </p:txEl>
+                                          </p:spTgt>
+                                        </p:tgtEl>
+                                        <p:attrNameLst>
+                                          <p:attrName>style.visibility</p:attrName>
+                                        </p:attrNameLst>
+                                      </p:cBhvr>
+                                      <p:to>
+                                        <p:strVal val="visible"/>
+                                      </p:to>
+                                    </p:set>
+                                    <p:anim calcmode="lin" valueType="num">
+                                      <p:cBhvr additive="base">
+                                        <p:cTn id="11" dur="500" fill="hold"/>
+                                        <p:tgtEl>
+                                          <p:spTgt spid="3">
+                                            <p:txEl>
+                                              <p:pRg st="4" end="4"/>
+                                            </p:txEl>
+                                          </p:spTgt>
+                                        </p:tgtEl>
+                                        <p:attrNameLst>
+                                          <p:attrName>ppt_x</p:attrName>
+                                        </p:attrNameLst>
+                                      </p:cBhvr>
+                                      <p:tavLst>
+                                        <p:tav tm="0">
+                                          <p:val>
+                                            <p:strVal val="#ppt_x"/>
+                                          </p:val>
+                                        </p:tav>
+                                        <p:tav tm="100000">
+                                          <p:val>
+                                            <p:strVal val="#ppt_x"/>
+                                          </p:val>
+                                        </p:tav>
+                                      </p:tavLst>
+                                    </p:anim>
+                                    <p:anim calcmode="lin" valueType="num">
+                                      <p:cBhvr additive="base">
+                                        <p:cTn id="12" dur="500" fill="hold"/>
+                                        <p:tgtEl>
+                                          <p:spTgt spid="3">
+                                            <p:txEl>
+                                              <p:pRg st="4" end="4"/>
+                                            </p:txEl>
+                                          </p:spTgt>
+                                        </p:tgtEl>
+                                        <p:attrNameLst>
+                                          <p:attrName>ppt_y</p:attrName>
+                                        </p:attrNameLst>
+                                      </p:cBhvr>
+                                      <p:tavLst>
+                                        <p:tav tm="0">
+                                          <p:val>
+                                            <p:strVal val="1+#ppt_h/2"/>
+                                          </p:val>
+                                        </p:tav>
+                                        <p:tav tm="100000">
+                                          <p:val>
+                                            <p:strVal val="#ppt_y"/>
+                                          </p:val>
+                                        </p:tav>
+                                      </p:tavLst>
+                                    </p:anim>
+                                  </p:childTnLst>
+                                </p:cTn>
+                              </p:par>
+                            </p:childTnLst>
+                          </p:cTn>
+                        </p:par>
+                      </p:childTnLst>
+                    </p:cTn>
+                  </p:par>
+                  <p:par>
+                    <p:cTn id="13" fill="hold">
+                      <p:stCondLst>
+                        <p:cond delay="indefinite"/>
+                      </p:stCondLst>
+                      <p:childTnLst>
+                        <p:par>
+                          <p:cTn id="14" fill="hold">
+                            <p:stCondLst>
+                              <p:cond delay="0"/>
+                            </p:stCondLst>
+                            <p:childTnLst>
+                              <p:par>
+                                <p:cTn id="15" presetID="2" presetClass="entr" presetSubtype="4" fill="hold" nodeType="clickEffect">
+                                  <p:stCondLst>
+                                    <p:cond delay="0"/>
+                                  </p:stCondLst>
+                                  <p:childTnLst>
+                                    <p:set>
+                                      <p:cBhvr>
+                                        <p:cTn id="16" dur="1" fill="hold">
+                                          <p:stCondLst>
+                                            <p:cond delay="0"/>
+                                          </p:stCondLst>
+                                        </p:cTn>
+                                        <p:tgtEl>
+                                          <p:spTgt spid="3">
+                                            <p:txEl>
+                                              <p:pRg st="5" end="5"/>
+                                            </p:txEl>
+                                          </p:spTgt>
+                                        </p:tgtEl>
+                                        <p:attrNameLst>
+                                          <p:attrName>style.visibility</p:attrName>
+                                        </p:attrNameLst>
+                                      </p:cBhvr>
+                                      <p:to>
+                                        <p:strVal val="visible"/>
+                                      </p:to>
+                                    </p:set>
+                                    <p:anim calcmode="lin" valueType="num">
+                                      <p:cBhvr additive="base">
+                                        <p:cTn id="17" dur="500" fill="hold"/>
+                                        <p:tgtEl>
+                                          <p:spTgt spid="3">
+                                            <p:txEl>
+                                              <p:pRg st="5" end="5"/>
+                                            </p:txEl>
+                                          </p:spTgt>
+                                        </p:tgtEl>
+                                        <p:attrNameLst>
+                                          <p:attrName>ppt_x</p:attrName>
+                                        </p:attrNameLst>
+                                      </p:cBhvr>
+                                      <p:tavLst>
+                                        <p:tav tm="0">
+                                          <p:val>
+                                            <p:strVal val="#ppt_x"/>
+                                          </p:val>
+                                        </p:tav>
+                                        <p:tav tm="100000">
+                                          <p:val>
+                                            <p:strVal val="#ppt_x"/>
+                                          </p:val>
+                                        </p:tav>
+                                      </p:tavLst>
+                                    </p:anim>
+                                    <p:anim calcmode="lin" valueType="num">
+                                      <p:cBhvr additive="base">
+                                        <p:cTn id="18" dur="500" fill="hold"/>
+                                        <p:tgtEl>
+                                          <p:spTgt spid="3">
+                                            <p:txEl>
+                                              <p:pRg st="5" end="5"/>
+                                            </p:txEl>
+                                          </p:spTgt>
+                                        </p:tgtEl>
+                                        <p:attrNameLst>
+                                          <p:attrName>ppt_y</p:attrName>
+                                        </p:attrNameLst>
+                                      </p:cBhvr>
+                                      <p:tavLst>
+                                        <p:tav tm="0">
+                                          <p:val>
+                                            <p:strVal val="1+#ppt_h/2"/>
+                                          </p:val>
+                                        </p:tav>
+                                        <p:tav tm="100000">
+                                          <p:val>
+                                            <p:strVal val="#ppt_y"/>
+                                          </p:val>
+                                        </p:tav>
+                                      </p:tavLst>
+                                    </p:anim>
+                                  </p:childTnLst>
+                                </p:cTn>
+                              </p:par>
+                            </p:childTnLst>
+                          </p:cTn>
+                        </p:par>
+                      </p:childTnLst>
+                    </p:cTn>
+                  </p:par>
+                  <p:par>
+                    <p:cTn id="19" fill="hold">
+                      <p:stCondLst>
+                        <p:cond delay="indefinite"/>
+                      </p:stCondLst>
+                      <p:childTnLst>
+                        <p:par>
+                          <p:cTn id="20" fill="hold">
+                            <p:stCondLst>
+                              <p:cond delay="0"/>
+                            </p:stCondLst>
+                            <p:childTnLst>
+                              <p:par>
+                                <p:cTn id="21" presetID="2" presetClass="entr" presetSubtype="4" fill="hold" nodeType="clickEffect">
+                                  <p:stCondLst>
+                                    <p:cond delay="0"/>
+                                  </p:stCondLst>
+                                  <p:childTnLst>
+                                    <p:set>
+                                      <p:cBhvr>
+                                        <p:cTn id="22" dur="1" fill="hold">
+                                          <p:stCondLst>
+                                            <p:cond delay="0"/>
+                                          </p:stCondLst>
+                                        </p:cTn>
+                                        <p:tgtEl>
+                                          <p:spTgt spid="3">
+                                            <p:txEl>
+                                              <p:pRg st="6" end="6"/>
+                                            </p:txEl>
+                                          </p:spTgt>
+                                        </p:tgtEl>
+                                        <p:attrNameLst>
+                                          <p:attrName>style.visibility</p:attrName>
+                                        </p:attrNameLst>
+                                      </p:cBhvr>
+                                      <p:to>
+                                        <p:strVal val="visible"/>
+                                      </p:to>
+                                    </p:set>
+                                    <p:anim calcmode="lin" valueType="num">
+                                      <p:cBhvr additive="base">
+                                        <p:cTn id="23" dur="500" fill="hold"/>
+                                        <p:tgtEl>
+                                          <p:spTgt spid="3">
+                                            <p:txEl>
+                                              <p:pRg st="6" end="6"/>
+                                            </p:txEl>
+                                          </p:spTgt>
+                                        </p:tgtEl>
+                                        <p:attrNameLst>
+                                          <p:attrName>ppt_x</p:attrName>
+                                        </p:attrNameLst>
+                                      </p:cBhvr>
+                                      <p:tavLst>
+                                        <p:tav tm="0">
+                                          <p:val>
+                                            <p:strVal val="#ppt_x"/>
+                                          </p:val>
+                                        </p:tav>
+                                        <p:tav tm="100000">
+                                          <p:val>
+                                            <p:strVal val="#ppt_x"/>
+                                          </p:val>
+                                        </p:tav>
+                                      </p:tavLst>
+                                    </p:anim>
+                                    <p:anim calcmode="lin" valueType="num">
+                                      <p:cBhvr additive="base">
+                                        <p:cTn id="24" dur="500" fill="hold"/>
+                                        <p:tgtEl>
+                                          <p:spTgt spid="3">
+                                            <p:txEl>
+                                              <p:pRg st="6" end="6"/>
+                                            </p:txEl>
+                                          </p:spTgt>
+                                        </p:tgtEl>
+                                        <p:attrNameLst>
+                                          <p:attrName>ppt_y</p:attrName>
+                                        </p:attrNameLst>
+                                      </p:cBhvr>
+                                      <p:tavLst>
+                                        <p:tav tm="0">
+                                          <p:val>
+                                            <p:strVal val="1+#ppt_h/2"/>
+                                          </p:val>
+                                        </p:tav>
+                                        <p:tav tm="100000">
+                                          <p:val>
+                                            <p:strVal val="#ppt_y"/>
+                                          </p:val>
+                                        </p:tav>
+                                      </p:tavLst>
+                                    </p:anim>
+                                  </p:childTnLst>
+                                </p:cTn>
+                              </p:par>
+                            </p:childTnLst>
+                          </p:cTn>
+                        </p:par>
+                      </p:childTnLst>
+                    </p:cTn>
+                  </p:par>
+                  <p:par>
+                    <p:cTn id="25" fill="hold">
+                      <p:stCondLst>
+                        <p:cond delay="indefinite"/>
+                      </p:stCondLst>
+                      <p:childTnLst>
+                        <p:par>
+                          <p:cTn id="26" fill="hold">
+                            <p:stCondLst>
+                              <p:cond delay="0"/>
+                            </p:stCondLst>
+                            <p:childTnLst>
+                              <p:par>
+                                <p:cTn id="27" presetID="53" presetClass="entr" presetSubtype="16" fill="hold" grpId="0" nodeType="clickEffect">
+                                  <p:stCondLst>
+                                    <p:cond delay="0"/>
+                                  </p:stCondLst>
+                                  <p:childTnLst>
+                                    <p:set>
+                                      <p:cBhvr>
+                                        <p:cTn id="28" dur="1" fill="hold">
+                                          <p:stCondLst>
+                                            <p:cond delay="0"/>
+                                          </p:stCondLst>
+                                        </p:cTn>
+                                        <p:tgtEl>
+                                          <p:spTgt spid="4"/>
+                                        </p:tgtEl>
+                                        <p:attrNameLst>
+                                          <p:attrName>style.visibility</p:attrName>
+                                        </p:attrNameLst>
+                                      </p:cBhvr>
+                                      <p:to>
+                                        <p:strVal val="visible"/>
+                                      </p:to>
+                                    </p:set>
+                                    <p:anim calcmode="lin" valueType="num">
+                                      <p:cBhvr>
+                                        <p:cTn id="29" dur="500" fill="hold"/>
+                                        <p:tgtEl>
+                                          <p:spTgt spid="4"/>
+                                        </p:tgtEl>
+                                        <p:attrNameLst>
+                                          <p:attrName>ppt_w</p:attrName>
+                                        </p:attrNameLst>
+                                      </p:cBhvr>
+                                      <p:tavLst>
+                                        <p:tav tm="0">
+                                          <p:val>
+                                            <p:fltVal val="0"/>
+                                          </p:val>
+                                        </p:tav>
+                                        <p:tav tm="100000">
+                                          <p:val>
+                                            <p:strVal val="#ppt_w"/>
+                                          </p:val>
+                                        </p:tav>
+                                      </p:tavLst>
+                                    </p:anim>
+                                    <p:anim calcmode="lin" valueType="num">
+                                      <p:cBhvr>
+                                        <p:cTn id="30" dur="500" fill="hold"/>
+                                        <p:tgtEl>
+                                          <p:spTgt spid="4"/>
+                                        </p:tgtEl>
+                                        <p:attrNameLst>
+                                          <p:attrName>ppt_h</p:attrName>
+                                        </p:attrNameLst>
+                                      </p:cBhvr>
+                                      <p:tavLst>
+                                        <p:tav tm="0">
+                                          <p:val>
+                                            <p:fltVal val="0"/>
+                                          </p:val>
+                                        </p:tav>
+                                        <p:tav tm="100000">
+                                          <p:val>
+                                            <p:strVal val="#ppt_h"/>
+                                          </p:val>
+                                        </p:tav>
+                                      </p:tavLst>
+                                    </p:anim>
+                                    <p:animEffect transition="in" filter="fade">
+                                      <p:cBhvr>
+                                        <p:cTn id="31" dur="500"/>
+                                        <p:tgtEl>
+                                          <p:spTgt spid="4"/>
+                                        </p:tgtEl>
+                                      </p:cBhvr>
+                                    </p:animEffect>
+                                  </p:childTnLst>
+                                </p:cTn>
+                              </p:par>
+                            </p:childTnLst>
+                          </p:cTn>
+                        </p:par>
+                      </p:childTnLst>
+                    </p:cTn>
+                  </p:par>
+                </p:childTnLst>
+              </p:cTn>
+              <p:prevCondLst>
+                <p:cond evt="onPrev" delay="0">
+                  <p:tgtEl>
+                    <p:sldTgt/>
+                  </p:tgtEl>
+                </p:cond>
+              </p:prevCondLst>
+              <p:nextCondLst>
+                <p:cond evt="onNext" delay="0">
+                  <p:tgtEl>
+                    <p:sldTgt/>
+                  </p:tgtEl>
+                </p:cond>
+              </p:nextCondLst>
+            </p:seq>
+          </p:childTnLst>
+        </p:cTn>
+      </p:par>
+    </p:tnLst>
+    <p:bldLst>
+      <p:bldP spid="4" grpId="0"/>
+    </p:bldLst>
+  </p:timing>
 </p:sld>
 </file>
 
